--- a/Presentazione.pptx
+++ b/Presentazione.pptx
@@ -119,7 +119,16 @@
       </a:defRPr>
     </a:lvl9pPr>
   </p:defaultTextStyle>
+  <p:extLst>
+    <p:ext uri="{EFAFB233-063F-42B5-8137-9DF3F51BA10A}">
+      <p15:sldGuideLst xmlns:p15="http://schemas.microsoft.com/office/powerpoint/2012/main"/>
+    </p:ext>
+  </p:extLst>
 </p:presentation>
+</file>
+
+<file path=ppt/revisionInfo.xml><?xml version="1.0" encoding="utf-8"?>
+<p1510:revInfo xmlns:a="http://schemas.openxmlformats.org/drawingml/2006/main" xmlns:r="http://schemas.openxmlformats.org/officeDocument/2006/relationships" xmlns:p1510="http://schemas.microsoft.com/office/powerpoint/2015/10/main"/>
 </file>
 
 <file path=ppt/notesMasters/notesMaster1.xml><?xml version="1.0" encoding="utf-8"?>
@@ -204,7 +213,7 @@
           <a:p>
             <a:fld id="{444B84AA-5D7F-044C-A2CA-A90C4BB986C9}" type="datetimeFigureOut">
               <a:rPr lang="it-IT" smtClean="0"/>
-              <a:t>07/09/17</a:t>
+              <a:t>08/09/2017</a:t>
             </a:fld>
             <a:endParaRPr lang="it-IT"/>
           </a:p>
@@ -268,35 +277,35 @@
           <a:p>
             <a:pPr lvl="0"/>
             <a:r>
-              <a:rPr lang="en-US" smtClean="0"/>
+              <a:rPr lang="en-US"/>
               <a:t>Click to edit Master text styles</a:t>
             </a:r>
           </a:p>
           <a:p>
             <a:pPr lvl="1"/>
             <a:r>
-              <a:rPr lang="en-US" smtClean="0"/>
+              <a:rPr lang="en-US"/>
               <a:t>Second level</a:t>
             </a:r>
           </a:p>
           <a:p>
             <a:pPr lvl="2"/>
             <a:r>
-              <a:rPr lang="en-US" smtClean="0"/>
+              <a:rPr lang="en-US"/>
               <a:t>Third level</a:t>
             </a:r>
           </a:p>
           <a:p>
             <a:pPr lvl="3"/>
             <a:r>
-              <a:rPr lang="en-US" smtClean="0"/>
+              <a:rPr lang="en-US"/>
               <a:t>Fourth level</a:t>
             </a:r>
           </a:p>
           <a:p>
             <a:pPr lvl="4"/>
             <a:r>
-              <a:rPr lang="en-US" smtClean="0"/>
+              <a:rPr lang="en-US"/>
               <a:t>Fifth level</a:t>
             </a:r>
             <a:endParaRPr lang="it-IT"/>
@@ -602,7 +611,7 @@
           </a:lstStyle>
           <a:p>
             <a:r>
-              <a:rPr lang="en-US" smtClean="0"/>
+              <a:rPr lang="en-US"/>
               <a:t>Click to edit Master title style</a:t>
             </a:r>
             <a:endParaRPr lang="en-US" dirty="0"/>
@@ -674,7 +683,7 @@
           </a:lstStyle>
           <a:p>
             <a:r>
-              <a:rPr lang="en-US" smtClean="0"/>
+              <a:rPr lang="en-US"/>
               <a:t>Click to edit Master subtitle style</a:t>
             </a:r>
             <a:endParaRPr lang="en-US" dirty="0"/>
@@ -698,7 +707,7 @@
           <a:p>
             <a:fld id="{83CE6F29-DBF2-C24A-928C-69596927030A}" type="datetimeFigureOut">
               <a:rPr lang="en-US" smtClean="0"/>
-              <a:t>9/7/17</a:t>
+              <a:t>9/8/2017</a:t>
             </a:fld>
             <a:endParaRPr lang="en-US"/>
           </a:p>
@@ -825,7 +834,7 @@
           <a:lstStyle/>
           <a:p>
             <a:r>
-              <a:rPr lang="en-US" smtClean="0"/>
+              <a:rPr lang="en-US"/>
               <a:t>Click to edit Master title style</a:t>
             </a:r>
             <a:endParaRPr lang="en-US" dirty="0"/>
@@ -849,35 +858,35 @@
           <a:p>
             <a:pPr lvl="0"/>
             <a:r>
-              <a:rPr lang="en-US" smtClean="0"/>
+              <a:rPr lang="en-US"/>
               <a:t>Click to edit Master text styles</a:t>
             </a:r>
           </a:p>
           <a:p>
             <a:pPr lvl="1"/>
             <a:r>
-              <a:rPr lang="en-US" smtClean="0"/>
+              <a:rPr lang="en-US"/>
               <a:t>Second level</a:t>
             </a:r>
           </a:p>
           <a:p>
             <a:pPr lvl="2"/>
             <a:r>
-              <a:rPr lang="en-US" smtClean="0"/>
+              <a:rPr lang="en-US"/>
               <a:t>Third level</a:t>
             </a:r>
           </a:p>
           <a:p>
             <a:pPr lvl="3"/>
             <a:r>
-              <a:rPr lang="en-US" smtClean="0"/>
+              <a:rPr lang="en-US"/>
               <a:t>Fourth level</a:t>
             </a:r>
           </a:p>
           <a:p>
             <a:pPr lvl="4"/>
             <a:r>
-              <a:rPr lang="en-US" smtClean="0"/>
+              <a:rPr lang="en-US"/>
               <a:t>Fifth level</a:t>
             </a:r>
             <a:endParaRPr lang="en-US" dirty="0"/>
@@ -901,7 +910,7 @@
           <a:p>
             <a:fld id="{83CE6F29-DBF2-C24A-928C-69596927030A}" type="datetimeFigureOut">
               <a:rPr lang="en-US" smtClean="0"/>
-              <a:t>9/7/17</a:t>
+              <a:t>9/8/2017</a:t>
             </a:fld>
             <a:endParaRPr lang="en-US"/>
           </a:p>
@@ -1071,7 +1080,7 @@
           <a:lstStyle/>
           <a:p>
             <a:r>
-              <a:rPr lang="en-US" smtClean="0"/>
+              <a:rPr lang="en-US"/>
               <a:t>Click to edit Master title style</a:t>
             </a:r>
             <a:endParaRPr lang="en-US" dirty="0"/>
@@ -1100,35 +1109,35 @@
           <a:p>
             <a:pPr lvl="0"/>
             <a:r>
-              <a:rPr lang="en-US" smtClean="0"/>
+              <a:rPr lang="en-US"/>
               <a:t>Click to edit Master text styles</a:t>
             </a:r>
           </a:p>
           <a:p>
             <a:pPr lvl="1"/>
             <a:r>
-              <a:rPr lang="en-US" smtClean="0"/>
+              <a:rPr lang="en-US"/>
               <a:t>Second level</a:t>
             </a:r>
           </a:p>
           <a:p>
             <a:pPr lvl="2"/>
             <a:r>
-              <a:rPr lang="en-US" smtClean="0"/>
+              <a:rPr lang="en-US"/>
               <a:t>Third level</a:t>
             </a:r>
           </a:p>
           <a:p>
             <a:pPr lvl="3"/>
             <a:r>
-              <a:rPr lang="en-US" smtClean="0"/>
+              <a:rPr lang="en-US"/>
               <a:t>Fourth level</a:t>
             </a:r>
           </a:p>
           <a:p>
             <a:pPr lvl="4"/>
             <a:r>
-              <a:rPr lang="en-US" smtClean="0"/>
+              <a:rPr lang="en-US"/>
               <a:t>Fifth level</a:t>
             </a:r>
             <a:endParaRPr lang="en-US" dirty="0"/>
@@ -1152,7 +1161,7 @@
           <a:p>
             <a:fld id="{83CE6F29-DBF2-C24A-928C-69596927030A}" type="datetimeFigureOut">
               <a:rPr lang="en-US" smtClean="0"/>
-              <a:t>9/7/17</a:t>
+              <a:t>9/8/2017</a:t>
             </a:fld>
             <a:endParaRPr lang="en-US"/>
           </a:p>
@@ -1241,7 +1250,7 @@
           <a:lstStyle/>
           <a:p>
             <a:r>
-              <a:rPr lang="en-US" smtClean="0"/>
+              <a:rPr lang="en-US"/>
               <a:t>Click to edit Master title style</a:t>
             </a:r>
             <a:endParaRPr lang="en-US" dirty="0"/>
@@ -1265,35 +1274,35 @@
           <a:p>
             <a:pPr lvl="0"/>
             <a:r>
-              <a:rPr lang="en-US" smtClean="0"/>
+              <a:rPr lang="en-US"/>
               <a:t>Click to edit Master text styles</a:t>
             </a:r>
           </a:p>
           <a:p>
             <a:pPr lvl="1"/>
             <a:r>
-              <a:rPr lang="en-US" smtClean="0"/>
+              <a:rPr lang="en-US"/>
               <a:t>Second level</a:t>
             </a:r>
           </a:p>
           <a:p>
             <a:pPr lvl="2"/>
             <a:r>
-              <a:rPr lang="en-US" smtClean="0"/>
+              <a:rPr lang="en-US"/>
               <a:t>Third level</a:t>
             </a:r>
           </a:p>
           <a:p>
             <a:pPr lvl="3"/>
             <a:r>
-              <a:rPr lang="en-US" smtClean="0"/>
+              <a:rPr lang="en-US"/>
               <a:t>Fourth level</a:t>
             </a:r>
           </a:p>
           <a:p>
             <a:pPr lvl="4"/>
             <a:r>
-              <a:rPr lang="en-US" smtClean="0"/>
+              <a:rPr lang="en-US"/>
               <a:t>Fifth level</a:t>
             </a:r>
             <a:endParaRPr lang="en-US" dirty="0"/>
@@ -1317,7 +1326,7 @@
           <a:p>
             <a:fld id="{83CE6F29-DBF2-C24A-928C-69596927030A}" type="datetimeFigureOut">
               <a:rPr lang="en-US" smtClean="0"/>
-              <a:t>9/7/17</a:t>
+              <a:t>9/8/2017</a:t>
             </a:fld>
             <a:endParaRPr lang="en-US"/>
           </a:p>
@@ -1511,7 +1520,7 @@
           </a:lstStyle>
           <a:p>
             <a:r>
-              <a:rPr lang="en-US" smtClean="0"/>
+              <a:rPr lang="en-US"/>
               <a:t>Click to edit Master title style</a:t>
             </a:r>
             <a:endParaRPr lang="en-US" dirty="0"/>
@@ -1632,7 +1641,7 @@
           <a:p>
             <a:pPr lvl="0"/>
             <a:r>
-              <a:rPr lang="en-US" smtClean="0"/>
+              <a:rPr lang="en-US"/>
               <a:t>Click to edit Master text styles</a:t>
             </a:r>
           </a:p>
@@ -1655,7 +1664,7 @@
           <a:p>
             <a:fld id="{83CE6F29-DBF2-C24A-928C-69596927030A}" type="datetimeFigureOut">
               <a:rPr lang="en-US" smtClean="0"/>
-              <a:t>9/7/17</a:t>
+              <a:t>9/8/2017</a:t>
             </a:fld>
             <a:endParaRPr lang="en-US"/>
           </a:p>
@@ -1787,7 +1796,7 @@
           <a:lstStyle/>
           <a:p>
             <a:r>
-              <a:rPr lang="en-US" smtClean="0"/>
+              <a:rPr lang="en-US"/>
               <a:t>Click to edit Master title style</a:t>
             </a:r>
             <a:endParaRPr lang="en-US" dirty="0"/>
@@ -1816,35 +1825,35 @@
           <a:p>
             <a:pPr lvl="0"/>
             <a:r>
-              <a:rPr lang="en-US" smtClean="0"/>
+              <a:rPr lang="en-US"/>
               <a:t>Click to edit Master text styles</a:t>
             </a:r>
           </a:p>
           <a:p>
             <a:pPr lvl="1"/>
             <a:r>
-              <a:rPr lang="en-US" smtClean="0"/>
+              <a:rPr lang="en-US"/>
               <a:t>Second level</a:t>
             </a:r>
           </a:p>
           <a:p>
             <a:pPr lvl="2"/>
             <a:r>
-              <a:rPr lang="en-US" smtClean="0"/>
+              <a:rPr lang="en-US"/>
               <a:t>Third level</a:t>
             </a:r>
           </a:p>
           <a:p>
             <a:pPr lvl="3"/>
             <a:r>
-              <a:rPr lang="en-US" smtClean="0"/>
+              <a:rPr lang="en-US"/>
               <a:t>Fourth level</a:t>
             </a:r>
           </a:p>
           <a:p>
             <a:pPr lvl="4"/>
             <a:r>
-              <a:rPr lang="en-US" smtClean="0"/>
+              <a:rPr lang="en-US"/>
               <a:t>Fifth level</a:t>
             </a:r>
             <a:endParaRPr lang="en-US" dirty="0"/>
@@ -1873,35 +1882,35 @@
           <a:p>
             <a:pPr lvl="0"/>
             <a:r>
-              <a:rPr lang="en-US" smtClean="0"/>
+              <a:rPr lang="en-US"/>
               <a:t>Click to edit Master text styles</a:t>
             </a:r>
           </a:p>
           <a:p>
             <a:pPr lvl="1"/>
             <a:r>
-              <a:rPr lang="en-US" smtClean="0"/>
+              <a:rPr lang="en-US"/>
               <a:t>Second level</a:t>
             </a:r>
           </a:p>
           <a:p>
             <a:pPr lvl="2"/>
             <a:r>
-              <a:rPr lang="en-US" smtClean="0"/>
+              <a:rPr lang="en-US"/>
               <a:t>Third level</a:t>
             </a:r>
           </a:p>
           <a:p>
             <a:pPr lvl="3"/>
             <a:r>
-              <a:rPr lang="en-US" smtClean="0"/>
+              <a:rPr lang="en-US"/>
               <a:t>Fourth level</a:t>
             </a:r>
           </a:p>
           <a:p>
             <a:pPr lvl="4"/>
             <a:r>
-              <a:rPr lang="en-US" smtClean="0"/>
+              <a:rPr lang="en-US"/>
               <a:t>Fifth level</a:t>
             </a:r>
             <a:endParaRPr lang="en-US" dirty="0"/>
@@ -1925,7 +1934,7 @@
           <a:p>
             <a:fld id="{83CE6F29-DBF2-C24A-928C-69596927030A}" type="datetimeFigureOut">
               <a:rPr lang="en-US" smtClean="0"/>
-              <a:t>9/7/17</a:t>
+              <a:t>9/8/2017</a:t>
             </a:fld>
             <a:endParaRPr lang="en-US"/>
           </a:p>
@@ -2019,7 +2028,7 @@
           <a:lstStyle/>
           <a:p>
             <a:r>
-              <a:rPr lang="en-US" smtClean="0"/>
+              <a:rPr lang="en-US"/>
               <a:t>Click to edit Master title style</a:t>
             </a:r>
             <a:endParaRPr lang="en-US" dirty="0"/>
@@ -2091,7 +2100,7 @@
           <a:p>
             <a:pPr lvl="0"/>
             <a:r>
-              <a:rPr lang="en-US" smtClean="0"/>
+              <a:rPr lang="en-US"/>
               <a:t>Click to edit Master text styles</a:t>
             </a:r>
           </a:p>
@@ -2119,35 +2128,35 @@
           <a:p>
             <a:pPr lvl="0"/>
             <a:r>
-              <a:rPr lang="en-US" smtClean="0"/>
+              <a:rPr lang="en-US"/>
               <a:t>Click to edit Master text styles</a:t>
             </a:r>
           </a:p>
           <a:p>
             <a:pPr lvl="1"/>
             <a:r>
-              <a:rPr lang="en-US" smtClean="0"/>
+              <a:rPr lang="en-US"/>
               <a:t>Second level</a:t>
             </a:r>
           </a:p>
           <a:p>
             <a:pPr lvl="2"/>
             <a:r>
-              <a:rPr lang="en-US" smtClean="0"/>
+              <a:rPr lang="en-US"/>
               <a:t>Third level</a:t>
             </a:r>
           </a:p>
           <a:p>
             <a:pPr lvl="3"/>
             <a:r>
-              <a:rPr lang="en-US" smtClean="0"/>
+              <a:rPr lang="en-US"/>
               <a:t>Fourth level</a:t>
             </a:r>
           </a:p>
           <a:p>
             <a:pPr lvl="4"/>
             <a:r>
-              <a:rPr lang="en-US" smtClean="0"/>
+              <a:rPr lang="en-US"/>
               <a:t>Fifth level</a:t>
             </a:r>
             <a:endParaRPr lang="en-US" dirty="0"/>
@@ -2219,7 +2228,7 @@
           <a:p>
             <a:pPr lvl="0"/>
             <a:r>
-              <a:rPr lang="en-US" smtClean="0"/>
+              <a:rPr lang="en-US"/>
               <a:t>Click to edit Master text styles</a:t>
             </a:r>
           </a:p>
@@ -2247,35 +2256,35 @@
           <a:p>
             <a:pPr lvl="0"/>
             <a:r>
-              <a:rPr lang="en-US" smtClean="0"/>
+              <a:rPr lang="en-US"/>
               <a:t>Click to edit Master text styles</a:t>
             </a:r>
           </a:p>
           <a:p>
             <a:pPr lvl="1"/>
             <a:r>
-              <a:rPr lang="en-US" smtClean="0"/>
+              <a:rPr lang="en-US"/>
               <a:t>Second level</a:t>
             </a:r>
           </a:p>
           <a:p>
             <a:pPr lvl="2"/>
             <a:r>
-              <a:rPr lang="en-US" smtClean="0"/>
+              <a:rPr lang="en-US"/>
               <a:t>Third level</a:t>
             </a:r>
           </a:p>
           <a:p>
             <a:pPr lvl="3"/>
             <a:r>
-              <a:rPr lang="en-US" smtClean="0"/>
+              <a:rPr lang="en-US"/>
               <a:t>Fourth level</a:t>
             </a:r>
           </a:p>
           <a:p>
             <a:pPr lvl="4"/>
             <a:r>
-              <a:rPr lang="en-US" smtClean="0"/>
+              <a:rPr lang="en-US"/>
               <a:t>Fifth level</a:t>
             </a:r>
             <a:endParaRPr lang="en-US" dirty="0"/>
@@ -2299,7 +2308,7 @@
           <a:p>
             <a:fld id="{83CE6F29-DBF2-C24A-928C-69596927030A}" type="datetimeFigureOut">
               <a:rPr lang="en-US" smtClean="0"/>
-              <a:t>9/7/17</a:t>
+              <a:t>9/8/2017</a:t>
             </a:fld>
             <a:endParaRPr lang="en-US"/>
           </a:p>
@@ -2388,7 +2397,7 @@
           <a:lstStyle/>
           <a:p>
             <a:r>
-              <a:rPr lang="en-US" smtClean="0"/>
+              <a:rPr lang="en-US"/>
               <a:t>Click to edit Master title style</a:t>
             </a:r>
             <a:endParaRPr lang="en-US" dirty="0"/>
@@ -2412,7 +2421,7 @@
           <a:p>
             <a:fld id="{83CE6F29-DBF2-C24A-928C-69596927030A}" type="datetimeFigureOut">
               <a:rPr lang="en-US" smtClean="0"/>
-              <a:t>9/7/17</a:t>
+              <a:t>9/8/2017</a:t>
             </a:fld>
             <a:endParaRPr lang="en-US"/>
           </a:p>
@@ -2578,7 +2587,7 @@
           <a:p>
             <a:fld id="{83CE6F29-DBF2-C24A-928C-69596927030A}" type="datetimeFigureOut">
               <a:rPr lang="en-US" smtClean="0"/>
-              <a:t>9/7/17</a:t>
+              <a:t>9/8/2017</a:t>
             </a:fld>
             <a:endParaRPr lang="en-US"/>
           </a:p>
@@ -2766,7 +2775,7 @@
           </a:lstStyle>
           <a:p>
             <a:r>
-              <a:rPr lang="en-US" smtClean="0"/>
+              <a:rPr lang="en-US"/>
               <a:t>Click to edit Master title style</a:t>
             </a:r>
             <a:endParaRPr lang="en-US" dirty="0"/>
@@ -2795,35 +2804,35 @@
           <a:p>
             <a:pPr lvl="0"/>
             <a:r>
-              <a:rPr lang="en-US" smtClean="0"/>
+              <a:rPr lang="en-US"/>
               <a:t>Click to edit Master text styles</a:t>
             </a:r>
           </a:p>
           <a:p>
             <a:pPr lvl="1"/>
             <a:r>
-              <a:rPr lang="en-US" smtClean="0"/>
+              <a:rPr lang="en-US"/>
               <a:t>Second level</a:t>
             </a:r>
           </a:p>
           <a:p>
             <a:pPr lvl="2"/>
             <a:r>
-              <a:rPr lang="en-US" smtClean="0"/>
+              <a:rPr lang="en-US"/>
               <a:t>Third level</a:t>
             </a:r>
           </a:p>
           <a:p>
             <a:pPr lvl="3"/>
             <a:r>
-              <a:rPr lang="en-US" smtClean="0"/>
+              <a:rPr lang="en-US"/>
               <a:t>Fourth level</a:t>
             </a:r>
           </a:p>
           <a:p>
             <a:pPr lvl="4"/>
             <a:r>
-              <a:rPr lang="en-US" smtClean="0"/>
+              <a:rPr lang="en-US"/>
               <a:t>Fifth level</a:t>
             </a:r>
             <a:endParaRPr lang="en-US" dirty="0"/>
@@ -2895,7 +2904,7 @@
           <a:p>
             <a:pPr lvl="0"/>
             <a:r>
-              <a:rPr lang="en-US" smtClean="0"/>
+              <a:rPr lang="en-US"/>
               <a:t>Click to edit Master text styles</a:t>
             </a:r>
           </a:p>
@@ -2927,7 +2936,7 @@
           <a:p>
             <a:fld id="{83CE6F29-DBF2-C24A-928C-69596927030A}" type="datetimeFigureOut">
               <a:rPr lang="en-US" smtClean="0"/>
-              <a:t>9/7/17</a:t>
+              <a:t>9/8/2017</a:t>
             </a:fld>
             <a:endParaRPr lang="en-US"/>
           </a:p>
@@ -3128,7 +3137,7 @@
           </a:lstStyle>
           <a:p>
             <a:r>
-              <a:rPr lang="en-US" smtClean="0"/>
+              <a:rPr lang="en-US"/>
               <a:t>Click to edit Master title style</a:t>
             </a:r>
             <a:endParaRPr lang="en-US" dirty="0"/>
@@ -3198,7 +3207,7 @@
           </a:lstStyle>
           <a:p>
             <a:r>
-              <a:rPr lang="en-US" smtClean="0"/>
+              <a:rPr lang="en-US"/>
               <a:t>Drag picture to placeholder or click icon to add</a:t>
             </a:r>
             <a:endParaRPr lang="en-US" dirty="0"/>
@@ -3276,7 +3285,7 @@
           <a:p>
             <a:pPr lvl="0"/>
             <a:r>
-              <a:rPr lang="en-US" smtClean="0"/>
+              <a:rPr lang="en-US"/>
               <a:t>Click to edit Master text styles</a:t>
             </a:r>
           </a:p>
@@ -3299,7 +3308,7 @@
           <a:p>
             <a:fld id="{83CE6F29-DBF2-C24A-928C-69596927030A}" type="datetimeFigureOut">
               <a:rPr lang="en-US" smtClean="0"/>
-              <a:t>9/7/17</a:t>
+              <a:t>9/8/2017</a:t>
             </a:fld>
             <a:endParaRPr lang="en-US"/>
           </a:p>
@@ -3479,7 +3488,7 @@
           <a:lstStyle/>
           <a:p>
             <a:r>
-              <a:rPr lang="en-US" smtClean="0"/>
+              <a:rPr lang="en-US"/>
               <a:t>Click to edit Master title style</a:t>
             </a:r>
             <a:endParaRPr lang="en-US" dirty="0"/>
@@ -3513,35 +3522,35 @@
           <a:p>
             <a:pPr lvl="0"/>
             <a:r>
-              <a:rPr lang="en-US" smtClean="0"/>
+              <a:rPr lang="en-US"/>
               <a:t>Click to edit Master text styles</a:t>
             </a:r>
           </a:p>
           <a:p>
             <a:pPr lvl="1"/>
             <a:r>
-              <a:rPr lang="en-US" smtClean="0"/>
+              <a:rPr lang="en-US"/>
               <a:t>Second level</a:t>
             </a:r>
           </a:p>
           <a:p>
             <a:pPr lvl="2"/>
             <a:r>
-              <a:rPr lang="en-US" smtClean="0"/>
+              <a:rPr lang="en-US"/>
               <a:t>Third level</a:t>
             </a:r>
           </a:p>
           <a:p>
             <a:pPr lvl="3"/>
             <a:r>
-              <a:rPr lang="en-US" smtClean="0"/>
+              <a:rPr lang="en-US"/>
               <a:t>Fourth level</a:t>
             </a:r>
           </a:p>
           <a:p>
             <a:pPr lvl="4"/>
             <a:r>
-              <a:rPr lang="en-US" smtClean="0"/>
+              <a:rPr lang="en-US"/>
               <a:t>Fifth level</a:t>
             </a:r>
             <a:endParaRPr lang="en-US" dirty="0"/>
@@ -3581,7 +3590,7 @@
           <a:p>
             <a:fld id="{83CE6F29-DBF2-C24A-928C-69596927030A}" type="datetimeFigureOut">
               <a:rPr lang="en-US" smtClean="0"/>
-              <a:t>9/7/17</a:t>
+              <a:t>9/8/2017</a:t>
             </a:fld>
             <a:endParaRPr lang="en-US"/>
           </a:p>
@@ -4156,7 +4165,7 @@
           <a:lstStyle/>
           <a:p>
             <a:r>
-              <a:rPr lang="it-IT" dirty="0" err="1" smtClean="0">
+              <a:rPr lang="it-IT" dirty="0" err="1">
                 <a:solidFill>
                   <a:schemeClr val="tx1">
                     <a:lumMod val="65000"/>
@@ -4195,10 +4204,9 @@
           <a:lstStyle/>
           <a:p>
             <a:r>
-              <a:rPr lang="it-IT" dirty="0" smtClean="0"/>
+              <a:rPr lang="it-IT" dirty="0"/>
               <a:t>Ambiente didattico in realtà AUMENTATA PER L’AVVIAMENTO ALLA PROGRAMMAZIONE</a:t>
             </a:r>
-            <a:endParaRPr lang="it-IT" dirty="0"/>
           </a:p>
         </p:txBody>
       </p:sp>
@@ -4225,10 +4233,9 @@
           <a:lstStyle/>
           <a:p>
             <a:r>
-              <a:rPr lang="en-US" smtClean="0"/>
+              <a:rPr lang="en-US"/>
               <a:t>Matteo Boschini</a:t>
             </a:r>
-            <a:endParaRPr lang="en-US"/>
           </a:p>
         </p:txBody>
       </p:sp>
@@ -4242,13 +4249,6 @@
   <p:clrMapOvr>
     <a:masterClrMapping/>
   </p:clrMapOvr>
-  <p:timing>
-    <p:tnLst>
-      <p:par>
-        <p:cTn id="1" dur="indefinite" restart="never" nodeType="tmRoot"/>
-      </p:par>
-    </p:tnLst>
-  </p:timing>
 </p:sld>
 </file>
 
@@ -4285,23 +4285,23 @@
           <a:lstStyle/>
           <a:p>
             <a:r>
-              <a:rPr lang="en-US" dirty="0" err="1" smtClean="0"/>
+              <a:rPr lang="en-US" dirty="0" err="1"/>
               <a:t>Architettura</a:t>
             </a:r>
             <a:r>
-              <a:rPr lang="en-US" dirty="0" smtClean="0"/>
+              <a:rPr lang="en-US" dirty="0"/>
               <a:t> </a:t>
             </a:r>
             <a:r>
-              <a:rPr lang="en-US" dirty="0" err="1" smtClean="0"/>
+              <a:rPr lang="en-US" dirty="0" err="1"/>
               <a:t>dell’ambiente</a:t>
             </a:r>
             <a:r>
-              <a:rPr lang="en-US" dirty="0" smtClean="0"/>
+              <a:rPr lang="en-US" dirty="0"/>
               <a:t> di </a:t>
             </a:r>
             <a:r>
-              <a:rPr lang="en-US" dirty="0" err="1" smtClean="0"/>
+              <a:rPr lang="en-US" dirty="0" err="1"/>
               <a:t>Sviluppo</a:t>
             </a:r>
             <a:endParaRPr lang="en-US" dirty="0"/>
@@ -4354,15 +4354,15 @@
           <a:lstStyle/>
           <a:p>
             <a:r>
-              <a:rPr lang="en-US" dirty="0" err="1" smtClean="0"/>
+              <a:rPr lang="en-US" dirty="0" err="1"/>
               <a:t>Interfaccia</a:t>
             </a:r>
             <a:r>
-              <a:rPr lang="en-US" dirty="0" smtClean="0"/>
+              <a:rPr lang="en-US" dirty="0"/>
               <a:t> </a:t>
             </a:r>
             <a:r>
-              <a:rPr lang="en-US" dirty="0" err="1" smtClean="0"/>
+              <a:rPr lang="en-US" dirty="0" err="1"/>
               <a:t>Grafica</a:t>
             </a:r>
             <a:endParaRPr lang="en-US" dirty="0"/>
@@ -4415,10 +4415,9 @@
           <a:lstStyle/>
           <a:p>
             <a:r>
-              <a:rPr lang="en-US" dirty="0" smtClean="0"/>
+              <a:rPr lang="en-US" dirty="0"/>
               <a:t>Demo</a:t>
             </a:r>
-            <a:endParaRPr lang="en-US" dirty="0"/>
           </a:p>
         </p:txBody>
       </p:sp>
@@ -4468,7 +4467,7 @@
           <a:lstStyle/>
           <a:p>
             <a:r>
-              <a:rPr lang="en-US" dirty="0" err="1" smtClean="0"/>
+              <a:rPr lang="en-US" dirty="0" err="1"/>
               <a:t>Conclusioni</a:t>
             </a:r>
             <a:endParaRPr lang="en-US" dirty="0"/>
@@ -4551,10 +4550,9 @@
           <a:lstStyle/>
           <a:p>
             <a:r>
-              <a:rPr lang="it-IT" dirty="0" smtClean="0"/>
+              <a:rPr lang="it-IT" dirty="0"/>
               <a:t>Finalità</a:t>
             </a:r>
-            <a:endParaRPr lang="it-IT" dirty="0"/>
           </a:p>
         </p:txBody>
       </p:sp>
@@ -4901,27 +4899,19 @@
               <a:buChar char="•"/>
             </a:pPr>
             <a:r>
-              <a:rPr lang="it-IT" sz="2000" b="1" i="1" dirty="0" smtClean="0"/>
+              <a:rPr lang="it-IT" sz="2000" b="1" i="1" dirty="0"/>
               <a:t>Scratch</a:t>
             </a:r>
             <a:r>
               <a:rPr lang="it-IT" sz="2000" dirty="0"/>
-              <a:t> </a:t>
-            </a:r>
-            <a:r>
-              <a:rPr lang="it-IT" sz="2000" dirty="0" smtClean="0"/>
-              <a:t>è un ambiente di sviluppo a fini didattici che fa uso di un </a:t>
-            </a:r>
-            <a:r>
-              <a:rPr lang="it-IT" sz="2000" b="1" dirty="0" err="1" smtClean="0"/>
-              <a:t>linguag-gio</a:t>
-            </a:r>
-            <a:r>
-              <a:rPr lang="it-IT" sz="2000" b="1" dirty="0" smtClean="0"/>
-              <a:t> di programmazione grafico</a:t>
-            </a:r>
-            <a:r>
-              <a:rPr lang="it-IT" sz="2000" dirty="0" smtClean="0"/>
+              <a:t> è un ambiente di sviluppo a fini didattici che fa uso di un </a:t>
+            </a:r>
+            <a:r>
+              <a:rPr lang="it-IT" sz="2000" b="1" dirty="0"/>
+              <a:t>linguaggio di programmazione grafico</a:t>
+            </a:r>
+            <a:r>
+              <a:rPr lang="it-IT" sz="2000" dirty="0"/>
               <a:t> a blocchi.</a:t>
             </a:r>
           </a:p>
@@ -4930,40 +4920,14 @@
               <a:buFont typeface="Arial" charset="0"/>
               <a:buChar char="•"/>
             </a:pPr>
-            <a:endParaRPr lang="it-IT" sz="700" dirty="0" smtClean="0"/>
+            <a:endParaRPr lang="it-IT" sz="700" dirty="0"/>
           </a:p>
           <a:p>
             <a:pPr lvl="1">
               <a:buFont typeface="Arial" charset="0"/>
               <a:buChar char="•"/>
             </a:pPr>
-            <a:r>
-              <a:rPr lang="it-IT" sz="2000" dirty="0" smtClean="0"/>
-              <a:t>La tecnologia di </a:t>
-            </a:r>
-            <a:r>
-              <a:rPr lang="it-IT" sz="2000" b="1" dirty="0" smtClean="0"/>
-              <a:t>realtà virtuale</a:t>
-            </a:r>
-            <a:r>
-              <a:rPr lang="it-IT" sz="2000" dirty="0" smtClean="0"/>
-              <a:t> consente un’</a:t>
-            </a:r>
-            <a:r>
-              <a:rPr lang="it-IT" sz="2000" b="1" dirty="0" smtClean="0"/>
-              <a:t>interazione più intuitiva e naturale</a:t>
-            </a:r>
-            <a:r>
-              <a:rPr lang="it-IT" sz="2000" dirty="0" smtClean="0"/>
-              <a:t> con il calcolatore</a:t>
-            </a:r>
-          </a:p>
-          <a:p>
-            <a:pPr lvl="1">
-              <a:buFont typeface="Arial" charset="0"/>
-              <a:buChar char="•"/>
-            </a:pPr>
-            <a:endParaRPr lang="it-IT" sz="2000" dirty="0" smtClean="0"/>
+            <a:endParaRPr lang="it-IT" sz="2000" dirty="0"/>
           </a:p>
         </p:txBody>
       </p:sp>
@@ -5238,18 +5202,323 @@
               <a:buChar char="•"/>
             </a:pPr>
             <a:r>
-              <a:rPr lang="it-IT" sz="2000" dirty="0" smtClean="0"/>
+              <a:rPr lang="it-IT" sz="2000" dirty="0"/>
               <a:t>La applicazione della seconda al primo </a:t>
             </a:r>
             <a:r>
-              <a:rPr lang="it-IT" sz="2000" b="1" dirty="0" smtClean="0"/>
+              <a:rPr lang="it-IT" sz="2000" b="1" dirty="0"/>
               <a:t>facilita l’interazione</a:t>
             </a:r>
             <a:r>
-              <a:rPr lang="it-IT" sz="2000" dirty="0" smtClean="0"/>
+              <a:rPr lang="it-IT" sz="2000" dirty="0"/>
               <a:t> dell’utente (specie se non abituato alle interfacce classiche).</a:t>
             </a:r>
-            <a:endParaRPr lang="it-IT" sz="2000" dirty="0" smtClean="0"/>
+          </a:p>
+        </p:txBody>
+      </p:sp>
+      <p:sp>
+        <p:nvSpPr>
+          <p:cNvPr id="10" name="Content Placeholder 2">
+            <a:extLst>
+              <a:ext uri="{FF2B5EF4-FFF2-40B4-BE49-F238E27FC236}">
+                <a16:creationId xmlns:a16="http://schemas.microsoft.com/office/drawing/2014/main" id="{5E423904-5B0D-4BD9-B271-FAAC5E33A244}"/>
+              </a:ext>
+            </a:extLst>
+          </p:cNvPr>
+          <p:cNvSpPr txBox="1">
+            <a:spLocks/>
+          </p:cNvSpPr>
+          <p:nvPr/>
+        </p:nvSpPr>
+        <p:spPr>
+          <a:xfrm>
+            <a:off x="4216400" y="3472856"/>
+            <a:ext cx="4150360" cy="1951566"/>
+          </a:xfrm>
+          <a:prstGeom prst="rect">
+            <a:avLst/>
+          </a:prstGeom>
+        </p:spPr>
+        <p:txBody>
+          <a:bodyPr/>
+          <a:lstStyle>
+            <a:lvl1pPr marL="91440" indent="-91440" algn="l" defTabSz="914400" rtl="0" eaLnBrk="1" latinLnBrk="0" hangingPunct="1">
+              <a:lnSpc>
+                <a:spcPct val="90000"/>
+              </a:lnSpc>
+              <a:spcBef>
+                <a:spcPts val="1200"/>
+              </a:spcBef>
+              <a:spcAft>
+                <a:spcPts val="200"/>
+              </a:spcAft>
+              <a:buClr>
+                <a:schemeClr val="accent1"/>
+              </a:buClr>
+              <a:buSzPct val="100000"/>
+              <a:buFont typeface="Calibri" panose="020F0502020204030204" pitchFamily="34" charset="0"/>
+              <a:buChar char=" "/>
+              <a:defRPr sz="2000" kern="1200">
+                <a:solidFill>
+                  <a:schemeClr val="tx1">
+                    <a:lumMod val="75000"/>
+                    <a:lumOff val="25000"/>
+                  </a:schemeClr>
+                </a:solidFill>
+                <a:latin typeface="+mn-lt"/>
+                <a:ea typeface="+mn-ea"/>
+                <a:cs typeface="+mn-cs"/>
+              </a:defRPr>
+            </a:lvl1pPr>
+            <a:lvl2pPr marL="384048" indent="-182880" algn="l" defTabSz="914400" rtl="0" eaLnBrk="1" latinLnBrk="0" hangingPunct="1">
+              <a:lnSpc>
+                <a:spcPct val="90000"/>
+              </a:lnSpc>
+              <a:spcBef>
+                <a:spcPts val="200"/>
+              </a:spcBef>
+              <a:spcAft>
+                <a:spcPts val="400"/>
+              </a:spcAft>
+              <a:buClr>
+                <a:schemeClr val="accent1"/>
+              </a:buClr>
+              <a:buFont typeface="Calibri" pitchFamily="34" charset="0"/>
+              <a:buChar char="◦"/>
+              <a:defRPr sz="1800" kern="1200">
+                <a:solidFill>
+                  <a:schemeClr val="tx1">
+                    <a:lumMod val="75000"/>
+                    <a:lumOff val="25000"/>
+                  </a:schemeClr>
+                </a:solidFill>
+                <a:latin typeface="+mn-lt"/>
+                <a:ea typeface="+mn-ea"/>
+                <a:cs typeface="+mn-cs"/>
+              </a:defRPr>
+            </a:lvl2pPr>
+            <a:lvl3pPr marL="566928" indent="-182880" algn="l" defTabSz="914400" rtl="0" eaLnBrk="1" latinLnBrk="0" hangingPunct="1">
+              <a:lnSpc>
+                <a:spcPct val="90000"/>
+              </a:lnSpc>
+              <a:spcBef>
+                <a:spcPts val="200"/>
+              </a:spcBef>
+              <a:spcAft>
+                <a:spcPts val="400"/>
+              </a:spcAft>
+              <a:buClr>
+                <a:schemeClr val="accent1"/>
+              </a:buClr>
+              <a:buFont typeface="Calibri" pitchFamily="34" charset="0"/>
+              <a:buChar char="◦"/>
+              <a:defRPr sz="1400" kern="1200">
+                <a:solidFill>
+                  <a:schemeClr val="tx1">
+                    <a:lumMod val="75000"/>
+                    <a:lumOff val="25000"/>
+                  </a:schemeClr>
+                </a:solidFill>
+                <a:latin typeface="+mn-lt"/>
+                <a:ea typeface="+mn-ea"/>
+                <a:cs typeface="+mn-cs"/>
+              </a:defRPr>
+            </a:lvl3pPr>
+            <a:lvl4pPr marL="749808" indent="-182880" algn="l" defTabSz="914400" rtl="0" eaLnBrk="1" latinLnBrk="0" hangingPunct="1">
+              <a:lnSpc>
+                <a:spcPct val="90000"/>
+              </a:lnSpc>
+              <a:spcBef>
+                <a:spcPts val="200"/>
+              </a:spcBef>
+              <a:spcAft>
+                <a:spcPts val="400"/>
+              </a:spcAft>
+              <a:buClr>
+                <a:schemeClr val="accent1"/>
+              </a:buClr>
+              <a:buFont typeface="Calibri" pitchFamily="34" charset="0"/>
+              <a:buChar char="◦"/>
+              <a:defRPr sz="1400" kern="1200">
+                <a:solidFill>
+                  <a:schemeClr val="tx1">
+                    <a:lumMod val="75000"/>
+                    <a:lumOff val="25000"/>
+                  </a:schemeClr>
+                </a:solidFill>
+                <a:latin typeface="+mn-lt"/>
+                <a:ea typeface="+mn-ea"/>
+                <a:cs typeface="+mn-cs"/>
+              </a:defRPr>
+            </a:lvl4pPr>
+            <a:lvl5pPr marL="932688" indent="-182880" algn="l" defTabSz="914400" rtl="0" eaLnBrk="1" latinLnBrk="0" hangingPunct="1">
+              <a:lnSpc>
+                <a:spcPct val="90000"/>
+              </a:lnSpc>
+              <a:spcBef>
+                <a:spcPts val="200"/>
+              </a:spcBef>
+              <a:spcAft>
+                <a:spcPts val="400"/>
+              </a:spcAft>
+              <a:buClr>
+                <a:schemeClr val="accent1"/>
+              </a:buClr>
+              <a:buFont typeface="Calibri" pitchFamily="34" charset="0"/>
+              <a:buChar char="◦"/>
+              <a:defRPr sz="1400" kern="1200">
+                <a:solidFill>
+                  <a:schemeClr val="tx1">
+                    <a:lumMod val="75000"/>
+                    <a:lumOff val="25000"/>
+                  </a:schemeClr>
+                </a:solidFill>
+                <a:latin typeface="+mn-lt"/>
+                <a:ea typeface="+mn-ea"/>
+                <a:cs typeface="+mn-cs"/>
+              </a:defRPr>
+            </a:lvl5pPr>
+            <a:lvl6pPr marL="1100000" indent="-228600" algn="l" defTabSz="914400" rtl="0" eaLnBrk="1" latinLnBrk="0" hangingPunct="1">
+              <a:lnSpc>
+                <a:spcPct val="90000"/>
+              </a:lnSpc>
+              <a:spcBef>
+                <a:spcPts val="200"/>
+              </a:spcBef>
+              <a:spcAft>
+                <a:spcPts val="400"/>
+              </a:spcAft>
+              <a:buClr>
+                <a:schemeClr val="accent1"/>
+              </a:buClr>
+              <a:buFont typeface="Calibri" pitchFamily="34" charset="0"/>
+              <a:buChar char="◦"/>
+              <a:defRPr sz="1400" kern="1200">
+                <a:solidFill>
+                  <a:schemeClr val="tx1">
+                    <a:lumMod val="75000"/>
+                    <a:lumOff val="25000"/>
+                  </a:schemeClr>
+                </a:solidFill>
+                <a:latin typeface="+mn-lt"/>
+                <a:ea typeface="+mn-ea"/>
+                <a:cs typeface="+mn-cs"/>
+              </a:defRPr>
+            </a:lvl6pPr>
+            <a:lvl7pPr marL="1300000" indent="-228600" algn="l" defTabSz="914400" rtl="0" eaLnBrk="1" latinLnBrk="0" hangingPunct="1">
+              <a:lnSpc>
+                <a:spcPct val="90000"/>
+              </a:lnSpc>
+              <a:spcBef>
+                <a:spcPts val="200"/>
+              </a:spcBef>
+              <a:spcAft>
+                <a:spcPts val="400"/>
+              </a:spcAft>
+              <a:buClr>
+                <a:schemeClr val="accent1"/>
+              </a:buClr>
+              <a:buFont typeface="Calibri" pitchFamily="34" charset="0"/>
+              <a:buChar char="◦"/>
+              <a:defRPr sz="1400" kern="1200">
+                <a:solidFill>
+                  <a:schemeClr val="tx1">
+                    <a:lumMod val="75000"/>
+                    <a:lumOff val="25000"/>
+                  </a:schemeClr>
+                </a:solidFill>
+                <a:latin typeface="+mn-lt"/>
+                <a:ea typeface="+mn-ea"/>
+                <a:cs typeface="+mn-cs"/>
+              </a:defRPr>
+            </a:lvl7pPr>
+            <a:lvl8pPr marL="1500000" indent="-228600" algn="l" defTabSz="914400" rtl="0" eaLnBrk="1" latinLnBrk="0" hangingPunct="1">
+              <a:lnSpc>
+                <a:spcPct val="90000"/>
+              </a:lnSpc>
+              <a:spcBef>
+                <a:spcPts val="200"/>
+              </a:spcBef>
+              <a:spcAft>
+                <a:spcPts val="400"/>
+              </a:spcAft>
+              <a:buClr>
+                <a:schemeClr val="accent1"/>
+              </a:buClr>
+              <a:buFont typeface="Calibri" pitchFamily="34" charset="0"/>
+              <a:buChar char="◦"/>
+              <a:defRPr sz="1400" kern="1200">
+                <a:solidFill>
+                  <a:schemeClr val="tx1">
+                    <a:lumMod val="75000"/>
+                    <a:lumOff val="25000"/>
+                  </a:schemeClr>
+                </a:solidFill>
+                <a:latin typeface="+mn-lt"/>
+                <a:ea typeface="+mn-ea"/>
+                <a:cs typeface="+mn-cs"/>
+              </a:defRPr>
+            </a:lvl8pPr>
+            <a:lvl9pPr marL="1700000" indent="-228600" algn="l" defTabSz="914400" rtl="0" eaLnBrk="1" latinLnBrk="0" hangingPunct="1">
+              <a:lnSpc>
+                <a:spcPct val="90000"/>
+              </a:lnSpc>
+              <a:spcBef>
+                <a:spcPts val="200"/>
+              </a:spcBef>
+              <a:spcAft>
+                <a:spcPts val="400"/>
+              </a:spcAft>
+              <a:buClr>
+                <a:schemeClr val="accent1"/>
+              </a:buClr>
+              <a:buFont typeface="Calibri" pitchFamily="34" charset="0"/>
+              <a:buChar char="◦"/>
+              <a:defRPr sz="1400" kern="1200">
+                <a:solidFill>
+                  <a:schemeClr val="tx1">
+                    <a:lumMod val="75000"/>
+                    <a:lumOff val="25000"/>
+                  </a:schemeClr>
+                </a:solidFill>
+                <a:latin typeface="+mn-lt"/>
+                <a:ea typeface="+mn-ea"/>
+                <a:cs typeface="+mn-cs"/>
+              </a:defRPr>
+            </a:lvl9pPr>
+          </a:lstStyle>
+          <a:p>
+            <a:pPr lvl="1">
+              <a:buFont typeface="Arial" charset="0"/>
+              <a:buChar char="•"/>
+            </a:pPr>
+            <a:r>
+              <a:rPr lang="it-IT" sz="2000" dirty="0"/>
+              <a:t>La tecnologia di </a:t>
+            </a:r>
+            <a:r>
+              <a:rPr lang="it-IT" sz="2000" b="1" dirty="0"/>
+              <a:t>realtà virtuale</a:t>
+            </a:r>
+            <a:r>
+              <a:rPr lang="it-IT" sz="2000" dirty="0"/>
+              <a:t> consente un’</a:t>
+            </a:r>
+            <a:r>
+              <a:rPr lang="it-IT" sz="2000" b="1" dirty="0"/>
+              <a:t>interazione più intuitiva e naturale</a:t>
+            </a:r>
+            <a:r>
+              <a:rPr lang="it-IT" sz="2000" dirty="0"/>
+              <a:t> con il calcolatore</a:t>
+            </a:r>
+          </a:p>
+          <a:p>
+            <a:pPr lvl="1">
+              <a:buFont typeface="Arial" charset="0"/>
+              <a:buChar char="•"/>
+            </a:pPr>
+            <a:endParaRPr lang="it-IT" sz="2000" dirty="0"/>
           </a:p>
         </p:txBody>
       </p:sp>
@@ -5263,13 +5532,6 @@
   <p:clrMapOvr>
     <a:masterClrMapping/>
   </p:clrMapOvr>
-  <p:timing>
-    <p:tnLst>
-      <p:par>
-        <p:cTn id="1" dur="indefinite" restart="never" nodeType="tmRoot"/>
-      </p:par>
-    </p:tnLst>
-  </p:timing>
 </p:sld>
 </file>
 
@@ -5306,10 +5568,9 @@
           <a:lstStyle/>
           <a:p>
             <a:r>
-              <a:rPr lang="it-IT" dirty="0" smtClean="0"/>
+              <a:rPr lang="it-IT" dirty="0"/>
               <a:t>Obiettivi</a:t>
             </a:r>
-            <a:endParaRPr lang="it-IT" dirty="0"/>
           </a:p>
         </p:txBody>
       </p:sp>
@@ -5335,53 +5596,324 @@
               <a:buChar char="•"/>
             </a:pPr>
             <a:r>
-              <a:rPr lang="it-IT" sz="2000" dirty="0" smtClean="0"/>
+              <a:rPr lang="it-IT" sz="2000" dirty="0"/>
               <a:t>Definizione di un linguaggio </a:t>
             </a:r>
             <a:r>
-              <a:rPr lang="it-IT" sz="2000" b="1" dirty="0" smtClean="0"/>
+              <a:rPr lang="it-IT" sz="2000" b="1" dirty="0"/>
               <a:t>grafico</a:t>
             </a:r>
             <a:r>
-              <a:rPr lang="it-IT" sz="2000" dirty="0" smtClean="0"/>
+              <a:rPr lang="it-IT" sz="2000" dirty="0"/>
               <a:t> a </a:t>
             </a:r>
             <a:r>
-              <a:rPr lang="it-IT" sz="2000" b="1" u="sng" dirty="0" smtClean="0"/>
+              <a:rPr lang="it-IT" sz="2000" b="1" u="sng" dirty="0"/>
               <a:t>blocchi</a:t>
             </a:r>
             <a:r>
-              <a:rPr lang="it-IT" sz="2000" dirty="0" smtClean="0"/>
+              <a:rPr lang="it-IT" sz="2000" dirty="0"/>
               <a:t> basato sul paradigma di </a:t>
             </a:r>
             <a:r>
-              <a:rPr lang="it-IT" sz="2000" b="1" dirty="0" smtClean="0"/>
+              <a:rPr lang="it-IT" sz="2000" b="1" dirty="0"/>
               <a:t>programmazione strutturata</a:t>
             </a:r>
             <a:r>
               <a:rPr lang="it-IT" sz="2000" dirty="0"/>
-              <a:t> </a:t>
-            </a:r>
-            <a:r>
-              <a:rPr lang="it-IT" sz="2000" dirty="0" smtClean="0"/>
-              <a:t>con le seguenti caratteristiche:</a:t>
-            </a:r>
-          </a:p>
+              <a:t> con le seguenti caratteristiche:</a:t>
+            </a:r>
+          </a:p>
+        </p:txBody>
+      </p:sp>
+      <p:sp>
+        <p:nvSpPr>
+          <p:cNvPr id="4" name="Content Placeholder 2">
+            <a:extLst>
+              <a:ext uri="{FF2B5EF4-FFF2-40B4-BE49-F238E27FC236}">
+                <a16:creationId xmlns:a16="http://schemas.microsoft.com/office/drawing/2014/main" id="{EBF529E2-29E0-45A6-A2EE-5C0362007B52}"/>
+              </a:ext>
+            </a:extLst>
+          </p:cNvPr>
+          <p:cNvSpPr txBox="1">
+            <a:spLocks/>
+          </p:cNvSpPr>
+          <p:nvPr/>
+        </p:nvSpPr>
+        <p:spPr>
+          <a:xfrm>
+            <a:off x="819440" y="2472919"/>
+            <a:ext cx="7543801" cy="4023360"/>
+          </a:xfrm>
+          <a:prstGeom prst="rect">
+            <a:avLst/>
+          </a:prstGeom>
+        </p:spPr>
+        <p:txBody>
+          <a:bodyPr vert="horz" lIns="0" tIns="45720" rIns="0" bIns="45720" rtlCol="0">
+            <a:normAutofit/>
+          </a:bodyPr>
+          <a:lstStyle>
+            <a:lvl1pPr marL="91440" indent="-91440" algn="l" defTabSz="914400" rtl="0" eaLnBrk="1" latinLnBrk="0" hangingPunct="1">
+              <a:lnSpc>
+                <a:spcPct val="90000"/>
+              </a:lnSpc>
+              <a:spcBef>
+                <a:spcPts val="1200"/>
+              </a:spcBef>
+              <a:spcAft>
+                <a:spcPts val="200"/>
+              </a:spcAft>
+              <a:buClr>
+                <a:schemeClr val="accent1"/>
+              </a:buClr>
+              <a:buSzPct val="100000"/>
+              <a:buFont typeface="Calibri" panose="020F0502020204030204" pitchFamily="34" charset="0"/>
+              <a:buChar char=" "/>
+              <a:defRPr sz="2000" kern="1200">
+                <a:solidFill>
+                  <a:schemeClr val="tx1">
+                    <a:lumMod val="75000"/>
+                    <a:lumOff val="25000"/>
+                  </a:schemeClr>
+                </a:solidFill>
+                <a:latin typeface="+mn-lt"/>
+                <a:ea typeface="+mn-ea"/>
+                <a:cs typeface="+mn-cs"/>
+              </a:defRPr>
+            </a:lvl1pPr>
+            <a:lvl2pPr marL="384048" indent="-182880" algn="l" defTabSz="914400" rtl="0" eaLnBrk="1" latinLnBrk="0" hangingPunct="1">
+              <a:lnSpc>
+                <a:spcPct val="90000"/>
+              </a:lnSpc>
+              <a:spcBef>
+                <a:spcPts val="200"/>
+              </a:spcBef>
+              <a:spcAft>
+                <a:spcPts val="400"/>
+              </a:spcAft>
+              <a:buClr>
+                <a:schemeClr val="accent1"/>
+              </a:buClr>
+              <a:buFont typeface="Calibri" pitchFamily="34" charset="0"/>
+              <a:buChar char="◦"/>
+              <a:defRPr sz="1800" kern="1200">
+                <a:solidFill>
+                  <a:schemeClr val="tx1">
+                    <a:lumMod val="75000"/>
+                    <a:lumOff val="25000"/>
+                  </a:schemeClr>
+                </a:solidFill>
+                <a:latin typeface="+mn-lt"/>
+                <a:ea typeface="+mn-ea"/>
+                <a:cs typeface="+mn-cs"/>
+              </a:defRPr>
+            </a:lvl2pPr>
+            <a:lvl3pPr marL="566928" indent="-182880" algn="l" defTabSz="914400" rtl="0" eaLnBrk="1" latinLnBrk="0" hangingPunct="1">
+              <a:lnSpc>
+                <a:spcPct val="90000"/>
+              </a:lnSpc>
+              <a:spcBef>
+                <a:spcPts val="200"/>
+              </a:spcBef>
+              <a:spcAft>
+                <a:spcPts val="400"/>
+              </a:spcAft>
+              <a:buClr>
+                <a:schemeClr val="accent1"/>
+              </a:buClr>
+              <a:buFont typeface="Calibri" pitchFamily="34" charset="0"/>
+              <a:buChar char="◦"/>
+              <a:defRPr sz="1400" kern="1200">
+                <a:solidFill>
+                  <a:schemeClr val="tx1">
+                    <a:lumMod val="75000"/>
+                    <a:lumOff val="25000"/>
+                  </a:schemeClr>
+                </a:solidFill>
+                <a:latin typeface="+mn-lt"/>
+                <a:ea typeface="+mn-ea"/>
+                <a:cs typeface="+mn-cs"/>
+              </a:defRPr>
+            </a:lvl3pPr>
+            <a:lvl4pPr marL="749808" indent="-182880" algn="l" defTabSz="914400" rtl="0" eaLnBrk="1" latinLnBrk="0" hangingPunct="1">
+              <a:lnSpc>
+                <a:spcPct val="90000"/>
+              </a:lnSpc>
+              <a:spcBef>
+                <a:spcPts val="200"/>
+              </a:spcBef>
+              <a:spcAft>
+                <a:spcPts val="400"/>
+              </a:spcAft>
+              <a:buClr>
+                <a:schemeClr val="accent1"/>
+              </a:buClr>
+              <a:buFont typeface="Calibri" pitchFamily="34" charset="0"/>
+              <a:buChar char="◦"/>
+              <a:defRPr sz="1400" kern="1200">
+                <a:solidFill>
+                  <a:schemeClr val="tx1">
+                    <a:lumMod val="75000"/>
+                    <a:lumOff val="25000"/>
+                  </a:schemeClr>
+                </a:solidFill>
+                <a:latin typeface="+mn-lt"/>
+                <a:ea typeface="+mn-ea"/>
+                <a:cs typeface="+mn-cs"/>
+              </a:defRPr>
+            </a:lvl4pPr>
+            <a:lvl5pPr marL="932688" indent="-182880" algn="l" defTabSz="914400" rtl="0" eaLnBrk="1" latinLnBrk="0" hangingPunct="1">
+              <a:lnSpc>
+                <a:spcPct val="90000"/>
+              </a:lnSpc>
+              <a:spcBef>
+                <a:spcPts val="200"/>
+              </a:spcBef>
+              <a:spcAft>
+                <a:spcPts val="400"/>
+              </a:spcAft>
+              <a:buClr>
+                <a:schemeClr val="accent1"/>
+              </a:buClr>
+              <a:buFont typeface="Calibri" pitchFamily="34" charset="0"/>
+              <a:buChar char="◦"/>
+              <a:defRPr sz="1400" kern="1200">
+                <a:solidFill>
+                  <a:schemeClr val="tx1">
+                    <a:lumMod val="75000"/>
+                    <a:lumOff val="25000"/>
+                  </a:schemeClr>
+                </a:solidFill>
+                <a:latin typeface="+mn-lt"/>
+                <a:ea typeface="+mn-ea"/>
+                <a:cs typeface="+mn-cs"/>
+              </a:defRPr>
+            </a:lvl5pPr>
+            <a:lvl6pPr marL="1100000" indent="-228600" algn="l" defTabSz="914400" rtl="0" eaLnBrk="1" latinLnBrk="0" hangingPunct="1">
+              <a:lnSpc>
+                <a:spcPct val="90000"/>
+              </a:lnSpc>
+              <a:spcBef>
+                <a:spcPts val="200"/>
+              </a:spcBef>
+              <a:spcAft>
+                <a:spcPts val="400"/>
+              </a:spcAft>
+              <a:buClr>
+                <a:schemeClr val="accent1"/>
+              </a:buClr>
+              <a:buFont typeface="Calibri" pitchFamily="34" charset="0"/>
+              <a:buChar char="◦"/>
+              <a:defRPr sz="1400" kern="1200">
+                <a:solidFill>
+                  <a:schemeClr val="tx1">
+                    <a:lumMod val="75000"/>
+                    <a:lumOff val="25000"/>
+                  </a:schemeClr>
+                </a:solidFill>
+                <a:latin typeface="+mn-lt"/>
+                <a:ea typeface="+mn-ea"/>
+                <a:cs typeface="+mn-cs"/>
+              </a:defRPr>
+            </a:lvl6pPr>
+            <a:lvl7pPr marL="1300000" indent="-228600" algn="l" defTabSz="914400" rtl="0" eaLnBrk="1" latinLnBrk="0" hangingPunct="1">
+              <a:lnSpc>
+                <a:spcPct val="90000"/>
+              </a:lnSpc>
+              <a:spcBef>
+                <a:spcPts val="200"/>
+              </a:spcBef>
+              <a:spcAft>
+                <a:spcPts val="400"/>
+              </a:spcAft>
+              <a:buClr>
+                <a:schemeClr val="accent1"/>
+              </a:buClr>
+              <a:buFont typeface="Calibri" pitchFamily="34" charset="0"/>
+              <a:buChar char="◦"/>
+              <a:defRPr sz="1400" kern="1200">
+                <a:solidFill>
+                  <a:schemeClr val="tx1">
+                    <a:lumMod val="75000"/>
+                    <a:lumOff val="25000"/>
+                  </a:schemeClr>
+                </a:solidFill>
+                <a:latin typeface="+mn-lt"/>
+                <a:ea typeface="+mn-ea"/>
+                <a:cs typeface="+mn-cs"/>
+              </a:defRPr>
+            </a:lvl7pPr>
+            <a:lvl8pPr marL="1500000" indent="-228600" algn="l" defTabSz="914400" rtl="0" eaLnBrk="1" latinLnBrk="0" hangingPunct="1">
+              <a:lnSpc>
+                <a:spcPct val="90000"/>
+              </a:lnSpc>
+              <a:spcBef>
+                <a:spcPts val="200"/>
+              </a:spcBef>
+              <a:spcAft>
+                <a:spcPts val="400"/>
+              </a:spcAft>
+              <a:buClr>
+                <a:schemeClr val="accent1"/>
+              </a:buClr>
+              <a:buFont typeface="Calibri" pitchFamily="34" charset="0"/>
+              <a:buChar char="◦"/>
+              <a:defRPr sz="1400" kern="1200">
+                <a:solidFill>
+                  <a:schemeClr val="tx1">
+                    <a:lumMod val="75000"/>
+                    <a:lumOff val="25000"/>
+                  </a:schemeClr>
+                </a:solidFill>
+                <a:latin typeface="+mn-lt"/>
+                <a:ea typeface="+mn-ea"/>
+                <a:cs typeface="+mn-cs"/>
+              </a:defRPr>
+            </a:lvl8pPr>
+            <a:lvl9pPr marL="1700000" indent="-228600" algn="l" defTabSz="914400" rtl="0" eaLnBrk="1" latinLnBrk="0" hangingPunct="1">
+              <a:lnSpc>
+                <a:spcPct val="90000"/>
+              </a:lnSpc>
+              <a:spcBef>
+                <a:spcPts val="200"/>
+              </a:spcBef>
+              <a:spcAft>
+                <a:spcPts val="400"/>
+              </a:spcAft>
+              <a:buClr>
+                <a:schemeClr val="accent1"/>
+              </a:buClr>
+              <a:buFont typeface="Calibri" pitchFamily="34" charset="0"/>
+              <a:buChar char="◦"/>
+              <a:defRPr sz="1400" kern="1200">
+                <a:solidFill>
+                  <a:schemeClr val="tx1">
+                    <a:lumMod val="75000"/>
+                    <a:lumOff val="25000"/>
+                  </a:schemeClr>
+                </a:solidFill>
+                <a:latin typeface="+mn-lt"/>
+                <a:ea typeface="+mn-ea"/>
+                <a:cs typeface="+mn-cs"/>
+              </a:defRPr>
+            </a:lvl9pPr>
+          </a:lstStyle>
           <a:p>
             <a:pPr lvl="2">
               <a:buFont typeface="Arial" charset="0"/>
               <a:buChar char="•"/>
             </a:pPr>
             <a:r>
-              <a:rPr lang="it-IT" sz="1600" dirty="0" smtClean="0"/>
+              <a:rPr lang="it-IT" sz="1600" dirty="0"/>
               <a:t>Le istruzioni sono rappresentate da </a:t>
             </a:r>
             <a:r>
-              <a:rPr lang="it-IT" sz="1600" b="1" dirty="0" smtClean="0"/>
+              <a:rPr lang="it-IT" sz="1600" b="1" dirty="0"/>
               <a:t>blocchi componibili </a:t>
             </a:r>
             <a:r>
-              <a:rPr lang="it-IT" sz="1600" dirty="0" smtClean="0"/>
+              <a:rPr lang="it-IT" sz="1600" dirty="0"/>
               <a:t>in script.</a:t>
             </a:r>
           </a:p>
@@ -5391,7 +5923,7 @@
               <a:buChar char="•"/>
             </a:pPr>
             <a:r>
-              <a:rPr lang="it-IT" sz="1600" dirty="0" smtClean="0"/>
+              <a:rPr lang="it-IT" sz="1600" dirty="0"/>
               <a:t>Blocchi speciali con </a:t>
             </a:r>
             <a:r>
@@ -5399,15 +5931,15 @@
               <a:t>forme intuitive</a:t>
             </a:r>
             <a:r>
-              <a:rPr lang="it-IT" sz="1600" dirty="0" smtClean="0"/>
+              <a:rPr lang="it-IT" sz="1600" dirty="0"/>
               <a:t> rappresentano le diverse </a:t>
             </a:r>
             <a:r>
-              <a:rPr lang="it-IT" sz="1600" b="1" dirty="0" smtClean="0"/>
+              <a:rPr lang="it-IT" sz="1600" b="1" dirty="0"/>
               <a:t>strutture di controllo</a:t>
             </a:r>
             <a:r>
-              <a:rPr lang="it-IT" sz="1600" dirty="0" smtClean="0"/>
+              <a:rPr lang="it-IT" sz="1600" dirty="0"/>
               <a:t>.</a:t>
             </a:r>
           </a:p>
@@ -5417,23 +5949,23 @@
               <a:buChar char="•"/>
             </a:pPr>
             <a:r>
-              <a:rPr lang="it-IT" sz="1600" dirty="0" smtClean="0"/>
+              <a:rPr lang="it-IT" sz="1600" dirty="0"/>
               <a:t>Introduzione di </a:t>
             </a:r>
             <a:r>
-              <a:rPr lang="it-IT" sz="1600" b="1" dirty="0" smtClean="0"/>
+              <a:rPr lang="it-IT" sz="1600" b="1" dirty="0"/>
               <a:t>variabili</a:t>
             </a:r>
             <a:r>
-              <a:rPr lang="it-IT" sz="1600" dirty="0" smtClean="0"/>
+              <a:rPr lang="it-IT" sz="1600" dirty="0"/>
               <a:t> ed </a:t>
             </a:r>
             <a:r>
-              <a:rPr lang="it-IT" sz="1600" b="1" dirty="0" smtClean="0"/>
+              <a:rPr lang="it-IT" sz="1600" b="1" dirty="0"/>
               <a:t>espressioni</a:t>
             </a:r>
             <a:r>
-              <a:rPr lang="it-IT" sz="1600" dirty="0" smtClean="0"/>
+              <a:rPr lang="it-IT" sz="1600" dirty="0"/>
               <a:t> di diversi tipi.</a:t>
             </a:r>
           </a:p>
@@ -5443,15 +5975,15 @@
               <a:buChar char="•"/>
             </a:pPr>
             <a:r>
-              <a:rPr lang="it-IT" sz="1600" dirty="0" smtClean="0"/>
+              <a:rPr lang="it-IT" sz="1600" dirty="0"/>
               <a:t>Implementazione un </a:t>
             </a:r>
             <a:r>
-              <a:rPr lang="it-IT" sz="1600" b="1" dirty="0" smtClean="0"/>
+              <a:rPr lang="it-IT" sz="1600" b="1" dirty="0"/>
               <a:t>sistema di trasmissione di messaggi</a:t>
             </a:r>
             <a:r>
-              <a:rPr lang="it-IT" sz="1600" dirty="0" smtClean="0"/>
+              <a:rPr lang="it-IT" sz="1600" dirty="0"/>
               <a:t> per consentire ad una istruzione l’innesco di altri script.</a:t>
             </a:r>
           </a:p>
@@ -5461,15 +5993,15 @@
               <a:buChar char="•"/>
             </a:pPr>
             <a:r>
-              <a:rPr lang="it-IT" sz="1600" dirty="0" smtClean="0"/>
+              <a:rPr lang="it-IT" sz="1600" dirty="0"/>
               <a:t>Possibilità (limitata) di fornire </a:t>
             </a:r>
             <a:r>
-              <a:rPr lang="it-IT" sz="1600" b="1" dirty="0" smtClean="0"/>
+              <a:rPr lang="it-IT" sz="1600" b="1" dirty="0"/>
               <a:t>input</a:t>
             </a:r>
             <a:r>
-              <a:rPr lang="it-IT" sz="1600" dirty="0" smtClean="0"/>
+              <a:rPr lang="it-IT" sz="1600" dirty="0"/>
               <a:t> attraverso i controller VR.</a:t>
             </a:r>
           </a:p>
@@ -5478,24 +6010,306 @@
               <a:buFont typeface="Arial" charset="0"/>
               <a:buChar char="•"/>
             </a:pPr>
-            <a:r>
-              <a:rPr lang="it-IT" sz="2000" dirty="0" smtClean="0"/>
+            <a:endParaRPr lang="it-IT" sz="2000" dirty="0"/>
+          </a:p>
+        </p:txBody>
+      </p:sp>
+      <p:sp>
+        <p:nvSpPr>
+          <p:cNvPr id="5" name="Content Placeholder 2">
+            <a:extLst>
+              <a:ext uri="{FF2B5EF4-FFF2-40B4-BE49-F238E27FC236}">
+                <a16:creationId xmlns:a16="http://schemas.microsoft.com/office/drawing/2014/main" id="{CC034543-9491-44D3-97B3-A015EEF9CFC7}"/>
+              </a:ext>
+            </a:extLst>
+          </p:cNvPr>
+          <p:cNvSpPr txBox="1">
+            <a:spLocks/>
+          </p:cNvSpPr>
+          <p:nvPr/>
+        </p:nvSpPr>
+        <p:spPr>
+          <a:xfrm>
+            <a:off x="826478" y="4162215"/>
+            <a:ext cx="7543801" cy="4023360"/>
+          </a:xfrm>
+          <a:prstGeom prst="rect">
+            <a:avLst/>
+          </a:prstGeom>
+        </p:spPr>
+        <p:txBody>
+          <a:bodyPr vert="horz" lIns="0" tIns="45720" rIns="0" bIns="45720" rtlCol="0">
+            <a:normAutofit/>
+          </a:bodyPr>
+          <a:lstStyle>
+            <a:lvl1pPr marL="91440" indent="-91440" algn="l" defTabSz="914400" rtl="0" eaLnBrk="1" latinLnBrk="0" hangingPunct="1">
+              <a:lnSpc>
+                <a:spcPct val="90000"/>
+              </a:lnSpc>
+              <a:spcBef>
+                <a:spcPts val="1200"/>
+              </a:spcBef>
+              <a:spcAft>
+                <a:spcPts val="200"/>
+              </a:spcAft>
+              <a:buClr>
+                <a:schemeClr val="accent1"/>
+              </a:buClr>
+              <a:buSzPct val="100000"/>
+              <a:buFont typeface="Calibri" panose="020F0502020204030204" pitchFamily="34" charset="0"/>
+              <a:buChar char=" "/>
+              <a:defRPr sz="2000" kern="1200">
+                <a:solidFill>
+                  <a:schemeClr val="tx1">
+                    <a:lumMod val="75000"/>
+                    <a:lumOff val="25000"/>
+                  </a:schemeClr>
+                </a:solidFill>
+                <a:latin typeface="+mn-lt"/>
+                <a:ea typeface="+mn-ea"/>
+                <a:cs typeface="+mn-cs"/>
+              </a:defRPr>
+            </a:lvl1pPr>
+            <a:lvl2pPr marL="384048" indent="-182880" algn="l" defTabSz="914400" rtl="0" eaLnBrk="1" latinLnBrk="0" hangingPunct="1">
+              <a:lnSpc>
+                <a:spcPct val="90000"/>
+              </a:lnSpc>
+              <a:spcBef>
+                <a:spcPts val="200"/>
+              </a:spcBef>
+              <a:spcAft>
+                <a:spcPts val="400"/>
+              </a:spcAft>
+              <a:buClr>
+                <a:schemeClr val="accent1"/>
+              </a:buClr>
+              <a:buFont typeface="Calibri" pitchFamily="34" charset="0"/>
+              <a:buChar char="◦"/>
+              <a:defRPr sz="1800" kern="1200">
+                <a:solidFill>
+                  <a:schemeClr val="tx1">
+                    <a:lumMod val="75000"/>
+                    <a:lumOff val="25000"/>
+                  </a:schemeClr>
+                </a:solidFill>
+                <a:latin typeface="+mn-lt"/>
+                <a:ea typeface="+mn-ea"/>
+                <a:cs typeface="+mn-cs"/>
+              </a:defRPr>
+            </a:lvl2pPr>
+            <a:lvl3pPr marL="566928" indent="-182880" algn="l" defTabSz="914400" rtl="0" eaLnBrk="1" latinLnBrk="0" hangingPunct="1">
+              <a:lnSpc>
+                <a:spcPct val="90000"/>
+              </a:lnSpc>
+              <a:spcBef>
+                <a:spcPts val="200"/>
+              </a:spcBef>
+              <a:spcAft>
+                <a:spcPts val="400"/>
+              </a:spcAft>
+              <a:buClr>
+                <a:schemeClr val="accent1"/>
+              </a:buClr>
+              <a:buFont typeface="Calibri" pitchFamily="34" charset="0"/>
+              <a:buChar char="◦"/>
+              <a:defRPr sz="1400" kern="1200">
+                <a:solidFill>
+                  <a:schemeClr val="tx1">
+                    <a:lumMod val="75000"/>
+                    <a:lumOff val="25000"/>
+                  </a:schemeClr>
+                </a:solidFill>
+                <a:latin typeface="+mn-lt"/>
+                <a:ea typeface="+mn-ea"/>
+                <a:cs typeface="+mn-cs"/>
+              </a:defRPr>
+            </a:lvl3pPr>
+            <a:lvl4pPr marL="749808" indent="-182880" algn="l" defTabSz="914400" rtl="0" eaLnBrk="1" latinLnBrk="0" hangingPunct="1">
+              <a:lnSpc>
+                <a:spcPct val="90000"/>
+              </a:lnSpc>
+              <a:spcBef>
+                <a:spcPts val="200"/>
+              </a:spcBef>
+              <a:spcAft>
+                <a:spcPts val="400"/>
+              </a:spcAft>
+              <a:buClr>
+                <a:schemeClr val="accent1"/>
+              </a:buClr>
+              <a:buFont typeface="Calibri" pitchFamily="34" charset="0"/>
+              <a:buChar char="◦"/>
+              <a:defRPr sz="1400" kern="1200">
+                <a:solidFill>
+                  <a:schemeClr val="tx1">
+                    <a:lumMod val="75000"/>
+                    <a:lumOff val="25000"/>
+                  </a:schemeClr>
+                </a:solidFill>
+                <a:latin typeface="+mn-lt"/>
+                <a:ea typeface="+mn-ea"/>
+                <a:cs typeface="+mn-cs"/>
+              </a:defRPr>
+            </a:lvl4pPr>
+            <a:lvl5pPr marL="932688" indent="-182880" algn="l" defTabSz="914400" rtl="0" eaLnBrk="1" latinLnBrk="0" hangingPunct="1">
+              <a:lnSpc>
+                <a:spcPct val="90000"/>
+              </a:lnSpc>
+              <a:spcBef>
+                <a:spcPts val="200"/>
+              </a:spcBef>
+              <a:spcAft>
+                <a:spcPts val="400"/>
+              </a:spcAft>
+              <a:buClr>
+                <a:schemeClr val="accent1"/>
+              </a:buClr>
+              <a:buFont typeface="Calibri" pitchFamily="34" charset="0"/>
+              <a:buChar char="◦"/>
+              <a:defRPr sz="1400" kern="1200">
+                <a:solidFill>
+                  <a:schemeClr val="tx1">
+                    <a:lumMod val="75000"/>
+                    <a:lumOff val="25000"/>
+                  </a:schemeClr>
+                </a:solidFill>
+                <a:latin typeface="+mn-lt"/>
+                <a:ea typeface="+mn-ea"/>
+                <a:cs typeface="+mn-cs"/>
+              </a:defRPr>
+            </a:lvl5pPr>
+            <a:lvl6pPr marL="1100000" indent="-228600" algn="l" defTabSz="914400" rtl="0" eaLnBrk="1" latinLnBrk="0" hangingPunct="1">
+              <a:lnSpc>
+                <a:spcPct val="90000"/>
+              </a:lnSpc>
+              <a:spcBef>
+                <a:spcPts val="200"/>
+              </a:spcBef>
+              <a:spcAft>
+                <a:spcPts val="400"/>
+              </a:spcAft>
+              <a:buClr>
+                <a:schemeClr val="accent1"/>
+              </a:buClr>
+              <a:buFont typeface="Calibri" pitchFamily="34" charset="0"/>
+              <a:buChar char="◦"/>
+              <a:defRPr sz="1400" kern="1200">
+                <a:solidFill>
+                  <a:schemeClr val="tx1">
+                    <a:lumMod val="75000"/>
+                    <a:lumOff val="25000"/>
+                  </a:schemeClr>
+                </a:solidFill>
+                <a:latin typeface="+mn-lt"/>
+                <a:ea typeface="+mn-ea"/>
+                <a:cs typeface="+mn-cs"/>
+              </a:defRPr>
+            </a:lvl6pPr>
+            <a:lvl7pPr marL="1300000" indent="-228600" algn="l" defTabSz="914400" rtl="0" eaLnBrk="1" latinLnBrk="0" hangingPunct="1">
+              <a:lnSpc>
+                <a:spcPct val="90000"/>
+              </a:lnSpc>
+              <a:spcBef>
+                <a:spcPts val="200"/>
+              </a:spcBef>
+              <a:spcAft>
+                <a:spcPts val="400"/>
+              </a:spcAft>
+              <a:buClr>
+                <a:schemeClr val="accent1"/>
+              </a:buClr>
+              <a:buFont typeface="Calibri" pitchFamily="34" charset="0"/>
+              <a:buChar char="◦"/>
+              <a:defRPr sz="1400" kern="1200">
+                <a:solidFill>
+                  <a:schemeClr val="tx1">
+                    <a:lumMod val="75000"/>
+                    <a:lumOff val="25000"/>
+                  </a:schemeClr>
+                </a:solidFill>
+                <a:latin typeface="+mn-lt"/>
+                <a:ea typeface="+mn-ea"/>
+                <a:cs typeface="+mn-cs"/>
+              </a:defRPr>
+            </a:lvl7pPr>
+            <a:lvl8pPr marL="1500000" indent="-228600" algn="l" defTabSz="914400" rtl="0" eaLnBrk="1" latinLnBrk="0" hangingPunct="1">
+              <a:lnSpc>
+                <a:spcPct val="90000"/>
+              </a:lnSpc>
+              <a:spcBef>
+                <a:spcPts val="200"/>
+              </a:spcBef>
+              <a:spcAft>
+                <a:spcPts val="400"/>
+              </a:spcAft>
+              <a:buClr>
+                <a:schemeClr val="accent1"/>
+              </a:buClr>
+              <a:buFont typeface="Calibri" pitchFamily="34" charset="0"/>
+              <a:buChar char="◦"/>
+              <a:defRPr sz="1400" kern="1200">
+                <a:solidFill>
+                  <a:schemeClr val="tx1">
+                    <a:lumMod val="75000"/>
+                    <a:lumOff val="25000"/>
+                  </a:schemeClr>
+                </a:solidFill>
+                <a:latin typeface="+mn-lt"/>
+                <a:ea typeface="+mn-ea"/>
+                <a:cs typeface="+mn-cs"/>
+              </a:defRPr>
+            </a:lvl8pPr>
+            <a:lvl9pPr marL="1700000" indent="-228600" algn="l" defTabSz="914400" rtl="0" eaLnBrk="1" latinLnBrk="0" hangingPunct="1">
+              <a:lnSpc>
+                <a:spcPct val="90000"/>
+              </a:lnSpc>
+              <a:spcBef>
+                <a:spcPts val="200"/>
+              </a:spcBef>
+              <a:spcAft>
+                <a:spcPts val="400"/>
+              </a:spcAft>
+              <a:buClr>
+                <a:schemeClr val="accent1"/>
+              </a:buClr>
+              <a:buFont typeface="Calibri" pitchFamily="34" charset="0"/>
+              <a:buChar char="◦"/>
+              <a:defRPr sz="1400" kern="1200">
+                <a:solidFill>
+                  <a:schemeClr val="tx1">
+                    <a:lumMod val="75000"/>
+                    <a:lumOff val="25000"/>
+                  </a:schemeClr>
+                </a:solidFill>
+                <a:latin typeface="+mn-lt"/>
+                <a:ea typeface="+mn-ea"/>
+                <a:cs typeface="+mn-cs"/>
+              </a:defRPr>
+            </a:lvl9pPr>
+          </a:lstStyle>
+          <a:p>
+            <a:pPr lvl="1">
+              <a:buFont typeface="Arial" charset="0"/>
+              <a:buChar char="•"/>
+            </a:pPr>
+            <a:r>
+              <a:rPr lang="it-IT" sz="2000" dirty="0"/>
               <a:t>Realizzazione di un </a:t>
             </a:r>
             <a:r>
-              <a:rPr lang="it-IT" sz="2000" b="1" dirty="0" smtClean="0"/>
+              <a:rPr lang="it-IT" sz="2000" b="1" dirty="0"/>
               <a:t>ambiente di sviluppo</a:t>
             </a:r>
             <a:r>
-              <a:rPr lang="it-IT" sz="2000" dirty="0" smtClean="0"/>
+              <a:rPr lang="it-IT" sz="2000" dirty="0"/>
               <a:t>, detto </a:t>
             </a:r>
             <a:r>
-              <a:rPr lang="it-IT" sz="2000" i="1" dirty="0" smtClean="0"/>
+              <a:rPr lang="it-IT" sz="2000" i="1" dirty="0"/>
               <a:t>Playground</a:t>
             </a:r>
             <a:r>
-              <a:rPr lang="it-IT" sz="2000" dirty="0" smtClean="0"/>
+              <a:rPr lang="it-IT" sz="2000" dirty="0"/>
               <a:t>, in cui l’utente può:</a:t>
             </a:r>
           </a:p>
@@ -5505,15 +6319,15 @@
               <a:buChar char="•"/>
             </a:pPr>
             <a:r>
-              <a:rPr lang="it-IT" sz="1600" dirty="0" smtClean="0"/>
+              <a:rPr lang="it-IT" sz="1600" dirty="0"/>
               <a:t>Costruire </a:t>
             </a:r>
             <a:r>
-              <a:rPr lang="it-IT" sz="1600" b="1" dirty="0" smtClean="0"/>
+              <a:rPr lang="it-IT" sz="1600" b="1" dirty="0"/>
               <a:t>script</a:t>
             </a:r>
             <a:r>
-              <a:rPr lang="it-IT" sz="1600" dirty="0" smtClean="0"/>
+              <a:rPr lang="it-IT" sz="1600" dirty="0"/>
               <a:t>.</a:t>
             </a:r>
           </a:p>
@@ -5523,15 +6337,15 @@
               <a:buChar char="•"/>
             </a:pPr>
             <a:r>
-              <a:rPr lang="it-IT" sz="1600" dirty="0" smtClean="0"/>
+              <a:rPr lang="it-IT" sz="1600" dirty="0"/>
               <a:t>Metterli in esecuzione ed osservare i loro effetti su </a:t>
             </a:r>
             <a:r>
-              <a:rPr lang="it-IT" sz="1600" b="1" dirty="0" smtClean="0"/>
+              <a:rPr lang="it-IT" sz="1600" b="1" dirty="0"/>
               <a:t>elementi grafici</a:t>
             </a:r>
             <a:r>
-              <a:rPr lang="it-IT" sz="1600" dirty="0" smtClean="0"/>
+              <a:rPr lang="it-IT" sz="1600" dirty="0"/>
               <a:t>.</a:t>
             </a:r>
           </a:p>
@@ -5540,7 +6354,7 @@
               <a:buFont typeface="Arial" charset="0"/>
               <a:buChar char="•"/>
             </a:pPr>
-            <a:endParaRPr lang="it-IT" sz="2000" dirty="0" smtClean="0"/>
+            <a:endParaRPr lang="it-IT" sz="2000" dirty="0"/>
           </a:p>
         </p:txBody>
       </p:sp>
@@ -5554,13 +6368,6 @@
   <p:clrMapOvr>
     <a:masterClrMapping/>
   </p:clrMapOvr>
-  <p:timing>
-    <p:tnLst>
-      <p:par>
-        <p:cTn id="1" dur="indefinite" restart="never" nodeType="tmRoot"/>
-      </p:par>
-    </p:tnLst>
-  </p:timing>
 </p:sld>
 </file>
 
@@ -5597,10 +6404,9 @@
           <a:lstStyle/>
           <a:p>
             <a:r>
-              <a:rPr lang="it-IT" dirty="0" smtClean="0"/>
+              <a:rPr lang="it-IT" dirty="0"/>
               <a:t>Overview</a:t>
             </a:r>
-            <a:endParaRPr lang="it-IT" dirty="0"/>
           </a:p>
         </p:txBody>
       </p:sp>
@@ -5614,7 +6420,12 @@
             <p:ph idx="1"/>
           </p:nvPr>
         </p:nvSpPr>
-        <p:spPr/>
+        <p:spPr>
+          <a:xfrm>
+            <a:off x="822960" y="1845734"/>
+            <a:ext cx="5595426" cy="4023360"/>
+          </a:xfrm>
+        </p:spPr>
         <p:txBody>
           <a:bodyPr>
             <a:normAutofit/>
@@ -5626,7 +6437,7 @@
               <a:buChar char="•"/>
             </a:pPr>
             <a:r>
-              <a:rPr lang="it-IT" sz="2000" b="1" dirty="0" smtClean="0"/>
+              <a:rPr lang="it-IT" sz="2000" b="1" dirty="0"/>
               <a:t>Playground</a:t>
             </a:r>
           </a:p>
@@ -5636,14 +6447,14 @@
               <a:buChar char="•"/>
             </a:pPr>
             <a:r>
-              <a:rPr lang="it-IT" sz="1600" b="1" dirty="0" smtClean="0"/>
+              <a:rPr lang="it-IT" sz="1600" b="1" dirty="0"/>
               <a:t>Scena</a:t>
             </a:r>
             <a:r>
-              <a:rPr lang="it-IT" sz="1600" dirty="0" smtClean="0"/>
+              <a:rPr lang="it-IT" sz="1600" dirty="0"/>
               <a:t>: uno sfondo statico</a:t>
             </a:r>
-            <a:endParaRPr lang="it-IT" sz="1600" b="1" dirty="0" smtClean="0"/>
+            <a:endParaRPr lang="it-IT" sz="1600" b="1" dirty="0"/>
           </a:p>
           <a:p>
             <a:pPr lvl="2">
@@ -5665,19 +6476,19 @@
               <a:buChar char="•"/>
             </a:pPr>
             <a:r>
-              <a:rPr lang="it-IT" sz="1600" b="1" dirty="0" smtClean="0"/>
+              <a:rPr lang="it-IT" sz="1600" b="1" dirty="0"/>
               <a:t>Archivio di suoni </a:t>
             </a:r>
             <a:r>
-              <a:rPr lang="it-IT" sz="1600" dirty="0" smtClean="0"/>
+              <a:rPr lang="it-IT" sz="1600" dirty="0"/>
               <a:t>e </a:t>
             </a:r>
             <a:r>
-              <a:rPr lang="it-IT" sz="1600" b="1" dirty="0" smtClean="0"/>
+              <a:rPr lang="it-IT" sz="1600" b="1" dirty="0"/>
               <a:t>modelli</a:t>
             </a:r>
             <a:r>
-              <a:rPr lang="it-IT" sz="1600" dirty="0" smtClean="0"/>
+              <a:rPr lang="it-IT" sz="1600" dirty="0"/>
               <a:t>: rispettivamente effetti sonori e modelli tridimensionali che possiamo associare agli attori.</a:t>
             </a:r>
           </a:p>
@@ -5687,53 +6498,364 @@
               <a:buChar char="•"/>
             </a:pPr>
             <a:r>
-              <a:rPr lang="it-IT" sz="1600" b="1" dirty="0" smtClean="0"/>
+              <a:rPr lang="it-IT" sz="1600" b="1" dirty="0"/>
               <a:t>Controlli</a:t>
             </a:r>
             <a:r>
-              <a:rPr lang="it-IT" sz="1600" dirty="0" smtClean="0"/>
+              <a:rPr lang="it-IT" sz="1600" dirty="0"/>
               <a:t> per passare dalla modalità di realizzazione degli script (</a:t>
             </a:r>
             <a:r>
-              <a:rPr lang="it-IT" sz="1600" b="1" dirty="0" err="1" smtClean="0"/>
+              <a:rPr lang="it-IT" sz="1600" b="1" dirty="0" err="1"/>
               <a:t>Edit</a:t>
             </a:r>
             <a:r>
-              <a:rPr lang="it-IT" sz="1600" b="1" dirty="0" smtClean="0"/>
+              <a:rPr lang="it-IT" sz="1600" b="1" dirty="0"/>
               <a:t> mode</a:t>
             </a:r>
             <a:r>
-              <a:rPr lang="it-IT" sz="1600" dirty="0" smtClean="0"/>
+              <a:rPr lang="it-IT" sz="1600" dirty="0"/>
               <a:t>) a quella di esecuzione (</a:t>
             </a:r>
             <a:r>
-              <a:rPr lang="it-IT" sz="1600" b="1" dirty="0" smtClean="0"/>
+              <a:rPr lang="it-IT" sz="1600" b="1" dirty="0"/>
               <a:t>Play mode</a:t>
             </a:r>
             <a:r>
-              <a:rPr lang="it-IT" sz="1600" dirty="0" smtClean="0"/>
+              <a:rPr lang="it-IT" sz="1600" dirty="0"/>
               <a:t>) e viceversa.</a:t>
             </a:r>
-            <a:endParaRPr lang="it-IT" sz="1600" dirty="0"/>
           </a:p>
           <a:p>
             <a:pPr lvl="1">
               <a:buFont typeface="Arial" charset="0"/>
               <a:buChar char="•"/>
             </a:pPr>
-            <a:r>
-              <a:rPr lang="it-IT" sz="2000" dirty="0" smtClean="0"/>
+            <a:endParaRPr lang="it-IT" sz="2000" dirty="0"/>
+          </a:p>
+        </p:txBody>
+      </p:sp>
+      <p:pic>
+        <p:nvPicPr>
+          <p:cNvPr id="4" name="Picture 3">
+            <a:extLst>
+              <a:ext uri="{FF2B5EF4-FFF2-40B4-BE49-F238E27FC236}">
+                <a16:creationId xmlns:a16="http://schemas.microsoft.com/office/drawing/2014/main" id="{AC74FC69-6F3D-4C14-B9CF-119C0C734179}"/>
+              </a:ext>
+            </a:extLst>
+          </p:cNvPr>
+          <p:cNvPicPr>
+            <a:picLocks noChangeAspect="1"/>
+          </p:cNvPicPr>
+          <p:nvPr/>
+        </p:nvPicPr>
+        <p:blipFill>
+          <a:blip r:embed="rId2"/>
+          <a:stretch>
+            <a:fillRect/>
+          </a:stretch>
+        </p:blipFill>
+        <p:spPr>
+          <a:xfrm>
+            <a:off x="6366590" y="1845734"/>
+            <a:ext cx="2051968" cy="2245236"/>
+          </a:xfrm>
+          <a:prstGeom prst="rect">
+            <a:avLst/>
+          </a:prstGeom>
+        </p:spPr>
+      </p:pic>
+      <p:sp>
+        <p:nvSpPr>
+          <p:cNvPr id="5" name="Content Placeholder 2">
+            <a:extLst>
+              <a:ext uri="{FF2B5EF4-FFF2-40B4-BE49-F238E27FC236}">
+                <a16:creationId xmlns:a16="http://schemas.microsoft.com/office/drawing/2014/main" id="{C78165CF-4CF0-4A70-9E1C-8B856A512ACD}"/>
+              </a:ext>
+            </a:extLst>
+          </p:cNvPr>
+          <p:cNvSpPr txBox="1">
+            <a:spLocks/>
+          </p:cNvSpPr>
+          <p:nvPr/>
+        </p:nvSpPr>
+        <p:spPr>
+          <a:xfrm>
+            <a:off x="822960" y="4090970"/>
+            <a:ext cx="7543801" cy="4023360"/>
+          </a:xfrm>
+          <a:prstGeom prst="rect">
+            <a:avLst/>
+          </a:prstGeom>
+        </p:spPr>
+        <p:txBody>
+          <a:bodyPr vert="horz" lIns="0" tIns="45720" rIns="0" bIns="45720" rtlCol="0">
+            <a:normAutofit/>
+          </a:bodyPr>
+          <a:lstStyle>
+            <a:lvl1pPr marL="91440" indent="-91440" algn="l" defTabSz="914400" rtl="0" eaLnBrk="1" latinLnBrk="0" hangingPunct="1">
+              <a:lnSpc>
+                <a:spcPct val="90000"/>
+              </a:lnSpc>
+              <a:spcBef>
+                <a:spcPts val="1200"/>
+              </a:spcBef>
+              <a:spcAft>
+                <a:spcPts val="200"/>
+              </a:spcAft>
+              <a:buClr>
+                <a:schemeClr val="accent1"/>
+              </a:buClr>
+              <a:buSzPct val="100000"/>
+              <a:buFont typeface="Calibri" panose="020F0502020204030204" pitchFamily="34" charset="0"/>
+              <a:buChar char=" "/>
+              <a:defRPr sz="2000" kern="1200">
+                <a:solidFill>
+                  <a:schemeClr val="tx1">
+                    <a:lumMod val="75000"/>
+                    <a:lumOff val="25000"/>
+                  </a:schemeClr>
+                </a:solidFill>
+                <a:latin typeface="+mn-lt"/>
+                <a:ea typeface="+mn-ea"/>
+                <a:cs typeface="+mn-cs"/>
+              </a:defRPr>
+            </a:lvl1pPr>
+            <a:lvl2pPr marL="384048" indent="-182880" algn="l" defTabSz="914400" rtl="0" eaLnBrk="1" latinLnBrk="0" hangingPunct="1">
+              <a:lnSpc>
+                <a:spcPct val="90000"/>
+              </a:lnSpc>
+              <a:spcBef>
+                <a:spcPts val="200"/>
+              </a:spcBef>
+              <a:spcAft>
+                <a:spcPts val="400"/>
+              </a:spcAft>
+              <a:buClr>
+                <a:schemeClr val="accent1"/>
+              </a:buClr>
+              <a:buFont typeface="Calibri" pitchFamily="34" charset="0"/>
+              <a:buChar char="◦"/>
+              <a:defRPr sz="1800" kern="1200">
+                <a:solidFill>
+                  <a:schemeClr val="tx1">
+                    <a:lumMod val="75000"/>
+                    <a:lumOff val="25000"/>
+                  </a:schemeClr>
+                </a:solidFill>
+                <a:latin typeface="+mn-lt"/>
+                <a:ea typeface="+mn-ea"/>
+                <a:cs typeface="+mn-cs"/>
+              </a:defRPr>
+            </a:lvl2pPr>
+            <a:lvl3pPr marL="566928" indent="-182880" algn="l" defTabSz="914400" rtl="0" eaLnBrk="1" latinLnBrk="0" hangingPunct="1">
+              <a:lnSpc>
+                <a:spcPct val="90000"/>
+              </a:lnSpc>
+              <a:spcBef>
+                <a:spcPts val="200"/>
+              </a:spcBef>
+              <a:spcAft>
+                <a:spcPts val="400"/>
+              </a:spcAft>
+              <a:buClr>
+                <a:schemeClr val="accent1"/>
+              </a:buClr>
+              <a:buFont typeface="Calibri" pitchFamily="34" charset="0"/>
+              <a:buChar char="◦"/>
+              <a:defRPr sz="1400" kern="1200">
+                <a:solidFill>
+                  <a:schemeClr val="tx1">
+                    <a:lumMod val="75000"/>
+                    <a:lumOff val="25000"/>
+                  </a:schemeClr>
+                </a:solidFill>
+                <a:latin typeface="+mn-lt"/>
+                <a:ea typeface="+mn-ea"/>
+                <a:cs typeface="+mn-cs"/>
+              </a:defRPr>
+            </a:lvl3pPr>
+            <a:lvl4pPr marL="749808" indent="-182880" algn="l" defTabSz="914400" rtl="0" eaLnBrk="1" latinLnBrk="0" hangingPunct="1">
+              <a:lnSpc>
+                <a:spcPct val="90000"/>
+              </a:lnSpc>
+              <a:spcBef>
+                <a:spcPts val="200"/>
+              </a:spcBef>
+              <a:spcAft>
+                <a:spcPts val="400"/>
+              </a:spcAft>
+              <a:buClr>
+                <a:schemeClr val="accent1"/>
+              </a:buClr>
+              <a:buFont typeface="Calibri" pitchFamily="34" charset="0"/>
+              <a:buChar char="◦"/>
+              <a:defRPr sz="1400" kern="1200">
+                <a:solidFill>
+                  <a:schemeClr val="tx1">
+                    <a:lumMod val="75000"/>
+                    <a:lumOff val="25000"/>
+                  </a:schemeClr>
+                </a:solidFill>
+                <a:latin typeface="+mn-lt"/>
+                <a:ea typeface="+mn-ea"/>
+                <a:cs typeface="+mn-cs"/>
+              </a:defRPr>
+            </a:lvl4pPr>
+            <a:lvl5pPr marL="932688" indent="-182880" algn="l" defTabSz="914400" rtl="0" eaLnBrk="1" latinLnBrk="0" hangingPunct="1">
+              <a:lnSpc>
+                <a:spcPct val="90000"/>
+              </a:lnSpc>
+              <a:spcBef>
+                <a:spcPts val="200"/>
+              </a:spcBef>
+              <a:spcAft>
+                <a:spcPts val="400"/>
+              </a:spcAft>
+              <a:buClr>
+                <a:schemeClr val="accent1"/>
+              </a:buClr>
+              <a:buFont typeface="Calibri" pitchFamily="34" charset="0"/>
+              <a:buChar char="◦"/>
+              <a:defRPr sz="1400" kern="1200">
+                <a:solidFill>
+                  <a:schemeClr val="tx1">
+                    <a:lumMod val="75000"/>
+                    <a:lumOff val="25000"/>
+                  </a:schemeClr>
+                </a:solidFill>
+                <a:latin typeface="+mn-lt"/>
+                <a:ea typeface="+mn-ea"/>
+                <a:cs typeface="+mn-cs"/>
+              </a:defRPr>
+            </a:lvl5pPr>
+            <a:lvl6pPr marL="1100000" indent="-228600" algn="l" defTabSz="914400" rtl="0" eaLnBrk="1" latinLnBrk="0" hangingPunct="1">
+              <a:lnSpc>
+                <a:spcPct val="90000"/>
+              </a:lnSpc>
+              <a:spcBef>
+                <a:spcPts val="200"/>
+              </a:spcBef>
+              <a:spcAft>
+                <a:spcPts val="400"/>
+              </a:spcAft>
+              <a:buClr>
+                <a:schemeClr val="accent1"/>
+              </a:buClr>
+              <a:buFont typeface="Calibri" pitchFamily="34" charset="0"/>
+              <a:buChar char="◦"/>
+              <a:defRPr sz="1400" kern="1200">
+                <a:solidFill>
+                  <a:schemeClr val="tx1">
+                    <a:lumMod val="75000"/>
+                    <a:lumOff val="25000"/>
+                  </a:schemeClr>
+                </a:solidFill>
+                <a:latin typeface="+mn-lt"/>
+                <a:ea typeface="+mn-ea"/>
+                <a:cs typeface="+mn-cs"/>
+              </a:defRPr>
+            </a:lvl6pPr>
+            <a:lvl7pPr marL="1300000" indent="-228600" algn="l" defTabSz="914400" rtl="0" eaLnBrk="1" latinLnBrk="0" hangingPunct="1">
+              <a:lnSpc>
+                <a:spcPct val="90000"/>
+              </a:lnSpc>
+              <a:spcBef>
+                <a:spcPts val="200"/>
+              </a:spcBef>
+              <a:spcAft>
+                <a:spcPts val="400"/>
+              </a:spcAft>
+              <a:buClr>
+                <a:schemeClr val="accent1"/>
+              </a:buClr>
+              <a:buFont typeface="Calibri" pitchFamily="34" charset="0"/>
+              <a:buChar char="◦"/>
+              <a:defRPr sz="1400" kern="1200">
+                <a:solidFill>
+                  <a:schemeClr val="tx1">
+                    <a:lumMod val="75000"/>
+                    <a:lumOff val="25000"/>
+                  </a:schemeClr>
+                </a:solidFill>
+                <a:latin typeface="+mn-lt"/>
+                <a:ea typeface="+mn-ea"/>
+                <a:cs typeface="+mn-cs"/>
+              </a:defRPr>
+            </a:lvl7pPr>
+            <a:lvl8pPr marL="1500000" indent="-228600" algn="l" defTabSz="914400" rtl="0" eaLnBrk="1" latinLnBrk="0" hangingPunct="1">
+              <a:lnSpc>
+                <a:spcPct val="90000"/>
+              </a:lnSpc>
+              <a:spcBef>
+                <a:spcPts val="200"/>
+              </a:spcBef>
+              <a:spcAft>
+                <a:spcPts val="400"/>
+              </a:spcAft>
+              <a:buClr>
+                <a:schemeClr val="accent1"/>
+              </a:buClr>
+              <a:buFont typeface="Calibri" pitchFamily="34" charset="0"/>
+              <a:buChar char="◦"/>
+              <a:defRPr sz="1400" kern="1200">
+                <a:solidFill>
+                  <a:schemeClr val="tx1">
+                    <a:lumMod val="75000"/>
+                    <a:lumOff val="25000"/>
+                  </a:schemeClr>
+                </a:solidFill>
+                <a:latin typeface="+mn-lt"/>
+                <a:ea typeface="+mn-ea"/>
+                <a:cs typeface="+mn-cs"/>
+              </a:defRPr>
+            </a:lvl8pPr>
+            <a:lvl9pPr marL="1700000" indent="-228600" algn="l" defTabSz="914400" rtl="0" eaLnBrk="1" latinLnBrk="0" hangingPunct="1">
+              <a:lnSpc>
+                <a:spcPct val="90000"/>
+              </a:lnSpc>
+              <a:spcBef>
+                <a:spcPts val="200"/>
+              </a:spcBef>
+              <a:spcAft>
+                <a:spcPts val="400"/>
+              </a:spcAft>
+              <a:buClr>
+                <a:schemeClr val="accent1"/>
+              </a:buClr>
+              <a:buFont typeface="Calibri" pitchFamily="34" charset="0"/>
+              <a:buChar char="◦"/>
+              <a:defRPr sz="1400" kern="1200">
+                <a:solidFill>
+                  <a:schemeClr val="tx1">
+                    <a:lumMod val="75000"/>
+                    <a:lumOff val="25000"/>
+                  </a:schemeClr>
+                </a:solidFill>
+                <a:latin typeface="+mn-lt"/>
+                <a:ea typeface="+mn-ea"/>
+                <a:cs typeface="+mn-cs"/>
+              </a:defRPr>
+            </a:lvl9pPr>
+          </a:lstStyle>
+          <a:p>
+            <a:pPr lvl="1">
+              <a:buFont typeface="Arial" charset="0"/>
+              <a:buChar char="•"/>
+            </a:pPr>
+            <a:r>
+              <a:rPr lang="it-IT" sz="2000" dirty="0"/>
               <a:t>Ad ogni </a:t>
             </a:r>
             <a:r>
-              <a:rPr lang="it-IT" sz="2000" b="1" dirty="0" smtClean="0"/>
+              <a:rPr lang="it-IT" sz="2000" b="1" dirty="0"/>
               <a:t>Attore</a:t>
             </a:r>
             <a:r>
-              <a:rPr lang="it-IT" sz="2000" dirty="0" smtClean="0"/>
+              <a:rPr lang="it-IT" sz="2000" dirty="0"/>
               <a:t> sono associati</a:t>
             </a:r>
-            <a:endParaRPr lang="it-IT" sz="2000" b="1" dirty="0" smtClean="0"/>
+            <a:endParaRPr lang="it-IT" sz="2000" b="1" dirty="0"/>
           </a:p>
           <a:p>
             <a:pPr lvl="2">
@@ -5741,43 +6863,39 @@
               <a:buChar char="•"/>
             </a:pPr>
             <a:r>
-              <a:rPr lang="it-IT" sz="1600" dirty="0" smtClean="0"/>
+              <a:rPr lang="it-IT" sz="1600" dirty="0"/>
               <a:t>Una </a:t>
             </a:r>
             <a:r>
               <a:rPr lang="it-IT" sz="1600" b="1" dirty="0"/>
-              <a:t>p</a:t>
-            </a:r>
-            <a:r>
-              <a:rPr lang="it-IT" sz="1600" b="1" dirty="0" smtClean="0"/>
-              <a:t>osizione</a:t>
-            </a:r>
-            <a:r>
-              <a:rPr lang="it-IT" sz="1600" dirty="0" smtClean="0"/>
+              <a:t>posizione</a:t>
+            </a:r>
+            <a:r>
+              <a:rPr lang="it-IT" sz="1600" dirty="0"/>
               <a:t>, una </a:t>
             </a:r>
             <a:r>
-              <a:rPr lang="it-IT" sz="1600" b="1" dirty="0" smtClean="0"/>
+              <a:rPr lang="it-IT" sz="1600" b="1" dirty="0"/>
               <a:t>rotazione</a:t>
             </a:r>
             <a:r>
-              <a:rPr lang="it-IT" sz="1600" dirty="0" smtClean="0"/>
+              <a:rPr lang="it-IT" sz="1600" dirty="0"/>
               <a:t>, un </a:t>
             </a:r>
             <a:r>
-              <a:rPr lang="it-IT" sz="1600" b="1" dirty="0" smtClean="0"/>
+              <a:rPr lang="it-IT" sz="1600" b="1" dirty="0"/>
               <a:t>coefficiente di scala</a:t>
             </a:r>
             <a:r>
-              <a:rPr lang="it-IT" sz="1600" dirty="0" smtClean="0"/>
+              <a:rPr lang="it-IT" sz="1600" dirty="0"/>
               <a:t> e un valore di </a:t>
             </a:r>
             <a:r>
-              <a:rPr lang="it-IT" sz="1600" b="1" dirty="0" smtClean="0"/>
+              <a:rPr lang="it-IT" sz="1600" b="1" dirty="0"/>
               <a:t>volume sonoro</a:t>
             </a:r>
             <a:r>
-              <a:rPr lang="it-IT" sz="1600" dirty="0" smtClean="0"/>
+              <a:rPr lang="it-IT" sz="1600" dirty="0"/>
               <a:t>.</a:t>
             </a:r>
           </a:p>
@@ -5787,11 +6905,11 @@
               <a:buChar char="•"/>
             </a:pPr>
             <a:r>
-              <a:rPr lang="it-IT" sz="1600" b="1" dirty="0" smtClean="0"/>
+              <a:rPr lang="it-IT" sz="1600" b="1" dirty="0"/>
               <a:t>Script</a:t>
             </a:r>
             <a:r>
-              <a:rPr lang="it-IT" sz="1600" dirty="0" smtClean="0"/>
+              <a:rPr lang="it-IT" sz="1600" dirty="0"/>
               <a:t>: programmi realizzabili con l’apposita interfaccia.</a:t>
             </a:r>
           </a:p>
@@ -5801,15 +6919,15 @@
               <a:buChar char="•"/>
             </a:pPr>
             <a:r>
-              <a:rPr lang="it-IT" sz="1600" dirty="0" smtClean="0"/>
+              <a:rPr lang="it-IT" sz="1600" dirty="0"/>
               <a:t>Un</a:t>
             </a:r>
             <a:r>
-              <a:rPr lang="it-IT" sz="1600" b="1" dirty="0" smtClean="0"/>
+              <a:rPr lang="it-IT" sz="1600" b="1" dirty="0"/>
               <a:t> modello</a:t>
             </a:r>
             <a:r>
-              <a:rPr lang="it-IT" sz="1600" dirty="0" smtClean="0"/>
+              <a:rPr lang="it-IT" sz="1600" dirty="0"/>
               <a:t> tridimensionale che lo rappresenta.</a:t>
             </a:r>
           </a:p>
@@ -5819,15 +6937,15 @@
               <a:buChar char="•"/>
             </a:pPr>
             <a:r>
-              <a:rPr lang="it-IT" sz="1600" dirty="0" smtClean="0"/>
+              <a:rPr lang="it-IT" sz="1600" dirty="0"/>
               <a:t>Un </a:t>
             </a:r>
             <a:r>
-              <a:rPr lang="it-IT" sz="1600" b="1" dirty="0" smtClean="0"/>
+              <a:rPr lang="it-IT" sz="1600" b="1" dirty="0"/>
               <a:t>messaggio</a:t>
             </a:r>
             <a:r>
-              <a:rPr lang="it-IT" sz="1600" dirty="0" smtClean="0"/>
+              <a:rPr lang="it-IT" sz="1600" dirty="0"/>
               <a:t> che può essere usato per fare output.</a:t>
             </a:r>
           </a:p>
@@ -5836,7 +6954,7 @@
               <a:buFont typeface="Arial" charset="0"/>
               <a:buChar char="•"/>
             </a:pPr>
-            <a:endParaRPr lang="it-IT" sz="2000" dirty="0" smtClean="0"/>
+            <a:endParaRPr lang="it-IT" sz="2000" dirty="0"/>
           </a:p>
         </p:txBody>
       </p:sp>
@@ -5850,13 +6968,6 @@
   <p:clrMapOvr>
     <a:masterClrMapping/>
   </p:clrMapOvr>
-  <p:timing>
-    <p:tnLst>
-      <p:par>
-        <p:cTn id="1" dur="indefinite" restart="never" nodeType="tmRoot"/>
-      </p:par>
-    </p:tnLst>
-  </p:timing>
 </p:sld>
 </file>
 
@@ -5893,10 +7004,9 @@
           <a:lstStyle/>
           <a:p>
             <a:r>
-              <a:rPr lang="en-US" dirty="0" err="1" smtClean="0"/>
+              <a:rPr lang="it-IT" dirty="0"/>
               <a:t>Sintassi</a:t>
             </a:r>
-            <a:endParaRPr lang="en-US" dirty="0"/>
           </a:p>
         </p:txBody>
       </p:sp>
@@ -6173,15 +7283,15 @@
               <a:buChar char="•"/>
             </a:pPr>
             <a:r>
-              <a:rPr lang="it-IT" sz="2000" dirty="0" smtClean="0"/>
+              <a:rPr lang="it-IT" sz="2000" dirty="0"/>
               <a:t>Gli </a:t>
             </a:r>
             <a:r>
-              <a:rPr lang="it-IT" sz="2000" b="1" dirty="0" smtClean="0"/>
+              <a:rPr lang="it-IT" sz="2000" b="1" dirty="0"/>
               <a:t>script</a:t>
             </a:r>
             <a:r>
-              <a:rPr lang="it-IT" sz="2000" dirty="0" smtClean="0"/>
+              <a:rPr lang="it-IT" sz="2000" dirty="0"/>
               <a:t> sono composti dagli elementi seguenti:</a:t>
             </a:r>
           </a:p>
@@ -6191,11 +7301,11 @@
               <a:buChar char="•"/>
             </a:pPr>
             <a:r>
-              <a:rPr lang="it-IT" sz="1600" b="1" dirty="0" smtClean="0"/>
+              <a:rPr lang="it-IT" sz="1600" b="1" dirty="0"/>
               <a:t>Blocchi semplici</a:t>
             </a:r>
             <a:r>
-              <a:rPr lang="it-IT" sz="1600" dirty="0" smtClean="0"/>
+              <a:rPr lang="it-IT" sz="1600" dirty="0"/>
               <a:t>, che contengono una sola istruzione.</a:t>
             </a:r>
           </a:p>
@@ -6205,39 +7315,39 @@
               <a:buChar char="•"/>
             </a:pPr>
             <a:r>
-              <a:rPr lang="it-IT" sz="1600" b="1" dirty="0" smtClean="0"/>
+              <a:rPr lang="it-IT" sz="1600" b="1" dirty="0"/>
               <a:t>Blocchi di controllo</a:t>
             </a:r>
             <a:r>
-              <a:rPr lang="it-IT" sz="1600" dirty="0" smtClean="0"/>
+              <a:rPr lang="it-IT" sz="1600" dirty="0"/>
               <a:t>, usati per le strutture di controllo (</a:t>
             </a:r>
             <a:r>
-              <a:rPr lang="it-IT" sz="1600" i="1" dirty="0" err="1" smtClean="0"/>
+              <a:rPr lang="it-IT" sz="1600" i="1" dirty="0" err="1"/>
               <a:t>if</a:t>
             </a:r>
             <a:r>
-              <a:rPr lang="it-IT" sz="1600" i="1" dirty="0" smtClean="0"/>
+              <a:rPr lang="it-IT" sz="1600" i="1" dirty="0"/>
               <a:t>, </a:t>
             </a:r>
             <a:r>
-              <a:rPr lang="it-IT" sz="1600" i="1" dirty="0" err="1" smtClean="0"/>
+              <a:rPr lang="it-IT" sz="1600" i="1" dirty="0" err="1"/>
               <a:t>while</a:t>
             </a:r>
             <a:r>
-              <a:rPr lang="it-IT" sz="1600" i="1" dirty="0" smtClean="0"/>
+              <a:rPr lang="it-IT" sz="1600" i="1" dirty="0"/>
               <a:t>, …</a:t>
             </a:r>
             <a:r>
-              <a:rPr lang="it-IT" sz="1600" dirty="0" smtClean="0"/>
+              <a:rPr lang="it-IT" sz="1600" dirty="0"/>
               <a:t>). Presentano una </a:t>
             </a:r>
             <a:r>
-              <a:rPr lang="it-IT" sz="1600" i="1" dirty="0" smtClean="0"/>
+              <a:rPr lang="it-IT" sz="1600" i="1" dirty="0"/>
               <a:t>bocca</a:t>
             </a:r>
             <a:r>
-              <a:rPr lang="it-IT" sz="1600" dirty="0" smtClean="0"/>
+              <a:rPr lang="it-IT" sz="1600" dirty="0"/>
               <a:t> in cui è possibile inserire una sequenza di blocchi aggiuntiva.</a:t>
             </a:r>
           </a:p>
@@ -6247,27 +7357,27 @@
               <a:buChar char="•"/>
             </a:pPr>
             <a:r>
-              <a:rPr lang="it-IT" sz="1600" b="1" dirty="0" smtClean="0"/>
+              <a:rPr lang="it-IT" sz="1600" b="1" dirty="0"/>
               <a:t>Blocchi di controllo doppi</a:t>
             </a:r>
             <a:r>
-              <a:rPr lang="it-IT" sz="1600" dirty="0" smtClean="0"/>
+              <a:rPr lang="it-IT" sz="1600" dirty="0"/>
               <a:t>, usati per la struttura di controllo </a:t>
             </a:r>
             <a:r>
-              <a:rPr lang="it-IT" sz="1600" dirty="0" err="1" smtClean="0"/>
+              <a:rPr lang="it-IT" sz="1600" dirty="0" err="1"/>
               <a:t>if</a:t>
             </a:r>
             <a:r>
-              <a:rPr lang="it-IT" sz="1600" dirty="0" smtClean="0"/>
+              <a:rPr lang="it-IT" sz="1600" dirty="0"/>
               <a:t>/else. Presentano due </a:t>
             </a:r>
             <a:r>
-              <a:rPr lang="it-IT" sz="1600" i="1" dirty="0" smtClean="0"/>
+              <a:rPr lang="it-IT" sz="1600" i="1" dirty="0"/>
               <a:t>bocche</a:t>
             </a:r>
             <a:r>
-              <a:rPr lang="it-IT" sz="1600" dirty="0" smtClean="0"/>
+              <a:rPr lang="it-IT" sz="1600" dirty="0"/>
               <a:t> per l’inserimento di sequenze di blocchi aggiuntive.</a:t>
             </a:r>
           </a:p>
@@ -6277,11 +7387,11 @@
               <a:buChar char="•"/>
             </a:pPr>
             <a:r>
-              <a:rPr lang="it-IT" sz="1600" b="1" dirty="0" smtClean="0"/>
+              <a:rPr lang="it-IT" sz="1600" b="1" dirty="0"/>
               <a:t>Cappelli</a:t>
             </a:r>
             <a:r>
-              <a:rPr lang="it-IT" sz="1600" dirty="0" smtClean="0"/>
+              <a:rPr lang="it-IT" sz="1600" dirty="0"/>
               <a:t>, elementi aprono gli script e ne contengono la condizione di esecuzione.</a:t>
             </a:r>
           </a:p>
@@ -6290,10 +7400,130 @@
               <a:buFont typeface="Arial" charset="0"/>
               <a:buChar char="•"/>
             </a:pPr>
-            <a:endParaRPr lang="it-IT" sz="2000" dirty="0" smtClean="0"/>
-          </a:p>
-        </p:txBody>
-      </p:sp>
+            <a:endParaRPr lang="it-IT" sz="2000" dirty="0"/>
+          </a:p>
+        </p:txBody>
+      </p:sp>
+      <p:pic>
+        <p:nvPicPr>
+          <p:cNvPr id="4" name="Picture 3">
+            <a:extLst>
+              <a:ext uri="{FF2B5EF4-FFF2-40B4-BE49-F238E27FC236}">
+                <a16:creationId xmlns:a16="http://schemas.microsoft.com/office/drawing/2014/main" id="{D111CB8C-271D-42F3-B6A0-E4F5200B69E5}"/>
+              </a:ext>
+            </a:extLst>
+          </p:cNvPr>
+          <p:cNvPicPr>
+            <a:picLocks noChangeAspect="1"/>
+          </p:cNvPicPr>
+          <p:nvPr/>
+        </p:nvPicPr>
+        <p:blipFill>
+          <a:blip r:embed="rId2"/>
+          <a:stretch>
+            <a:fillRect/>
+          </a:stretch>
+        </p:blipFill>
+        <p:spPr>
+          <a:xfrm>
+            <a:off x="1407729" y="4609938"/>
+            <a:ext cx="2051968" cy="339258"/>
+          </a:xfrm>
+          <a:prstGeom prst="rect">
+            <a:avLst/>
+          </a:prstGeom>
+        </p:spPr>
+      </p:pic>
+      <p:pic>
+        <p:nvPicPr>
+          <p:cNvPr id="5" name="Picture 4">
+            <a:extLst>
+              <a:ext uri="{FF2B5EF4-FFF2-40B4-BE49-F238E27FC236}">
+                <a16:creationId xmlns:a16="http://schemas.microsoft.com/office/drawing/2014/main" id="{66061DD8-9274-4BCC-A359-3B073076BAC7}"/>
+              </a:ext>
+            </a:extLst>
+          </p:cNvPr>
+          <p:cNvPicPr>
+            <a:picLocks noChangeAspect="1"/>
+          </p:cNvPicPr>
+          <p:nvPr/>
+        </p:nvPicPr>
+        <p:blipFill>
+          <a:blip r:embed="rId3"/>
+          <a:stretch>
+            <a:fillRect/>
+          </a:stretch>
+        </p:blipFill>
+        <p:spPr>
+          <a:xfrm>
+            <a:off x="3720105" y="4097496"/>
+            <a:ext cx="2051968" cy="1024884"/>
+          </a:xfrm>
+          <a:prstGeom prst="rect">
+            <a:avLst/>
+          </a:prstGeom>
+        </p:spPr>
+      </p:pic>
+      <p:pic>
+        <p:nvPicPr>
+          <p:cNvPr id="6" name="Picture 5">
+            <a:extLst>
+              <a:ext uri="{FF2B5EF4-FFF2-40B4-BE49-F238E27FC236}">
+                <a16:creationId xmlns:a16="http://schemas.microsoft.com/office/drawing/2014/main" id="{4AEAB2D9-0C4A-45AB-8C15-6CD1C21B7D19}"/>
+              </a:ext>
+            </a:extLst>
+          </p:cNvPr>
+          <p:cNvPicPr>
+            <a:picLocks noChangeAspect="1"/>
+          </p:cNvPicPr>
+          <p:nvPr/>
+        </p:nvPicPr>
+        <p:blipFill>
+          <a:blip r:embed="rId4"/>
+          <a:stretch>
+            <a:fillRect/>
+          </a:stretch>
+        </p:blipFill>
+        <p:spPr>
+          <a:xfrm>
+            <a:off x="6201730" y="3857414"/>
+            <a:ext cx="1924488" cy="2245236"/>
+          </a:xfrm>
+          <a:prstGeom prst="rect">
+            <a:avLst/>
+          </a:prstGeom>
+        </p:spPr>
+      </p:pic>
+      <p:pic>
+        <p:nvPicPr>
+          <p:cNvPr id="7" name="Picture 6">
+            <a:extLst>
+              <a:ext uri="{FF2B5EF4-FFF2-40B4-BE49-F238E27FC236}">
+                <a16:creationId xmlns:a16="http://schemas.microsoft.com/office/drawing/2014/main" id="{D4D85FF8-4D70-4F55-98D0-C7E2EF955436}"/>
+              </a:ext>
+            </a:extLst>
+          </p:cNvPr>
+          <p:cNvPicPr>
+            <a:picLocks noChangeAspect="1"/>
+          </p:cNvPicPr>
+          <p:nvPr/>
+        </p:nvPicPr>
+        <p:blipFill>
+          <a:blip r:embed="rId5"/>
+          <a:stretch>
+            <a:fillRect/>
+          </a:stretch>
+        </p:blipFill>
+        <p:spPr>
+          <a:xfrm>
+            <a:off x="5772073" y="865464"/>
+            <a:ext cx="1225751" cy="2245236"/>
+          </a:xfrm>
+          <a:prstGeom prst="rect">
+            <a:avLst/>
+          </a:prstGeom>
+        </p:spPr>
+      </p:pic>
     </p:spTree>
     <p:extLst>
       <p:ext uri="{BB962C8B-B14F-4D97-AF65-F5344CB8AC3E}">
@@ -6304,13 +7534,6 @@
   <p:clrMapOvr>
     <a:masterClrMapping/>
   </p:clrMapOvr>
-  <p:timing>
-    <p:tnLst>
-      <p:par>
-        <p:cTn id="1" dur="indefinite" restart="never" nodeType="tmRoot"/>
-      </p:par>
-    </p:tnLst>
-  </p:timing>
 </p:sld>
 </file>
 
@@ -6347,7 +7570,7 @@
           <a:lstStyle/>
           <a:p>
             <a:r>
-              <a:rPr lang="en-US" dirty="0" err="1" smtClean="0"/>
+              <a:rPr lang="en-US" dirty="0" err="1"/>
               <a:t>Sintassi</a:t>
             </a:r>
             <a:endParaRPr lang="en-US" dirty="0"/>
@@ -6627,23 +7850,23 @@
               <a:buChar char="•"/>
             </a:pPr>
             <a:r>
-              <a:rPr lang="it-IT" sz="2000" dirty="0" smtClean="0"/>
+              <a:rPr lang="it-IT" sz="2000" dirty="0"/>
               <a:t>Alcuni blocchi presentano </a:t>
             </a:r>
             <a:r>
-              <a:rPr lang="it-IT" sz="2000" b="1" dirty="0" smtClean="0"/>
+              <a:rPr lang="it-IT" sz="2000" b="1" dirty="0"/>
               <a:t>caselle</a:t>
             </a:r>
             <a:r>
-              <a:rPr lang="it-IT" sz="2000" dirty="0" smtClean="0"/>
+              <a:rPr lang="it-IT" sz="2000" dirty="0"/>
               <a:t> in cui possono essere inseriti </a:t>
             </a:r>
             <a:r>
-              <a:rPr lang="it-IT" sz="2000" b="1" dirty="0" smtClean="0"/>
+              <a:rPr lang="it-IT" sz="2000" b="1" dirty="0"/>
               <a:t>operandi</a:t>
             </a:r>
             <a:r>
-              <a:rPr lang="it-IT" sz="2000" dirty="0" smtClean="0"/>
+              <a:rPr lang="it-IT" sz="2000" dirty="0"/>
               <a:t>.</a:t>
             </a:r>
           </a:p>
@@ -6653,23 +7876,23 @@
               <a:buChar char="•"/>
             </a:pPr>
             <a:r>
-              <a:rPr lang="it-IT" sz="1600" dirty="0" smtClean="0"/>
+              <a:rPr lang="it-IT" sz="1600" dirty="0"/>
               <a:t>Un operando è una </a:t>
             </a:r>
             <a:r>
-              <a:rPr lang="it-IT" sz="1600" b="1" dirty="0" smtClean="0"/>
+              <a:rPr lang="it-IT" sz="1600" b="1" dirty="0"/>
               <a:t>variabile</a:t>
             </a:r>
             <a:r>
-              <a:rPr lang="it-IT" sz="1600" dirty="0" smtClean="0"/>
+              <a:rPr lang="it-IT" sz="1600" dirty="0"/>
               <a:t> o una </a:t>
             </a:r>
             <a:r>
-              <a:rPr lang="it-IT" sz="1600" b="1" dirty="0" smtClean="0"/>
+              <a:rPr lang="it-IT" sz="1600" b="1" dirty="0"/>
               <a:t>espressione</a:t>
             </a:r>
             <a:r>
-              <a:rPr lang="it-IT" sz="1600" dirty="0" smtClean="0"/>
+              <a:rPr lang="it-IT" sz="1600" dirty="0"/>
               <a:t> di altri operandi.</a:t>
             </a:r>
           </a:p>
@@ -6679,39 +7902,39 @@
               <a:buChar char="•"/>
             </a:pPr>
             <a:r>
-              <a:rPr lang="it-IT" sz="1600" dirty="0" smtClean="0"/>
+              <a:rPr lang="it-IT" sz="1600" dirty="0"/>
               <a:t>Un operando è sempre associato ad un </a:t>
             </a:r>
             <a:r>
-              <a:rPr lang="it-IT" sz="1600" b="1" dirty="0" smtClean="0"/>
+              <a:rPr lang="it-IT" sz="1600" b="1" dirty="0"/>
               <a:t>tipo </a:t>
             </a:r>
             <a:r>
-              <a:rPr lang="it-IT" sz="1600" dirty="0" smtClean="0"/>
+              <a:rPr lang="it-IT" sz="1600" dirty="0"/>
               <a:t>tra </a:t>
             </a:r>
             <a:r>
-              <a:rPr lang="it-IT" sz="1600" b="1" dirty="0" smtClean="0"/>
+              <a:rPr lang="it-IT" sz="1600" b="1" dirty="0"/>
               <a:t>stringa</a:t>
             </a:r>
             <a:r>
-              <a:rPr lang="it-IT" sz="1600" dirty="0" smtClean="0"/>
+              <a:rPr lang="it-IT" sz="1600" dirty="0"/>
               <a:t>, </a:t>
             </a:r>
             <a:r>
-              <a:rPr lang="it-IT" sz="1600" b="1" dirty="0" smtClean="0"/>
+              <a:rPr lang="it-IT" sz="1600" b="1" dirty="0"/>
               <a:t>numero</a:t>
             </a:r>
             <a:r>
-              <a:rPr lang="it-IT" sz="1600" dirty="0" smtClean="0"/>
+              <a:rPr lang="it-IT" sz="1600" dirty="0"/>
               <a:t> e </a:t>
             </a:r>
             <a:r>
-              <a:rPr lang="it-IT" sz="1600" b="1" dirty="0" smtClean="0"/>
+              <a:rPr lang="it-IT" sz="1600" b="1" dirty="0"/>
               <a:t>booleano</a:t>
             </a:r>
             <a:r>
-              <a:rPr lang="it-IT" sz="1600" dirty="0" smtClean="0"/>
+              <a:rPr lang="it-IT" sz="1600" dirty="0"/>
               <a:t>. In una casella in cui si richiede un operando di tipo stringa, è possibile usare anche operandi di tipo numero e booleano.</a:t>
             </a:r>
           </a:p>
@@ -6721,15 +7944,15 @@
               <a:buChar char="•"/>
             </a:pPr>
             <a:r>
-              <a:rPr lang="it-IT" sz="2000" dirty="0" smtClean="0"/>
+              <a:rPr lang="it-IT" sz="2000" dirty="0"/>
               <a:t>Alcuni blocchi presentano </a:t>
             </a:r>
             <a:r>
-              <a:rPr lang="it-IT" sz="2000" b="1" dirty="0" smtClean="0"/>
+              <a:rPr lang="it-IT" sz="2000" b="1" dirty="0"/>
               <a:t>opzioni</a:t>
             </a:r>
             <a:r>
-              <a:rPr lang="it-IT" sz="2000" dirty="0" smtClean="0"/>
+              <a:rPr lang="it-IT" sz="2000" dirty="0"/>
               <a:t>: caselle con menù a tendina per la selezione di un valore in un elenco prestabilito.</a:t>
             </a:r>
           </a:p>
@@ -6739,23 +7962,23 @@
               <a:buChar char="•"/>
             </a:pPr>
             <a:r>
-              <a:rPr lang="it-IT" sz="2000" dirty="0" smtClean="0"/>
+              <a:rPr lang="it-IT" sz="2000" dirty="0"/>
               <a:t>Le </a:t>
             </a:r>
             <a:r>
-              <a:rPr lang="it-IT" sz="2000" b="1" dirty="0" smtClean="0"/>
+              <a:rPr lang="it-IT" sz="2000" b="1" dirty="0"/>
               <a:t>variabili</a:t>
             </a:r>
             <a:r>
-              <a:rPr lang="it-IT" sz="2000" dirty="0" smtClean="0"/>
+              <a:rPr lang="it-IT" sz="2000" dirty="0"/>
               <a:t> si definiscono con i controlli dell’ambiente di programmazione (separatamente rispetto agli script), ma sono disponibili istruzioni per </a:t>
             </a:r>
             <a:r>
-              <a:rPr lang="it-IT" sz="2000" b="1" dirty="0" smtClean="0"/>
+              <a:rPr lang="it-IT" sz="2000" b="1" dirty="0"/>
               <a:t>assegnare loro valori diversi</a:t>
             </a:r>
             <a:r>
-              <a:rPr lang="it-IT" sz="2000" dirty="0" smtClean="0"/>
+              <a:rPr lang="it-IT" sz="2000" dirty="0"/>
               <a:t>.</a:t>
             </a:r>
           </a:p>
@@ -6764,17 +7987,137 @@
               <a:buFont typeface="Arial" charset="0"/>
               <a:buChar char="•"/>
             </a:pPr>
-            <a:endParaRPr lang="it-IT" sz="1600" dirty="0" smtClean="0"/>
+            <a:endParaRPr lang="it-IT" sz="1600" dirty="0"/>
           </a:p>
           <a:p>
             <a:pPr lvl="1">
               <a:buFont typeface="Arial" charset="0"/>
               <a:buChar char="•"/>
             </a:pPr>
-            <a:endParaRPr lang="it-IT" sz="2000" dirty="0" smtClean="0"/>
-          </a:p>
-        </p:txBody>
-      </p:sp>
+            <a:endParaRPr lang="it-IT" sz="2000" dirty="0"/>
+          </a:p>
+        </p:txBody>
+      </p:sp>
+      <p:pic>
+        <p:nvPicPr>
+          <p:cNvPr id="4" name="Picture 3">
+            <a:extLst>
+              <a:ext uri="{FF2B5EF4-FFF2-40B4-BE49-F238E27FC236}">
+                <a16:creationId xmlns:a16="http://schemas.microsoft.com/office/drawing/2014/main" id="{38F858C8-CCFD-45A5-B7B4-E10FE11C7154}"/>
+              </a:ext>
+            </a:extLst>
+          </p:cNvPr>
+          <p:cNvPicPr>
+            <a:picLocks noChangeAspect="1"/>
+          </p:cNvPicPr>
+          <p:nvPr/>
+        </p:nvPicPr>
+        <p:blipFill>
+          <a:blip r:embed="rId2"/>
+          <a:stretch>
+            <a:fillRect/>
+          </a:stretch>
+        </p:blipFill>
+        <p:spPr>
+          <a:xfrm>
+            <a:off x="5886373" y="1845734"/>
+            <a:ext cx="2552086" cy="556753"/>
+          </a:xfrm>
+          <a:prstGeom prst="rect">
+            <a:avLst/>
+          </a:prstGeom>
+        </p:spPr>
+      </p:pic>
+      <p:pic>
+        <p:nvPicPr>
+          <p:cNvPr id="5" name="Picture 4">
+            <a:extLst>
+              <a:ext uri="{FF2B5EF4-FFF2-40B4-BE49-F238E27FC236}">
+                <a16:creationId xmlns:a16="http://schemas.microsoft.com/office/drawing/2014/main" id="{152E0B30-0345-4BA7-8733-F3C89055DAFC}"/>
+              </a:ext>
+            </a:extLst>
+          </p:cNvPr>
+          <p:cNvPicPr>
+            <a:picLocks noChangeAspect="1"/>
+          </p:cNvPicPr>
+          <p:nvPr/>
+        </p:nvPicPr>
+        <p:blipFill>
+          <a:blip r:embed="rId3"/>
+          <a:stretch>
+            <a:fillRect/>
+          </a:stretch>
+        </p:blipFill>
+        <p:spPr>
+          <a:xfrm>
+            <a:off x="6998581" y="2913911"/>
+            <a:ext cx="1439878" cy="556753"/>
+          </a:xfrm>
+          <a:prstGeom prst="rect">
+            <a:avLst/>
+          </a:prstGeom>
+        </p:spPr>
+      </p:pic>
+      <p:pic>
+        <p:nvPicPr>
+          <p:cNvPr id="6" name="Picture 5">
+            <a:extLst>
+              <a:ext uri="{FF2B5EF4-FFF2-40B4-BE49-F238E27FC236}">
+                <a16:creationId xmlns:a16="http://schemas.microsoft.com/office/drawing/2014/main" id="{40927989-E2DB-4B99-9EFB-950ED9DAD904}"/>
+              </a:ext>
+            </a:extLst>
+          </p:cNvPr>
+          <p:cNvPicPr>
+            <a:picLocks noChangeAspect="1"/>
+          </p:cNvPicPr>
+          <p:nvPr/>
+        </p:nvPicPr>
+        <p:blipFill>
+          <a:blip r:embed="rId4"/>
+          <a:stretch>
+            <a:fillRect/>
+          </a:stretch>
+        </p:blipFill>
+        <p:spPr>
+          <a:xfrm>
+            <a:off x="5591656" y="2913911"/>
+            <a:ext cx="1059188" cy="556753"/>
+          </a:xfrm>
+          <a:prstGeom prst="rect">
+            <a:avLst/>
+          </a:prstGeom>
+        </p:spPr>
+      </p:pic>
+      <p:pic>
+        <p:nvPicPr>
+          <p:cNvPr id="7" name="Picture 6">
+            <a:extLst>
+              <a:ext uri="{FF2B5EF4-FFF2-40B4-BE49-F238E27FC236}">
+                <a16:creationId xmlns:a16="http://schemas.microsoft.com/office/drawing/2014/main" id="{D735BB8A-B15B-4C12-B9AC-7649B0BD045B}"/>
+              </a:ext>
+            </a:extLst>
+          </p:cNvPr>
+          <p:cNvPicPr>
+            <a:picLocks noChangeAspect="1"/>
+          </p:cNvPicPr>
+          <p:nvPr/>
+        </p:nvPicPr>
+        <p:blipFill>
+          <a:blip r:embed="rId5"/>
+          <a:stretch>
+            <a:fillRect/>
+          </a:stretch>
+        </p:blipFill>
+        <p:spPr>
+          <a:xfrm>
+            <a:off x="5347109" y="4349401"/>
+            <a:ext cx="3054724" cy="1556872"/>
+          </a:xfrm>
+          <a:prstGeom prst="rect">
+            <a:avLst/>
+          </a:prstGeom>
+        </p:spPr>
+      </p:pic>
     </p:spTree>
     <p:extLst>
       <p:ext uri="{BB962C8B-B14F-4D97-AF65-F5344CB8AC3E}">
@@ -6785,13 +8128,6 @@
   <p:clrMapOvr>
     <a:masterClrMapping/>
   </p:clrMapOvr>
-  <p:timing>
-    <p:tnLst>
-      <p:par>
-        <p:cTn id="1" dur="indefinite" restart="never" nodeType="tmRoot"/>
-      </p:par>
-    </p:tnLst>
-  </p:timing>
 </p:sld>
 </file>
 
@@ -6828,7 +8164,7 @@
           <a:lstStyle/>
           <a:p>
             <a:r>
-              <a:rPr lang="en-US" dirty="0" err="1" smtClean="0"/>
+              <a:rPr lang="en-US" dirty="0" err="1"/>
               <a:t>Semantica</a:t>
             </a:r>
             <a:endParaRPr lang="en-US" dirty="0"/>
@@ -7108,23 +8444,23 @@
               <a:buChar char="•"/>
             </a:pPr>
             <a:r>
-              <a:rPr lang="it-IT" sz="2000" dirty="0" smtClean="0"/>
+              <a:rPr lang="it-IT" sz="2000" dirty="0"/>
               <a:t>Ciascun </a:t>
             </a:r>
             <a:r>
-              <a:rPr lang="it-IT" sz="2000" b="1" dirty="0" smtClean="0"/>
+              <a:rPr lang="it-IT" sz="2000" b="1" dirty="0"/>
               <a:t>attore</a:t>
             </a:r>
             <a:r>
-              <a:rPr lang="it-IT" sz="2000" dirty="0" smtClean="0"/>
+              <a:rPr lang="it-IT" sz="2000" dirty="0"/>
               <a:t> definisce </a:t>
             </a:r>
             <a:r>
-              <a:rPr lang="it-IT" sz="2000" b="1" dirty="0" smtClean="0"/>
+              <a:rPr lang="it-IT" sz="2000" b="1" dirty="0"/>
               <a:t>variabili locali</a:t>
             </a:r>
             <a:r>
-              <a:rPr lang="it-IT" sz="2000" dirty="0" smtClean="0"/>
+              <a:rPr lang="it-IT" sz="2000" dirty="0"/>
               <a:t> su cui ha visibilità esclusiva.</a:t>
             </a:r>
           </a:p>
@@ -7134,15 +8470,15 @@
               <a:buChar char="•"/>
             </a:pPr>
             <a:r>
-              <a:rPr lang="it-IT" sz="2000" dirty="0" smtClean="0"/>
+              <a:rPr lang="it-IT" sz="2000" dirty="0"/>
               <a:t>Sono definibili </a:t>
             </a:r>
             <a:r>
-              <a:rPr lang="it-IT" sz="2000" b="1" dirty="0" smtClean="0"/>
+              <a:rPr lang="it-IT" sz="2000" b="1" dirty="0"/>
               <a:t>variabili globali</a:t>
             </a:r>
             <a:r>
-              <a:rPr lang="it-IT" sz="2000" dirty="0" smtClean="0"/>
+              <a:rPr lang="it-IT" sz="2000" dirty="0"/>
               <a:t> che risultano visibili per qualsiasi attore.</a:t>
             </a:r>
           </a:p>
@@ -7152,23 +8488,23 @@
               <a:buChar char="•"/>
             </a:pPr>
             <a:r>
-              <a:rPr lang="it-IT" sz="2000" dirty="0" smtClean="0"/>
+              <a:rPr lang="it-IT" sz="2000" dirty="0"/>
               <a:t>Un attore può </a:t>
             </a:r>
             <a:r>
-              <a:rPr lang="it-IT" sz="2000" b="1" dirty="0" smtClean="0"/>
+              <a:rPr lang="it-IT" sz="2000" b="1" dirty="0"/>
               <a:t>trasmettere in broadcast un messaggio</a:t>
             </a:r>
             <a:r>
-              <a:rPr lang="it-IT" sz="2000" dirty="0" smtClean="0"/>
+              <a:rPr lang="it-IT" sz="2000" dirty="0"/>
               <a:t> che contiene una stringa, scatenando l’esecuzione di script che comincino con l’</a:t>
             </a:r>
             <a:r>
-              <a:rPr lang="it-IT" sz="2000" b="1" dirty="0" smtClean="0"/>
+              <a:rPr lang="it-IT" sz="2000" b="1" dirty="0"/>
               <a:t>opportuno cappello di ricezione</a:t>
             </a:r>
             <a:r>
-              <a:rPr lang="it-IT" sz="2000" dirty="0" smtClean="0"/>
+              <a:rPr lang="it-IT" sz="2000" dirty="0"/>
               <a:t>.</a:t>
             </a:r>
           </a:p>
@@ -7178,14 +8514,14 @@
               <a:buChar char="•"/>
             </a:pPr>
             <a:r>
-              <a:rPr lang="it-IT" sz="1600" dirty="0" smtClean="0"/>
+              <a:rPr lang="it-IT" sz="1600" dirty="0"/>
               <a:t>È possibile sfruttare questo meccanismo per la simulazione di chiamate a </a:t>
             </a:r>
             <a:r>
-              <a:rPr lang="it-IT" sz="1600" smtClean="0"/>
+              <a:rPr lang="it-IT" sz="1600"/>
               <a:t>funzione.</a:t>
             </a:r>
-            <a:endParaRPr lang="it-IT" sz="1600" dirty="0" smtClean="0"/>
+            <a:endParaRPr lang="it-IT" sz="1600" dirty="0"/>
           </a:p>
         </p:txBody>
       </p:sp>
@@ -7199,13 +8535,6 @@
   <p:clrMapOvr>
     <a:masterClrMapping/>
   </p:clrMapOvr>
-  <p:timing>
-    <p:tnLst>
-      <p:par>
-        <p:cTn id="1" dur="indefinite" restart="never" nodeType="tmRoot"/>
-      </p:par>
-    </p:tnLst>
-  </p:timing>
 </p:sld>
 </file>
 
@@ -7242,15 +8571,15 @@
           <a:lstStyle/>
           <a:p>
             <a:r>
-              <a:rPr lang="en-US" dirty="0" err="1" smtClean="0"/>
+              <a:rPr lang="en-US" dirty="0" err="1"/>
               <a:t>Grammatica</a:t>
             </a:r>
             <a:r>
-              <a:rPr lang="en-US" dirty="0" smtClean="0"/>
+              <a:rPr lang="en-US" dirty="0"/>
               <a:t> </a:t>
             </a:r>
             <a:r>
-              <a:rPr lang="en-US" dirty="0" err="1" smtClean="0"/>
+              <a:rPr lang="en-US" dirty="0" err="1"/>
               <a:t>visuale</a:t>
             </a:r>
             <a:endParaRPr lang="en-US" dirty="0"/>
@@ -7267,13 +8596,6 @@
   <p:clrMapOvr>
     <a:masterClrMapping/>
   </p:clrMapOvr>
-  <p:timing>
-    <p:tnLst>
-      <p:par>
-        <p:cTn id="1" dur="indefinite" restart="never" nodeType="tmRoot"/>
-      </p:par>
-    </p:tnLst>
-  </p:timing>
 </p:sld>
 </file>
 
@@ -7310,15 +8632,15 @@
           <a:lstStyle/>
           <a:p>
             <a:r>
-              <a:rPr lang="en-US" dirty="0" err="1" smtClean="0"/>
+              <a:rPr lang="en-US" dirty="0" err="1"/>
               <a:t>Motore</a:t>
             </a:r>
             <a:r>
-              <a:rPr lang="en-US" dirty="0" smtClean="0"/>
+              <a:rPr lang="en-US" dirty="0"/>
               <a:t> di </a:t>
             </a:r>
             <a:r>
-              <a:rPr lang="en-US" dirty="0" err="1" smtClean="0"/>
+              <a:rPr lang="en-US" dirty="0" err="1"/>
               <a:t>Valutazione</a:t>
             </a:r>
             <a:endParaRPr lang="en-US" dirty="0"/>

--- a/Presentazione.pptx
+++ b/Presentazione.pptx
@@ -224,7 +224,7 @@
           <a:p>
             <a:fld id="{444B84AA-5D7F-044C-A2CA-A90C4BB986C9}" type="datetimeFigureOut">
               <a:rPr lang="it-IT" smtClean="0"/>
-              <a:t>08/09/2017</a:t>
+              <a:t>09/09/2017</a:t>
             </a:fld>
             <a:endParaRPr lang="it-IT"/>
           </a:p>
@@ -718,7 +718,7 @@
           <a:p>
             <a:fld id="{83CE6F29-DBF2-C24A-928C-69596927030A}" type="datetimeFigureOut">
               <a:rPr lang="en-US" smtClean="0"/>
-              <a:t>9/8/2017</a:t>
+              <a:t>9/9/2017</a:t>
             </a:fld>
             <a:endParaRPr lang="en-US"/>
           </a:p>
@@ -921,7 +921,7 @@
           <a:p>
             <a:fld id="{83CE6F29-DBF2-C24A-928C-69596927030A}" type="datetimeFigureOut">
               <a:rPr lang="en-US" smtClean="0"/>
-              <a:t>9/8/2017</a:t>
+              <a:t>9/9/2017</a:t>
             </a:fld>
             <a:endParaRPr lang="en-US"/>
           </a:p>
@@ -1172,7 +1172,7 @@
           <a:p>
             <a:fld id="{83CE6F29-DBF2-C24A-928C-69596927030A}" type="datetimeFigureOut">
               <a:rPr lang="en-US" smtClean="0"/>
-              <a:t>9/8/2017</a:t>
+              <a:t>9/9/2017</a:t>
             </a:fld>
             <a:endParaRPr lang="en-US"/>
           </a:p>
@@ -1337,7 +1337,7 @@
           <a:p>
             <a:fld id="{83CE6F29-DBF2-C24A-928C-69596927030A}" type="datetimeFigureOut">
               <a:rPr lang="en-US" smtClean="0"/>
-              <a:t>9/8/2017</a:t>
+              <a:t>9/9/2017</a:t>
             </a:fld>
             <a:endParaRPr lang="en-US"/>
           </a:p>
@@ -1675,7 +1675,7 @@
           <a:p>
             <a:fld id="{83CE6F29-DBF2-C24A-928C-69596927030A}" type="datetimeFigureOut">
               <a:rPr lang="en-US" smtClean="0"/>
-              <a:t>9/8/2017</a:t>
+              <a:t>9/9/2017</a:t>
             </a:fld>
             <a:endParaRPr lang="en-US"/>
           </a:p>
@@ -1945,7 +1945,7 @@
           <a:p>
             <a:fld id="{83CE6F29-DBF2-C24A-928C-69596927030A}" type="datetimeFigureOut">
               <a:rPr lang="en-US" smtClean="0"/>
-              <a:t>9/8/2017</a:t>
+              <a:t>9/9/2017</a:t>
             </a:fld>
             <a:endParaRPr lang="en-US"/>
           </a:p>
@@ -2319,7 +2319,7 @@
           <a:p>
             <a:fld id="{83CE6F29-DBF2-C24A-928C-69596927030A}" type="datetimeFigureOut">
               <a:rPr lang="en-US" smtClean="0"/>
-              <a:t>9/8/2017</a:t>
+              <a:t>9/9/2017</a:t>
             </a:fld>
             <a:endParaRPr lang="en-US"/>
           </a:p>
@@ -2432,7 +2432,7 @@
           <a:p>
             <a:fld id="{83CE6F29-DBF2-C24A-928C-69596927030A}" type="datetimeFigureOut">
               <a:rPr lang="en-US" smtClean="0"/>
-              <a:t>9/8/2017</a:t>
+              <a:t>9/9/2017</a:t>
             </a:fld>
             <a:endParaRPr lang="en-US"/>
           </a:p>
@@ -2598,7 +2598,7 @@
           <a:p>
             <a:fld id="{83CE6F29-DBF2-C24A-928C-69596927030A}" type="datetimeFigureOut">
               <a:rPr lang="en-US" smtClean="0"/>
-              <a:t>9/8/2017</a:t>
+              <a:t>9/9/2017</a:t>
             </a:fld>
             <a:endParaRPr lang="en-US"/>
           </a:p>
@@ -2947,7 +2947,7 @@
           <a:p>
             <a:fld id="{83CE6F29-DBF2-C24A-928C-69596927030A}" type="datetimeFigureOut">
               <a:rPr lang="en-US" smtClean="0"/>
-              <a:t>9/8/2017</a:t>
+              <a:t>9/9/2017</a:t>
             </a:fld>
             <a:endParaRPr lang="en-US"/>
           </a:p>
@@ -3319,7 +3319,7 @@
           <a:p>
             <a:fld id="{83CE6F29-DBF2-C24A-928C-69596927030A}" type="datetimeFigureOut">
               <a:rPr lang="en-US" smtClean="0"/>
-              <a:t>9/8/2017</a:t>
+              <a:t>9/9/2017</a:t>
             </a:fld>
             <a:endParaRPr lang="en-US"/>
           </a:p>
@@ -3601,7 +3601,7 @@
           <a:p>
             <a:fld id="{83CE6F29-DBF2-C24A-928C-69596927030A}" type="datetimeFigureOut">
               <a:rPr lang="en-US" smtClean="0"/>
-              <a:t>9/8/2017</a:t>
+              <a:t>9/9/2017</a:t>
             </a:fld>
             <a:endParaRPr lang="en-US"/>
           </a:p>
@@ -4994,13 +4994,13 @@
   <p:clrMapOvr>
     <a:masterClrMapping/>
   </p:clrMapOvr>
-  <mc:AlternateContent xmlns:mc="http://schemas.openxmlformats.org/markup-compatibility/2006">
-    <mc:Choice xmlns:p14="http://schemas.microsoft.com/office/powerpoint/2010/main" Requires="p14">
+  <mc:AlternateContent xmlns:mc="http://schemas.openxmlformats.org/markup-compatibility/2006" xmlns:p14="http://schemas.microsoft.com/office/powerpoint/2010/main">
+    <mc:Choice Requires="p14">
       <p:transition spd="med" p14:dur="700">
         <p:fade/>
       </p:transition>
     </mc:Choice>
-    <mc:Fallback>
+    <mc:Fallback xmlns="">
       <p:transition spd="med">
         <p:fade/>
       </p:transition>
@@ -5956,13 +5956,13 @@
   <p:clrMapOvr>
     <a:masterClrMapping/>
   </p:clrMapOvr>
-  <mc:AlternateContent xmlns:mc="http://schemas.openxmlformats.org/markup-compatibility/2006">
-    <mc:Choice xmlns:p159="http://schemas.microsoft.com/office/powerpoint/2015/09/main" Requires="p159">
+  <mc:AlternateContent xmlns:mc="http://schemas.openxmlformats.org/markup-compatibility/2006" xmlns:p159="http://schemas.microsoft.com/office/powerpoint/2015/09/main">
+    <mc:Choice Requires="p159">
       <p:transition xmlns:p14="http://schemas.microsoft.com/office/powerpoint/2010/main" spd="slow" p14:dur="2000">
         <p159:morph option="byObject"/>
       </p:transition>
     </mc:Choice>
-    <mc:Fallback>
+    <mc:Fallback xmlns="">
       <p:transition spd="slow">
         <p:fade/>
       </p:transition>
@@ -6964,13 +6964,13 @@
   <p:clrMapOvr>
     <a:masterClrMapping/>
   </p:clrMapOvr>
-  <mc:AlternateContent xmlns:mc="http://schemas.openxmlformats.org/markup-compatibility/2006">
-    <mc:Choice xmlns:p14="http://schemas.microsoft.com/office/powerpoint/2010/main" Requires="p14">
+  <mc:AlternateContent xmlns:mc="http://schemas.openxmlformats.org/markup-compatibility/2006" xmlns:p14="http://schemas.microsoft.com/office/powerpoint/2010/main">
+    <mc:Choice Requires="p14">
       <p:transition spd="med" p14:dur="700">
         <p:fade/>
       </p:transition>
     </mc:Choice>
-    <mc:Fallback>
+    <mc:Fallback xmlns="">
       <p:transition spd="med">
         <p:fade/>
       </p:transition>
@@ -8495,13 +8495,13 @@
   <p:clrMapOvr>
     <a:masterClrMapping/>
   </p:clrMapOvr>
-  <mc:AlternateContent xmlns:mc="http://schemas.openxmlformats.org/markup-compatibility/2006">
-    <mc:Choice xmlns:p14="http://schemas.microsoft.com/office/powerpoint/2010/main" Requires="p14">
+  <mc:AlternateContent xmlns:mc="http://schemas.openxmlformats.org/markup-compatibility/2006" xmlns:p14="http://schemas.microsoft.com/office/powerpoint/2010/main">
+    <mc:Choice Requires="p14">
       <p:transition spd="med" p14:dur="700">
         <p:fade/>
       </p:transition>
     </mc:Choice>
-    <mc:Fallback>
+    <mc:Fallback xmlns="">
       <p:transition spd="med">
         <p:fade/>
       </p:transition>
@@ -10549,13 +10549,13 @@
   <p:clrMapOvr>
     <a:masterClrMapping/>
   </p:clrMapOvr>
-  <mc:AlternateContent xmlns:mc="http://schemas.openxmlformats.org/markup-compatibility/2006">
-    <mc:Choice xmlns:p159="http://schemas.microsoft.com/office/powerpoint/2015/09/main" Requires="p159">
+  <mc:AlternateContent xmlns:mc="http://schemas.openxmlformats.org/markup-compatibility/2006" xmlns:p159="http://schemas.microsoft.com/office/powerpoint/2015/09/main">
+    <mc:Choice Requires="p159">
       <p:transition xmlns:p14="http://schemas.microsoft.com/office/powerpoint/2010/main" spd="slow" p14:dur="2000">
         <p159:morph option="byObject"/>
       </p:transition>
     </mc:Choice>
-    <mc:Fallback>
+    <mc:Fallback xmlns="">
       <p:transition spd="slow">
         <p:fade/>
       </p:transition>
@@ -11907,13 +11907,13 @@
   <p:clrMapOvr>
     <a:masterClrMapping/>
   </p:clrMapOvr>
-  <mc:AlternateContent xmlns:mc="http://schemas.openxmlformats.org/markup-compatibility/2006">
-    <mc:Choice xmlns:p14="http://schemas.microsoft.com/office/powerpoint/2010/main" Requires="p14">
+  <mc:AlternateContent xmlns:mc="http://schemas.openxmlformats.org/markup-compatibility/2006" xmlns:p14="http://schemas.microsoft.com/office/powerpoint/2010/main">
+    <mc:Choice Requires="p14">
       <p:transition spd="med" p14:dur="700">
         <p:fade/>
       </p:transition>
     </mc:Choice>
-    <mc:Fallback>
+    <mc:Fallback xmlns="">
       <p:transition spd="med">
         <p:fade/>
       </p:transition>
@@ -12690,13 +12690,13 @@
   <p:clrMapOvr>
     <a:masterClrMapping/>
   </p:clrMapOvr>
-  <mc:AlternateContent xmlns:mc="http://schemas.openxmlformats.org/markup-compatibility/2006">
-    <mc:Choice xmlns:p159="http://schemas.microsoft.com/office/powerpoint/2015/09/main" Requires="p159">
+  <mc:AlternateContent xmlns:mc="http://schemas.openxmlformats.org/markup-compatibility/2006" xmlns:p159="http://schemas.microsoft.com/office/powerpoint/2015/09/main">
+    <mc:Choice Requires="p159">
       <p:transition xmlns:p14="http://schemas.microsoft.com/office/powerpoint/2010/main" spd="slow" p14:dur="2000">
         <p159:morph option="byObject"/>
       </p:transition>
     </mc:Choice>
-    <mc:Fallback>
+    <mc:Fallback xmlns="">
       <p:transition spd="slow">
         <p:fade/>
       </p:transition>
@@ -13927,13 +13927,13 @@
   <p:clrMapOvr>
     <a:masterClrMapping/>
   </p:clrMapOvr>
-  <mc:AlternateContent xmlns:mc="http://schemas.openxmlformats.org/markup-compatibility/2006">
-    <mc:Choice xmlns:p159="http://schemas.microsoft.com/office/powerpoint/2015/09/main" Requires="p159">
+  <mc:AlternateContent xmlns:mc="http://schemas.openxmlformats.org/markup-compatibility/2006" xmlns:p159="http://schemas.microsoft.com/office/powerpoint/2015/09/main">
+    <mc:Choice Requires="p159">
       <p:transition xmlns:p14="http://schemas.microsoft.com/office/powerpoint/2010/main" spd="slow" p14:dur="2000">
         <p159:morph option="byObject"/>
       </p:transition>
     </mc:Choice>
-    <mc:Fallback>
+    <mc:Fallback xmlns="">
       <p:transition spd="slow">
         <p:fade/>
       </p:transition>
@@ -14977,13 +14977,13 @@
   <p:clrMapOvr>
     <a:masterClrMapping/>
   </p:clrMapOvr>
-  <mc:AlternateContent xmlns:mc="http://schemas.openxmlformats.org/markup-compatibility/2006">
-    <mc:Choice xmlns:p14="http://schemas.microsoft.com/office/powerpoint/2010/main" Requires="p14">
+  <mc:AlternateContent xmlns:mc="http://schemas.openxmlformats.org/markup-compatibility/2006" xmlns:p14="http://schemas.microsoft.com/office/powerpoint/2010/main">
+    <mc:Choice Requires="p14">
       <p:transition spd="med" p14:dur="700">
         <p:fade/>
       </p:transition>
     </mc:Choice>
-    <mc:Fallback>
+    <mc:Fallback xmlns="">
       <p:transition spd="med">
         <p:fade/>
       </p:transition>
@@ -15761,13 +15761,13 @@
   <p:clrMapOvr>
     <a:masterClrMapping/>
   </p:clrMapOvr>
-  <mc:AlternateContent xmlns:mc="http://schemas.openxmlformats.org/markup-compatibility/2006">
-    <mc:Choice xmlns:p14="http://schemas.microsoft.com/office/powerpoint/2010/main" Requires="p14">
+  <mc:AlternateContent xmlns:mc="http://schemas.openxmlformats.org/markup-compatibility/2006" xmlns:p14="http://schemas.microsoft.com/office/powerpoint/2010/main">
+    <mc:Choice Requires="p14">
       <p:transition spd="med" p14:dur="700">
         <p:fade/>
       </p:transition>
     </mc:Choice>
-    <mc:Fallback>
+    <mc:Fallback xmlns="">
       <p:transition spd="med">
         <p:fade/>
       </p:transition>
@@ -17206,13 +17206,13 @@
   <p:clrMapOvr>
     <a:masterClrMapping/>
   </p:clrMapOvr>
-  <mc:AlternateContent xmlns:mc="http://schemas.openxmlformats.org/markup-compatibility/2006">
-    <mc:Choice xmlns:p159="http://schemas.microsoft.com/office/powerpoint/2015/09/main" Requires="p159">
+  <mc:AlternateContent xmlns:mc="http://schemas.openxmlformats.org/markup-compatibility/2006" xmlns:p159="http://schemas.microsoft.com/office/powerpoint/2015/09/main">
+    <mc:Choice Requires="p159">
       <p:transition xmlns:p14="http://schemas.microsoft.com/office/powerpoint/2010/main" spd="slow" p14:dur="2000">
         <p159:morph option="byObject"/>
       </p:transition>
     </mc:Choice>
-    <mc:Fallback>
+    <mc:Fallback xmlns="">
       <p:transition spd="slow">
         <p:fade/>
       </p:transition>
@@ -17974,13 +17974,13 @@
   <p:clrMapOvr>
     <a:masterClrMapping/>
   </p:clrMapOvr>
-  <mc:AlternateContent xmlns:mc="http://schemas.openxmlformats.org/markup-compatibility/2006">
-    <mc:Choice xmlns:p14="http://schemas.microsoft.com/office/powerpoint/2010/main" Requires="p14">
+  <mc:AlternateContent xmlns:mc="http://schemas.openxmlformats.org/markup-compatibility/2006" xmlns:p14="http://schemas.microsoft.com/office/powerpoint/2010/main">
+    <mc:Choice Requires="p14">
       <p:transition spd="med" p14:dur="700">
         <p:fade/>
       </p:transition>
     </mc:Choice>
-    <mc:Fallback>
+    <mc:Fallback xmlns="">
       <p:transition spd="med">
         <p:fade/>
       </p:transition>
@@ -18805,13 +18805,13 @@
   <p:clrMapOvr>
     <a:masterClrMapping/>
   </p:clrMapOvr>
-  <mc:AlternateContent xmlns:mc="http://schemas.openxmlformats.org/markup-compatibility/2006">
-    <mc:Choice xmlns:p14="http://schemas.microsoft.com/office/powerpoint/2010/main" Requires="p14">
+  <mc:AlternateContent xmlns:mc="http://schemas.openxmlformats.org/markup-compatibility/2006" xmlns:p14="http://schemas.microsoft.com/office/powerpoint/2010/main">
+    <mc:Choice Requires="p14">
       <p:transition spd="med" p14:dur="700">
         <p:fade/>
       </p:transition>
     </mc:Choice>
-    <mc:Fallback>
+    <mc:Fallback xmlns="">
       <p:transition spd="med">
         <p:fade/>
       </p:transition>
@@ -19603,13 +19603,13 @@
   <p:clrMapOvr>
     <a:masterClrMapping/>
   </p:clrMapOvr>
-  <mc:AlternateContent xmlns:mc="http://schemas.openxmlformats.org/markup-compatibility/2006">
-    <mc:Choice xmlns:p14="http://schemas.microsoft.com/office/powerpoint/2010/main" Requires="p14">
+  <mc:AlternateContent xmlns:mc="http://schemas.openxmlformats.org/markup-compatibility/2006" xmlns:p14="http://schemas.microsoft.com/office/powerpoint/2010/main">
+    <mc:Choice Requires="p14">
       <p:transition spd="med" p14:dur="700">
         <p:fade/>
       </p:transition>
     </mc:Choice>
-    <mc:Fallback>
+    <mc:Fallback xmlns="">
       <p:transition spd="med">
         <p:fade/>
       </p:transition>
@@ -20265,8 +20265,21 @@
             </a:pPr>
             <a:r>
               <a:rPr lang="it-IT" sz="2000" dirty="0"/>
-              <a:t>Esempio di sfruttamento del sistema di messaggistica per il calcolo del fattoriale.</a:t>
-            </a:r>
+              <a:t>Esempio di sfruttamento del sistema di messaggistica per il calcolo del fattoriale (</a:t>
+            </a:r>
+            <a:r>
+              <a:rPr lang="it-IT" sz="2000" dirty="0" err="1"/>
+              <a:t>tail</a:t>
+            </a:r>
+            <a:r>
+              <a:rPr lang="it-IT" sz="2000" dirty="0"/>
+              <a:t>-ricorsivo: non si supporta il passaggio </a:t>
+            </a:r>
+            <a:r>
+              <a:rPr lang="it-IT" sz="2000"/>
+              <a:t>di argomenti).</a:t>
+            </a:r>
+            <a:endParaRPr lang="it-IT" sz="2000" dirty="0"/>
           </a:p>
           <a:p>
             <a:pPr lvl="1">
@@ -20275,13 +20288,8 @@
             </a:pPr>
             <a:r>
               <a:rPr lang="it-IT" sz="2000" dirty="0"/>
-              <a:t>Attore che segue </a:t>
-            </a:r>
-            <a:r>
-              <a:rPr lang="it-IT" sz="2000"/>
-              <a:t>il controller.</a:t>
-            </a:r>
-            <a:endParaRPr lang="it-IT" sz="2000" dirty="0"/>
+              <a:t>Attore che segue il controller.</a:t>
+            </a:r>
           </a:p>
         </p:txBody>
       </p:sp>
@@ -20295,13 +20303,13 @@
   <p:clrMapOvr>
     <a:masterClrMapping/>
   </p:clrMapOvr>
-  <mc:AlternateContent xmlns:mc="http://schemas.openxmlformats.org/markup-compatibility/2006">
-    <mc:Choice xmlns:p159="http://schemas.microsoft.com/office/powerpoint/2015/09/main" Requires="p159">
+  <mc:AlternateContent xmlns:mc="http://schemas.openxmlformats.org/markup-compatibility/2006" xmlns:p159="http://schemas.microsoft.com/office/powerpoint/2015/09/main">
+    <mc:Choice Requires="p159">
       <p:transition xmlns:p14="http://schemas.microsoft.com/office/powerpoint/2010/main" spd="slow" p14:dur="2000">
         <p159:morph option="byObject"/>
       </p:transition>
     </mc:Choice>
-    <mc:Fallback>
+    <mc:Fallback xmlns="">
       <p:transition spd="slow">
         <p:fade/>
       </p:transition>
@@ -20894,6 +20902,39 @@
             </a:pPr>
             <a:r>
               <a:rPr lang="it-IT" sz="1600" dirty="0"/>
+              <a:t>Introdurre un sistema di definizione di </a:t>
+            </a:r>
+            <a:r>
+              <a:rPr lang="it-IT" sz="1600" b="1" dirty="0"/>
+              <a:t>funzioni con argomenti</a:t>
+            </a:r>
+            <a:r>
+              <a:rPr lang="it-IT" sz="1600" dirty="0"/>
+              <a:t>, che consentirebbe, tra l’altro, la definizione di funzioni ricorsive non-</a:t>
+            </a:r>
+            <a:r>
+              <a:rPr lang="it-IT" sz="1600" dirty="0" err="1"/>
+              <a:t>tail</a:t>
+            </a:r>
+            <a:r>
+              <a:rPr lang="it-IT" sz="1600" dirty="0"/>
+              <a:t>.</a:t>
+            </a:r>
+          </a:p>
+          <a:p>
+            <a:pPr lvl="2">
+              <a:buFont typeface="Arial" charset="0"/>
+              <a:buChar char="•"/>
+            </a:pPr>
+            <a:endParaRPr lang="it-IT" sz="1600" dirty="0"/>
+          </a:p>
+          <a:p>
+            <a:pPr lvl="2">
+              <a:buFont typeface="Arial" charset="0"/>
+              <a:buChar char="•"/>
+            </a:pPr>
+            <a:r>
+              <a:rPr lang="it-IT" sz="1600" dirty="0"/>
               <a:t>Espandere la categoria </a:t>
             </a:r>
             <a:r>
@@ -21010,13 +21051,13 @@
   <p:clrMapOvr>
     <a:masterClrMapping/>
   </p:clrMapOvr>
-  <mc:AlternateContent xmlns:mc="http://schemas.openxmlformats.org/markup-compatibility/2006">
-    <mc:Choice xmlns:p159="http://schemas.microsoft.com/office/powerpoint/2015/09/main" Requires="p159">
+  <mc:AlternateContent xmlns:mc="http://schemas.openxmlformats.org/markup-compatibility/2006" xmlns:p159="http://schemas.microsoft.com/office/powerpoint/2015/09/main">
+    <mc:Choice Requires="p159">
       <p:transition xmlns:p14="http://schemas.microsoft.com/office/powerpoint/2010/main" spd="slow" p14:dur="2000">
         <p159:morph option="byObject"/>
       </p:transition>
     </mc:Choice>
-    <mc:Fallback>
+    <mc:Fallback xmlns="">
       <p:transition spd="slow">
         <p:fade/>
       </p:transition>
@@ -21302,7 +21343,7 @@
                                         <p:tgtEl>
                                           <p:spTgt spid="3">
                                             <p:txEl>
-                                              <p:pRg st="6" end="6"/>
+                                              <p:pRg st="7" end="7"/>
                                             </p:txEl>
                                           </p:spTgt>
                                         </p:tgtEl>
@@ -21320,7 +21361,7 @@
                                         <p:tgtEl>
                                           <p:spTgt spid="3">
                                             <p:txEl>
-                                              <p:pRg st="6" end="6"/>
+                                              <p:pRg st="7" end="7"/>
                                             </p:txEl>
                                           </p:spTgt>
                                         </p:tgtEl>
@@ -21363,7 +21404,7 @@
                                         <p:tgtEl>
                                           <p:spTgt spid="3">
                                             <p:txEl>
-                                              <p:pRg st="7" end="7"/>
+                                              <p:pRg st="8" end="8"/>
                                             </p:txEl>
                                           </p:spTgt>
                                         </p:tgtEl>
@@ -21381,7 +21422,68 @@
                                         <p:tgtEl>
                                           <p:spTgt spid="3">
                                             <p:txEl>
-                                              <p:pRg st="7" end="7"/>
+                                              <p:pRg st="8" end="8"/>
+                                            </p:txEl>
+                                          </p:spTgt>
+                                        </p:tgtEl>
+                                      </p:cBhvr>
+                                    </p:animEffect>
+                                  </p:childTnLst>
+                                </p:cTn>
+                              </p:par>
+                            </p:childTnLst>
+                          </p:cTn>
+                        </p:par>
+                      </p:childTnLst>
+                    </p:cTn>
+                  </p:par>
+                  <p:par>
+                    <p:cTn id="33" fill="hold">
+                      <p:stCondLst>
+                        <p:cond delay="indefinite"/>
+                      </p:stCondLst>
+                      <p:childTnLst>
+                        <p:par>
+                          <p:cTn id="34" fill="hold">
+                            <p:stCondLst>
+                              <p:cond delay="0"/>
+                            </p:stCondLst>
+                            <p:childTnLst>
+                              <p:par>
+                                <p:cTn id="35" presetID="10" presetClass="entr" presetSubtype="0" fill="hold" nodeType="clickEffect">
+                                  <p:stCondLst>
+                                    <p:cond delay="0"/>
+                                  </p:stCondLst>
+                                  <p:childTnLst>
+                                    <p:set>
+                                      <p:cBhvr>
+                                        <p:cTn id="36" dur="1" fill="hold">
+                                          <p:stCondLst>
+                                            <p:cond delay="0"/>
+                                          </p:stCondLst>
+                                        </p:cTn>
+                                        <p:tgtEl>
+                                          <p:spTgt spid="3">
+                                            <p:txEl>
+                                              <p:pRg st="9" end="9"/>
+                                            </p:txEl>
+                                          </p:spTgt>
+                                        </p:tgtEl>
+                                        <p:attrNameLst>
+                                          <p:attrName>style.visibility</p:attrName>
+                                        </p:attrNameLst>
+                                      </p:cBhvr>
+                                      <p:to>
+                                        <p:strVal val="visible"/>
+                                      </p:to>
+                                    </p:set>
+                                    <p:animEffect transition="in" filter="fade">
+                                      <p:cBhvr>
+                                        <p:cTn id="37" dur="500"/>
+                                        <p:tgtEl>
+                                          <p:spTgt spid="3">
+                                            <p:txEl>
+                                              <p:pRg st="9" end="9"/>
                                             </p:txEl>
                                           </p:spTgt>
                                         </p:tgtEl>
@@ -22254,13 +22356,13 @@
   <p:clrMapOvr>
     <a:masterClrMapping/>
   </p:clrMapOvr>
-  <mc:AlternateContent xmlns:mc="http://schemas.openxmlformats.org/markup-compatibility/2006">
-    <mc:Choice xmlns:p159="http://schemas.microsoft.com/office/powerpoint/2015/09/main" Requires="p159">
+  <mc:AlternateContent xmlns:mc="http://schemas.openxmlformats.org/markup-compatibility/2006" xmlns:p159="http://schemas.microsoft.com/office/powerpoint/2015/09/main">
+    <mc:Choice Requires="p159">
       <p:transition xmlns:p14="http://schemas.microsoft.com/office/powerpoint/2010/main" spd="slow" p14:dur="2000">
         <p159:morph option="byObject"/>
       </p:transition>
     </mc:Choice>
-    <mc:Fallback>
+    <mc:Fallback xmlns="">
       <p:transition spd="slow">
         <p:fade/>
       </p:transition>
@@ -23448,13 +23550,13 @@
   <p:clrMapOvr>
     <a:masterClrMapping/>
   </p:clrMapOvr>
-  <mc:AlternateContent xmlns:mc="http://schemas.openxmlformats.org/markup-compatibility/2006">
-    <mc:Choice xmlns:p159="http://schemas.microsoft.com/office/powerpoint/2015/09/main" Requires="p159">
+  <mc:AlternateContent xmlns:mc="http://schemas.openxmlformats.org/markup-compatibility/2006" xmlns:p159="http://schemas.microsoft.com/office/powerpoint/2015/09/main">
+    <mc:Choice Requires="p159">
       <p:transition xmlns:p14="http://schemas.microsoft.com/office/powerpoint/2010/main" spd="slow" p14:dur="2000">
         <p159:morph option="byObject"/>
       </p:transition>
     </mc:Choice>
-    <mc:Fallback>
+    <mc:Fallback xmlns="">
       <p:transition spd="slow">
         <p:fade/>
       </p:transition>
@@ -24899,13 +25001,13 @@
   <p:clrMapOvr>
     <a:masterClrMapping/>
   </p:clrMapOvr>
-  <mc:AlternateContent xmlns:mc="http://schemas.openxmlformats.org/markup-compatibility/2006">
-    <mc:Choice xmlns:p159="http://schemas.microsoft.com/office/powerpoint/2015/09/main" Requires="p159">
+  <mc:AlternateContent xmlns:mc="http://schemas.openxmlformats.org/markup-compatibility/2006" xmlns:p159="http://schemas.microsoft.com/office/powerpoint/2015/09/main">
+    <mc:Choice Requires="p159">
       <p:transition xmlns:p14="http://schemas.microsoft.com/office/powerpoint/2010/main" spd="slow" p14:dur="2000">
         <p159:morph option="byObject"/>
       </p:transition>
     </mc:Choice>
-    <mc:Fallback>
+    <mc:Fallback xmlns="">
       <p:transition spd="slow">
         <p:fade/>
       </p:transition>
@@ -25982,13 +26084,13 @@
   <p:clrMapOvr>
     <a:masterClrMapping/>
   </p:clrMapOvr>
-  <mc:AlternateContent xmlns:mc="http://schemas.openxmlformats.org/markup-compatibility/2006">
-    <mc:Choice xmlns:p14="http://schemas.microsoft.com/office/powerpoint/2010/main" Requires="p14">
+  <mc:AlternateContent xmlns:mc="http://schemas.openxmlformats.org/markup-compatibility/2006" xmlns:p14="http://schemas.microsoft.com/office/powerpoint/2010/main">
+    <mc:Choice Requires="p14">
       <p:transition spd="med" p14:dur="700">
         <p:fade/>
       </p:transition>
     </mc:Choice>
-    <mc:Fallback>
+    <mc:Fallback xmlns="">
       <p:transition spd="med">
         <p:fade/>
       </p:transition>
@@ -27093,13 +27195,13 @@
   <p:clrMapOvr>
     <a:masterClrMapping/>
   </p:clrMapOvr>
-  <mc:AlternateContent xmlns:mc="http://schemas.openxmlformats.org/markup-compatibility/2006">
-    <mc:Choice xmlns:p14="http://schemas.microsoft.com/office/powerpoint/2010/main" Requires="p14">
+  <mc:AlternateContent xmlns:mc="http://schemas.openxmlformats.org/markup-compatibility/2006" xmlns:p14="http://schemas.microsoft.com/office/powerpoint/2010/main">
+    <mc:Choice Requires="p14">
       <p:transition spd="med" p14:dur="700">
         <p:fade/>
       </p:transition>
     </mc:Choice>
-    <mc:Fallback>
+    <mc:Fallback xmlns="">
       <p:transition spd="med">
         <p:fade/>
       </p:transition>
@@ -27922,13 +28024,13 @@
   <p:clrMapOvr>
     <a:masterClrMapping/>
   </p:clrMapOvr>
-  <mc:AlternateContent xmlns:mc="http://schemas.openxmlformats.org/markup-compatibility/2006">
-    <mc:Choice xmlns:p14="http://schemas.microsoft.com/office/powerpoint/2010/main" Requires="p14">
+  <mc:AlternateContent xmlns:mc="http://schemas.openxmlformats.org/markup-compatibility/2006" xmlns:p14="http://schemas.microsoft.com/office/powerpoint/2010/main">
+    <mc:Choice Requires="p14">
       <p:transition spd="med" p14:dur="700">
         <p:fade/>
       </p:transition>
     </mc:Choice>
-    <mc:Fallback>
+    <mc:Fallback xmlns="">
       <p:transition spd="med">
         <p:fade/>
       </p:transition>
@@ -29200,13 +29302,13 @@
   <p:clrMapOvr>
     <a:masterClrMapping/>
   </p:clrMapOvr>
-  <mc:AlternateContent xmlns:mc="http://schemas.openxmlformats.org/markup-compatibility/2006">
-    <mc:Choice xmlns:p159="http://schemas.microsoft.com/office/powerpoint/2015/09/main" Requires="p159">
+  <mc:AlternateContent xmlns:mc="http://schemas.openxmlformats.org/markup-compatibility/2006" xmlns:p159="http://schemas.microsoft.com/office/powerpoint/2015/09/main">
+    <mc:Choice Requires="p159">
       <p:transition xmlns:p14="http://schemas.microsoft.com/office/powerpoint/2010/main" spd="slow" p14:dur="2000">
         <p159:morph option="byObject"/>
       </p:transition>
     </mc:Choice>
-    <mc:Fallback>
+    <mc:Fallback xmlns="">
       <p:transition spd="slow">
         <p:fade/>
       </p:transition>

--- a/Presentazione.pptx
+++ b/Presentazione.pptx
@@ -20265,19 +20265,11 @@
             </a:pPr>
             <a:r>
               <a:rPr lang="it-IT" sz="2000" dirty="0"/>
-              <a:t>Esempio di sfruttamento del sistema di messaggistica per il calcolo del fattoriale (</a:t>
-            </a:r>
-            <a:r>
-              <a:rPr lang="it-IT" sz="2000" dirty="0" err="1"/>
-              <a:t>tail</a:t>
-            </a:r>
-            <a:r>
-              <a:rPr lang="it-IT" sz="2000" dirty="0"/>
-              <a:t>-ricorsivo: non si supporta il passaggio </a:t>
+              <a:t>Esempio di sfruttamento del sistema di messaggistica per il calcolo del fattoriale (iterativo: non si supporta la creazione di </a:t>
             </a:r>
             <a:r>
               <a:rPr lang="it-IT" sz="2000"/>
-              <a:t>di argomenti).</a:t>
+              <a:t>nuovi record di allocazione).</a:t>
             </a:r>
             <a:endParaRPr lang="it-IT" sz="2000" dirty="0"/>
           </a:p>

--- a/Presentazione.pptx
+++ b/Presentazione.pptx
@@ -18676,125 +18676,6 @@
           </a:prstGeom>
         </p:spPr>
       </p:pic>
-      <p:sp>
-        <p:nvSpPr>
-          <p:cNvPr id="5" name="Rectangle 1">
-            <a:extLst>
-              <a:ext uri="{FF2B5EF4-FFF2-40B4-BE49-F238E27FC236}">
-                <a16:creationId xmlns:a16="http://schemas.microsoft.com/office/drawing/2014/main" id="{CBCD0629-7E6C-4055-916A-A81BB206B43E}"/>
-              </a:ext>
-            </a:extLst>
-          </p:cNvPr>
-          <p:cNvSpPr>
-            <a:spLocks noChangeArrowheads="1"/>
-          </p:cNvSpPr>
-          <p:nvPr/>
-        </p:nvSpPr>
-        <p:spPr bwMode="auto">
-          <a:xfrm>
-            <a:off x="0" y="0"/>
-            <a:ext cx="9144000" cy="0"/>
-          </a:xfrm>
-          <a:prstGeom prst="rect">
-            <a:avLst/>
-          </a:prstGeom>
-          <a:noFill/>
-          <a:ln>
-            <a:noFill/>
-          </a:ln>
-          <a:effectLst/>
-          <a:extLst>
-            <a:ext uri="{909E8E84-426E-40DD-AFC4-6F175D3DCCD1}">
-              <a14:hiddenFill xmlns:a14="http://schemas.microsoft.com/office/drawing/2010/main">
-                <a:solidFill>
-                  <a:schemeClr val="accent1"/>
-                </a:solidFill>
-              </a14:hiddenFill>
-            </a:ext>
-            <a:ext uri="{91240B29-F687-4F45-9708-019B960494DF}">
-              <a14:hiddenLine xmlns:a14="http://schemas.microsoft.com/office/drawing/2010/main" w="9525">
-                <a:solidFill>
-                  <a:schemeClr val="tx1"/>
-                </a:solidFill>
-                <a:miter lim="800000"/>
-                <a:headEnd/>
-                <a:tailEnd/>
-              </a14:hiddenLine>
-            </a:ext>
-            <a:ext uri="{AF507438-7753-43E0-B8FC-AC1667EBCBE1}">
-              <a14:hiddenEffects xmlns:a14="http://schemas.microsoft.com/office/drawing/2010/main">
-                <a:effectLst>
-                  <a:outerShdw dist="35921" dir="2700000" algn="ctr" rotWithShape="0">
-                    <a:schemeClr val="bg2"/>
-                  </a:outerShdw>
-                </a:effectLst>
-              </a14:hiddenEffects>
-            </a:ext>
-          </a:extLst>
-        </p:spPr>
-        <p:txBody>
-          <a:bodyPr vert="horz" wrap="none" lIns="91440" tIns="45720" rIns="91440" bIns="45720" numCol="1" anchor="ctr" anchorCtr="0" compatLnSpc="1">
-            <a:prstTxWarp prst="textNoShape">
-              <a:avLst/>
-            </a:prstTxWarp>
-            <a:spAutoFit/>
-          </a:bodyPr>
-          <a:lstStyle/>
-          <a:p>
-            <a:pPr marL="0" marR="0" lvl="0" indent="0" algn="l" defTabSz="914400" rtl="0" eaLnBrk="0" fontAlgn="base" latinLnBrk="0" hangingPunct="0">
-              <a:lnSpc>
-                <a:spcPct val="100000"/>
-              </a:lnSpc>
-              <a:spcBef>
-                <a:spcPct val="0"/>
-              </a:spcBef>
-              <a:spcAft>
-                <a:spcPct val="0"/>
-              </a:spcAft>
-              <a:buClrTx/>
-              <a:buSzTx/>
-              <a:buFontTx/>
-              <a:buNone/>
-              <a:tabLst/>
-            </a:pPr>
-            <a:r>
-              <a:rPr kumimoji="0" lang="it-IT" altLang="it-IT" sz="1200" b="0" i="0" u="none" strike="noStrike" cap="none" normalizeH="0" baseline="0">
-                <a:ln>
-                  <a:noFill/>
-                </a:ln>
-                <a:solidFill>
-                  <a:srgbClr val="333333"/>
-                </a:solidFill>
-                <a:effectLst/>
-                <a:latin typeface="Open Sans"/>
-              </a:rPr>
-              <a:t>Fondamentalmente,</a:t>
-            </a:r>
-            <a:r>
-              <a:rPr kumimoji="0" lang="it-IT" altLang="it-IT" sz="600" b="0" i="0" u="none" strike="noStrike" cap="none" normalizeH="0" baseline="0">
-                <a:ln>
-                  <a:noFill/>
-                </a:ln>
-                <a:solidFill>
-                  <a:schemeClr val="tx1"/>
-                </a:solidFill>
-                <a:effectLst/>
-              </a:rPr>
-              <a:t> </a:t>
-            </a:r>
-            <a:endParaRPr kumimoji="0" lang="it-IT" altLang="it-IT" sz="1800" b="0" i="0" u="none" strike="noStrike" cap="none" normalizeH="0" baseline="0">
-              <a:ln>
-                <a:noFill/>
-              </a:ln>
-              <a:solidFill>
-                <a:schemeClr val="tx1"/>
-              </a:solidFill>
-              <a:effectLst/>
-              <a:latin typeface="Arial" panose="020B0604020202020204" pitchFamily="34" charset="0"/>
-            </a:endParaRPr>
-          </a:p>
-        </p:txBody>
-      </p:sp>
     </p:spTree>
     <p:extLst>
       <p:ext uri="{BB962C8B-B14F-4D97-AF65-F5344CB8AC3E}">
@@ -20894,23 +20775,15 @@
             </a:pPr>
             <a:r>
               <a:rPr lang="it-IT" sz="1600" dirty="0"/>
-              <a:t>Introdurre un sistema di definizione di </a:t>
+              <a:t>Introdurre un sistema di definizione funzioni e gestione dei </a:t>
             </a:r>
             <a:r>
               <a:rPr lang="it-IT" sz="1600" b="1" dirty="0"/>
-              <a:t>funzioni con argomenti</a:t>
+              <a:t>record di attivazione</a:t>
             </a:r>
             <a:r>
               <a:rPr lang="it-IT" sz="1600" dirty="0"/>
-              <a:t>, che consentirebbe, tra l’altro, la definizione di funzioni ricorsive non-</a:t>
-            </a:r>
-            <a:r>
-              <a:rPr lang="it-IT" sz="1600" dirty="0" err="1"/>
-              <a:t>tail</a:t>
-            </a:r>
-            <a:r>
-              <a:rPr lang="it-IT" sz="1600" dirty="0"/>
-              <a:t>.</a:t>
+              <a:t>, che consentirebbe, in particolare, la definizione di funzioni ricorsive.</a:t>
             </a:r>
           </a:p>
           <a:p>

--- a/Presentazione.pptx
+++ b/Presentazione.pptx
@@ -224,7 +224,7 @@
           <a:p>
             <a:fld id="{444B84AA-5D7F-044C-A2CA-A90C4BB986C9}" type="datetimeFigureOut">
               <a:rPr lang="it-IT" smtClean="0"/>
-              <a:t>09/09/2017</a:t>
+              <a:t>11/09/17</a:t>
             </a:fld>
             <a:endParaRPr lang="it-IT"/>
           </a:p>
@@ -718,7 +718,7 @@
           <a:p>
             <a:fld id="{83CE6F29-DBF2-C24A-928C-69596927030A}" type="datetimeFigureOut">
               <a:rPr lang="en-US" smtClean="0"/>
-              <a:t>9/9/2017</a:t>
+              <a:t>9/11/17</a:t>
             </a:fld>
             <a:endParaRPr lang="en-US"/>
           </a:p>
@@ -921,7 +921,7 @@
           <a:p>
             <a:fld id="{83CE6F29-DBF2-C24A-928C-69596927030A}" type="datetimeFigureOut">
               <a:rPr lang="en-US" smtClean="0"/>
-              <a:t>9/9/2017</a:t>
+              <a:t>9/11/17</a:t>
             </a:fld>
             <a:endParaRPr lang="en-US"/>
           </a:p>
@@ -1172,7 +1172,7 @@
           <a:p>
             <a:fld id="{83CE6F29-DBF2-C24A-928C-69596927030A}" type="datetimeFigureOut">
               <a:rPr lang="en-US" smtClean="0"/>
-              <a:t>9/9/2017</a:t>
+              <a:t>9/11/17</a:t>
             </a:fld>
             <a:endParaRPr lang="en-US"/>
           </a:p>
@@ -1337,7 +1337,7 @@
           <a:p>
             <a:fld id="{83CE6F29-DBF2-C24A-928C-69596927030A}" type="datetimeFigureOut">
               <a:rPr lang="en-US" smtClean="0"/>
-              <a:t>9/9/2017</a:t>
+              <a:t>9/11/17</a:t>
             </a:fld>
             <a:endParaRPr lang="en-US"/>
           </a:p>
@@ -1675,7 +1675,7 @@
           <a:p>
             <a:fld id="{83CE6F29-DBF2-C24A-928C-69596927030A}" type="datetimeFigureOut">
               <a:rPr lang="en-US" smtClean="0"/>
-              <a:t>9/9/2017</a:t>
+              <a:t>9/11/17</a:t>
             </a:fld>
             <a:endParaRPr lang="en-US"/>
           </a:p>
@@ -1945,7 +1945,7 @@
           <a:p>
             <a:fld id="{83CE6F29-DBF2-C24A-928C-69596927030A}" type="datetimeFigureOut">
               <a:rPr lang="en-US" smtClean="0"/>
-              <a:t>9/9/2017</a:t>
+              <a:t>9/11/17</a:t>
             </a:fld>
             <a:endParaRPr lang="en-US"/>
           </a:p>
@@ -2319,7 +2319,7 @@
           <a:p>
             <a:fld id="{83CE6F29-DBF2-C24A-928C-69596927030A}" type="datetimeFigureOut">
               <a:rPr lang="en-US" smtClean="0"/>
-              <a:t>9/9/2017</a:t>
+              <a:t>9/11/17</a:t>
             </a:fld>
             <a:endParaRPr lang="en-US"/>
           </a:p>
@@ -2432,7 +2432,7 @@
           <a:p>
             <a:fld id="{83CE6F29-DBF2-C24A-928C-69596927030A}" type="datetimeFigureOut">
               <a:rPr lang="en-US" smtClean="0"/>
-              <a:t>9/9/2017</a:t>
+              <a:t>9/11/17</a:t>
             </a:fld>
             <a:endParaRPr lang="en-US"/>
           </a:p>
@@ -2598,7 +2598,7 @@
           <a:p>
             <a:fld id="{83CE6F29-DBF2-C24A-928C-69596927030A}" type="datetimeFigureOut">
               <a:rPr lang="en-US" smtClean="0"/>
-              <a:t>9/9/2017</a:t>
+              <a:t>9/11/17</a:t>
             </a:fld>
             <a:endParaRPr lang="en-US"/>
           </a:p>
@@ -2947,7 +2947,7 @@
           <a:p>
             <a:fld id="{83CE6F29-DBF2-C24A-928C-69596927030A}" type="datetimeFigureOut">
               <a:rPr lang="en-US" smtClean="0"/>
-              <a:t>9/9/2017</a:t>
+              <a:t>9/11/17</a:t>
             </a:fld>
             <a:endParaRPr lang="en-US"/>
           </a:p>
@@ -3319,7 +3319,7 @@
           <a:p>
             <a:fld id="{83CE6F29-DBF2-C24A-928C-69596927030A}" type="datetimeFigureOut">
               <a:rPr lang="en-US" smtClean="0"/>
-              <a:t>9/9/2017</a:t>
+              <a:t>9/11/17</a:t>
             </a:fld>
             <a:endParaRPr lang="en-US"/>
           </a:p>
@@ -3601,7 +3601,7 @@
           <a:p>
             <a:fld id="{83CE6F29-DBF2-C24A-928C-69596927030A}" type="datetimeFigureOut">
               <a:rPr lang="en-US" smtClean="0"/>
-              <a:t>9/9/2017</a:t>
+              <a:t>9/11/17</a:t>
             </a:fld>
             <a:endParaRPr lang="en-US"/>
           </a:p>
@@ -4260,6 +4260,13 @@
   <p:clrMapOvr>
     <a:masterClrMapping/>
   </p:clrMapOvr>
+  <p:timing>
+    <p:tnLst>
+      <p:par>
+        <p:cTn id="1" dur="indefinite" restart="never" nodeType="tmRoot"/>
+      </p:par>
+    </p:tnLst>
+  </p:timing>
 </p:sld>
 </file>
 
@@ -5590,7 +5597,7 @@
 </file>
 
 <file path=ppt/slides/slide11.xml><?xml version="1.0" encoding="utf-8"?>
-<p:sld xmlns:a="http://schemas.openxmlformats.org/drawingml/2006/main" xmlns:r="http://schemas.openxmlformats.org/officeDocument/2006/relationships" xmlns:p="http://schemas.openxmlformats.org/presentationml/2006/main">
+<p:sld xmlns:a="http://schemas.openxmlformats.org/drawingml/2006/main" xmlns:r="http://schemas.openxmlformats.org/officeDocument/2006/relationships" xmlns:p="http://schemas.openxmlformats.org/presentationml/2006/main" show="0">
   <p:cSld>
     <p:spTree>
       <p:nvGrpSpPr>
@@ -5956,13 +5963,13 @@
   <p:clrMapOvr>
     <a:masterClrMapping/>
   </p:clrMapOvr>
-  <mc:AlternateContent xmlns:mc="http://schemas.openxmlformats.org/markup-compatibility/2006" xmlns:p159="http://schemas.microsoft.com/office/powerpoint/2015/09/main">
-    <mc:Choice Requires="p159">
+  <mc:AlternateContent xmlns:mc="http://schemas.openxmlformats.org/markup-compatibility/2006">
+    <mc:Choice xmlns:p159="http://schemas.microsoft.com/office/powerpoint/2015/09/main" Requires="p159">
       <p:transition xmlns:p14="http://schemas.microsoft.com/office/powerpoint/2010/main" spd="slow" p14:dur="2000">
         <p159:morph option="byObject"/>
       </p:transition>
     </mc:Choice>
-    <mc:Fallback xmlns="">
+    <mc:Fallback>
       <p:transition spd="slow">
         <p:fade/>
       </p:transition>
@@ -6379,7 +6386,7 @@
 </file>
 
 <file path=ppt/slides/slide12.xml><?xml version="1.0" encoding="utf-8"?>
-<p:sld xmlns:a="http://schemas.openxmlformats.org/drawingml/2006/main" xmlns:r="http://schemas.openxmlformats.org/officeDocument/2006/relationships" xmlns:p="http://schemas.openxmlformats.org/presentationml/2006/main">
+<p:sld xmlns:a="http://schemas.openxmlformats.org/drawingml/2006/main" xmlns:r="http://schemas.openxmlformats.org/officeDocument/2006/relationships" xmlns:p="http://schemas.openxmlformats.org/presentationml/2006/main" show="0">
   <p:cSld>
     <p:spTree>
       <p:nvGrpSpPr>
@@ -6964,13 +6971,13 @@
   <p:clrMapOvr>
     <a:masterClrMapping/>
   </p:clrMapOvr>
-  <mc:AlternateContent xmlns:mc="http://schemas.openxmlformats.org/markup-compatibility/2006" xmlns:p14="http://schemas.microsoft.com/office/powerpoint/2010/main">
-    <mc:Choice Requires="p14">
+  <mc:AlternateContent xmlns:mc="http://schemas.openxmlformats.org/markup-compatibility/2006">
+    <mc:Choice xmlns:p14="http://schemas.microsoft.com/office/powerpoint/2010/main" Requires="p14">
       <p:transition spd="med" p14:dur="700">
         <p:fade/>
       </p:transition>
     </mc:Choice>
-    <mc:Fallback xmlns="">
+    <mc:Fallback>
       <p:transition spd="med">
         <p:fade/>
       </p:transition>
@@ -7636,7 +7643,7 @@
 </file>
 
 <file path=ppt/slides/slide13.xml><?xml version="1.0" encoding="utf-8"?>
-<p:sld xmlns:a="http://schemas.openxmlformats.org/drawingml/2006/main" xmlns:r="http://schemas.openxmlformats.org/officeDocument/2006/relationships" xmlns:p="http://schemas.openxmlformats.org/presentationml/2006/main">
+<p:sld xmlns:a="http://schemas.openxmlformats.org/drawingml/2006/main" xmlns:r="http://schemas.openxmlformats.org/officeDocument/2006/relationships" xmlns:p="http://schemas.openxmlformats.org/presentationml/2006/main" show="0">
   <p:cSld>
     <p:spTree>
       <p:nvGrpSpPr>
@@ -8495,13 +8502,13 @@
   <p:clrMapOvr>
     <a:masterClrMapping/>
   </p:clrMapOvr>
-  <mc:AlternateContent xmlns:mc="http://schemas.openxmlformats.org/markup-compatibility/2006" xmlns:p14="http://schemas.microsoft.com/office/powerpoint/2010/main">
-    <mc:Choice Requires="p14">
+  <mc:AlternateContent xmlns:mc="http://schemas.openxmlformats.org/markup-compatibility/2006">
+    <mc:Choice xmlns:p14="http://schemas.microsoft.com/office/powerpoint/2010/main" Requires="p14">
       <p:transition spd="med" p14:dur="700">
         <p:fade/>
       </p:transition>
     </mc:Choice>
-    <mc:Fallback xmlns="">
+    <mc:Fallback>
       <p:transition spd="med">
         <p:fade/>
       </p:transition>
@@ -13629,7 +13636,7 @@
           <p:cNvPr id="6" name="Content Placeholder 2">
             <a:extLst>
               <a:ext uri="{FF2B5EF4-FFF2-40B4-BE49-F238E27FC236}">
-                <a16:creationId xmlns:a16="http://schemas.microsoft.com/office/drawing/2014/main" id="{E5CD377C-CD93-4542-9DDF-C21988518413}"/>
+                <a16:creationId xmlns:a16="http://schemas.microsoft.com/office/drawing/2014/main" xmlns="" id="{E5CD377C-CD93-4542-9DDF-C21988518413}"/>
               </a:ext>
             </a:extLst>
           </p:cNvPr>
@@ -14942,7 +14949,7 @@
           <p:cNvPr id="4" name="Picture 3">
             <a:extLst>
               <a:ext uri="{FF2B5EF4-FFF2-40B4-BE49-F238E27FC236}">
-                <a16:creationId xmlns:a16="http://schemas.microsoft.com/office/drawing/2014/main" id="{AC5A68B4-D497-4860-9C0F-7BBB3857E922}"/>
+                <a16:creationId xmlns:a16="http://schemas.microsoft.com/office/drawing/2014/main" xmlns="" id="{AC5A68B4-D497-4860-9C0F-7BBB3857E922}"/>
               </a:ext>
             </a:extLst>
           </p:cNvPr>
@@ -15726,7 +15733,7 @@
           <p:cNvPr id="4" name="Picture 3">
             <a:extLst>
               <a:ext uri="{FF2B5EF4-FFF2-40B4-BE49-F238E27FC236}">
-                <a16:creationId xmlns:a16="http://schemas.microsoft.com/office/drawing/2014/main" id="{B392416C-A10A-40C5-801E-C837BFF228B2}"/>
+                <a16:creationId xmlns:a16="http://schemas.microsoft.com/office/drawing/2014/main" xmlns="" id="{B392416C-A10A-40C5-801E-C837BFF228B2}"/>
               </a:ext>
             </a:extLst>
           </p:cNvPr>
@@ -16895,7 +16902,7 @@
           <p:cNvPr id="10" name="Content Placeholder 2">
             <a:extLst>
               <a:ext uri="{FF2B5EF4-FFF2-40B4-BE49-F238E27FC236}">
-                <a16:creationId xmlns:a16="http://schemas.microsoft.com/office/drawing/2014/main" id="{5E423904-5B0D-4BD9-B271-FAAC5E33A244}"/>
+                <a16:creationId xmlns:a16="http://schemas.microsoft.com/office/drawing/2014/main" xmlns="" id="{5E423904-5B0D-4BD9-B271-FAAC5E33A244}"/>
               </a:ext>
             </a:extLst>
           </p:cNvPr>
@@ -17939,7 +17946,7 @@
           <p:cNvPr id="4" name="Picture 3">
             <a:extLst>
               <a:ext uri="{FF2B5EF4-FFF2-40B4-BE49-F238E27FC236}">
-                <a16:creationId xmlns:a16="http://schemas.microsoft.com/office/drawing/2014/main" id="{EBFA84E6-5435-45B5-914C-21E1CF06BA36}"/>
+                <a16:creationId xmlns:a16="http://schemas.microsoft.com/office/drawing/2014/main" xmlns="" id="{EBFA84E6-5435-45B5-914C-21E1CF06BA36}"/>
               </a:ext>
             </a:extLst>
           </p:cNvPr>
@@ -18651,7 +18658,7 @@
           <p:cNvPr id="4" name="Picture 3">
             <a:extLst>
               <a:ext uri="{FF2B5EF4-FFF2-40B4-BE49-F238E27FC236}">
-                <a16:creationId xmlns:a16="http://schemas.microsoft.com/office/drawing/2014/main" id="{B392416C-A10A-40C5-801E-C837BFF228B2}"/>
+                <a16:creationId xmlns:a16="http://schemas.microsoft.com/office/drawing/2014/main" xmlns="" id="{B392416C-A10A-40C5-801E-C837BFF228B2}"/>
               </a:ext>
             </a:extLst>
           </p:cNvPr>
@@ -19449,7 +19456,7 @@
           <p:cNvPr id="4" name="Picture 3">
             <a:extLst>
               <a:ext uri="{FF2B5EF4-FFF2-40B4-BE49-F238E27FC236}">
-                <a16:creationId xmlns:a16="http://schemas.microsoft.com/office/drawing/2014/main" id="{F60F4D35-53A0-4B61-876E-ABD9D3391019}"/>
+                <a16:creationId xmlns:a16="http://schemas.microsoft.com/office/drawing/2014/main" xmlns="" id="{F60F4D35-53A0-4B61-876E-ABD9D3391019}"/>
               </a:ext>
             </a:extLst>
           </p:cNvPr>
@@ -19861,7 +19868,7 @@
           <p:cNvPr id="3" name="Content Placeholder 2">
             <a:extLst>
               <a:ext uri="{FF2B5EF4-FFF2-40B4-BE49-F238E27FC236}">
-                <a16:creationId xmlns:a16="http://schemas.microsoft.com/office/drawing/2014/main" id="{28B6AE26-C4B7-4337-8801-4C5D483D6BF6}"/>
+                <a16:creationId xmlns:a16="http://schemas.microsoft.com/office/drawing/2014/main" xmlns="" id="{28B6AE26-C4B7-4337-8801-4C5D483D6BF6}"/>
               </a:ext>
             </a:extLst>
           </p:cNvPr>
@@ -20146,13 +20153,16 @@
             </a:pPr>
             <a:r>
               <a:rPr lang="it-IT" sz="2000" dirty="0"/>
-              <a:t>Esempio di sfruttamento del sistema di messaggistica per il calcolo del fattoriale (iterativo: non si supporta la creazione di </a:t>
-            </a:r>
-            <a:r>
-              <a:rPr lang="it-IT" sz="2000"/>
-              <a:t>nuovi record di allocazione).</a:t>
-            </a:r>
-            <a:endParaRPr lang="it-IT" sz="2000" dirty="0"/>
+              <a:t>Esempio di </a:t>
+            </a:r>
+            <a:r>
+              <a:rPr lang="it-IT" sz="2000" dirty="0" smtClean="0"/>
+              <a:t>calcolo </a:t>
+            </a:r>
+            <a:r>
+              <a:rPr lang="it-IT" sz="2000" dirty="0"/>
+              <a:t>del fattoriale (iterativo: non si supporta la creazione di nuovi record di allocazione).</a:t>
+            </a:r>
           </a:p>
           <a:p>
             <a:pPr lvl="1">
@@ -20161,8 +20171,13 @@
             </a:pPr>
             <a:r>
               <a:rPr lang="it-IT" sz="2000" dirty="0"/>
-              <a:t>Attore che segue il controller.</a:t>
-            </a:r>
+              <a:t>Attore che segue il </a:t>
+            </a:r>
+            <a:r>
+              <a:rPr lang="it-IT" sz="2000" dirty="0" smtClean="0"/>
+              <a:t>controller e esempio di impiego del sistema di messaggistica.</a:t>
+            </a:r>
+            <a:endParaRPr lang="it-IT" sz="2000" dirty="0"/>
           </a:p>
         </p:txBody>
       </p:sp>
@@ -20449,7 +20464,7 @@
           <p:cNvPr id="3" name="Content Placeholder 2">
             <a:extLst>
               <a:ext uri="{FF2B5EF4-FFF2-40B4-BE49-F238E27FC236}">
-                <a16:creationId xmlns:a16="http://schemas.microsoft.com/office/drawing/2014/main" id="{7D938EBC-D3BA-48D9-B4BD-EC5320E199E3}"/>
+                <a16:creationId xmlns:a16="http://schemas.microsoft.com/office/drawing/2014/main" xmlns="" id="{7D938EBC-D3BA-48D9-B4BD-EC5320E199E3}"/>
               </a:ext>
             </a:extLst>
           </p:cNvPr>
@@ -21484,7 +21499,7 @@
           <p:cNvPr id="4" name="Content Placeholder 2">
             <a:extLst>
               <a:ext uri="{FF2B5EF4-FFF2-40B4-BE49-F238E27FC236}">
-                <a16:creationId xmlns:a16="http://schemas.microsoft.com/office/drawing/2014/main" id="{EBF529E2-29E0-45A6-A2EE-5C0362007B52}"/>
+                <a16:creationId xmlns:a16="http://schemas.microsoft.com/office/drawing/2014/main" xmlns="" id="{EBF529E2-29E0-45A6-A2EE-5C0362007B52}"/>
               </a:ext>
             </a:extLst>
           </p:cNvPr>
@@ -21872,7 +21887,7 @@
           <p:cNvPr id="5" name="Content Placeholder 2">
             <a:extLst>
               <a:ext uri="{FF2B5EF4-FFF2-40B4-BE49-F238E27FC236}">
-                <a16:creationId xmlns:a16="http://schemas.microsoft.com/office/drawing/2014/main" id="{CC034543-9491-44D3-97B3-A015EEF9CFC7}"/>
+                <a16:creationId xmlns:a16="http://schemas.microsoft.com/office/drawing/2014/main" xmlns="" id="{CC034543-9491-44D3-97B3-A015EEF9CFC7}"/>
               </a:ext>
             </a:extLst>
           </p:cNvPr>
@@ -22945,12 +22960,16 @@
               <a:buChar char="•"/>
             </a:pPr>
             <a:r>
-              <a:rPr lang="it-IT" sz="1600" b="1" dirty="0"/>
-              <a:t>Controlli</a:t>
+              <a:rPr lang="it-IT" sz="1600" b="1" dirty="0" smtClean="0"/>
+              <a:t>Controlli:</a:t>
+            </a:r>
+            <a:r>
+              <a:rPr lang="it-IT" sz="1600" dirty="0" smtClean="0"/>
+              <a:t> in particolare, per </a:t>
             </a:r>
             <a:r>
               <a:rPr lang="it-IT" sz="1600" dirty="0"/>
-              <a:t> per passare dalla modalità di realizzazione degli script (</a:t>
+              <a:t>passare dalla modalità di realizzazione degli script (</a:t>
             </a:r>
             <a:r>
               <a:rPr lang="it-IT" sz="1600" b="1" dirty="0" err="1"/>
@@ -22987,7 +23006,7 @@
           <p:cNvPr id="4" name="Picture 3">
             <a:extLst>
               <a:ext uri="{FF2B5EF4-FFF2-40B4-BE49-F238E27FC236}">
-                <a16:creationId xmlns:a16="http://schemas.microsoft.com/office/drawing/2014/main" id="{AC74FC69-6F3D-4C14-B9CF-119C0C734179}"/>
+                <a16:creationId xmlns:a16="http://schemas.microsoft.com/office/drawing/2014/main" xmlns="" id="{AC74FC69-6F3D-4C14-B9CF-119C0C734179}"/>
               </a:ext>
             </a:extLst>
           </p:cNvPr>
@@ -23017,7 +23036,7 @@
           <p:cNvPr id="5" name="Content Placeholder 2">
             <a:extLst>
               <a:ext uri="{FF2B5EF4-FFF2-40B4-BE49-F238E27FC236}">
-                <a16:creationId xmlns:a16="http://schemas.microsoft.com/office/drawing/2014/main" id="{C78165CF-4CF0-4A70-9E1C-8B856A512ACD}"/>
+                <a16:creationId xmlns:a16="http://schemas.microsoft.com/office/drawing/2014/main" xmlns="" id="{C78165CF-4CF0-4A70-9E1C-8B856A512ACD}"/>
               </a:ext>
             </a:extLst>
           </p:cNvPr>
@@ -24801,7 +24820,7 @@
           <p:cNvPr id="4" name="Picture 3">
             <a:extLst>
               <a:ext uri="{FF2B5EF4-FFF2-40B4-BE49-F238E27FC236}">
-                <a16:creationId xmlns:a16="http://schemas.microsoft.com/office/drawing/2014/main" id="{D111CB8C-271D-42F3-B6A0-E4F5200B69E5}"/>
+                <a16:creationId xmlns:a16="http://schemas.microsoft.com/office/drawing/2014/main" xmlns="" id="{D111CB8C-271D-42F3-B6A0-E4F5200B69E5}"/>
               </a:ext>
             </a:extLst>
           </p:cNvPr>
@@ -24831,7 +24850,7 @@
           <p:cNvPr id="6" name="Picture 5">
             <a:extLst>
               <a:ext uri="{FF2B5EF4-FFF2-40B4-BE49-F238E27FC236}">
-                <a16:creationId xmlns:a16="http://schemas.microsoft.com/office/drawing/2014/main" id="{4AEAB2D9-0C4A-45AB-8C15-6CD1C21B7D19}"/>
+                <a16:creationId xmlns:a16="http://schemas.microsoft.com/office/drawing/2014/main" xmlns="" id="{4AEAB2D9-0C4A-45AB-8C15-6CD1C21B7D19}"/>
               </a:ext>
             </a:extLst>
           </p:cNvPr>
@@ -25884,7 +25903,7 @@
           <p:cNvPr id="5" name="Picture 4">
             <a:extLst>
               <a:ext uri="{FF2B5EF4-FFF2-40B4-BE49-F238E27FC236}">
-                <a16:creationId xmlns:a16="http://schemas.microsoft.com/office/drawing/2014/main" id="{66061DD8-9274-4BCC-A359-3B073076BAC7}"/>
+                <a16:creationId xmlns:a16="http://schemas.microsoft.com/office/drawing/2014/main" xmlns="" id="{66061DD8-9274-4BCC-A359-3B073076BAC7}"/>
               </a:ext>
             </a:extLst>
           </p:cNvPr>
@@ -25914,7 +25933,7 @@
           <p:cNvPr id="7" name="Picture 6">
             <a:extLst>
               <a:ext uri="{FF2B5EF4-FFF2-40B4-BE49-F238E27FC236}">
-                <a16:creationId xmlns:a16="http://schemas.microsoft.com/office/drawing/2014/main" id="{D4D85FF8-4D70-4F55-98D0-C7E2EF955436}"/>
+                <a16:creationId xmlns:a16="http://schemas.microsoft.com/office/drawing/2014/main" xmlns="" id="{D4D85FF8-4D70-4F55-98D0-C7E2EF955436}"/>
               </a:ext>
             </a:extLst>
           </p:cNvPr>
@@ -26965,7 +26984,7 @@
           <p:cNvPr id="4" name="Picture 3">
             <a:extLst>
               <a:ext uri="{FF2B5EF4-FFF2-40B4-BE49-F238E27FC236}">
-                <a16:creationId xmlns:a16="http://schemas.microsoft.com/office/drawing/2014/main" id="{38F858C8-CCFD-45A5-B7B4-E10FE11C7154}"/>
+                <a16:creationId xmlns:a16="http://schemas.microsoft.com/office/drawing/2014/main" xmlns="" id="{38F858C8-CCFD-45A5-B7B4-E10FE11C7154}"/>
               </a:ext>
             </a:extLst>
           </p:cNvPr>
@@ -26995,7 +27014,7 @@
           <p:cNvPr id="5" name="Picture 4">
             <a:extLst>
               <a:ext uri="{FF2B5EF4-FFF2-40B4-BE49-F238E27FC236}">
-                <a16:creationId xmlns:a16="http://schemas.microsoft.com/office/drawing/2014/main" id="{152E0B30-0345-4BA7-8733-F3C89055DAFC}"/>
+                <a16:creationId xmlns:a16="http://schemas.microsoft.com/office/drawing/2014/main" xmlns="" id="{152E0B30-0345-4BA7-8733-F3C89055DAFC}"/>
               </a:ext>
             </a:extLst>
           </p:cNvPr>
@@ -27025,7 +27044,7 @@
           <p:cNvPr id="6" name="Picture 5">
             <a:extLst>
               <a:ext uri="{FF2B5EF4-FFF2-40B4-BE49-F238E27FC236}">
-                <a16:creationId xmlns:a16="http://schemas.microsoft.com/office/drawing/2014/main" id="{40927989-E2DB-4B99-9EFB-950ED9DAD904}"/>
+                <a16:creationId xmlns:a16="http://schemas.microsoft.com/office/drawing/2014/main" xmlns="" id="{40927989-E2DB-4B99-9EFB-950ED9DAD904}"/>
               </a:ext>
             </a:extLst>
           </p:cNvPr>
@@ -27818,7 +27837,7 @@
           <p:cNvPr id="7" name="Picture 6">
             <a:extLst>
               <a:ext uri="{FF2B5EF4-FFF2-40B4-BE49-F238E27FC236}">
-                <a16:creationId xmlns:a16="http://schemas.microsoft.com/office/drawing/2014/main" id="{D735BB8A-B15B-4C12-B9AC-7649B0BD045B}"/>
+                <a16:creationId xmlns:a16="http://schemas.microsoft.com/office/drawing/2014/main" xmlns="" id="{D735BB8A-B15B-4C12-B9AC-7649B0BD045B}"/>
               </a:ext>
             </a:extLst>
           </p:cNvPr>
@@ -27848,7 +27867,7 @@
           <p:cNvPr id="9" name="Picture 8">
             <a:extLst>
               <a:ext uri="{FF2B5EF4-FFF2-40B4-BE49-F238E27FC236}">
-                <a16:creationId xmlns:a16="http://schemas.microsoft.com/office/drawing/2014/main" id="{D735BB8A-B15B-4C12-B9AC-7649B0BD045B}"/>
+                <a16:creationId xmlns:a16="http://schemas.microsoft.com/office/drawing/2014/main" xmlns="" id="{D735BB8A-B15B-4C12-B9AC-7649B0BD045B}"/>
               </a:ext>
             </a:extLst>
           </p:cNvPr>

--- a/Presentazione.pptx
+++ b/Presentazione.pptx
@@ -5,7 +5,7 @@
     <p:sldMasterId id="2147483672" r:id="rId1"/>
   </p:sldMasterIdLst>
   <p:notesMasterIdLst>
-    <p:notesMasterId r:id="rId26"/>
+    <p:notesMasterId r:id="rId27"/>
   </p:notesMasterIdLst>
   <p:sldIdLst>
     <p:sldId id="257" r:id="rId2"/>
@@ -16,22 +16,23 @@
     <p:sldId id="273" r:id="rId7"/>
     <p:sldId id="271" r:id="rId8"/>
     <p:sldId id="274" r:id="rId9"/>
-    <p:sldId id="272" r:id="rId10"/>
-    <p:sldId id="275" r:id="rId11"/>
-    <p:sldId id="263" r:id="rId12"/>
-    <p:sldId id="276" r:id="rId13"/>
-    <p:sldId id="277" r:id="rId14"/>
-    <p:sldId id="264" r:id="rId15"/>
+    <p:sldId id="285" r:id="rId10"/>
+    <p:sldId id="272" r:id="rId11"/>
+    <p:sldId id="275" r:id="rId12"/>
+    <p:sldId id="263" r:id="rId13"/>
+    <p:sldId id="276" r:id="rId14"/>
+    <p:sldId id="277" r:id="rId15"/>
     <p:sldId id="278" r:id="rId16"/>
-    <p:sldId id="265" r:id="rId17"/>
-    <p:sldId id="266" r:id="rId18"/>
-    <p:sldId id="280" r:id="rId19"/>
-    <p:sldId id="281" r:id="rId20"/>
-    <p:sldId id="282" r:id="rId21"/>
-    <p:sldId id="284" r:id="rId22"/>
-    <p:sldId id="283" r:id="rId23"/>
-    <p:sldId id="267" r:id="rId24"/>
-    <p:sldId id="268" r:id="rId25"/>
+    <p:sldId id="264" r:id="rId17"/>
+    <p:sldId id="265" r:id="rId18"/>
+    <p:sldId id="266" r:id="rId19"/>
+    <p:sldId id="280" r:id="rId20"/>
+    <p:sldId id="281" r:id="rId21"/>
+    <p:sldId id="282" r:id="rId22"/>
+    <p:sldId id="284" r:id="rId23"/>
+    <p:sldId id="283" r:id="rId24"/>
+    <p:sldId id="267" r:id="rId25"/>
+    <p:sldId id="268" r:id="rId26"/>
   </p:sldIdLst>
   <p:sldSz cx="9144000" cy="6858000" type="screen4x3"/>
   <p:notesSz cx="6858000" cy="9144000"/>
@@ -4303,13 +4304,10 @@
           <a:lstStyle/>
           <a:p>
             <a:r>
-              <a:rPr lang="en-US" dirty="0" err="1"/>
-              <a:t>Semantica</a:t>
-            </a:r>
-            <a:r>
-              <a:rPr lang="en-US" dirty="0"/>
-              <a:t> (II)</a:t>
-            </a:r>
+              <a:rPr lang="en-US" dirty="0" smtClean="0"/>
+              <a:t>Scoping</a:t>
+            </a:r>
+            <a:endParaRPr lang="en-US" dirty="0"/>
           </a:p>
         </p:txBody>
       </p:sp>
@@ -4587,6 +4585,1840 @@
             </a:pPr>
             <a:r>
               <a:rPr lang="it-IT" sz="2000" dirty="0"/>
+              <a:t>Ciascun </a:t>
+            </a:r>
+            <a:r>
+              <a:rPr lang="it-IT" sz="2000" b="1" dirty="0"/>
+              <a:t>attore</a:t>
+            </a:r>
+            <a:r>
+              <a:rPr lang="it-IT" sz="2000" dirty="0"/>
+              <a:t> definisce </a:t>
+            </a:r>
+            <a:r>
+              <a:rPr lang="it-IT" sz="2000" b="1" dirty="0"/>
+              <a:t>variabili locali</a:t>
+            </a:r>
+            <a:r>
+              <a:rPr lang="it-IT" sz="2000" dirty="0"/>
+              <a:t> su cui ha visibilità esclusiva.</a:t>
+            </a:r>
+          </a:p>
+          <a:p>
+            <a:pPr lvl="1">
+              <a:buFont typeface="Arial" charset="0"/>
+              <a:buChar char="•"/>
+            </a:pPr>
+            <a:endParaRPr lang="it-IT" sz="2000" dirty="0"/>
+          </a:p>
+          <a:p>
+            <a:pPr lvl="1">
+              <a:buFont typeface="Arial" charset="0"/>
+              <a:buChar char="•"/>
+            </a:pPr>
+            <a:endParaRPr lang="it-IT" sz="2000" dirty="0"/>
+          </a:p>
+          <a:p>
+            <a:pPr lvl="1">
+              <a:buFont typeface="Arial" charset="0"/>
+              <a:buChar char="•"/>
+            </a:pPr>
+            <a:endParaRPr lang="it-IT" sz="2000" dirty="0"/>
+          </a:p>
+          <a:p>
+            <a:pPr lvl="1">
+              <a:buFont typeface="Arial" charset="0"/>
+              <a:buChar char="•"/>
+            </a:pPr>
+            <a:endParaRPr lang="it-IT" sz="2000" dirty="0"/>
+          </a:p>
+          <a:p>
+            <a:pPr lvl="1">
+              <a:buFont typeface="Arial" charset="0"/>
+              <a:buChar char="•"/>
+            </a:pPr>
+            <a:endParaRPr lang="it-IT" sz="2000" dirty="0"/>
+          </a:p>
+          <a:p>
+            <a:pPr lvl="1">
+              <a:buFont typeface="Arial" charset="0"/>
+              <a:buChar char="•"/>
+            </a:pPr>
+            <a:endParaRPr lang="it-IT" sz="2000" dirty="0"/>
+          </a:p>
+          <a:p>
+            <a:pPr lvl="1">
+              <a:buFont typeface="Arial" charset="0"/>
+              <a:buChar char="•"/>
+            </a:pPr>
+            <a:r>
+              <a:rPr lang="it-IT" sz="2000" dirty="0"/>
+              <a:t>Sono definibili </a:t>
+            </a:r>
+            <a:r>
+              <a:rPr lang="it-IT" sz="2000" b="1" dirty="0"/>
+              <a:t>variabili globali</a:t>
+            </a:r>
+            <a:r>
+              <a:rPr lang="it-IT" sz="2000" dirty="0"/>
+              <a:t> che risultano visibili per qualsiasi attore.</a:t>
+            </a:r>
+          </a:p>
+        </p:txBody>
+      </p:sp>
+      <p:pic>
+        <p:nvPicPr>
+          <p:cNvPr id="4" name="Picture 3"/>
+          <p:cNvPicPr>
+            <a:picLocks noChangeAspect="1"/>
+          </p:cNvPicPr>
+          <p:nvPr/>
+        </p:nvPicPr>
+        <p:blipFill>
+          <a:blip r:embed="rId2">
+            <a:extLst>
+              <a:ext uri="{28A0092B-C50C-407E-A947-70E740481C1C}">
+                <a14:useLocalDpi xmlns:a14="http://schemas.microsoft.com/office/drawing/2010/main" val="0"/>
+              </a:ext>
+            </a:extLst>
+          </a:blip>
+          <a:stretch>
+            <a:fillRect/>
+          </a:stretch>
+        </p:blipFill>
+        <p:spPr>
+          <a:xfrm>
+            <a:off x="2724679" y="2222500"/>
+            <a:ext cx="875241" cy="875241"/>
+          </a:xfrm>
+          <a:prstGeom prst="rect">
+            <a:avLst/>
+          </a:prstGeom>
+        </p:spPr>
+      </p:pic>
+      <p:pic>
+        <p:nvPicPr>
+          <p:cNvPr id="6" name="Picture 5"/>
+          <p:cNvPicPr>
+            <a:picLocks noChangeAspect="1"/>
+          </p:cNvPicPr>
+          <p:nvPr/>
+        </p:nvPicPr>
+        <p:blipFill>
+          <a:blip r:embed="rId3">
+            <a:extLst>
+              <a:ext uri="{28A0092B-C50C-407E-A947-70E740481C1C}">
+                <a14:useLocalDpi xmlns:a14="http://schemas.microsoft.com/office/drawing/2010/main" val="0"/>
+              </a:ext>
+            </a:extLst>
+          </a:blip>
+          <a:stretch>
+            <a:fillRect/>
+          </a:stretch>
+        </p:blipFill>
+        <p:spPr>
+          <a:xfrm>
+            <a:off x="2832097" y="4901473"/>
+            <a:ext cx="1021399" cy="1117600"/>
+          </a:xfrm>
+          <a:prstGeom prst="rect">
+            <a:avLst/>
+          </a:prstGeom>
+        </p:spPr>
+      </p:pic>
+      <p:sp>
+        <p:nvSpPr>
+          <p:cNvPr id="7" name="Rounded Rectangle 6"/>
+          <p:cNvSpPr/>
+          <p:nvPr/>
+        </p:nvSpPr>
+        <p:spPr>
+          <a:xfrm>
+            <a:off x="2724676" y="2202920"/>
+            <a:ext cx="3892023" cy="914400"/>
+          </a:xfrm>
+          <a:prstGeom prst="roundRect">
+            <a:avLst/>
+          </a:prstGeom>
+          <a:noFill/>
+          <a:ln w="38100">
+            <a:solidFill>
+              <a:srgbClr val="C00000"/>
+            </a:solidFill>
+          </a:ln>
+        </p:spPr>
+        <p:style>
+          <a:lnRef idx="2">
+            <a:schemeClr val="accent1">
+              <a:shade val="50000"/>
+            </a:schemeClr>
+          </a:lnRef>
+          <a:fillRef idx="1">
+            <a:schemeClr val="accent1"/>
+          </a:fillRef>
+          <a:effectRef idx="0">
+            <a:schemeClr val="accent1"/>
+          </a:effectRef>
+          <a:fontRef idx="minor">
+            <a:schemeClr val="lt1"/>
+          </a:fontRef>
+        </p:style>
+        <p:txBody>
+          <a:bodyPr rtlCol="0" anchor="ctr"/>
+          <a:lstStyle/>
+          <a:p>
+            <a:pPr algn="ctr"/>
+            <a:endParaRPr lang="it-IT"/>
+          </a:p>
+        </p:txBody>
+      </p:sp>
+      <p:sp>
+        <p:nvSpPr>
+          <p:cNvPr id="8" name="TextBox 7"/>
+          <p:cNvSpPr txBox="1"/>
+          <p:nvPr/>
+        </p:nvSpPr>
+        <p:spPr>
+          <a:xfrm>
+            <a:off x="3794379" y="2336954"/>
+            <a:ext cx="2403221" cy="369332"/>
+          </a:xfrm>
+          <a:prstGeom prst="rect">
+            <a:avLst/>
+          </a:prstGeom>
+          <a:noFill/>
+        </p:spPr>
+        <p:txBody>
+          <a:bodyPr wrap="square" rtlCol="0">
+            <a:spAutoFit/>
+          </a:bodyPr>
+          <a:lstStyle/>
+          <a:p>
+            <a:r>
+              <a:rPr lang="it-IT" b="1" dirty="0">
+                <a:solidFill>
+                  <a:srgbClr val="C00000"/>
+                </a:solidFill>
+              </a:rPr>
+              <a:t>VAR1</a:t>
+            </a:r>
+          </a:p>
+        </p:txBody>
+      </p:sp>
+      <p:sp>
+        <p:nvSpPr>
+          <p:cNvPr id="9" name="TextBox 8"/>
+          <p:cNvSpPr txBox="1"/>
+          <p:nvPr/>
+        </p:nvSpPr>
+        <p:spPr>
+          <a:xfrm>
+            <a:off x="4594859" y="2655654"/>
+            <a:ext cx="2403221" cy="369332"/>
+          </a:xfrm>
+          <a:prstGeom prst="rect">
+            <a:avLst/>
+          </a:prstGeom>
+          <a:noFill/>
+        </p:spPr>
+        <p:txBody>
+          <a:bodyPr wrap="square" rtlCol="0">
+            <a:spAutoFit/>
+          </a:bodyPr>
+          <a:lstStyle/>
+          <a:p>
+            <a:r>
+              <a:rPr lang="it-IT" b="1" dirty="0">
+                <a:solidFill>
+                  <a:srgbClr val="C00000"/>
+                </a:solidFill>
+              </a:rPr>
+              <a:t>VAR2</a:t>
+            </a:r>
+          </a:p>
+        </p:txBody>
+      </p:sp>
+      <p:sp>
+        <p:nvSpPr>
+          <p:cNvPr id="10" name="TextBox 9"/>
+          <p:cNvSpPr txBox="1"/>
+          <p:nvPr/>
+        </p:nvSpPr>
+        <p:spPr>
+          <a:xfrm>
+            <a:off x="5418813" y="2332297"/>
+            <a:ext cx="2403221" cy="369332"/>
+          </a:xfrm>
+          <a:prstGeom prst="rect">
+            <a:avLst/>
+          </a:prstGeom>
+          <a:noFill/>
+        </p:spPr>
+        <p:txBody>
+          <a:bodyPr wrap="square" rtlCol="0">
+            <a:spAutoFit/>
+          </a:bodyPr>
+          <a:lstStyle/>
+          <a:p>
+            <a:r>
+              <a:rPr lang="it-IT" b="1" dirty="0">
+                <a:solidFill>
+                  <a:srgbClr val="C00000"/>
+                </a:solidFill>
+              </a:rPr>
+              <a:t>VAR3</a:t>
+            </a:r>
+          </a:p>
+        </p:txBody>
+      </p:sp>
+      <p:pic>
+        <p:nvPicPr>
+          <p:cNvPr id="11" name="Picture 10"/>
+          <p:cNvPicPr>
+            <a:picLocks noChangeAspect="1"/>
+          </p:cNvPicPr>
+          <p:nvPr/>
+        </p:nvPicPr>
+        <p:blipFill>
+          <a:blip r:embed="rId4">
+            <a:extLst>
+              <a:ext uri="{28A0092B-C50C-407E-A947-70E740481C1C}">
+                <a14:useLocalDpi xmlns:a14="http://schemas.microsoft.com/office/drawing/2010/main" val="0"/>
+              </a:ext>
+            </a:extLst>
+          </a:blip>
+          <a:stretch>
+            <a:fillRect/>
+          </a:stretch>
+        </p:blipFill>
+        <p:spPr>
+          <a:xfrm>
+            <a:off x="2724679" y="3225694"/>
+            <a:ext cx="875241" cy="875241"/>
+          </a:xfrm>
+          <a:prstGeom prst="rect">
+            <a:avLst/>
+          </a:prstGeom>
+        </p:spPr>
+      </p:pic>
+      <p:sp>
+        <p:nvSpPr>
+          <p:cNvPr id="12" name="Rounded Rectangle 11"/>
+          <p:cNvSpPr/>
+          <p:nvPr/>
+        </p:nvSpPr>
+        <p:spPr>
+          <a:xfrm>
+            <a:off x="2724676" y="3206114"/>
+            <a:ext cx="3892023" cy="914400"/>
+          </a:xfrm>
+          <a:prstGeom prst="roundRect">
+            <a:avLst/>
+          </a:prstGeom>
+          <a:noFill/>
+          <a:ln w="38100">
+            <a:solidFill>
+              <a:srgbClr val="00B050"/>
+            </a:solidFill>
+          </a:ln>
+        </p:spPr>
+        <p:style>
+          <a:lnRef idx="2">
+            <a:schemeClr val="accent1">
+              <a:shade val="50000"/>
+            </a:schemeClr>
+          </a:lnRef>
+          <a:fillRef idx="1">
+            <a:schemeClr val="accent1"/>
+          </a:fillRef>
+          <a:effectRef idx="0">
+            <a:schemeClr val="accent1"/>
+          </a:effectRef>
+          <a:fontRef idx="minor">
+            <a:schemeClr val="lt1"/>
+          </a:fontRef>
+        </p:style>
+        <p:txBody>
+          <a:bodyPr rtlCol="0" anchor="ctr"/>
+          <a:lstStyle/>
+          <a:p>
+            <a:pPr algn="ctr"/>
+            <a:endParaRPr lang="it-IT"/>
+          </a:p>
+        </p:txBody>
+      </p:sp>
+      <p:sp>
+        <p:nvSpPr>
+          <p:cNvPr id="13" name="TextBox 12"/>
+          <p:cNvSpPr txBox="1"/>
+          <p:nvPr/>
+        </p:nvSpPr>
+        <p:spPr>
+          <a:xfrm>
+            <a:off x="3794379" y="3340148"/>
+            <a:ext cx="2403221" cy="369332"/>
+          </a:xfrm>
+          <a:prstGeom prst="rect">
+            <a:avLst/>
+          </a:prstGeom>
+          <a:noFill/>
+        </p:spPr>
+        <p:txBody>
+          <a:bodyPr wrap="square" rtlCol="0">
+            <a:spAutoFit/>
+          </a:bodyPr>
+          <a:lstStyle/>
+          <a:p>
+            <a:r>
+              <a:rPr lang="it-IT" b="1" dirty="0">
+                <a:solidFill>
+                  <a:srgbClr val="00B050"/>
+                </a:solidFill>
+              </a:rPr>
+              <a:t>VAR1</a:t>
+            </a:r>
+          </a:p>
+        </p:txBody>
+      </p:sp>
+      <p:sp>
+        <p:nvSpPr>
+          <p:cNvPr id="14" name="TextBox 13"/>
+          <p:cNvSpPr txBox="1"/>
+          <p:nvPr/>
+        </p:nvSpPr>
+        <p:spPr>
+          <a:xfrm>
+            <a:off x="4594859" y="3658848"/>
+            <a:ext cx="2403221" cy="369332"/>
+          </a:xfrm>
+          <a:prstGeom prst="rect">
+            <a:avLst/>
+          </a:prstGeom>
+          <a:noFill/>
+        </p:spPr>
+        <p:txBody>
+          <a:bodyPr wrap="square" rtlCol="0">
+            <a:spAutoFit/>
+          </a:bodyPr>
+          <a:lstStyle/>
+          <a:p>
+            <a:r>
+              <a:rPr lang="it-IT" b="1" dirty="0">
+                <a:solidFill>
+                  <a:srgbClr val="00B050"/>
+                </a:solidFill>
+              </a:rPr>
+              <a:t>VAR2</a:t>
+            </a:r>
+          </a:p>
+        </p:txBody>
+      </p:sp>
+      <p:sp>
+        <p:nvSpPr>
+          <p:cNvPr id="15" name="TextBox 14"/>
+          <p:cNvSpPr txBox="1"/>
+          <p:nvPr/>
+        </p:nvSpPr>
+        <p:spPr>
+          <a:xfrm>
+            <a:off x="5418813" y="3335491"/>
+            <a:ext cx="2403221" cy="369332"/>
+          </a:xfrm>
+          <a:prstGeom prst="rect">
+            <a:avLst/>
+          </a:prstGeom>
+          <a:noFill/>
+        </p:spPr>
+        <p:txBody>
+          <a:bodyPr wrap="square" rtlCol="0">
+            <a:spAutoFit/>
+          </a:bodyPr>
+          <a:lstStyle/>
+          <a:p>
+            <a:r>
+              <a:rPr lang="it-IT" b="1" dirty="0">
+                <a:solidFill>
+                  <a:srgbClr val="00B050"/>
+                </a:solidFill>
+              </a:rPr>
+              <a:t>VAR4</a:t>
+            </a:r>
+          </a:p>
+        </p:txBody>
+      </p:sp>
+      <p:pic>
+        <p:nvPicPr>
+          <p:cNvPr id="18" name="Picture 17"/>
+          <p:cNvPicPr>
+            <a:picLocks noChangeAspect="1"/>
+          </p:cNvPicPr>
+          <p:nvPr/>
+        </p:nvPicPr>
+        <p:blipFill>
+          <a:blip r:embed="rId4">
+            <a:extLst>
+              <a:ext uri="{28A0092B-C50C-407E-A947-70E740481C1C}">
+                <a14:useLocalDpi xmlns:a14="http://schemas.microsoft.com/office/drawing/2010/main" val="0"/>
+              </a:ext>
+            </a:extLst>
+          </a:blip>
+          <a:stretch>
+            <a:fillRect/>
+          </a:stretch>
+        </p:blipFill>
+        <p:spPr>
+          <a:xfrm>
+            <a:off x="4969627" y="4721775"/>
+            <a:ext cx="723340" cy="723340"/>
+          </a:xfrm>
+          <a:prstGeom prst="rect">
+            <a:avLst/>
+          </a:prstGeom>
+        </p:spPr>
+      </p:pic>
+      <p:pic>
+        <p:nvPicPr>
+          <p:cNvPr id="19" name="Picture 18"/>
+          <p:cNvPicPr>
+            <a:picLocks noChangeAspect="1"/>
+          </p:cNvPicPr>
+          <p:nvPr/>
+        </p:nvPicPr>
+        <p:blipFill>
+          <a:blip r:embed="rId2">
+            <a:extLst>
+              <a:ext uri="{28A0092B-C50C-407E-A947-70E740481C1C}">
+                <a14:useLocalDpi xmlns:a14="http://schemas.microsoft.com/office/drawing/2010/main" val="0"/>
+              </a:ext>
+            </a:extLst>
+          </a:blip>
+          <a:stretch>
+            <a:fillRect/>
+          </a:stretch>
+        </p:blipFill>
+        <p:spPr>
+          <a:xfrm>
+            <a:off x="5355482" y="5282211"/>
+            <a:ext cx="723340" cy="723340"/>
+          </a:xfrm>
+          <a:prstGeom prst="rect">
+            <a:avLst/>
+          </a:prstGeom>
+        </p:spPr>
+      </p:pic>
+      <p:pic>
+        <p:nvPicPr>
+          <p:cNvPr id="20" name="Picture 19"/>
+          <p:cNvPicPr>
+            <a:picLocks noChangeAspect="1"/>
+          </p:cNvPicPr>
+          <p:nvPr/>
+        </p:nvPicPr>
+        <p:blipFill>
+          <a:blip r:embed="rId5">
+            <a:extLst>
+              <a:ext uri="{28A0092B-C50C-407E-A947-70E740481C1C}">
+                <a14:useLocalDpi xmlns:a14="http://schemas.microsoft.com/office/drawing/2010/main" val="0"/>
+              </a:ext>
+            </a:extLst>
+          </a:blip>
+          <a:stretch>
+            <a:fillRect/>
+          </a:stretch>
+        </p:blipFill>
+        <p:spPr>
+          <a:xfrm>
+            <a:off x="5736777" y="4721775"/>
+            <a:ext cx="723340" cy="723340"/>
+          </a:xfrm>
+          <a:prstGeom prst="rect">
+            <a:avLst/>
+          </a:prstGeom>
+        </p:spPr>
+      </p:pic>
+      <p:sp>
+        <p:nvSpPr>
+          <p:cNvPr id="22" name="Rounded Rectangle 21"/>
+          <p:cNvSpPr/>
+          <p:nvPr/>
+        </p:nvSpPr>
+        <p:spPr>
+          <a:xfrm>
+            <a:off x="2724676" y="4695327"/>
+            <a:ext cx="3892023" cy="1484272"/>
+          </a:xfrm>
+          <a:prstGeom prst="roundRect">
+            <a:avLst/>
+          </a:prstGeom>
+          <a:noFill/>
+          <a:ln w="38100">
+            <a:solidFill>
+              <a:srgbClr val="002060"/>
+            </a:solidFill>
+          </a:ln>
+        </p:spPr>
+        <p:style>
+          <a:lnRef idx="2">
+            <a:schemeClr val="accent1">
+              <a:shade val="50000"/>
+            </a:schemeClr>
+          </a:lnRef>
+          <a:fillRef idx="1">
+            <a:schemeClr val="accent1"/>
+          </a:fillRef>
+          <a:effectRef idx="0">
+            <a:schemeClr val="accent1"/>
+          </a:effectRef>
+          <a:fontRef idx="minor">
+            <a:schemeClr val="lt1"/>
+          </a:fontRef>
+        </p:style>
+        <p:txBody>
+          <a:bodyPr rtlCol="0" anchor="ctr"/>
+          <a:lstStyle/>
+          <a:p>
+            <a:pPr algn="ctr"/>
+            <a:endParaRPr lang="it-IT"/>
+          </a:p>
+        </p:txBody>
+      </p:sp>
+      <p:sp>
+        <p:nvSpPr>
+          <p:cNvPr id="23" name="TextBox 22"/>
+          <p:cNvSpPr txBox="1"/>
+          <p:nvPr/>
+        </p:nvSpPr>
+        <p:spPr>
+          <a:xfrm>
+            <a:off x="3794379" y="4825643"/>
+            <a:ext cx="2403221" cy="369332"/>
+          </a:xfrm>
+          <a:prstGeom prst="rect">
+            <a:avLst/>
+          </a:prstGeom>
+          <a:noFill/>
+        </p:spPr>
+        <p:txBody>
+          <a:bodyPr wrap="square" rtlCol="0">
+            <a:spAutoFit/>
+          </a:bodyPr>
+          <a:lstStyle/>
+          <a:p>
+            <a:r>
+              <a:rPr lang="it-IT" b="1" dirty="0">
+                <a:solidFill>
+                  <a:srgbClr val="002060"/>
+                </a:solidFill>
+              </a:rPr>
+              <a:t>VARG1</a:t>
+            </a:r>
+          </a:p>
+        </p:txBody>
+      </p:sp>
+      <p:sp>
+        <p:nvSpPr>
+          <p:cNvPr id="24" name="TextBox 23"/>
+          <p:cNvSpPr txBox="1"/>
+          <p:nvPr/>
+        </p:nvSpPr>
+        <p:spPr>
+          <a:xfrm>
+            <a:off x="3968776" y="5188184"/>
+            <a:ext cx="2403221" cy="369332"/>
+          </a:xfrm>
+          <a:prstGeom prst="rect">
+            <a:avLst/>
+          </a:prstGeom>
+          <a:noFill/>
+        </p:spPr>
+        <p:txBody>
+          <a:bodyPr wrap="square" rtlCol="0">
+            <a:spAutoFit/>
+          </a:bodyPr>
+          <a:lstStyle/>
+          <a:p>
+            <a:r>
+              <a:rPr lang="it-IT" b="1" dirty="0">
+                <a:solidFill>
+                  <a:srgbClr val="002060"/>
+                </a:solidFill>
+              </a:rPr>
+              <a:t>VARG2</a:t>
+            </a:r>
+          </a:p>
+        </p:txBody>
+      </p:sp>
+      <p:sp>
+        <p:nvSpPr>
+          <p:cNvPr id="25" name="TextBox 24"/>
+          <p:cNvSpPr txBox="1"/>
+          <p:nvPr/>
+        </p:nvSpPr>
+        <p:spPr>
+          <a:xfrm>
+            <a:off x="4148618" y="5565705"/>
+            <a:ext cx="2403221" cy="369332"/>
+          </a:xfrm>
+          <a:prstGeom prst="rect">
+            <a:avLst/>
+          </a:prstGeom>
+          <a:noFill/>
+        </p:spPr>
+        <p:txBody>
+          <a:bodyPr wrap="square" rtlCol="0">
+            <a:spAutoFit/>
+          </a:bodyPr>
+          <a:lstStyle/>
+          <a:p>
+            <a:r>
+              <a:rPr lang="it-IT" b="1" dirty="0">
+                <a:solidFill>
+                  <a:srgbClr val="002060"/>
+                </a:solidFill>
+              </a:rPr>
+              <a:t>VARG3</a:t>
+            </a:r>
+          </a:p>
+        </p:txBody>
+      </p:sp>
+    </p:spTree>
+    <p:extLst>
+      <p:ext uri="{BB962C8B-B14F-4D97-AF65-F5344CB8AC3E}">
+        <p14:creationId xmlns:p14="http://schemas.microsoft.com/office/powerpoint/2010/main" val="1083294608"/>
+      </p:ext>
+    </p:extLst>
+  </p:cSld>
+  <p:clrMapOvr>
+    <a:masterClrMapping/>
+  </p:clrMapOvr>
+  <mc:AlternateContent xmlns:mc="http://schemas.openxmlformats.org/markup-compatibility/2006" xmlns:p159="http://schemas.microsoft.com/office/powerpoint/2015/09/main">
+    <mc:Choice Requires="p159">
+      <p:transition xmlns:p14="http://schemas.microsoft.com/office/powerpoint/2010/main" spd="slow" p14:dur="2000">
+        <p159:morph option="byObject"/>
+      </p:transition>
+    </mc:Choice>
+    <mc:Fallback xmlns="">
+      <p:transition spd="slow">
+        <p:fade/>
+      </p:transition>
+    </mc:Fallback>
+  </mc:AlternateContent>
+  <p:timing>
+    <p:tnLst>
+      <p:par>
+        <p:cTn id="1" dur="indefinite" restart="never" nodeType="tmRoot">
+          <p:childTnLst>
+            <p:seq concurrent="1" nextAc="seek">
+              <p:cTn id="2" dur="indefinite" nodeType="mainSeq">
+                <p:childTnLst>
+                  <p:par>
+                    <p:cTn id="3" fill="hold">
+                      <p:stCondLst>
+                        <p:cond delay="indefinite"/>
+                      </p:stCondLst>
+                      <p:childTnLst>
+                        <p:par>
+                          <p:cTn id="4" fill="hold">
+                            <p:stCondLst>
+                              <p:cond delay="0"/>
+                            </p:stCondLst>
+                            <p:childTnLst>
+                              <p:par>
+                                <p:cTn id="5" presetID="1" presetClass="entr" presetSubtype="0" fill="hold" nodeType="clickEffect">
+                                  <p:stCondLst>
+                                    <p:cond delay="0"/>
+                                  </p:stCondLst>
+                                  <p:childTnLst>
+                                    <p:set>
+                                      <p:cBhvr>
+                                        <p:cTn id="6" dur="1" fill="hold">
+                                          <p:stCondLst>
+                                            <p:cond delay="0"/>
+                                          </p:stCondLst>
+                                        </p:cTn>
+                                        <p:tgtEl>
+                                          <p:spTgt spid="3">
+                                            <p:txEl>
+                                              <p:pRg st="0" end="0"/>
+                                            </p:txEl>
+                                          </p:spTgt>
+                                        </p:tgtEl>
+                                        <p:attrNameLst>
+                                          <p:attrName>style.visibility</p:attrName>
+                                        </p:attrNameLst>
+                                      </p:cBhvr>
+                                      <p:to>
+                                        <p:strVal val="visible"/>
+                                      </p:to>
+                                    </p:set>
+                                  </p:childTnLst>
+                                </p:cTn>
+                              </p:par>
+                            </p:childTnLst>
+                          </p:cTn>
+                        </p:par>
+                        <p:par>
+                          <p:cTn id="7" fill="hold">
+                            <p:stCondLst>
+                              <p:cond delay="0"/>
+                            </p:stCondLst>
+                            <p:childTnLst>
+                              <p:par>
+                                <p:cTn id="8" presetID="10" presetClass="entr" presetSubtype="0" fill="hold" nodeType="afterEffect">
+                                  <p:stCondLst>
+                                    <p:cond delay="0"/>
+                                  </p:stCondLst>
+                                  <p:childTnLst>
+                                    <p:set>
+                                      <p:cBhvr>
+                                        <p:cTn id="9" dur="1" fill="hold">
+                                          <p:stCondLst>
+                                            <p:cond delay="0"/>
+                                          </p:stCondLst>
+                                        </p:cTn>
+                                        <p:tgtEl>
+                                          <p:spTgt spid="4"/>
+                                        </p:tgtEl>
+                                        <p:attrNameLst>
+                                          <p:attrName>style.visibility</p:attrName>
+                                        </p:attrNameLst>
+                                      </p:cBhvr>
+                                      <p:to>
+                                        <p:strVal val="visible"/>
+                                      </p:to>
+                                    </p:set>
+                                    <p:animEffect transition="in" filter="fade">
+                                      <p:cBhvr>
+                                        <p:cTn id="10" dur="500"/>
+                                        <p:tgtEl>
+                                          <p:spTgt spid="4"/>
+                                        </p:tgtEl>
+                                      </p:cBhvr>
+                                    </p:animEffect>
+                                  </p:childTnLst>
+                                </p:cTn>
+                              </p:par>
+                              <p:par>
+                                <p:cTn id="11" presetID="10" presetClass="entr" presetSubtype="0" fill="hold" grpId="0" nodeType="withEffect">
+                                  <p:stCondLst>
+                                    <p:cond delay="0"/>
+                                  </p:stCondLst>
+                                  <p:childTnLst>
+                                    <p:set>
+                                      <p:cBhvr>
+                                        <p:cTn id="12" dur="1" fill="hold">
+                                          <p:stCondLst>
+                                            <p:cond delay="0"/>
+                                          </p:stCondLst>
+                                        </p:cTn>
+                                        <p:tgtEl>
+                                          <p:spTgt spid="7"/>
+                                        </p:tgtEl>
+                                        <p:attrNameLst>
+                                          <p:attrName>style.visibility</p:attrName>
+                                        </p:attrNameLst>
+                                      </p:cBhvr>
+                                      <p:to>
+                                        <p:strVal val="visible"/>
+                                      </p:to>
+                                    </p:set>
+                                    <p:animEffect transition="in" filter="fade">
+                                      <p:cBhvr>
+                                        <p:cTn id="13" dur="500"/>
+                                        <p:tgtEl>
+                                          <p:spTgt spid="7"/>
+                                        </p:tgtEl>
+                                      </p:cBhvr>
+                                    </p:animEffect>
+                                  </p:childTnLst>
+                                </p:cTn>
+                              </p:par>
+                              <p:par>
+                                <p:cTn id="14" presetID="10" presetClass="entr" presetSubtype="0" fill="hold" grpId="0" nodeType="withEffect">
+                                  <p:stCondLst>
+                                    <p:cond delay="0"/>
+                                  </p:stCondLst>
+                                  <p:childTnLst>
+                                    <p:set>
+                                      <p:cBhvr>
+                                        <p:cTn id="15" dur="1" fill="hold">
+                                          <p:stCondLst>
+                                            <p:cond delay="0"/>
+                                          </p:stCondLst>
+                                        </p:cTn>
+                                        <p:tgtEl>
+                                          <p:spTgt spid="8"/>
+                                        </p:tgtEl>
+                                        <p:attrNameLst>
+                                          <p:attrName>style.visibility</p:attrName>
+                                        </p:attrNameLst>
+                                      </p:cBhvr>
+                                      <p:to>
+                                        <p:strVal val="visible"/>
+                                      </p:to>
+                                    </p:set>
+                                    <p:animEffect transition="in" filter="fade">
+                                      <p:cBhvr>
+                                        <p:cTn id="16" dur="500"/>
+                                        <p:tgtEl>
+                                          <p:spTgt spid="8"/>
+                                        </p:tgtEl>
+                                      </p:cBhvr>
+                                    </p:animEffect>
+                                  </p:childTnLst>
+                                </p:cTn>
+                              </p:par>
+                              <p:par>
+                                <p:cTn id="17" presetID="10" presetClass="entr" presetSubtype="0" fill="hold" grpId="0" nodeType="withEffect">
+                                  <p:stCondLst>
+                                    <p:cond delay="0"/>
+                                  </p:stCondLst>
+                                  <p:childTnLst>
+                                    <p:set>
+                                      <p:cBhvr>
+                                        <p:cTn id="18" dur="1" fill="hold">
+                                          <p:stCondLst>
+                                            <p:cond delay="0"/>
+                                          </p:stCondLst>
+                                        </p:cTn>
+                                        <p:tgtEl>
+                                          <p:spTgt spid="9"/>
+                                        </p:tgtEl>
+                                        <p:attrNameLst>
+                                          <p:attrName>style.visibility</p:attrName>
+                                        </p:attrNameLst>
+                                      </p:cBhvr>
+                                      <p:to>
+                                        <p:strVal val="visible"/>
+                                      </p:to>
+                                    </p:set>
+                                    <p:animEffect transition="in" filter="fade">
+                                      <p:cBhvr>
+                                        <p:cTn id="19" dur="500"/>
+                                        <p:tgtEl>
+                                          <p:spTgt spid="9"/>
+                                        </p:tgtEl>
+                                      </p:cBhvr>
+                                    </p:animEffect>
+                                  </p:childTnLst>
+                                </p:cTn>
+                              </p:par>
+                              <p:par>
+                                <p:cTn id="20" presetID="10" presetClass="entr" presetSubtype="0" fill="hold" grpId="0" nodeType="withEffect">
+                                  <p:stCondLst>
+                                    <p:cond delay="0"/>
+                                  </p:stCondLst>
+                                  <p:childTnLst>
+                                    <p:set>
+                                      <p:cBhvr>
+                                        <p:cTn id="21" dur="1" fill="hold">
+                                          <p:stCondLst>
+                                            <p:cond delay="0"/>
+                                          </p:stCondLst>
+                                        </p:cTn>
+                                        <p:tgtEl>
+                                          <p:spTgt spid="10"/>
+                                        </p:tgtEl>
+                                        <p:attrNameLst>
+                                          <p:attrName>style.visibility</p:attrName>
+                                        </p:attrNameLst>
+                                      </p:cBhvr>
+                                      <p:to>
+                                        <p:strVal val="visible"/>
+                                      </p:to>
+                                    </p:set>
+                                    <p:animEffect transition="in" filter="fade">
+                                      <p:cBhvr>
+                                        <p:cTn id="22" dur="500"/>
+                                        <p:tgtEl>
+                                          <p:spTgt spid="10"/>
+                                        </p:tgtEl>
+                                      </p:cBhvr>
+                                    </p:animEffect>
+                                  </p:childTnLst>
+                                </p:cTn>
+                              </p:par>
+                            </p:childTnLst>
+                          </p:cTn>
+                        </p:par>
+                        <p:par>
+                          <p:cTn id="23" fill="hold">
+                            <p:stCondLst>
+                              <p:cond delay="500"/>
+                            </p:stCondLst>
+                            <p:childTnLst>
+                              <p:par>
+                                <p:cTn id="24" presetID="10" presetClass="entr" presetSubtype="0" fill="hold" nodeType="afterEffect">
+                                  <p:stCondLst>
+                                    <p:cond delay="0"/>
+                                  </p:stCondLst>
+                                  <p:childTnLst>
+                                    <p:set>
+                                      <p:cBhvr>
+                                        <p:cTn id="25" dur="1" fill="hold">
+                                          <p:stCondLst>
+                                            <p:cond delay="0"/>
+                                          </p:stCondLst>
+                                        </p:cTn>
+                                        <p:tgtEl>
+                                          <p:spTgt spid="11"/>
+                                        </p:tgtEl>
+                                        <p:attrNameLst>
+                                          <p:attrName>style.visibility</p:attrName>
+                                        </p:attrNameLst>
+                                      </p:cBhvr>
+                                      <p:to>
+                                        <p:strVal val="visible"/>
+                                      </p:to>
+                                    </p:set>
+                                    <p:animEffect transition="in" filter="fade">
+                                      <p:cBhvr>
+                                        <p:cTn id="26" dur="500"/>
+                                        <p:tgtEl>
+                                          <p:spTgt spid="11"/>
+                                        </p:tgtEl>
+                                      </p:cBhvr>
+                                    </p:animEffect>
+                                  </p:childTnLst>
+                                </p:cTn>
+                              </p:par>
+                              <p:par>
+                                <p:cTn id="27" presetID="10" presetClass="entr" presetSubtype="0" fill="hold" grpId="0" nodeType="withEffect">
+                                  <p:stCondLst>
+                                    <p:cond delay="0"/>
+                                  </p:stCondLst>
+                                  <p:childTnLst>
+                                    <p:set>
+                                      <p:cBhvr>
+                                        <p:cTn id="28" dur="1" fill="hold">
+                                          <p:stCondLst>
+                                            <p:cond delay="0"/>
+                                          </p:stCondLst>
+                                        </p:cTn>
+                                        <p:tgtEl>
+                                          <p:spTgt spid="12"/>
+                                        </p:tgtEl>
+                                        <p:attrNameLst>
+                                          <p:attrName>style.visibility</p:attrName>
+                                        </p:attrNameLst>
+                                      </p:cBhvr>
+                                      <p:to>
+                                        <p:strVal val="visible"/>
+                                      </p:to>
+                                    </p:set>
+                                    <p:animEffect transition="in" filter="fade">
+                                      <p:cBhvr>
+                                        <p:cTn id="29" dur="500"/>
+                                        <p:tgtEl>
+                                          <p:spTgt spid="12"/>
+                                        </p:tgtEl>
+                                      </p:cBhvr>
+                                    </p:animEffect>
+                                  </p:childTnLst>
+                                </p:cTn>
+                              </p:par>
+                              <p:par>
+                                <p:cTn id="30" presetID="10" presetClass="entr" presetSubtype="0" fill="hold" grpId="0" nodeType="withEffect">
+                                  <p:stCondLst>
+                                    <p:cond delay="0"/>
+                                  </p:stCondLst>
+                                  <p:childTnLst>
+                                    <p:set>
+                                      <p:cBhvr>
+                                        <p:cTn id="31" dur="1" fill="hold">
+                                          <p:stCondLst>
+                                            <p:cond delay="0"/>
+                                          </p:stCondLst>
+                                        </p:cTn>
+                                        <p:tgtEl>
+                                          <p:spTgt spid="13"/>
+                                        </p:tgtEl>
+                                        <p:attrNameLst>
+                                          <p:attrName>style.visibility</p:attrName>
+                                        </p:attrNameLst>
+                                      </p:cBhvr>
+                                      <p:to>
+                                        <p:strVal val="visible"/>
+                                      </p:to>
+                                    </p:set>
+                                    <p:animEffect transition="in" filter="fade">
+                                      <p:cBhvr>
+                                        <p:cTn id="32" dur="500"/>
+                                        <p:tgtEl>
+                                          <p:spTgt spid="13"/>
+                                        </p:tgtEl>
+                                      </p:cBhvr>
+                                    </p:animEffect>
+                                  </p:childTnLst>
+                                </p:cTn>
+                              </p:par>
+                              <p:par>
+                                <p:cTn id="33" presetID="10" presetClass="entr" presetSubtype="0" fill="hold" grpId="0" nodeType="withEffect">
+                                  <p:stCondLst>
+                                    <p:cond delay="0"/>
+                                  </p:stCondLst>
+                                  <p:childTnLst>
+                                    <p:set>
+                                      <p:cBhvr>
+                                        <p:cTn id="34" dur="1" fill="hold">
+                                          <p:stCondLst>
+                                            <p:cond delay="0"/>
+                                          </p:stCondLst>
+                                        </p:cTn>
+                                        <p:tgtEl>
+                                          <p:spTgt spid="14"/>
+                                        </p:tgtEl>
+                                        <p:attrNameLst>
+                                          <p:attrName>style.visibility</p:attrName>
+                                        </p:attrNameLst>
+                                      </p:cBhvr>
+                                      <p:to>
+                                        <p:strVal val="visible"/>
+                                      </p:to>
+                                    </p:set>
+                                    <p:animEffect transition="in" filter="fade">
+                                      <p:cBhvr>
+                                        <p:cTn id="35" dur="500"/>
+                                        <p:tgtEl>
+                                          <p:spTgt spid="14"/>
+                                        </p:tgtEl>
+                                      </p:cBhvr>
+                                    </p:animEffect>
+                                  </p:childTnLst>
+                                </p:cTn>
+                              </p:par>
+                              <p:par>
+                                <p:cTn id="36" presetID="10" presetClass="entr" presetSubtype="0" fill="hold" grpId="0" nodeType="withEffect">
+                                  <p:stCondLst>
+                                    <p:cond delay="0"/>
+                                  </p:stCondLst>
+                                  <p:childTnLst>
+                                    <p:set>
+                                      <p:cBhvr>
+                                        <p:cTn id="37" dur="1" fill="hold">
+                                          <p:stCondLst>
+                                            <p:cond delay="0"/>
+                                          </p:stCondLst>
+                                        </p:cTn>
+                                        <p:tgtEl>
+                                          <p:spTgt spid="15"/>
+                                        </p:tgtEl>
+                                        <p:attrNameLst>
+                                          <p:attrName>style.visibility</p:attrName>
+                                        </p:attrNameLst>
+                                      </p:cBhvr>
+                                      <p:to>
+                                        <p:strVal val="visible"/>
+                                      </p:to>
+                                    </p:set>
+                                    <p:animEffect transition="in" filter="fade">
+                                      <p:cBhvr>
+                                        <p:cTn id="38" dur="500"/>
+                                        <p:tgtEl>
+                                          <p:spTgt spid="15"/>
+                                        </p:tgtEl>
+                                      </p:cBhvr>
+                                    </p:animEffect>
+                                  </p:childTnLst>
+                                </p:cTn>
+                              </p:par>
+                            </p:childTnLst>
+                          </p:cTn>
+                        </p:par>
+                      </p:childTnLst>
+                    </p:cTn>
+                  </p:par>
+                  <p:par>
+                    <p:cTn id="39" fill="hold">
+                      <p:stCondLst>
+                        <p:cond delay="indefinite"/>
+                      </p:stCondLst>
+                      <p:childTnLst>
+                        <p:par>
+                          <p:cTn id="40" fill="hold">
+                            <p:stCondLst>
+                              <p:cond delay="0"/>
+                            </p:stCondLst>
+                            <p:childTnLst>
+                              <p:par>
+                                <p:cTn id="41" presetID="1" presetClass="entr" presetSubtype="0" fill="hold" nodeType="clickEffect">
+                                  <p:stCondLst>
+                                    <p:cond delay="0"/>
+                                  </p:stCondLst>
+                                  <p:childTnLst>
+                                    <p:set>
+                                      <p:cBhvr>
+                                        <p:cTn id="42" dur="1" fill="hold">
+                                          <p:stCondLst>
+                                            <p:cond delay="0"/>
+                                          </p:stCondLst>
+                                        </p:cTn>
+                                        <p:tgtEl>
+                                          <p:spTgt spid="3">
+                                            <p:txEl>
+                                              <p:pRg st="7" end="7"/>
+                                            </p:txEl>
+                                          </p:spTgt>
+                                        </p:tgtEl>
+                                        <p:attrNameLst>
+                                          <p:attrName>style.visibility</p:attrName>
+                                        </p:attrNameLst>
+                                      </p:cBhvr>
+                                      <p:to>
+                                        <p:strVal val="visible"/>
+                                      </p:to>
+                                    </p:set>
+                                  </p:childTnLst>
+                                </p:cTn>
+                              </p:par>
+                            </p:childTnLst>
+                          </p:cTn>
+                        </p:par>
+                        <p:par>
+                          <p:cTn id="43" fill="hold">
+                            <p:stCondLst>
+                              <p:cond delay="0"/>
+                            </p:stCondLst>
+                            <p:childTnLst>
+                              <p:par>
+                                <p:cTn id="44" presetID="10" presetClass="entr" presetSubtype="0" fill="hold" nodeType="afterEffect">
+                                  <p:stCondLst>
+                                    <p:cond delay="0"/>
+                                  </p:stCondLst>
+                                  <p:childTnLst>
+                                    <p:set>
+                                      <p:cBhvr>
+                                        <p:cTn id="45" dur="1" fill="hold">
+                                          <p:stCondLst>
+                                            <p:cond delay="0"/>
+                                          </p:stCondLst>
+                                        </p:cTn>
+                                        <p:tgtEl>
+                                          <p:spTgt spid="18"/>
+                                        </p:tgtEl>
+                                        <p:attrNameLst>
+                                          <p:attrName>style.visibility</p:attrName>
+                                        </p:attrNameLst>
+                                      </p:cBhvr>
+                                      <p:to>
+                                        <p:strVal val="visible"/>
+                                      </p:to>
+                                    </p:set>
+                                    <p:animEffect transition="in" filter="fade">
+                                      <p:cBhvr>
+                                        <p:cTn id="46" dur="500"/>
+                                        <p:tgtEl>
+                                          <p:spTgt spid="18"/>
+                                        </p:tgtEl>
+                                      </p:cBhvr>
+                                    </p:animEffect>
+                                  </p:childTnLst>
+                                </p:cTn>
+                              </p:par>
+                              <p:par>
+                                <p:cTn id="47" presetID="10" presetClass="entr" presetSubtype="0" fill="hold" nodeType="withEffect">
+                                  <p:stCondLst>
+                                    <p:cond delay="0"/>
+                                  </p:stCondLst>
+                                  <p:childTnLst>
+                                    <p:set>
+                                      <p:cBhvr>
+                                        <p:cTn id="48" dur="1" fill="hold">
+                                          <p:stCondLst>
+                                            <p:cond delay="0"/>
+                                          </p:stCondLst>
+                                        </p:cTn>
+                                        <p:tgtEl>
+                                          <p:spTgt spid="6"/>
+                                        </p:tgtEl>
+                                        <p:attrNameLst>
+                                          <p:attrName>style.visibility</p:attrName>
+                                        </p:attrNameLst>
+                                      </p:cBhvr>
+                                      <p:to>
+                                        <p:strVal val="visible"/>
+                                      </p:to>
+                                    </p:set>
+                                    <p:animEffect transition="in" filter="fade">
+                                      <p:cBhvr>
+                                        <p:cTn id="49" dur="500"/>
+                                        <p:tgtEl>
+                                          <p:spTgt spid="6"/>
+                                        </p:tgtEl>
+                                      </p:cBhvr>
+                                    </p:animEffect>
+                                  </p:childTnLst>
+                                </p:cTn>
+                              </p:par>
+                              <p:par>
+                                <p:cTn id="50" presetID="10" presetClass="entr" presetSubtype="0" fill="hold" nodeType="withEffect">
+                                  <p:stCondLst>
+                                    <p:cond delay="0"/>
+                                  </p:stCondLst>
+                                  <p:childTnLst>
+                                    <p:set>
+                                      <p:cBhvr>
+                                        <p:cTn id="51" dur="1" fill="hold">
+                                          <p:stCondLst>
+                                            <p:cond delay="0"/>
+                                          </p:stCondLst>
+                                        </p:cTn>
+                                        <p:tgtEl>
+                                          <p:spTgt spid="19"/>
+                                        </p:tgtEl>
+                                        <p:attrNameLst>
+                                          <p:attrName>style.visibility</p:attrName>
+                                        </p:attrNameLst>
+                                      </p:cBhvr>
+                                      <p:to>
+                                        <p:strVal val="visible"/>
+                                      </p:to>
+                                    </p:set>
+                                    <p:animEffect transition="in" filter="fade">
+                                      <p:cBhvr>
+                                        <p:cTn id="52" dur="500"/>
+                                        <p:tgtEl>
+                                          <p:spTgt spid="19"/>
+                                        </p:tgtEl>
+                                      </p:cBhvr>
+                                    </p:animEffect>
+                                  </p:childTnLst>
+                                </p:cTn>
+                              </p:par>
+                              <p:par>
+                                <p:cTn id="53" presetID="10" presetClass="entr" presetSubtype="0" fill="hold" nodeType="withEffect">
+                                  <p:stCondLst>
+                                    <p:cond delay="0"/>
+                                  </p:stCondLst>
+                                  <p:childTnLst>
+                                    <p:set>
+                                      <p:cBhvr>
+                                        <p:cTn id="54" dur="1" fill="hold">
+                                          <p:stCondLst>
+                                            <p:cond delay="0"/>
+                                          </p:stCondLst>
+                                        </p:cTn>
+                                        <p:tgtEl>
+                                          <p:spTgt spid="20"/>
+                                        </p:tgtEl>
+                                        <p:attrNameLst>
+                                          <p:attrName>style.visibility</p:attrName>
+                                        </p:attrNameLst>
+                                      </p:cBhvr>
+                                      <p:to>
+                                        <p:strVal val="visible"/>
+                                      </p:to>
+                                    </p:set>
+                                    <p:animEffect transition="in" filter="fade">
+                                      <p:cBhvr>
+                                        <p:cTn id="55" dur="500"/>
+                                        <p:tgtEl>
+                                          <p:spTgt spid="20"/>
+                                        </p:tgtEl>
+                                      </p:cBhvr>
+                                    </p:animEffect>
+                                  </p:childTnLst>
+                                </p:cTn>
+                              </p:par>
+                              <p:par>
+                                <p:cTn id="56" presetID="10" presetClass="entr" presetSubtype="0" fill="hold" grpId="0" nodeType="withEffect">
+                                  <p:stCondLst>
+                                    <p:cond delay="0"/>
+                                  </p:stCondLst>
+                                  <p:childTnLst>
+                                    <p:set>
+                                      <p:cBhvr>
+                                        <p:cTn id="57" dur="1" fill="hold">
+                                          <p:stCondLst>
+                                            <p:cond delay="0"/>
+                                          </p:stCondLst>
+                                        </p:cTn>
+                                        <p:tgtEl>
+                                          <p:spTgt spid="22"/>
+                                        </p:tgtEl>
+                                        <p:attrNameLst>
+                                          <p:attrName>style.visibility</p:attrName>
+                                        </p:attrNameLst>
+                                      </p:cBhvr>
+                                      <p:to>
+                                        <p:strVal val="visible"/>
+                                      </p:to>
+                                    </p:set>
+                                    <p:animEffect transition="in" filter="fade">
+                                      <p:cBhvr>
+                                        <p:cTn id="58" dur="500"/>
+                                        <p:tgtEl>
+                                          <p:spTgt spid="22"/>
+                                        </p:tgtEl>
+                                      </p:cBhvr>
+                                    </p:animEffect>
+                                  </p:childTnLst>
+                                </p:cTn>
+                              </p:par>
+                              <p:par>
+                                <p:cTn id="59" presetID="10" presetClass="entr" presetSubtype="0" fill="hold" grpId="0" nodeType="withEffect">
+                                  <p:stCondLst>
+                                    <p:cond delay="0"/>
+                                  </p:stCondLst>
+                                  <p:childTnLst>
+                                    <p:set>
+                                      <p:cBhvr>
+                                        <p:cTn id="60" dur="1" fill="hold">
+                                          <p:stCondLst>
+                                            <p:cond delay="0"/>
+                                          </p:stCondLst>
+                                        </p:cTn>
+                                        <p:tgtEl>
+                                          <p:spTgt spid="23"/>
+                                        </p:tgtEl>
+                                        <p:attrNameLst>
+                                          <p:attrName>style.visibility</p:attrName>
+                                        </p:attrNameLst>
+                                      </p:cBhvr>
+                                      <p:to>
+                                        <p:strVal val="visible"/>
+                                      </p:to>
+                                    </p:set>
+                                    <p:animEffect transition="in" filter="fade">
+                                      <p:cBhvr>
+                                        <p:cTn id="61" dur="500"/>
+                                        <p:tgtEl>
+                                          <p:spTgt spid="23"/>
+                                        </p:tgtEl>
+                                      </p:cBhvr>
+                                    </p:animEffect>
+                                  </p:childTnLst>
+                                </p:cTn>
+                              </p:par>
+                              <p:par>
+                                <p:cTn id="62" presetID="10" presetClass="entr" presetSubtype="0" fill="hold" grpId="0" nodeType="withEffect">
+                                  <p:stCondLst>
+                                    <p:cond delay="0"/>
+                                  </p:stCondLst>
+                                  <p:childTnLst>
+                                    <p:set>
+                                      <p:cBhvr>
+                                        <p:cTn id="63" dur="1" fill="hold">
+                                          <p:stCondLst>
+                                            <p:cond delay="0"/>
+                                          </p:stCondLst>
+                                        </p:cTn>
+                                        <p:tgtEl>
+                                          <p:spTgt spid="24"/>
+                                        </p:tgtEl>
+                                        <p:attrNameLst>
+                                          <p:attrName>style.visibility</p:attrName>
+                                        </p:attrNameLst>
+                                      </p:cBhvr>
+                                      <p:to>
+                                        <p:strVal val="visible"/>
+                                      </p:to>
+                                    </p:set>
+                                    <p:animEffect transition="in" filter="fade">
+                                      <p:cBhvr>
+                                        <p:cTn id="64" dur="500"/>
+                                        <p:tgtEl>
+                                          <p:spTgt spid="24"/>
+                                        </p:tgtEl>
+                                      </p:cBhvr>
+                                    </p:animEffect>
+                                  </p:childTnLst>
+                                </p:cTn>
+                              </p:par>
+                              <p:par>
+                                <p:cTn id="65" presetID="10" presetClass="entr" presetSubtype="0" fill="hold" grpId="0" nodeType="withEffect">
+                                  <p:stCondLst>
+                                    <p:cond delay="0"/>
+                                  </p:stCondLst>
+                                  <p:childTnLst>
+                                    <p:set>
+                                      <p:cBhvr>
+                                        <p:cTn id="66" dur="1" fill="hold">
+                                          <p:stCondLst>
+                                            <p:cond delay="0"/>
+                                          </p:stCondLst>
+                                        </p:cTn>
+                                        <p:tgtEl>
+                                          <p:spTgt spid="25"/>
+                                        </p:tgtEl>
+                                        <p:attrNameLst>
+                                          <p:attrName>style.visibility</p:attrName>
+                                        </p:attrNameLst>
+                                      </p:cBhvr>
+                                      <p:to>
+                                        <p:strVal val="visible"/>
+                                      </p:to>
+                                    </p:set>
+                                    <p:animEffect transition="in" filter="fade">
+                                      <p:cBhvr>
+                                        <p:cTn id="67" dur="500"/>
+                                        <p:tgtEl>
+                                          <p:spTgt spid="25"/>
+                                        </p:tgtEl>
+                                      </p:cBhvr>
+                                    </p:animEffect>
+                                  </p:childTnLst>
+                                </p:cTn>
+                              </p:par>
+                            </p:childTnLst>
+                          </p:cTn>
+                        </p:par>
+                      </p:childTnLst>
+                    </p:cTn>
+                  </p:par>
+                </p:childTnLst>
+              </p:cTn>
+              <p:prevCondLst>
+                <p:cond evt="onPrev" delay="0">
+                  <p:tgtEl>
+                    <p:sldTgt/>
+                  </p:tgtEl>
+                </p:cond>
+              </p:prevCondLst>
+              <p:nextCondLst>
+                <p:cond evt="onNext" delay="0">
+                  <p:tgtEl>
+                    <p:sldTgt/>
+                  </p:tgtEl>
+                </p:cond>
+              </p:nextCondLst>
+            </p:seq>
+          </p:childTnLst>
+        </p:cTn>
+      </p:par>
+    </p:tnLst>
+    <p:bldLst>
+      <p:bldP spid="7" grpId="0" animBg="1"/>
+      <p:bldP spid="8" grpId="0"/>
+      <p:bldP spid="9" grpId="0"/>
+      <p:bldP spid="10" grpId="0"/>
+      <p:bldP spid="12" grpId="0" animBg="1"/>
+      <p:bldP spid="13" grpId="0"/>
+      <p:bldP spid="14" grpId="0"/>
+      <p:bldP spid="15" grpId="0"/>
+      <p:bldP spid="22" grpId="0" animBg="1"/>
+      <p:bldP spid="23" grpId="0"/>
+      <p:bldP spid="24" grpId="0"/>
+      <p:bldP spid="25" grpId="0"/>
+    </p:bldLst>
+  </p:timing>
+</p:sld>
+</file>
+
+<file path=ppt/slides/slide11.xml><?xml version="1.0" encoding="utf-8"?>
+<p:sld xmlns:a="http://schemas.openxmlformats.org/drawingml/2006/main" xmlns:r="http://schemas.openxmlformats.org/officeDocument/2006/relationships" xmlns:p="http://schemas.openxmlformats.org/presentationml/2006/main">
+  <p:cSld>
+    <p:spTree>
+      <p:nvGrpSpPr>
+        <p:cNvPr id="1" name=""/>
+        <p:cNvGrpSpPr/>
+        <p:nvPr/>
+      </p:nvGrpSpPr>
+      <p:grpSpPr>
+        <a:xfrm>
+          <a:off x="0" y="0"/>
+          <a:ext cx="0" cy="0"/>
+          <a:chOff x="0" y="0"/>
+          <a:chExt cx="0" cy="0"/>
+        </a:xfrm>
+      </p:grpSpPr>
+      <p:sp>
+        <p:nvSpPr>
+          <p:cNvPr id="2" name="Title 1"/>
+          <p:cNvSpPr>
+            <a:spLocks noGrp="1"/>
+          </p:cNvSpPr>
+          <p:nvPr>
+            <p:ph type="title"/>
+          </p:nvPr>
+        </p:nvSpPr>
+        <p:spPr/>
+        <p:txBody>
+          <a:bodyPr/>
+          <a:lstStyle/>
+          <a:p>
+            <a:r>
+              <a:rPr lang="en-US" dirty="0" err="1" smtClean="0"/>
+              <a:t>Messaggi</a:t>
+            </a:r>
+            <a:endParaRPr lang="en-US" dirty="0"/>
+          </a:p>
+        </p:txBody>
+      </p:sp>
+      <p:sp>
+        <p:nvSpPr>
+          <p:cNvPr id="3" name="Content Placeholder 2"/>
+          <p:cNvSpPr txBox="1">
+            <a:spLocks/>
+          </p:cNvSpPr>
+          <p:nvPr/>
+        </p:nvSpPr>
+        <p:spPr>
+          <a:xfrm>
+            <a:off x="822959" y="1845734"/>
+            <a:ext cx="7543801" cy="4023360"/>
+          </a:xfrm>
+          <a:prstGeom prst="rect">
+            <a:avLst/>
+          </a:prstGeom>
+        </p:spPr>
+        <p:txBody>
+          <a:bodyPr>
+            <a:normAutofit/>
+          </a:bodyPr>
+          <a:lstStyle>
+            <a:lvl1pPr marL="91440" indent="-91440" algn="l" defTabSz="914400" rtl="0" eaLnBrk="1" latinLnBrk="0" hangingPunct="1">
+              <a:lnSpc>
+                <a:spcPct val="90000"/>
+              </a:lnSpc>
+              <a:spcBef>
+                <a:spcPts val="1200"/>
+              </a:spcBef>
+              <a:spcAft>
+                <a:spcPts val="200"/>
+              </a:spcAft>
+              <a:buClr>
+                <a:schemeClr val="accent1"/>
+              </a:buClr>
+              <a:buSzPct val="100000"/>
+              <a:buFont typeface="Calibri" panose="020F0502020204030204" pitchFamily="34" charset="0"/>
+              <a:buChar char=" "/>
+              <a:defRPr sz="2000" kern="1200">
+                <a:solidFill>
+                  <a:schemeClr val="tx1">
+                    <a:lumMod val="75000"/>
+                    <a:lumOff val="25000"/>
+                  </a:schemeClr>
+                </a:solidFill>
+                <a:latin typeface="+mn-lt"/>
+                <a:ea typeface="+mn-ea"/>
+                <a:cs typeface="+mn-cs"/>
+              </a:defRPr>
+            </a:lvl1pPr>
+            <a:lvl2pPr marL="384048" indent="-182880" algn="l" defTabSz="914400" rtl="0" eaLnBrk="1" latinLnBrk="0" hangingPunct="1">
+              <a:lnSpc>
+                <a:spcPct val="90000"/>
+              </a:lnSpc>
+              <a:spcBef>
+                <a:spcPts val="200"/>
+              </a:spcBef>
+              <a:spcAft>
+                <a:spcPts val="400"/>
+              </a:spcAft>
+              <a:buClr>
+                <a:schemeClr val="accent1"/>
+              </a:buClr>
+              <a:buFont typeface="Calibri" pitchFamily="34" charset="0"/>
+              <a:buChar char="◦"/>
+              <a:defRPr sz="1800" kern="1200">
+                <a:solidFill>
+                  <a:schemeClr val="tx1">
+                    <a:lumMod val="75000"/>
+                    <a:lumOff val="25000"/>
+                  </a:schemeClr>
+                </a:solidFill>
+                <a:latin typeface="+mn-lt"/>
+                <a:ea typeface="+mn-ea"/>
+                <a:cs typeface="+mn-cs"/>
+              </a:defRPr>
+            </a:lvl2pPr>
+            <a:lvl3pPr marL="566928" indent="-182880" algn="l" defTabSz="914400" rtl="0" eaLnBrk="1" latinLnBrk="0" hangingPunct="1">
+              <a:lnSpc>
+                <a:spcPct val="90000"/>
+              </a:lnSpc>
+              <a:spcBef>
+                <a:spcPts val="200"/>
+              </a:spcBef>
+              <a:spcAft>
+                <a:spcPts val="400"/>
+              </a:spcAft>
+              <a:buClr>
+                <a:schemeClr val="accent1"/>
+              </a:buClr>
+              <a:buFont typeface="Calibri" pitchFamily="34" charset="0"/>
+              <a:buChar char="◦"/>
+              <a:defRPr sz="1400" kern="1200">
+                <a:solidFill>
+                  <a:schemeClr val="tx1">
+                    <a:lumMod val="75000"/>
+                    <a:lumOff val="25000"/>
+                  </a:schemeClr>
+                </a:solidFill>
+                <a:latin typeface="+mn-lt"/>
+                <a:ea typeface="+mn-ea"/>
+                <a:cs typeface="+mn-cs"/>
+              </a:defRPr>
+            </a:lvl3pPr>
+            <a:lvl4pPr marL="749808" indent="-182880" algn="l" defTabSz="914400" rtl="0" eaLnBrk="1" latinLnBrk="0" hangingPunct="1">
+              <a:lnSpc>
+                <a:spcPct val="90000"/>
+              </a:lnSpc>
+              <a:spcBef>
+                <a:spcPts val="200"/>
+              </a:spcBef>
+              <a:spcAft>
+                <a:spcPts val="400"/>
+              </a:spcAft>
+              <a:buClr>
+                <a:schemeClr val="accent1"/>
+              </a:buClr>
+              <a:buFont typeface="Calibri" pitchFamily="34" charset="0"/>
+              <a:buChar char="◦"/>
+              <a:defRPr sz="1400" kern="1200">
+                <a:solidFill>
+                  <a:schemeClr val="tx1">
+                    <a:lumMod val="75000"/>
+                    <a:lumOff val="25000"/>
+                  </a:schemeClr>
+                </a:solidFill>
+                <a:latin typeface="+mn-lt"/>
+                <a:ea typeface="+mn-ea"/>
+                <a:cs typeface="+mn-cs"/>
+              </a:defRPr>
+            </a:lvl4pPr>
+            <a:lvl5pPr marL="932688" indent="-182880" algn="l" defTabSz="914400" rtl="0" eaLnBrk="1" latinLnBrk="0" hangingPunct="1">
+              <a:lnSpc>
+                <a:spcPct val="90000"/>
+              </a:lnSpc>
+              <a:spcBef>
+                <a:spcPts val="200"/>
+              </a:spcBef>
+              <a:spcAft>
+                <a:spcPts val="400"/>
+              </a:spcAft>
+              <a:buClr>
+                <a:schemeClr val="accent1"/>
+              </a:buClr>
+              <a:buFont typeface="Calibri" pitchFamily="34" charset="0"/>
+              <a:buChar char="◦"/>
+              <a:defRPr sz="1400" kern="1200">
+                <a:solidFill>
+                  <a:schemeClr val="tx1">
+                    <a:lumMod val="75000"/>
+                    <a:lumOff val="25000"/>
+                  </a:schemeClr>
+                </a:solidFill>
+                <a:latin typeface="+mn-lt"/>
+                <a:ea typeface="+mn-ea"/>
+                <a:cs typeface="+mn-cs"/>
+              </a:defRPr>
+            </a:lvl5pPr>
+            <a:lvl6pPr marL="1100000" indent="-228600" algn="l" defTabSz="914400" rtl="0" eaLnBrk="1" latinLnBrk="0" hangingPunct="1">
+              <a:lnSpc>
+                <a:spcPct val="90000"/>
+              </a:lnSpc>
+              <a:spcBef>
+                <a:spcPts val="200"/>
+              </a:spcBef>
+              <a:spcAft>
+                <a:spcPts val="400"/>
+              </a:spcAft>
+              <a:buClr>
+                <a:schemeClr val="accent1"/>
+              </a:buClr>
+              <a:buFont typeface="Calibri" pitchFamily="34" charset="0"/>
+              <a:buChar char="◦"/>
+              <a:defRPr sz="1400" kern="1200">
+                <a:solidFill>
+                  <a:schemeClr val="tx1">
+                    <a:lumMod val="75000"/>
+                    <a:lumOff val="25000"/>
+                  </a:schemeClr>
+                </a:solidFill>
+                <a:latin typeface="+mn-lt"/>
+                <a:ea typeface="+mn-ea"/>
+                <a:cs typeface="+mn-cs"/>
+              </a:defRPr>
+            </a:lvl6pPr>
+            <a:lvl7pPr marL="1300000" indent="-228600" algn="l" defTabSz="914400" rtl="0" eaLnBrk="1" latinLnBrk="0" hangingPunct="1">
+              <a:lnSpc>
+                <a:spcPct val="90000"/>
+              </a:lnSpc>
+              <a:spcBef>
+                <a:spcPts val="200"/>
+              </a:spcBef>
+              <a:spcAft>
+                <a:spcPts val="400"/>
+              </a:spcAft>
+              <a:buClr>
+                <a:schemeClr val="accent1"/>
+              </a:buClr>
+              <a:buFont typeface="Calibri" pitchFamily="34" charset="0"/>
+              <a:buChar char="◦"/>
+              <a:defRPr sz="1400" kern="1200">
+                <a:solidFill>
+                  <a:schemeClr val="tx1">
+                    <a:lumMod val="75000"/>
+                    <a:lumOff val="25000"/>
+                  </a:schemeClr>
+                </a:solidFill>
+                <a:latin typeface="+mn-lt"/>
+                <a:ea typeface="+mn-ea"/>
+                <a:cs typeface="+mn-cs"/>
+              </a:defRPr>
+            </a:lvl7pPr>
+            <a:lvl8pPr marL="1500000" indent="-228600" algn="l" defTabSz="914400" rtl="0" eaLnBrk="1" latinLnBrk="0" hangingPunct="1">
+              <a:lnSpc>
+                <a:spcPct val="90000"/>
+              </a:lnSpc>
+              <a:spcBef>
+                <a:spcPts val="200"/>
+              </a:spcBef>
+              <a:spcAft>
+                <a:spcPts val="400"/>
+              </a:spcAft>
+              <a:buClr>
+                <a:schemeClr val="accent1"/>
+              </a:buClr>
+              <a:buFont typeface="Calibri" pitchFamily="34" charset="0"/>
+              <a:buChar char="◦"/>
+              <a:defRPr sz="1400" kern="1200">
+                <a:solidFill>
+                  <a:schemeClr val="tx1">
+                    <a:lumMod val="75000"/>
+                    <a:lumOff val="25000"/>
+                  </a:schemeClr>
+                </a:solidFill>
+                <a:latin typeface="+mn-lt"/>
+                <a:ea typeface="+mn-ea"/>
+                <a:cs typeface="+mn-cs"/>
+              </a:defRPr>
+            </a:lvl8pPr>
+            <a:lvl9pPr marL="1700000" indent="-228600" algn="l" defTabSz="914400" rtl="0" eaLnBrk="1" latinLnBrk="0" hangingPunct="1">
+              <a:lnSpc>
+                <a:spcPct val="90000"/>
+              </a:lnSpc>
+              <a:spcBef>
+                <a:spcPts val="200"/>
+              </a:spcBef>
+              <a:spcAft>
+                <a:spcPts val="400"/>
+              </a:spcAft>
+              <a:buClr>
+                <a:schemeClr val="accent1"/>
+              </a:buClr>
+              <a:buFont typeface="Calibri" pitchFamily="34" charset="0"/>
+              <a:buChar char="◦"/>
+              <a:defRPr sz="1400" kern="1200">
+                <a:solidFill>
+                  <a:schemeClr val="tx1">
+                    <a:lumMod val="75000"/>
+                    <a:lumOff val="25000"/>
+                  </a:schemeClr>
+                </a:solidFill>
+                <a:latin typeface="+mn-lt"/>
+                <a:ea typeface="+mn-ea"/>
+                <a:cs typeface="+mn-cs"/>
+              </a:defRPr>
+            </a:lvl9pPr>
+          </a:lstStyle>
+          <a:p>
+            <a:pPr lvl="1">
+              <a:buFont typeface="Arial" charset="0"/>
+              <a:buChar char="•"/>
+            </a:pPr>
+            <a:r>
+              <a:rPr lang="it-IT" sz="2000" dirty="0"/>
               <a:t>Un attore può </a:t>
             </a:r>
             <a:r>
@@ -5001,16 +6833,12 @@
   <p:clrMapOvr>
     <a:masterClrMapping/>
   </p:clrMapOvr>
-  <mc:AlternateContent xmlns:mc="http://schemas.openxmlformats.org/markup-compatibility/2006" xmlns:p14="http://schemas.microsoft.com/office/powerpoint/2010/main">
-    <mc:Choice Requires="p14">
-      <p:transition spd="med" p14:dur="700">
-        <p:fade/>
-      </p:transition>
+  <mc:AlternateContent xmlns:mc="http://schemas.openxmlformats.org/markup-compatibility/2006">
+    <mc:Choice xmlns:p14="http://schemas.microsoft.com/office/powerpoint/2010/main" Requires="p14">
+      <p:transition p14:dur="0"/>
     </mc:Choice>
-    <mc:Fallback xmlns="">
-      <p:transition spd="med">
-        <p:fade/>
-      </p:transition>
+    <mc:Fallback>
+      <p:transition/>
     </mc:Fallback>
   </mc:AlternateContent>
   <p:timing>
@@ -5596,7 +7424,7 @@
 </p:sld>
 </file>
 
-<file path=ppt/slides/slide11.xml><?xml version="1.0" encoding="utf-8"?>
+<file path=ppt/slides/slide12.xml><?xml version="1.0" encoding="utf-8"?>
 <p:sld xmlns:a="http://schemas.openxmlformats.org/drawingml/2006/main" xmlns:r="http://schemas.openxmlformats.org/officeDocument/2006/relationships" xmlns:p="http://schemas.openxmlformats.org/presentationml/2006/main" show="0">
   <p:cSld>
     <p:spTree>
@@ -6385,7 +8213,7 @@
 </p:sld>
 </file>
 
-<file path=ppt/slides/slide12.xml><?xml version="1.0" encoding="utf-8"?>
+<file path=ppt/slides/slide13.xml><?xml version="1.0" encoding="utf-8"?>
 <p:sld xmlns:a="http://schemas.openxmlformats.org/drawingml/2006/main" xmlns:r="http://schemas.openxmlformats.org/officeDocument/2006/relationships" xmlns:p="http://schemas.openxmlformats.org/presentationml/2006/main" show="0">
   <p:cSld>
     <p:spTree>
@@ -7642,7 +9470,7 @@
 </p:sld>
 </file>
 
-<file path=ppt/slides/slide13.xml><?xml version="1.0" encoding="utf-8"?>
+<file path=ppt/slides/slide14.xml><?xml version="1.0" encoding="utf-8"?>
 <p:sld xmlns:a="http://schemas.openxmlformats.org/drawingml/2006/main" xmlns:r="http://schemas.openxmlformats.org/officeDocument/2006/relationships" xmlns:p="http://schemas.openxmlformats.org/presentationml/2006/main" show="0">
   <p:cSld>
     <p:spTree>
@@ -9457,7 +11285,7 @@
 </p:sld>
 </file>
 
-<file path=ppt/slides/slide14.xml><?xml version="1.0" encoding="utf-8"?>
+<file path=ppt/slides/slide15.xml><?xml version="1.0" encoding="utf-8"?>
 <p:sld xmlns:a="http://schemas.openxmlformats.org/drawingml/2006/main" xmlns:r="http://schemas.openxmlformats.org/officeDocument/2006/relationships" xmlns:p="http://schemas.openxmlformats.org/presentationml/2006/main">
   <p:cSld>
     <p:spTree>
@@ -9490,21 +11318,1155 @@
           <a:lstStyle/>
           <a:p>
             <a:r>
-              <a:rPr lang="en-US" dirty="0" err="1"/>
-              <a:t>Motore</a:t>
+              <a:rPr lang="en-US" dirty="0" err="1" smtClean="0"/>
+              <a:t>Valutazione</a:t>
+            </a:r>
+            <a:r>
+              <a:rPr lang="en-US" dirty="0" smtClean="0"/>
+              <a:t> </a:t>
             </a:r>
             <a:r>
               <a:rPr lang="en-US" dirty="0"/>
-              <a:t> di </a:t>
-            </a:r>
-            <a:r>
-              <a:rPr lang="en-US" dirty="0" err="1"/>
+              <a:t>(</a:t>
+            </a:r>
+            <a:r>
+              <a:rPr lang="en-US" dirty="0" smtClean="0"/>
+              <a:t>I)</a:t>
+            </a:r>
+            <a:endParaRPr lang="en-US" dirty="0"/>
+          </a:p>
+        </p:txBody>
+      </p:sp>
+      <p:sp>
+        <p:nvSpPr>
+          <p:cNvPr id="4" name="Content Placeholder 2"/>
+          <p:cNvSpPr txBox="1">
+            <a:spLocks/>
+          </p:cNvSpPr>
+          <p:nvPr/>
+        </p:nvSpPr>
+        <p:spPr>
+          <a:xfrm>
+            <a:off x="822959" y="1845734"/>
+            <a:ext cx="7543801" cy="1617192"/>
+          </a:xfrm>
+          <a:prstGeom prst="rect">
+            <a:avLst/>
+          </a:prstGeom>
+        </p:spPr>
+        <p:txBody>
+          <a:bodyPr>
+            <a:normAutofit/>
+          </a:bodyPr>
+          <a:lstStyle>
+            <a:lvl1pPr marL="91440" indent="-91440" algn="l" defTabSz="914400" rtl="0" eaLnBrk="1" latinLnBrk="0" hangingPunct="1">
+              <a:lnSpc>
+                <a:spcPct val="90000"/>
+              </a:lnSpc>
+              <a:spcBef>
+                <a:spcPts val="1200"/>
+              </a:spcBef>
+              <a:spcAft>
+                <a:spcPts val="200"/>
+              </a:spcAft>
+              <a:buClr>
+                <a:schemeClr val="accent1"/>
+              </a:buClr>
+              <a:buSzPct val="100000"/>
+              <a:buFont typeface="Calibri" panose="020F0502020204030204" pitchFamily="34" charset="0"/>
+              <a:buChar char=" "/>
+              <a:defRPr sz="2000" kern="1200">
+                <a:solidFill>
+                  <a:schemeClr val="tx1">
+                    <a:lumMod val="75000"/>
+                    <a:lumOff val="25000"/>
+                  </a:schemeClr>
+                </a:solidFill>
+                <a:latin typeface="+mn-lt"/>
+                <a:ea typeface="+mn-ea"/>
+                <a:cs typeface="+mn-cs"/>
+              </a:defRPr>
+            </a:lvl1pPr>
+            <a:lvl2pPr marL="384048" indent="-182880" algn="l" defTabSz="914400" rtl="0" eaLnBrk="1" latinLnBrk="0" hangingPunct="1">
+              <a:lnSpc>
+                <a:spcPct val="90000"/>
+              </a:lnSpc>
+              <a:spcBef>
+                <a:spcPts val="200"/>
+              </a:spcBef>
+              <a:spcAft>
+                <a:spcPts val="400"/>
+              </a:spcAft>
+              <a:buClr>
+                <a:schemeClr val="accent1"/>
+              </a:buClr>
+              <a:buFont typeface="Calibri" pitchFamily="34" charset="0"/>
+              <a:buChar char="◦"/>
+              <a:defRPr sz="1800" kern="1200">
+                <a:solidFill>
+                  <a:schemeClr val="tx1">
+                    <a:lumMod val="75000"/>
+                    <a:lumOff val="25000"/>
+                  </a:schemeClr>
+                </a:solidFill>
+                <a:latin typeface="+mn-lt"/>
+                <a:ea typeface="+mn-ea"/>
+                <a:cs typeface="+mn-cs"/>
+              </a:defRPr>
+            </a:lvl2pPr>
+            <a:lvl3pPr marL="566928" indent="-182880" algn="l" defTabSz="914400" rtl="0" eaLnBrk="1" latinLnBrk="0" hangingPunct="1">
+              <a:lnSpc>
+                <a:spcPct val="90000"/>
+              </a:lnSpc>
+              <a:spcBef>
+                <a:spcPts val="200"/>
+              </a:spcBef>
+              <a:spcAft>
+                <a:spcPts val="400"/>
+              </a:spcAft>
+              <a:buClr>
+                <a:schemeClr val="accent1"/>
+              </a:buClr>
+              <a:buFont typeface="Calibri" pitchFamily="34" charset="0"/>
+              <a:buChar char="◦"/>
+              <a:defRPr sz="1400" kern="1200">
+                <a:solidFill>
+                  <a:schemeClr val="tx1">
+                    <a:lumMod val="75000"/>
+                    <a:lumOff val="25000"/>
+                  </a:schemeClr>
+                </a:solidFill>
+                <a:latin typeface="+mn-lt"/>
+                <a:ea typeface="+mn-ea"/>
+                <a:cs typeface="+mn-cs"/>
+              </a:defRPr>
+            </a:lvl3pPr>
+            <a:lvl4pPr marL="749808" indent="-182880" algn="l" defTabSz="914400" rtl="0" eaLnBrk="1" latinLnBrk="0" hangingPunct="1">
+              <a:lnSpc>
+                <a:spcPct val="90000"/>
+              </a:lnSpc>
+              <a:spcBef>
+                <a:spcPts val="200"/>
+              </a:spcBef>
+              <a:spcAft>
+                <a:spcPts val="400"/>
+              </a:spcAft>
+              <a:buClr>
+                <a:schemeClr val="accent1"/>
+              </a:buClr>
+              <a:buFont typeface="Calibri" pitchFamily="34" charset="0"/>
+              <a:buChar char="◦"/>
+              <a:defRPr sz="1400" kern="1200">
+                <a:solidFill>
+                  <a:schemeClr val="tx1">
+                    <a:lumMod val="75000"/>
+                    <a:lumOff val="25000"/>
+                  </a:schemeClr>
+                </a:solidFill>
+                <a:latin typeface="+mn-lt"/>
+                <a:ea typeface="+mn-ea"/>
+                <a:cs typeface="+mn-cs"/>
+              </a:defRPr>
+            </a:lvl4pPr>
+            <a:lvl5pPr marL="932688" indent="-182880" algn="l" defTabSz="914400" rtl="0" eaLnBrk="1" latinLnBrk="0" hangingPunct="1">
+              <a:lnSpc>
+                <a:spcPct val="90000"/>
+              </a:lnSpc>
+              <a:spcBef>
+                <a:spcPts val="200"/>
+              </a:spcBef>
+              <a:spcAft>
+                <a:spcPts val="400"/>
+              </a:spcAft>
+              <a:buClr>
+                <a:schemeClr val="accent1"/>
+              </a:buClr>
+              <a:buFont typeface="Calibri" pitchFamily="34" charset="0"/>
+              <a:buChar char="◦"/>
+              <a:defRPr sz="1400" kern="1200">
+                <a:solidFill>
+                  <a:schemeClr val="tx1">
+                    <a:lumMod val="75000"/>
+                    <a:lumOff val="25000"/>
+                  </a:schemeClr>
+                </a:solidFill>
+                <a:latin typeface="+mn-lt"/>
+                <a:ea typeface="+mn-ea"/>
+                <a:cs typeface="+mn-cs"/>
+              </a:defRPr>
+            </a:lvl5pPr>
+            <a:lvl6pPr marL="1100000" indent="-228600" algn="l" defTabSz="914400" rtl="0" eaLnBrk="1" latinLnBrk="0" hangingPunct="1">
+              <a:lnSpc>
+                <a:spcPct val="90000"/>
+              </a:lnSpc>
+              <a:spcBef>
+                <a:spcPts val="200"/>
+              </a:spcBef>
+              <a:spcAft>
+                <a:spcPts val="400"/>
+              </a:spcAft>
+              <a:buClr>
+                <a:schemeClr val="accent1"/>
+              </a:buClr>
+              <a:buFont typeface="Calibri" pitchFamily="34" charset="0"/>
+              <a:buChar char="◦"/>
+              <a:defRPr sz="1400" kern="1200">
+                <a:solidFill>
+                  <a:schemeClr val="tx1">
+                    <a:lumMod val="75000"/>
+                    <a:lumOff val="25000"/>
+                  </a:schemeClr>
+                </a:solidFill>
+                <a:latin typeface="+mn-lt"/>
+                <a:ea typeface="+mn-ea"/>
+                <a:cs typeface="+mn-cs"/>
+              </a:defRPr>
+            </a:lvl6pPr>
+            <a:lvl7pPr marL="1300000" indent="-228600" algn="l" defTabSz="914400" rtl="0" eaLnBrk="1" latinLnBrk="0" hangingPunct="1">
+              <a:lnSpc>
+                <a:spcPct val="90000"/>
+              </a:lnSpc>
+              <a:spcBef>
+                <a:spcPts val="200"/>
+              </a:spcBef>
+              <a:spcAft>
+                <a:spcPts val="400"/>
+              </a:spcAft>
+              <a:buClr>
+                <a:schemeClr val="accent1"/>
+              </a:buClr>
+              <a:buFont typeface="Calibri" pitchFamily="34" charset="0"/>
+              <a:buChar char="◦"/>
+              <a:defRPr sz="1400" kern="1200">
+                <a:solidFill>
+                  <a:schemeClr val="tx1">
+                    <a:lumMod val="75000"/>
+                    <a:lumOff val="25000"/>
+                  </a:schemeClr>
+                </a:solidFill>
+                <a:latin typeface="+mn-lt"/>
+                <a:ea typeface="+mn-ea"/>
+                <a:cs typeface="+mn-cs"/>
+              </a:defRPr>
+            </a:lvl7pPr>
+            <a:lvl8pPr marL="1500000" indent="-228600" algn="l" defTabSz="914400" rtl="0" eaLnBrk="1" latinLnBrk="0" hangingPunct="1">
+              <a:lnSpc>
+                <a:spcPct val="90000"/>
+              </a:lnSpc>
+              <a:spcBef>
+                <a:spcPts val="200"/>
+              </a:spcBef>
+              <a:spcAft>
+                <a:spcPts val="400"/>
+              </a:spcAft>
+              <a:buClr>
+                <a:schemeClr val="accent1"/>
+              </a:buClr>
+              <a:buFont typeface="Calibri" pitchFamily="34" charset="0"/>
+              <a:buChar char="◦"/>
+              <a:defRPr sz="1400" kern="1200">
+                <a:solidFill>
+                  <a:schemeClr val="tx1">
+                    <a:lumMod val="75000"/>
+                    <a:lumOff val="25000"/>
+                  </a:schemeClr>
+                </a:solidFill>
+                <a:latin typeface="+mn-lt"/>
+                <a:ea typeface="+mn-ea"/>
+                <a:cs typeface="+mn-cs"/>
+              </a:defRPr>
+            </a:lvl8pPr>
+            <a:lvl9pPr marL="1700000" indent="-228600" algn="l" defTabSz="914400" rtl="0" eaLnBrk="1" latinLnBrk="0" hangingPunct="1">
+              <a:lnSpc>
+                <a:spcPct val="90000"/>
+              </a:lnSpc>
+              <a:spcBef>
+                <a:spcPts val="200"/>
+              </a:spcBef>
+              <a:spcAft>
+                <a:spcPts val="400"/>
+              </a:spcAft>
+              <a:buClr>
+                <a:schemeClr val="accent1"/>
+              </a:buClr>
+              <a:buFont typeface="Calibri" pitchFamily="34" charset="0"/>
+              <a:buChar char="◦"/>
+              <a:defRPr sz="1400" kern="1200">
+                <a:solidFill>
+                  <a:schemeClr val="tx1">
+                    <a:lumMod val="75000"/>
+                    <a:lumOff val="25000"/>
+                  </a:schemeClr>
+                </a:solidFill>
+                <a:latin typeface="+mn-lt"/>
+                <a:ea typeface="+mn-ea"/>
+                <a:cs typeface="+mn-cs"/>
+              </a:defRPr>
+            </a:lvl9pPr>
+          </a:lstStyle>
+          <a:p>
+            <a:pPr lvl="1">
+              <a:buFont typeface="Arial" charset="0"/>
+              <a:buChar char="•"/>
+            </a:pPr>
+            <a:r>
+              <a:rPr lang="it-IT" sz="2000" dirty="0" smtClean="0"/>
+              <a:t>In Play Mode, sotto determinate condizioni (es. cappello), viene generato un</a:t>
+            </a:r>
+            <a:r>
+              <a:rPr lang="it-IT" sz="2000" dirty="0" smtClean="0"/>
+              <a:t> </a:t>
+            </a:r>
+            <a:r>
+              <a:rPr lang="it-IT" sz="2000" b="1" dirty="0"/>
+              <a:t>flusso di </a:t>
+            </a:r>
+            <a:r>
+              <a:rPr lang="it-IT" sz="2000" b="1" dirty="0" smtClean="0"/>
+              <a:t>esecuzione</a:t>
+            </a:r>
+            <a:r>
+              <a:rPr lang="it-IT" sz="2000" dirty="0" smtClean="0"/>
+              <a:t>, </a:t>
+            </a:r>
+            <a:r>
+              <a:rPr lang="it-IT" sz="2000" dirty="0" smtClean="0"/>
+              <a:t>che </a:t>
+            </a:r>
+            <a:r>
+              <a:rPr lang="it-IT" sz="2000" dirty="0" smtClean="0"/>
+              <a:t>contiene </a:t>
+            </a:r>
+            <a:r>
+              <a:rPr lang="it-IT" sz="2000" dirty="0"/>
+              <a:t>un puntatore al blocco corrente.</a:t>
+            </a:r>
+          </a:p>
+          <a:p>
+            <a:pPr lvl="1">
+              <a:buFont typeface="Arial" charset="0"/>
+              <a:buChar char="•"/>
+            </a:pPr>
+            <a:r>
+              <a:rPr lang="it-IT" sz="2000" dirty="0"/>
+              <a:t>Il blocco contiene nella sua classe la logica per la </a:t>
+            </a:r>
+            <a:r>
+              <a:rPr lang="it-IT" sz="2000" b="1" dirty="0"/>
+              <a:t>valutazione</a:t>
+            </a:r>
+            <a:r>
+              <a:rPr lang="it-IT" sz="2000" dirty="0"/>
+              <a:t> e per </a:t>
+            </a:r>
+            <a:r>
+              <a:rPr lang="it-IT" sz="2000" b="1" dirty="0"/>
+              <a:t>l’aggiornamento</a:t>
+            </a:r>
+            <a:r>
+              <a:rPr lang="it-IT" sz="2000" dirty="0"/>
+              <a:t> del flusso con il blocco successivo.</a:t>
+            </a:r>
+            <a:endParaRPr lang="it-IT" sz="1600" dirty="0"/>
+          </a:p>
+        </p:txBody>
+      </p:sp>
+      <p:pic>
+        <p:nvPicPr>
+          <p:cNvPr id="12" name="Picture 11"/>
+          <p:cNvPicPr>
+            <a:picLocks noChangeAspect="1"/>
+          </p:cNvPicPr>
+          <p:nvPr/>
+        </p:nvPicPr>
+        <p:blipFill>
+          <a:blip r:embed="rId2">
+            <a:extLst>
+              <a:ext uri="{28A0092B-C50C-407E-A947-70E740481C1C}">
+                <a14:useLocalDpi xmlns:a14="http://schemas.microsoft.com/office/drawing/2010/main" val="0"/>
+              </a:ext>
+            </a:extLst>
+          </a:blip>
+          <a:stretch>
+            <a:fillRect/>
+          </a:stretch>
+        </p:blipFill>
+        <p:spPr>
+          <a:xfrm>
+            <a:off x="2268721" y="3946285"/>
+            <a:ext cx="1619850" cy="1260047"/>
+          </a:xfrm>
+          <a:prstGeom prst="rect">
+            <a:avLst/>
+          </a:prstGeom>
+        </p:spPr>
+      </p:pic>
+      <p:pic>
+        <p:nvPicPr>
+          <p:cNvPr id="17" name="Picture 16"/>
+          <p:cNvPicPr>
+            <a:picLocks noChangeAspect="1"/>
+          </p:cNvPicPr>
+          <p:nvPr/>
+        </p:nvPicPr>
+        <p:blipFill rotWithShape="1">
+          <a:blip r:embed="rId3">
+            <a:extLst>
+              <a:ext uri="{28A0092B-C50C-407E-A947-70E740481C1C}">
+                <a14:useLocalDpi xmlns:a14="http://schemas.microsoft.com/office/drawing/2010/main" val="0"/>
+              </a:ext>
+            </a:extLst>
+          </a:blip>
+          <a:srcRect r="10087"/>
+          <a:stretch/>
+        </p:blipFill>
+        <p:spPr>
+          <a:xfrm>
+            <a:off x="5083880" y="4429166"/>
+            <a:ext cx="1533549" cy="378155"/>
+          </a:xfrm>
+          <a:prstGeom prst="rect">
+            <a:avLst/>
+          </a:prstGeom>
+        </p:spPr>
+      </p:pic>
+      <p:pic>
+        <p:nvPicPr>
+          <p:cNvPr id="21" name="Picture 20"/>
+          <p:cNvPicPr>
+            <a:picLocks noChangeAspect="1"/>
+          </p:cNvPicPr>
+          <p:nvPr/>
+        </p:nvPicPr>
+        <p:blipFill>
+          <a:blip r:embed="rId4">
+            <a:extLst>
+              <a:ext uri="{28A0092B-C50C-407E-A947-70E740481C1C}">
+                <a14:useLocalDpi xmlns:a14="http://schemas.microsoft.com/office/drawing/2010/main" val="0"/>
+              </a:ext>
+            </a:extLst>
+          </a:blip>
+          <a:stretch>
+            <a:fillRect/>
+          </a:stretch>
+        </p:blipFill>
+        <p:spPr>
+          <a:xfrm>
+            <a:off x="5083880" y="3690679"/>
+            <a:ext cx="1059042" cy="528954"/>
+          </a:xfrm>
+          <a:prstGeom prst="rect">
+            <a:avLst/>
+          </a:prstGeom>
+        </p:spPr>
+      </p:pic>
+      <p:pic>
+        <p:nvPicPr>
+          <p:cNvPr id="22" name="Picture 21"/>
+          <p:cNvPicPr>
+            <a:picLocks noChangeAspect="1"/>
+          </p:cNvPicPr>
+          <p:nvPr/>
+        </p:nvPicPr>
+        <p:blipFill rotWithShape="1">
+          <a:blip r:embed="rId3">
+            <a:extLst>
+              <a:ext uri="{28A0092B-C50C-407E-A947-70E740481C1C}">
+                <a14:useLocalDpi xmlns:a14="http://schemas.microsoft.com/office/drawing/2010/main" val="0"/>
+              </a:ext>
+            </a:extLst>
+          </a:blip>
+          <a:srcRect r="10087"/>
+          <a:stretch/>
+        </p:blipFill>
+        <p:spPr>
+          <a:xfrm>
+            <a:off x="5083879" y="4075001"/>
+            <a:ext cx="1533549" cy="378155"/>
+          </a:xfrm>
+          <a:prstGeom prst="rect">
+            <a:avLst/>
+          </a:prstGeom>
+        </p:spPr>
+      </p:pic>
+      <p:pic>
+        <p:nvPicPr>
+          <p:cNvPr id="23" name="Picture 22"/>
+          <p:cNvPicPr>
+            <a:picLocks noChangeAspect="1"/>
+          </p:cNvPicPr>
+          <p:nvPr/>
+        </p:nvPicPr>
+        <p:blipFill rotWithShape="1">
+          <a:blip r:embed="rId3">
+            <a:extLst>
+              <a:ext uri="{28A0092B-C50C-407E-A947-70E740481C1C}">
+                <a14:useLocalDpi xmlns:a14="http://schemas.microsoft.com/office/drawing/2010/main" val="0"/>
+              </a:ext>
+            </a:extLst>
+          </a:blip>
+          <a:srcRect r="10087"/>
+          <a:stretch/>
+        </p:blipFill>
+        <p:spPr>
+          <a:xfrm>
+            <a:off x="5083878" y="4768980"/>
+            <a:ext cx="1533549" cy="378155"/>
+          </a:xfrm>
+          <a:prstGeom prst="rect">
+            <a:avLst/>
+          </a:prstGeom>
+        </p:spPr>
+      </p:pic>
+      <p:pic>
+        <p:nvPicPr>
+          <p:cNvPr id="24" name="Picture 23"/>
+          <p:cNvPicPr>
+            <a:picLocks noChangeAspect="1"/>
+          </p:cNvPicPr>
+          <p:nvPr/>
+        </p:nvPicPr>
+        <p:blipFill rotWithShape="1">
+          <a:blip r:embed="rId3">
+            <a:extLst>
+              <a:ext uri="{28A0092B-C50C-407E-A947-70E740481C1C}">
+                <a14:useLocalDpi xmlns:a14="http://schemas.microsoft.com/office/drawing/2010/main" val="0"/>
+              </a:ext>
+            </a:extLst>
+          </a:blip>
+          <a:srcRect r="10087"/>
+          <a:stretch/>
+        </p:blipFill>
+        <p:spPr>
+          <a:xfrm>
+            <a:off x="5083877" y="4989927"/>
+            <a:ext cx="1533549" cy="378155"/>
+          </a:xfrm>
+          <a:prstGeom prst="rect">
+            <a:avLst/>
+          </a:prstGeom>
+        </p:spPr>
+      </p:pic>
+      <p:pic>
+        <p:nvPicPr>
+          <p:cNvPr id="25" name="Picture 24"/>
+          <p:cNvPicPr>
+            <a:picLocks noChangeAspect="1"/>
+          </p:cNvPicPr>
+          <p:nvPr/>
+        </p:nvPicPr>
+        <p:blipFill rotWithShape="1">
+          <a:blip r:embed="rId3">
+            <a:extLst>
+              <a:ext uri="{28A0092B-C50C-407E-A947-70E740481C1C}">
+                <a14:useLocalDpi xmlns:a14="http://schemas.microsoft.com/office/drawing/2010/main" val="0"/>
+              </a:ext>
+            </a:extLst>
+          </a:blip>
+          <a:srcRect r="10087"/>
+          <a:stretch/>
+        </p:blipFill>
+        <p:spPr>
+          <a:xfrm>
+            <a:off x="5083876" y="5204282"/>
+            <a:ext cx="1533549" cy="378155"/>
+          </a:xfrm>
+          <a:prstGeom prst="rect">
+            <a:avLst/>
+          </a:prstGeom>
+        </p:spPr>
+      </p:pic>
+      <p:sp>
+        <p:nvSpPr>
+          <p:cNvPr id="7" name="Right Arrow 6"/>
+          <p:cNvSpPr/>
+          <p:nvPr/>
+        </p:nvSpPr>
+        <p:spPr>
+          <a:xfrm>
+            <a:off x="3797132" y="4356022"/>
+            <a:ext cx="1183874" cy="440575"/>
+          </a:xfrm>
+          <a:prstGeom prst="rightArrow">
+            <a:avLst>
+              <a:gd name="adj1" fmla="val 50000"/>
+              <a:gd name="adj2" fmla="val 84530"/>
+            </a:avLst>
+          </a:prstGeom>
+          <a:pattFill prst="pct90">
+            <a:fgClr>
+              <a:schemeClr val="tx1"/>
+            </a:fgClr>
+            <a:bgClr>
+              <a:schemeClr val="bg1"/>
+            </a:bgClr>
+          </a:pattFill>
+          <a:ln>
+            <a:noFill/>
+          </a:ln>
+        </p:spPr>
+        <p:style>
+          <a:lnRef idx="2">
+            <a:schemeClr val="accent1">
+              <a:shade val="50000"/>
+            </a:schemeClr>
+          </a:lnRef>
+          <a:fillRef idx="1">
+            <a:schemeClr val="accent1"/>
+          </a:fillRef>
+          <a:effectRef idx="0">
+            <a:schemeClr val="accent1"/>
+          </a:effectRef>
+          <a:fontRef idx="minor">
+            <a:schemeClr val="lt1"/>
+          </a:fontRef>
+        </p:style>
+        <p:txBody>
+          <a:bodyPr rtlCol="0" anchor="ctr"/>
+          <a:lstStyle/>
+          <a:p>
+            <a:pPr algn="ctr"/>
+            <a:endParaRPr lang="it-IT"/>
+          </a:p>
+        </p:txBody>
+      </p:sp>
+    </p:spTree>
+    <p:extLst>
+      <p:ext uri="{BB962C8B-B14F-4D97-AF65-F5344CB8AC3E}">
+        <p14:creationId xmlns:p14="http://schemas.microsoft.com/office/powerpoint/2010/main" val="543436550"/>
+      </p:ext>
+    </p:extLst>
+  </p:cSld>
+  <p:clrMapOvr>
+    <a:masterClrMapping/>
+  </p:clrMapOvr>
+  <mc:AlternateContent xmlns:mc="http://schemas.openxmlformats.org/markup-compatibility/2006">
+    <mc:Choice xmlns:p14="http://schemas.microsoft.com/office/powerpoint/2010/main" Requires="p14">
+      <p:transition p14:dur="0"/>
+    </mc:Choice>
+    <mc:Fallback>
+      <p:transition/>
+    </mc:Fallback>
+  </mc:AlternateContent>
+  <p:timing>
+    <p:tnLst>
+      <p:par>
+        <p:cTn id="1" dur="indefinite" restart="never" nodeType="tmRoot">
+          <p:childTnLst>
+            <p:seq concurrent="1" nextAc="seek">
+              <p:cTn id="2" dur="indefinite" nodeType="mainSeq">
+                <p:childTnLst>
+                  <p:par>
+                    <p:cTn id="3" fill="hold">
+                      <p:stCondLst>
+                        <p:cond delay="indefinite"/>
+                      </p:stCondLst>
+                      <p:childTnLst>
+                        <p:par>
+                          <p:cTn id="4" fill="hold">
+                            <p:stCondLst>
+                              <p:cond delay="0"/>
+                            </p:stCondLst>
+                            <p:childTnLst>
+                              <p:par>
+                                <p:cTn id="5" presetID="10" presetClass="entr" presetSubtype="0" fill="hold" nodeType="clickEffect">
+                                  <p:stCondLst>
+                                    <p:cond delay="0"/>
+                                  </p:stCondLst>
+                                  <p:childTnLst>
+                                    <p:set>
+                                      <p:cBhvr>
+                                        <p:cTn id="6" dur="1" fill="hold">
+                                          <p:stCondLst>
+                                            <p:cond delay="0"/>
+                                          </p:stCondLst>
+                                        </p:cTn>
+                                        <p:tgtEl>
+                                          <p:spTgt spid="4">
+                                            <p:txEl>
+                                              <p:pRg st="0" end="0"/>
+                                            </p:txEl>
+                                          </p:spTgt>
+                                        </p:tgtEl>
+                                        <p:attrNameLst>
+                                          <p:attrName>style.visibility</p:attrName>
+                                        </p:attrNameLst>
+                                      </p:cBhvr>
+                                      <p:to>
+                                        <p:strVal val="visible"/>
+                                      </p:to>
+                                    </p:set>
+                                    <p:animEffect transition="in" filter="fade">
+                                      <p:cBhvr>
+                                        <p:cTn id="7" dur="500"/>
+                                        <p:tgtEl>
+                                          <p:spTgt spid="4">
+                                            <p:txEl>
+                                              <p:pRg st="0" end="0"/>
+                                            </p:txEl>
+                                          </p:spTgt>
+                                        </p:tgtEl>
+                                      </p:cBhvr>
+                                    </p:animEffect>
+                                  </p:childTnLst>
+                                </p:cTn>
+                              </p:par>
+                            </p:childTnLst>
+                          </p:cTn>
+                        </p:par>
+                        <p:par>
+                          <p:cTn id="8" fill="hold">
+                            <p:stCondLst>
+                              <p:cond delay="500"/>
+                            </p:stCondLst>
+                            <p:childTnLst>
+                              <p:par>
+                                <p:cTn id="9" presetID="10" presetClass="entr" presetSubtype="0" fill="hold" nodeType="afterEffect">
+                                  <p:stCondLst>
+                                    <p:cond delay="0"/>
+                                  </p:stCondLst>
+                                  <p:childTnLst>
+                                    <p:set>
+                                      <p:cBhvr>
+                                        <p:cTn id="10" dur="1" fill="hold">
+                                          <p:stCondLst>
+                                            <p:cond delay="0"/>
+                                          </p:stCondLst>
+                                        </p:cTn>
+                                        <p:tgtEl>
+                                          <p:spTgt spid="12"/>
+                                        </p:tgtEl>
+                                        <p:attrNameLst>
+                                          <p:attrName>style.visibility</p:attrName>
+                                        </p:attrNameLst>
+                                      </p:cBhvr>
+                                      <p:to>
+                                        <p:strVal val="visible"/>
+                                      </p:to>
+                                    </p:set>
+                                    <p:animEffect transition="in" filter="fade">
+                                      <p:cBhvr>
+                                        <p:cTn id="11" dur="500"/>
+                                        <p:tgtEl>
+                                          <p:spTgt spid="12"/>
+                                        </p:tgtEl>
+                                      </p:cBhvr>
+                                    </p:animEffect>
+                                  </p:childTnLst>
+                                </p:cTn>
+                              </p:par>
+                            </p:childTnLst>
+                          </p:cTn>
+                        </p:par>
+                      </p:childTnLst>
+                    </p:cTn>
+                  </p:par>
+                  <p:par>
+                    <p:cTn id="12" fill="hold">
+                      <p:stCondLst>
+                        <p:cond delay="indefinite"/>
+                      </p:stCondLst>
+                      <p:childTnLst>
+                        <p:par>
+                          <p:cTn id="13" fill="hold">
+                            <p:stCondLst>
+                              <p:cond delay="0"/>
+                            </p:stCondLst>
+                            <p:childTnLst>
+                              <p:par>
+                                <p:cTn id="14" presetID="10" presetClass="entr" presetSubtype="0" fill="hold" grpId="0" nodeType="clickEffect">
+                                  <p:stCondLst>
+                                    <p:cond delay="0"/>
+                                  </p:stCondLst>
+                                  <p:childTnLst>
+                                    <p:set>
+                                      <p:cBhvr>
+                                        <p:cTn id="15" dur="1" fill="hold">
+                                          <p:stCondLst>
+                                            <p:cond delay="0"/>
+                                          </p:stCondLst>
+                                        </p:cTn>
+                                        <p:tgtEl>
+                                          <p:spTgt spid="7"/>
+                                        </p:tgtEl>
+                                        <p:attrNameLst>
+                                          <p:attrName>style.visibility</p:attrName>
+                                        </p:attrNameLst>
+                                      </p:cBhvr>
+                                      <p:to>
+                                        <p:strVal val="visible"/>
+                                      </p:to>
+                                    </p:set>
+                                    <p:animEffect transition="in" filter="fade">
+                                      <p:cBhvr>
+                                        <p:cTn id="16" dur="500"/>
+                                        <p:tgtEl>
+                                          <p:spTgt spid="7"/>
+                                        </p:tgtEl>
+                                      </p:cBhvr>
+                                    </p:animEffect>
+                                  </p:childTnLst>
+                                </p:cTn>
+                              </p:par>
+                            </p:childTnLst>
+                          </p:cTn>
+                        </p:par>
+                        <p:par>
+                          <p:cTn id="17" fill="hold">
+                            <p:stCondLst>
+                              <p:cond delay="500"/>
+                            </p:stCondLst>
+                            <p:childTnLst>
+                              <p:par>
+                                <p:cTn id="18" presetID="10" presetClass="entr" presetSubtype="0" fill="hold" nodeType="afterEffect">
+                                  <p:stCondLst>
+                                    <p:cond delay="0"/>
+                                  </p:stCondLst>
+                                  <p:childTnLst>
+                                    <p:set>
+                                      <p:cBhvr>
+                                        <p:cTn id="19" dur="1" fill="hold">
+                                          <p:stCondLst>
+                                            <p:cond delay="0"/>
+                                          </p:stCondLst>
+                                        </p:cTn>
+                                        <p:tgtEl>
+                                          <p:spTgt spid="17"/>
+                                        </p:tgtEl>
+                                        <p:attrNameLst>
+                                          <p:attrName>style.visibility</p:attrName>
+                                        </p:attrNameLst>
+                                      </p:cBhvr>
+                                      <p:to>
+                                        <p:strVal val="visible"/>
+                                      </p:to>
+                                    </p:set>
+                                    <p:animEffect transition="in" filter="fade">
+                                      <p:cBhvr>
+                                        <p:cTn id="20" dur="500"/>
+                                        <p:tgtEl>
+                                          <p:spTgt spid="17"/>
+                                        </p:tgtEl>
+                                      </p:cBhvr>
+                                    </p:animEffect>
+                                  </p:childTnLst>
+                                </p:cTn>
+                              </p:par>
+                              <p:par>
+                                <p:cTn id="21" presetID="10" presetClass="entr" presetSubtype="0" fill="hold" nodeType="withEffect">
+                                  <p:stCondLst>
+                                    <p:cond delay="0"/>
+                                  </p:stCondLst>
+                                  <p:childTnLst>
+                                    <p:set>
+                                      <p:cBhvr>
+                                        <p:cTn id="22" dur="1" fill="hold">
+                                          <p:stCondLst>
+                                            <p:cond delay="0"/>
+                                          </p:stCondLst>
+                                        </p:cTn>
+                                        <p:tgtEl>
+                                          <p:spTgt spid="21"/>
+                                        </p:tgtEl>
+                                        <p:attrNameLst>
+                                          <p:attrName>style.visibility</p:attrName>
+                                        </p:attrNameLst>
+                                      </p:cBhvr>
+                                      <p:to>
+                                        <p:strVal val="visible"/>
+                                      </p:to>
+                                    </p:set>
+                                    <p:animEffect transition="in" filter="fade">
+                                      <p:cBhvr>
+                                        <p:cTn id="23" dur="500"/>
+                                        <p:tgtEl>
+                                          <p:spTgt spid="21"/>
+                                        </p:tgtEl>
+                                      </p:cBhvr>
+                                    </p:animEffect>
+                                  </p:childTnLst>
+                                </p:cTn>
+                              </p:par>
+                              <p:par>
+                                <p:cTn id="24" presetID="10" presetClass="entr" presetSubtype="0" fill="hold" nodeType="withEffect">
+                                  <p:stCondLst>
+                                    <p:cond delay="0"/>
+                                  </p:stCondLst>
+                                  <p:childTnLst>
+                                    <p:set>
+                                      <p:cBhvr>
+                                        <p:cTn id="25" dur="1" fill="hold">
+                                          <p:stCondLst>
+                                            <p:cond delay="0"/>
+                                          </p:stCondLst>
+                                        </p:cTn>
+                                        <p:tgtEl>
+                                          <p:spTgt spid="22"/>
+                                        </p:tgtEl>
+                                        <p:attrNameLst>
+                                          <p:attrName>style.visibility</p:attrName>
+                                        </p:attrNameLst>
+                                      </p:cBhvr>
+                                      <p:to>
+                                        <p:strVal val="visible"/>
+                                      </p:to>
+                                    </p:set>
+                                    <p:animEffect transition="in" filter="fade">
+                                      <p:cBhvr>
+                                        <p:cTn id="26" dur="500"/>
+                                        <p:tgtEl>
+                                          <p:spTgt spid="22"/>
+                                        </p:tgtEl>
+                                      </p:cBhvr>
+                                    </p:animEffect>
+                                  </p:childTnLst>
+                                </p:cTn>
+                              </p:par>
+                              <p:par>
+                                <p:cTn id="27" presetID="10" presetClass="entr" presetSubtype="0" fill="hold" nodeType="withEffect">
+                                  <p:stCondLst>
+                                    <p:cond delay="0"/>
+                                  </p:stCondLst>
+                                  <p:childTnLst>
+                                    <p:set>
+                                      <p:cBhvr>
+                                        <p:cTn id="28" dur="1" fill="hold">
+                                          <p:stCondLst>
+                                            <p:cond delay="0"/>
+                                          </p:stCondLst>
+                                        </p:cTn>
+                                        <p:tgtEl>
+                                          <p:spTgt spid="23"/>
+                                        </p:tgtEl>
+                                        <p:attrNameLst>
+                                          <p:attrName>style.visibility</p:attrName>
+                                        </p:attrNameLst>
+                                      </p:cBhvr>
+                                      <p:to>
+                                        <p:strVal val="visible"/>
+                                      </p:to>
+                                    </p:set>
+                                    <p:animEffect transition="in" filter="fade">
+                                      <p:cBhvr>
+                                        <p:cTn id="29" dur="500"/>
+                                        <p:tgtEl>
+                                          <p:spTgt spid="23"/>
+                                        </p:tgtEl>
+                                      </p:cBhvr>
+                                    </p:animEffect>
+                                  </p:childTnLst>
+                                </p:cTn>
+                              </p:par>
+                              <p:par>
+                                <p:cTn id="30" presetID="10" presetClass="entr" presetSubtype="0" fill="hold" nodeType="withEffect">
+                                  <p:stCondLst>
+                                    <p:cond delay="0"/>
+                                  </p:stCondLst>
+                                  <p:childTnLst>
+                                    <p:set>
+                                      <p:cBhvr>
+                                        <p:cTn id="31" dur="1" fill="hold">
+                                          <p:stCondLst>
+                                            <p:cond delay="0"/>
+                                          </p:stCondLst>
+                                        </p:cTn>
+                                        <p:tgtEl>
+                                          <p:spTgt spid="24"/>
+                                        </p:tgtEl>
+                                        <p:attrNameLst>
+                                          <p:attrName>style.visibility</p:attrName>
+                                        </p:attrNameLst>
+                                      </p:cBhvr>
+                                      <p:to>
+                                        <p:strVal val="visible"/>
+                                      </p:to>
+                                    </p:set>
+                                    <p:animEffect transition="in" filter="fade">
+                                      <p:cBhvr>
+                                        <p:cTn id="32" dur="500"/>
+                                        <p:tgtEl>
+                                          <p:spTgt spid="24"/>
+                                        </p:tgtEl>
+                                      </p:cBhvr>
+                                    </p:animEffect>
+                                  </p:childTnLst>
+                                </p:cTn>
+                              </p:par>
+                              <p:par>
+                                <p:cTn id="33" presetID="10" presetClass="entr" presetSubtype="0" fill="hold" nodeType="withEffect">
+                                  <p:stCondLst>
+                                    <p:cond delay="0"/>
+                                  </p:stCondLst>
+                                  <p:childTnLst>
+                                    <p:set>
+                                      <p:cBhvr>
+                                        <p:cTn id="34" dur="1" fill="hold">
+                                          <p:stCondLst>
+                                            <p:cond delay="0"/>
+                                          </p:stCondLst>
+                                        </p:cTn>
+                                        <p:tgtEl>
+                                          <p:spTgt spid="25"/>
+                                        </p:tgtEl>
+                                        <p:attrNameLst>
+                                          <p:attrName>style.visibility</p:attrName>
+                                        </p:attrNameLst>
+                                      </p:cBhvr>
+                                      <p:to>
+                                        <p:strVal val="visible"/>
+                                      </p:to>
+                                    </p:set>
+                                    <p:animEffect transition="in" filter="fade">
+                                      <p:cBhvr>
+                                        <p:cTn id="35" dur="500"/>
+                                        <p:tgtEl>
+                                          <p:spTgt spid="25"/>
+                                        </p:tgtEl>
+                                      </p:cBhvr>
+                                    </p:animEffect>
+                                  </p:childTnLst>
+                                </p:cTn>
+                              </p:par>
+                            </p:childTnLst>
+                          </p:cTn>
+                        </p:par>
+                      </p:childTnLst>
+                    </p:cTn>
+                  </p:par>
+                  <p:par>
+                    <p:cTn id="36" fill="hold">
+                      <p:stCondLst>
+                        <p:cond delay="indefinite"/>
+                      </p:stCondLst>
+                      <p:childTnLst>
+                        <p:par>
+                          <p:cTn id="37" fill="hold">
+                            <p:stCondLst>
+                              <p:cond delay="0"/>
+                            </p:stCondLst>
+                            <p:childTnLst>
+                              <p:par>
+                                <p:cTn id="38" presetID="10" presetClass="entr" presetSubtype="0" fill="hold" nodeType="clickEffect">
+                                  <p:stCondLst>
+                                    <p:cond delay="0"/>
+                                  </p:stCondLst>
+                                  <p:childTnLst>
+                                    <p:set>
+                                      <p:cBhvr>
+                                        <p:cTn id="39" dur="1" fill="hold">
+                                          <p:stCondLst>
+                                            <p:cond delay="0"/>
+                                          </p:stCondLst>
+                                        </p:cTn>
+                                        <p:tgtEl>
+                                          <p:spTgt spid="4">
+                                            <p:txEl>
+                                              <p:pRg st="1" end="1"/>
+                                            </p:txEl>
+                                          </p:spTgt>
+                                        </p:tgtEl>
+                                        <p:attrNameLst>
+                                          <p:attrName>style.visibility</p:attrName>
+                                        </p:attrNameLst>
+                                      </p:cBhvr>
+                                      <p:to>
+                                        <p:strVal val="visible"/>
+                                      </p:to>
+                                    </p:set>
+                                    <p:animEffect transition="in" filter="fade">
+                                      <p:cBhvr>
+                                        <p:cTn id="40" dur="500"/>
+                                        <p:tgtEl>
+                                          <p:spTgt spid="4">
+                                            <p:txEl>
+                                              <p:pRg st="1" end="1"/>
+                                            </p:txEl>
+                                          </p:spTgt>
+                                        </p:tgtEl>
+                                      </p:cBhvr>
+                                    </p:animEffect>
+                                  </p:childTnLst>
+                                </p:cTn>
+                              </p:par>
+                            </p:childTnLst>
+                          </p:cTn>
+                        </p:par>
+                      </p:childTnLst>
+                    </p:cTn>
+                  </p:par>
+                </p:childTnLst>
+              </p:cTn>
+              <p:prevCondLst>
+                <p:cond evt="onPrev" delay="0">
+                  <p:tgtEl>
+                    <p:sldTgt/>
+                  </p:tgtEl>
+                </p:cond>
+              </p:prevCondLst>
+              <p:nextCondLst>
+                <p:cond evt="onNext" delay="0">
+                  <p:tgtEl>
+                    <p:sldTgt/>
+                  </p:tgtEl>
+                </p:cond>
+              </p:nextCondLst>
+            </p:seq>
+          </p:childTnLst>
+        </p:cTn>
+      </p:par>
+    </p:tnLst>
+    <p:bldLst>
+      <p:bldP spid="7" grpId="0" animBg="1"/>
+    </p:bldLst>
+  </p:timing>
+</p:sld>
+</file>
+
+<file path=ppt/slides/slide16.xml><?xml version="1.0" encoding="utf-8"?>
+<p:sld xmlns:a="http://schemas.openxmlformats.org/drawingml/2006/main" xmlns:r="http://schemas.openxmlformats.org/officeDocument/2006/relationships" xmlns:p="http://schemas.openxmlformats.org/presentationml/2006/main">
+  <p:cSld>
+    <p:spTree>
+      <p:nvGrpSpPr>
+        <p:cNvPr id="1" name=""/>
+        <p:cNvGrpSpPr/>
+        <p:nvPr/>
+      </p:nvGrpSpPr>
+      <p:grpSpPr>
+        <a:xfrm>
+          <a:off x="0" y="0"/>
+          <a:ext cx="0" cy="0"/>
+          <a:chOff x="0" y="0"/>
+          <a:chExt cx="0" cy="0"/>
+        </a:xfrm>
+      </p:grpSpPr>
+      <p:sp>
+        <p:nvSpPr>
+          <p:cNvPr id="2" name="Title 1"/>
+          <p:cNvSpPr>
+            <a:spLocks noGrp="1"/>
+          </p:cNvSpPr>
+          <p:nvPr>
+            <p:ph type="title"/>
+          </p:nvPr>
+        </p:nvSpPr>
+        <p:spPr/>
+        <p:txBody>
+          <a:bodyPr/>
+          <a:lstStyle/>
+          <a:p>
+            <a:r>
+              <a:rPr lang="en-US" dirty="0" err="1" smtClean="0"/>
               <a:t>Valutazione</a:t>
             </a:r>
             <a:r>
-              <a:rPr lang="en-US" dirty="0"/>
-              <a:t> (I)</a:t>
-            </a:r>
+              <a:rPr lang="en-US" dirty="0" smtClean="0"/>
+              <a:t> (</a:t>
+            </a:r>
+            <a:r>
+              <a:rPr lang="en-US" dirty="0" smtClean="0"/>
+              <a:t>II)</a:t>
+            </a:r>
+            <a:endParaRPr lang="en-US" dirty="0"/>
           </a:p>
         </p:txBody>
       </p:sp>
@@ -10556,14 +13518,14 @@
   <p:clrMapOvr>
     <a:masterClrMapping/>
   </p:clrMapOvr>
-  <mc:AlternateContent xmlns:mc="http://schemas.openxmlformats.org/markup-compatibility/2006" xmlns:p159="http://schemas.microsoft.com/office/powerpoint/2015/09/main">
-    <mc:Choice Requires="p159">
-      <p:transition xmlns:p14="http://schemas.microsoft.com/office/powerpoint/2010/main" spd="slow" p14:dur="2000">
-        <p159:morph option="byObject"/>
+  <mc:AlternateContent xmlns:mc="http://schemas.openxmlformats.org/markup-compatibility/2006">
+    <mc:Choice xmlns:p14="http://schemas.microsoft.com/office/powerpoint/2010/main" Requires="p14">
+      <p:transition spd="med" p14:dur="700">
+        <p:fade/>
       </p:transition>
     </mc:Choice>
-    <mc:Fallback xmlns="">
-      <p:transition spd="slow">
+    <mc:Fallback>
+      <p:transition spd="med">
         <p:fade/>
       </p:transition>
     </mc:Fallback>
@@ -11272,1126 +14234,7 @@
 </p:sld>
 </file>
 
-<file path=ppt/slides/slide15.xml><?xml version="1.0" encoding="utf-8"?>
-<p:sld xmlns:a="http://schemas.openxmlformats.org/drawingml/2006/main" xmlns:r="http://schemas.openxmlformats.org/officeDocument/2006/relationships" xmlns:p="http://schemas.openxmlformats.org/presentationml/2006/main">
-  <p:cSld>
-    <p:spTree>
-      <p:nvGrpSpPr>
-        <p:cNvPr id="1" name=""/>
-        <p:cNvGrpSpPr/>
-        <p:nvPr/>
-      </p:nvGrpSpPr>
-      <p:grpSpPr>
-        <a:xfrm>
-          <a:off x="0" y="0"/>
-          <a:ext cx="0" cy="0"/>
-          <a:chOff x="0" y="0"/>
-          <a:chExt cx="0" cy="0"/>
-        </a:xfrm>
-      </p:grpSpPr>
-      <p:sp>
-        <p:nvSpPr>
-          <p:cNvPr id="2" name="Title 1"/>
-          <p:cNvSpPr>
-            <a:spLocks noGrp="1"/>
-          </p:cNvSpPr>
-          <p:nvPr>
-            <p:ph type="title"/>
-          </p:nvPr>
-        </p:nvSpPr>
-        <p:spPr/>
-        <p:txBody>
-          <a:bodyPr/>
-          <a:lstStyle/>
-          <a:p>
-            <a:r>
-              <a:rPr lang="en-US" dirty="0" err="1"/>
-              <a:t>Motore</a:t>
-            </a:r>
-            <a:r>
-              <a:rPr lang="en-US" dirty="0"/>
-              <a:t> di </a:t>
-            </a:r>
-            <a:r>
-              <a:rPr lang="en-US" dirty="0" err="1"/>
-              <a:t>Valutazione</a:t>
-            </a:r>
-            <a:r>
-              <a:rPr lang="en-US" dirty="0"/>
-              <a:t> (II)</a:t>
-            </a:r>
-          </a:p>
-        </p:txBody>
-      </p:sp>
-      <p:sp>
-        <p:nvSpPr>
-          <p:cNvPr id="4" name="Content Placeholder 2"/>
-          <p:cNvSpPr txBox="1">
-            <a:spLocks/>
-          </p:cNvSpPr>
-          <p:nvPr/>
-        </p:nvSpPr>
-        <p:spPr>
-          <a:xfrm>
-            <a:off x="822959" y="1845734"/>
-            <a:ext cx="7543801" cy="1617192"/>
-          </a:xfrm>
-          <a:prstGeom prst="rect">
-            <a:avLst/>
-          </a:prstGeom>
-        </p:spPr>
-        <p:txBody>
-          <a:bodyPr>
-            <a:normAutofit/>
-          </a:bodyPr>
-          <a:lstStyle>
-            <a:lvl1pPr marL="91440" indent="-91440" algn="l" defTabSz="914400" rtl="0" eaLnBrk="1" latinLnBrk="0" hangingPunct="1">
-              <a:lnSpc>
-                <a:spcPct val="90000"/>
-              </a:lnSpc>
-              <a:spcBef>
-                <a:spcPts val="1200"/>
-              </a:spcBef>
-              <a:spcAft>
-                <a:spcPts val="200"/>
-              </a:spcAft>
-              <a:buClr>
-                <a:schemeClr val="accent1"/>
-              </a:buClr>
-              <a:buSzPct val="100000"/>
-              <a:buFont typeface="Calibri" panose="020F0502020204030204" pitchFamily="34" charset="0"/>
-              <a:buChar char=" "/>
-              <a:defRPr sz="2000" kern="1200">
-                <a:solidFill>
-                  <a:schemeClr val="tx1">
-                    <a:lumMod val="75000"/>
-                    <a:lumOff val="25000"/>
-                  </a:schemeClr>
-                </a:solidFill>
-                <a:latin typeface="+mn-lt"/>
-                <a:ea typeface="+mn-ea"/>
-                <a:cs typeface="+mn-cs"/>
-              </a:defRPr>
-            </a:lvl1pPr>
-            <a:lvl2pPr marL="384048" indent="-182880" algn="l" defTabSz="914400" rtl="0" eaLnBrk="1" latinLnBrk="0" hangingPunct="1">
-              <a:lnSpc>
-                <a:spcPct val="90000"/>
-              </a:lnSpc>
-              <a:spcBef>
-                <a:spcPts val="200"/>
-              </a:spcBef>
-              <a:spcAft>
-                <a:spcPts val="400"/>
-              </a:spcAft>
-              <a:buClr>
-                <a:schemeClr val="accent1"/>
-              </a:buClr>
-              <a:buFont typeface="Calibri" pitchFamily="34" charset="0"/>
-              <a:buChar char="◦"/>
-              <a:defRPr sz="1800" kern="1200">
-                <a:solidFill>
-                  <a:schemeClr val="tx1">
-                    <a:lumMod val="75000"/>
-                    <a:lumOff val="25000"/>
-                  </a:schemeClr>
-                </a:solidFill>
-                <a:latin typeface="+mn-lt"/>
-                <a:ea typeface="+mn-ea"/>
-                <a:cs typeface="+mn-cs"/>
-              </a:defRPr>
-            </a:lvl2pPr>
-            <a:lvl3pPr marL="566928" indent="-182880" algn="l" defTabSz="914400" rtl="0" eaLnBrk="1" latinLnBrk="0" hangingPunct="1">
-              <a:lnSpc>
-                <a:spcPct val="90000"/>
-              </a:lnSpc>
-              <a:spcBef>
-                <a:spcPts val="200"/>
-              </a:spcBef>
-              <a:spcAft>
-                <a:spcPts val="400"/>
-              </a:spcAft>
-              <a:buClr>
-                <a:schemeClr val="accent1"/>
-              </a:buClr>
-              <a:buFont typeface="Calibri" pitchFamily="34" charset="0"/>
-              <a:buChar char="◦"/>
-              <a:defRPr sz="1400" kern="1200">
-                <a:solidFill>
-                  <a:schemeClr val="tx1">
-                    <a:lumMod val="75000"/>
-                    <a:lumOff val="25000"/>
-                  </a:schemeClr>
-                </a:solidFill>
-                <a:latin typeface="+mn-lt"/>
-                <a:ea typeface="+mn-ea"/>
-                <a:cs typeface="+mn-cs"/>
-              </a:defRPr>
-            </a:lvl3pPr>
-            <a:lvl4pPr marL="749808" indent="-182880" algn="l" defTabSz="914400" rtl="0" eaLnBrk="1" latinLnBrk="0" hangingPunct="1">
-              <a:lnSpc>
-                <a:spcPct val="90000"/>
-              </a:lnSpc>
-              <a:spcBef>
-                <a:spcPts val="200"/>
-              </a:spcBef>
-              <a:spcAft>
-                <a:spcPts val="400"/>
-              </a:spcAft>
-              <a:buClr>
-                <a:schemeClr val="accent1"/>
-              </a:buClr>
-              <a:buFont typeface="Calibri" pitchFamily="34" charset="0"/>
-              <a:buChar char="◦"/>
-              <a:defRPr sz="1400" kern="1200">
-                <a:solidFill>
-                  <a:schemeClr val="tx1">
-                    <a:lumMod val="75000"/>
-                    <a:lumOff val="25000"/>
-                  </a:schemeClr>
-                </a:solidFill>
-                <a:latin typeface="+mn-lt"/>
-                <a:ea typeface="+mn-ea"/>
-                <a:cs typeface="+mn-cs"/>
-              </a:defRPr>
-            </a:lvl4pPr>
-            <a:lvl5pPr marL="932688" indent="-182880" algn="l" defTabSz="914400" rtl="0" eaLnBrk="1" latinLnBrk="0" hangingPunct="1">
-              <a:lnSpc>
-                <a:spcPct val="90000"/>
-              </a:lnSpc>
-              <a:spcBef>
-                <a:spcPts val="200"/>
-              </a:spcBef>
-              <a:spcAft>
-                <a:spcPts val="400"/>
-              </a:spcAft>
-              <a:buClr>
-                <a:schemeClr val="accent1"/>
-              </a:buClr>
-              <a:buFont typeface="Calibri" pitchFamily="34" charset="0"/>
-              <a:buChar char="◦"/>
-              <a:defRPr sz="1400" kern="1200">
-                <a:solidFill>
-                  <a:schemeClr val="tx1">
-                    <a:lumMod val="75000"/>
-                    <a:lumOff val="25000"/>
-                  </a:schemeClr>
-                </a:solidFill>
-                <a:latin typeface="+mn-lt"/>
-                <a:ea typeface="+mn-ea"/>
-                <a:cs typeface="+mn-cs"/>
-              </a:defRPr>
-            </a:lvl5pPr>
-            <a:lvl6pPr marL="1100000" indent="-228600" algn="l" defTabSz="914400" rtl="0" eaLnBrk="1" latinLnBrk="0" hangingPunct="1">
-              <a:lnSpc>
-                <a:spcPct val="90000"/>
-              </a:lnSpc>
-              <a:spcBef>
-                <a:spcPts val="200"/>
-              </a:spcBef>
-              <a:spcAft>
-                <a:spcPts val="400"/>
-              </a:spcAft>
-              <a:buClr>
-                <a:schemeClr val="accent1"/>
-              </a:buClr>
-              <a:buFont typeface="Calibri" pitchFamily="34" charset="0"/>
-              <a:buChar char="◦"/>
-              <a:defRPr sz="1400" kern="1200">
-                <a:solidFill>
-                  <a:schemeClr val="tx1">
-                    <a:lumMod val="75000"/>
-                    <a:lumOff val="25000"/>
-                  </a:schemeClr>
-                </a:solidFill>
-                <a:latin typeface="+mn-lt"/>
-                <a:ea typeface="+mn-ea"/>
-                <a:cs typeface="+mn-cs"/>
-              </a:defRPr>
-            </a:lvl6pPr>
-            <a:lvl7pPr marL="1300000" indent="-228600" algn="l" defTabSz="914400" rtl="0" eaLnBrk="1" latinLnBrk="0" hangingPunct="1">
-              <a:lnSpc>
-                <a:spcPct val="90000"/>
-              </a:lnSpc>
-              <a:spcBef>
-                <a:spcPts val="200"/>
-              </a:spcBef>
-              <a:spcAft>
-                <a:spcPts val="400"/>
-              </a:spcAft>
-              <a:buClr>
-                <a:schemeClr val="accent1"/>
-              </a:buClr>
-              <a:buFont typeface="Calibri" pitchFamily="34" charset="0"/>
-              <a:buChar char="◦"/>
-              <a:defRPr sz="1400" kern="1200">
-                <a:solidFill>
-                  <a:schemeClr val="tx1">
-                    <a:lumMod val="75000"/>
-                    <a:lumOff val="25000"/>
-                  </a:schemeClr>
-                </a:solidFill>
-                <a:latin typeface="+mn-lt"/>
-                <a:ea typeface="+mn-ea"/>
-                <a:cs typeface="+mn-cs"/>
-              </a:defRPr>
-            </a:lvl7pPr>
-            <a:lvl8pPr marL="1500000" indent="-228600" algn="l" defTabSz="914400" rtl="0" eaLnBrk="1" latinLnBrk="0" hangingPunct="1">
-              <a:lnSpc>
-                <a:spcPct val="90000"/>
-              </a:lnSpc>
-              <a:spcBef>
-                <a:spcPts val="200"/>
-              </a:spcBef>
-              <a:spcAft>
-                <a:spcPts val="400"/>
-              </a:spcAft>
-              <a:buClr>
-                <a:schemeClr val="accent1"/>
-              </a:buClr>
-              <a:buFont typeface="Calibri" pitchFamily="34" charset="0"/>
-              <a:buChar char="◦"/>
-              <a:defRPr sz="1400" kern="1200">
-                <a:solidFill>
-                  <a:schemeClr val="tx1">
-                    <a:lumMod val="75000"/>
-                    <a:lumOff val="25000"/>
-                  </a:schemeClr>
-                </a:solidFill>
-                <a:latin typeface="+mn-lt"/>
-                <a:ea typeface="+mn-ea"/>
-                <a:cs typeface="+mn-cs"/>
-              </a:defRPr>
-            </a:lvl8pPr>
-            <a:lvl9pPr marL="1700000" indent="-228600" algn="l" defTabSz="914400" rtl="0" eaLnBrk="1" latinLnBrk="0" hangingPunct="1">
-              <a:lnSpc>
-                <a:spcPct val="90000"/>
-              </a:lnSpc>
-              <a:spcBef>
-                <a:spcPts val="200"/>
-              </a:spcBef>
-              <a:spcAft>
-                <a:spcPts val="400"/>
-              </a:spcAft>
-              <a:buClr>
-                <a:schemeClr val="accent1"/>
-              </a:buClr>
-              <a:buFont typeface="Calibri" pitchFamily="34" charset="0"/>
-              <a:buChar char="◦"/>
-              <a:defRPr sz="1400" kern="1200">
-                <a:solidFill>
-                  <a:schemeClr val="tx1">
-                    <a:lumMod val="75000"/>
-                    <a:lumOff val="25000"/>
-                  </a:schemeClr>
-                </a:solidFill>
-                <a:latin typeface="+mn-lt"/>
-                <a:ea typeface="+mn-ea"/>
-                <a:cs typeface="+mn-cs"/>
-              </a:defRPr>
-            </a:lvl9pPr>
-          </a:lstStyle>
-          <a:p>
-            <a:pPr lvl="1">
-              <a:buFont typeface="Arial" charset="0"/>
-              <a:buChar char="•"/>
-            </a:pPr>
-            <a:r>
-              <a:rPr lang="it-IT" sz="2000" dirty="0"/>
-              <a:t>Un </a:t>
-            </a:r>
-            <a:r>
-              <a:rPr lang="it-IT" sz="2000" b="1" dirty="0"/>
-              <a:t>flusso di esecuzione</a:t>
-            </a:r>
-            <a:r>
-              <a:rPr lang="it-IT" sz="2000" dirty="0"/>
-              <a:t> viene inizialmente generato da un </a:t>
-            </a:r>
-            <a:r>
-              <a:rPr lang="it-IT" sz="2000" b="1" dirty="0"/>
-              <a:t>cappello</a:t>
-            </a:r>
-            <a:r>
-              <a:rPr lang="it-IT" sz="2000" dirty="0"/>
-              <a:t> e contiene un puntatore al blocco corrente.</a:t>
-            </a:r>
-          </a:p>
-          <a:p>
-            <a:pPr lvl="1">
-              <a:buFont typeface="Arial" charset="0"/>
-              <a:buChar char="•"/>
-            </a:pPr>
-            <a:r>
-              <a:rPr lang="it-IT" sz="2000" dirty="0"/>
-              <a:t>Il blocco contiene nella sua classe la logica per la </a:t>
-            </a:r>
-            <a:r>
-              <a:rPr lang="it-IT" sz="2000" b="1" dirty="0"/>
-              <a:t>valutazione</a:t>
-            </a:r>
-            <a:r>
-              <a:rPr lang="it-IT" sz="2000" dirty="0"/>
-              <a:t> e per </a:t>
-            </a:r>
-            <a:r>
-              <a:rPr lang="it-IT" sz="2000" b="1" dirty="0"/>
-              <a:t>l’aggiornamento</a:t>
-            </a:r>
-            <a:r>
-              <a:rPr lang="it-IT" sz="2000" dirty="0"/>
-              <a:t> del flusso con il blocco successivo.</a:t>
-            </a:r>
-            <a:endParaRPr lang="it-IT" sz="1600" dirty="0"/>
-          </a:p>
-        </p:txBody>
-      </p:sp>
-      <p:pic>
-        <p:nvPicPr>
-          <p:cNvPr id="12" name="Picture 11"/>
-          <p:cNvPicPr>
-            <a:picLocks noChangeAspect="1"/>
-          </p:cNvPicPr>
-          <p:nvPr/>
-        </p:nvPicPr>
-        <p:blipFill>
-          <a:blip r:embed="rId2">
-            <a:extLst>
-              <a:ext uri="{28A0092B-C50C-407E-A947-70E740481C1C}">
-                <a14:useLocalDpi xmlns:a14="http://schemas.microsoft.com/office/drawing/2010/main" val="0"/>
-              </a:ext>
-            </a:extLst>
-          </a:blip>
-          <a:stretch>
-            <a:fillRect/>
-          </a:stretch>
-        </p:blipFill>
-        <p:spPr>
-          <a:xfrm>
-            <a:off x="2268721" y="3781185"/>
-            <a:ext cx="1619850" cy="1260047"/>
-          </a:xfrm>
-          <a:prstGeom prst="rect">
-            <a:avLst/>
-          </a:prstGeom>
-        </p:spPr>
-      </p:pic>
-      <p:pic>
-        <p:nvPicPr>
-          <p:cNvPr id="17" name="Picture 16"/>
-          <p:cNvPicPr>
-            <a:picLocks noChangeAspect="1"/>
-          </p:cNvPicPr>
-          <p:nvPr/>
-        </p:nvPicPr>
-        <p:blipFill rotWithShape="1">
-          <a:blip r:embed="rId3">
-            <a:extLst>
-              <a:ext uri="{28A0092B-C50C-407E-A947-70E740481C1C}">
-                <a14:useLocalDpi xmlns:a14="http://schemas.microsoft.com/office/drawing/2010/main" val="0"/>
-              </a:ext>
-            </a:extLst>
-          </a:blip>
-          <a:srcRect r="10087"/>
-          <a:stretch/>
-        </p:blipFill>
-        <p:spPr>
-          <a:xfrm>
-            <a:off x="5083880" y="4264066"/>
-            <a:ext cx="1533549" cy="378155"/>
-          </a:xfrm>
-          <a:prstGeom prst="rect">
-            <a:avLst/>
-          </a:prstGeom>
-        </p:spPr>
-      </p:pic>
-      <p:pic>
-        <p:nvPicPr>
-          <p:cNvPr id="21" name="Picture 20"/>
-          <p:cNvPicPr>
-            <a:picLocks noChangeAspect="1"/>
-          </p:cNvPicPr>
-          <p:nvPr/>
-        </p:nvPicPr>
-        <p:blipFill>
-          <a:blip r:embed="rId4">
-            <a:extLst>
-              <a:ext uri="{28A0092B-C50C-407E-A947-70E740481C1C}">
-                <a14:useLocalDpi xmlns:a14="http://schemas.microsoft.com/office/drawing/2010/main" val="0"/>
-              </a:ext>
-            </a:extLst>
-          </a:blip>
-          <a:stretch>
-            <a:fillRect/>
-          </a:stretch>
-        </p:blipFill>
-        <p:spPr>
-          <a:xfrm>
-            <a:off x="5083880" y="3525579"/>
-            <a:ext cx="1059042" cy="528954"/>
-          </a:xfrm>
-          <a:prstGeom prst="rect">
-            <a:avLst/>
-          </a:prstGeom>
-        </p:spPr>
-      </p:pic>
-      <p:pic>
-        <p:nvPicPr>
-          <p:cNvPr id="22" name="Picture 21"/>
-          <p:cNvPicPr>
-            <a:picLocks noChangeAspect="1"/>
-          </p:cNvPicPr>
-          <p:nvPr/>
-        </p:nvPicPr>
-        <p:blipFill rotWithShape="1">
-          <a:blip r:embed="rId3">
-            <a:extLst>
-              <a:ext uri="{28A0092B-C50C-407E-A947-70E740481C1C}">
-                <a14:useLocalDpi xmlns:a14="http://schemas.microsoft.com/office/drawing/2010/main" val="0"/>
-              </a:ext>
-            </a:extLst>
-          </a:blip>
-          <a:srcRect r="10087"/>
-          <a:stretch/>
-        </p:blipFill>
-        <p:spPr>
-          <a:xfrm>
-            <a:off x="5083879" y="3909901"/>
-            <a:ext cx="1533549" cy="378155"/>
-          </a:xfrm>
-          <a:prstGeom prst="rect">
-            <a:avLst/>
-          </a:prstGeom>
-        </p:spPr>
-      </p:pic>
-      <p:pic>
-        <p:nvPicPr>
-          <p:cNvPr id="23" name="Picture 22"/>
-          <p:cNvPicPr>
-            <a:picLocks noChangeAspect="1"/>
-          </p:cNvPicPr>
-          <p:nvPr/>
-        </p:nvPicPr>
-        <p:blipFill rotWithShape="1">
-          <a:blip r:embed="rId3">
-            <a:extLst>
-              <a:ext uri="{28A0092B-C50C-407E-A947-70E740481C1C}">
-                <a14:useLocalDpi xmlns:a14="http://schemas.microsoft.com/office/drawing/2010/main" val="0"/>
-              </a:ext>
-            </a:extLst>
-          </a:blip>
-          <a:srcRect r="10087"/>
-          <a:stretch/>
-        </p:blipFill>
-        <p:spPr>
-          <a:xfrm>
-            <a:off x="5083878" y="4603880"/>
-            <a:ext cx="1533549" cy="378155"/>
-          </a:xfrm>
-          <a:prstGeom prst="rect">
-            <a:avLst/>
-          </a:prstGeom>
-        </p:spPr>
-      </p:pic>
-      <p:pic>
-        <p:nvPicPr>
-          <p:cNvPr id="24" name="Picture 23"/>
-          <p:cNvPicPr>
-            <a:picLocks noChangeAspect="1"/>
-          </p:cNvPicPr>
-          <p:nvPr/>
-        </p:nvPicPr>
-        <p:blipFill rotWithShape="1">
-          <a:blip r:embed="rId3">
-            <a:extLst>
-              <a:ext uri="{28A0092B-C50C-407E-A947-70E740481C1C}">
-                <a14:useLocalDpi xmlns:a14="http://schemas.microsoft.com/office/drawing/2010/main" val="0"/>
-              </a:ext>
-            </a:extLst>
-          </a:blip>
-          <a:srcRect r="10087"/>
-          <a:stretch/>
-        </p:blipFill>
-        <p:spPr>
-          <a:xfrm>
-            <a:off x="5083877" y="4824827"/>
-            <a:ext cx="1533549" cy="378155"/>
-          </a:xfrm>
-          <a:prstGeom prst="rect">
-            <a:avLst/>
-          </a:prstGeom>
-        </p:spPr>
-      </p:pic>
-      <p:pic>
-        <p:nvPicPr>
-          <p:cNvPr id="25" name="Picture 24"/>
-          <p:cNvPicPr>
-            <a:picLocks noChangeAspect="1"/>
-          </p:cNvPicPr>
-          <p:nvPr/>
-        </p:nvPicPr>
-        <p:blipFill rotWithShape="1">
-          <a:blip r:embed="rId3">
-            <a:extLst>
-              <a:ext uri="{28A0092B-C50C-407E-A947-70E740481C1C}">
-                <a14:useLocalDpi xmlns:a14="http://schemas.microsoft.com/office/drawing/2010/main" val="0"/>
-              </a:ext>
-            </a:extLst>
-          </a:blip>
-          <a:srcRect r="10087"/>
-          <a:stretch/>
-        </p:blipFill>
-        <p:spPr>
-          <a:xfrm>
-            <a:off x="5083876" y="5039182"/>
-            <a:ext cx="1533549" cy="378155"/>
-          </a:xfrm>
-          <a:prstGeom prst="rect">
-            <a:avLst/>
-          </a:prstGeom>
-        </p:spPr>
-      </p:pic>
-      <p:sp>
-        <p:nvSpPr>
-          <p:cNvPr id="7" name="Right Arrow 6"/>
-          <p:cNvSpPr/>
-          <p:nvPr/>
-        </p:nvSpPr>
-        <p:spPr>
-          <a:xfrm>
-            <a:off x="3797132" y="4190922"/>
-            <a:ext cx="1183874" cy="440575"/>
-          </a:xfrm>
-          <a:prstGeom prst="rightArrow">
-            <a:avLst>
-              <a:gd name="adj1" fmla="val 50000"/>
-              <a:gd name="adj2" fmla="val 84530"/>
-            </a:avLst>
-          </a:prstGeom>
-          <a:pattFill prst="pct90">
-            <a:fgClr>
-              <a:schemeClr val="tx1"/>
-            </a:fgClr>
-            <a:bgClr>
-              <a:schemeClr val="bg1"/>
-            </a:bgClr>
-          </a:pattFill>
-          <a:ln>
-            <a:noFill/>
-          </a:ln>
-        </p:spPr>
-        <p:style>
-          <a:lnRef idx="2">
-            <a:schemeClr val="accent1">
-              <a:shade val="50000"/>
-            </a:schemeClr>
-          </a:lnRef>
-          <a:fillRef idx="1">
-            <a:schemeClr val="accent1"/>
-          </a:fillRef>
-          <a:effectRef idx="0">
-            <a:schemeClr val="accent1"/>
-          </a:effectRef>
-          <a:fontRef idx="minor">
-            <a:schemeClr val="lt1"/>
-          </a:fontRef>
-        </p:style>
-        <p:txBody>
-          <a:bodyPr rtlCol="0" anchor="ctr"/>
-          <a:lstStyle/>
-          <a:p>
-            <a:pPr algn="ctr"/>
-            <a:endParaRPr lang="it-IT"/>
-          </a:p>
-        </p:txBody>
-      </p:sp>
-    </p:spTree>
-    <p:extLst>
-      <p:ext uri="{BB962C8B-B14F-4D97-AF65-F5344CB8AC3E}">
-        <p14:creationId xmlns:p14="http://schemas.microsoft.com/office/powerpoint/2010/main" val="543436550"/>
-      </p:ext>
-    </p:extLst>
-  </p:cSld>
-  <p:clrMapOvr>
-    <a:masterClrMapping/>
-  </p:clrMapOvr>
-  <mc:AlternateContent xmlns:mc="http://schemas.openxmlformats.org/markup-compatibility/2006" xmlns:p14="http://schemas.microsoft.com/office/powerpoint/2010/main">
-    <mc:Choice Requires="p14">
-      <p:transition spd="med" p14:dur="700">
-        <p:fade/>
-      </p:transition>
-    </mc:Choice>
-    <mc:Fallback xmlns="">
-      <p:transition spd="med">
-        <p:fade/>
-      </p:transition>
-    </mc:Fallback>
-  </mc:AlternateContent>
-  <p:timing>
-    <p:tnLst>
-      <p:par>
-        <p:cTn id="1" dur="indefinite" restart="never" nodeType="tmRoot">
-          <p:childTnLst>
-            <p:seq concurrent="1" nextAc="seek">
-              <p:cTn id="2" dur="indefinite" nodeType="mainSeq">
-                <p:childTnLst>
-                  <p:par>
-                    <p:cTn id="3" fill="hold">
-                      <p:stCondLst>
-                        <p:cond delay="indefinite"/>
-                      </p:stCondLst>
-                      <p:childTnLst>
-                        <p:par>
-                          <p:cTn id="4" fill="hold">
-                            <p:stCondLst>
-                              <p:cond delay="0"/>
-                            </p:stCondLst>
-                            <p:childTnLst>
-                              <p:par>
-                                <p:cTn id="5" presetID="10" presetClass="entr" presetSubtype="0" fill="hold" nodeType="clickEffect">
-                                  <p:stCondLst>
-                                    <p:cond delay="0"/>
-                                  </p:stCondLst>
-                                  <p:childTnLst>
-                                    <p:set>
-                                      <p:cBhvr>
-                                        <p:cTn id="6" dur="1" fill="hold">
-                                          <p:stCondLst>
-                                            <p:cond delay="0"/>
-                                          </p:stCondLst>
-                                        </p:cTn>
-                                        <p:tgtEl>
-                                          <p:spTgt spid="4">
-                                            <p:txEl>
-                                              <p:pRg st="0" end="0"/>
-                                            </p:txEl>
-                                          </p:spTgt>
-                                        </p:tgtEl>
-                                        <p:attrNameLst>
-                                          <p:attrName>style.visibility</p:attrName>
-                                        </p:attrNameLst>
-                                      </p:cBhvr>
-                                      <p:to>
-                                        <p:strVal val="visible"/>
-                                      </p:to>
-                                    </p:set>
-                                    <p:animEffect transition="in" filter="fade">
-                                      <p:cBhvr>
-                                        <p:cTn id="7" dur="500"/>
-                                        <p:tgtEl>
-                                          <p:spTgt spid="4">
-                                            <p:txEl>
-                                              <p:pRg st="0" end="0"/>
-                                            </p:txEl>
-                                          </p:spTgt>
-                                        </p:tgtEl>
-                                      </p:cBhvr>
-                                    </p:animEffect>
-                                  </p:childTnLst>
-                                </p:cTn>
-                              </p:par>
-                            </p:childTnLst>
-                          </p:cTn>
-                        </p:par>
-                        <p:par>
-                          <p:cTn id="8" fill="hold">
-                            <p:stCondLst>
-                              <p:cond delay="500"/>
-                            </p:stCondLst>
-                            <p:childTnLst>
-                              <p:par>
-                                <p:cTn id="9" presetID="10" presetClass="entr" presetSubtype="0" fill="hold" nodeType="afterEffect">
-                                  <p:stCondLst>
-                                    <p:cond delay="0"/>
-                                  </p:stCondLst>
-                                  <p:childTnLst>
-                                    <p:set>
-                                      <p:cBhvr>
-                                        <p:cTn id="10" dur="1" fill="hold">
-                                          <p:stCondLst>
-                                            <p:cond delay="0"/>
-                                          </p:stCondLst>
-                                        </p:cTn>
-                                        <p:tgtEl>
-                                          <p:spTgt spid="12"/>
-                                        </p:tgtEl>
-                                        <p:attrNameLst>
-                                          <p:attrName>style.visibility</p:attrName>
-                                        </p:attrNameLst>
-                                      </p:cBhvr>
-                                      <p:to>
-                                        <p:strVal val="visible"/>
-                                      </p:to>
-                                    </p:set>
-                                    <p:animEffect transition="in" filter="fade">
-                                      <p:cBhvr>
-                                        <p:cTn id="11" dur="500"/>
-                                        <p:tgtEl>
-                                          <p:spTgt spid="12"/>
-                                        </p:tgtEl>
-                                      </p:cBhvr>
-                                    </p:animEffect>
-                                  </p:childTnLst>
-                                </p:cTn>
-                              </p:par>
-                            </p:childTnLst>
-                          </p:cTn>
-                        </p:par>
-                      </p:childTnLst>
-                    </p:cTn>
-                  </p:par>
-                  <p:par>
-                    <p:cTn id="12" fill="hold">
-                      <p:stCondLst>
-                        <p:cond delay="indefinite"/>
-                      </p:stCondLst>
-                      <p:childTnLst>
-                        <p:par>
-                          <p:cTn id="13" fill="hold">
-                            <p:stCondLst>
-                              <p:cond delay="0"/>
-                            </p:stCondLst>
-                            <p:childTnLst>
-                              <p:par>
-                                <p:cTn id="14" presetID="10" presetClass="entr" presetSubtype="0" fill="hold" nodeType="clickEffect">
-                                  <p:stCondLst>
-                                    <p:cond delay="0"/>
-                                  </p:stCondLst>
-                                  <p:childTnLst>
-                                    <p:set>
-                                      <p:cBhvr>
-                                        <p:cTn id="15" dur="1" fill="hold">
-                                          <p:stCondLst>
-                                            <p:cond delay="0"/>
-                                          </p:stCondLst>
-                                        </p:cTn>
-                                        <p:tgtEl>
-                                          <p:spTgt spid="4">
-                                            <p:txEl>
-                                              <p:pRg st="1" end="1"/>
-                                            </p:txEl>
-                                          </p:spTgt>
-                                        </p:tgtEl>
-                                        <p:attrNameLst>
-                                          <p:attrName>style.visibility</p:attrName>
-                                        </p:attrNameLst>
-                                      </p:cBhvr>
-                                      <p:to>
-                                        <p:strVal val="visible"/>
-                                      </p:to>
-                                    </p:set>
-                                    <p:animEffect transition="in" filter="fade">
-                                      <p:cBhvr>
-                                        <p:cTn id="16" dur="500"/>
-                                        <p:tgtEl>
-                                          <p:spTgt spid="4">
-                                            <p:txEl>
-                                              <p:pRg st="1" end="1"/>
-                                            </p:txEl>
-                                          </p:spTgt>
-                                        </p:tgtEl>
-                                      </p:cBhvr>
-                                    </p:animEffect>
-                                  </p:childTnLst>
-                                </p:cTn>
-                              </p:par>
-                            </p:childTnLst>
-                          </p:cTn>
-                        </p:par>
-                        <p:par>
-                          <p:cTn id="17" fill="hold">
-                            <p:stCondLst>
-                              <p:cond delay="500"/>
-                            </p:stCondLst>
-                            <p:childTnLst>
-                              <p:par>
-                                <p:cTn id="18" presetID="10" presetClass="entr" presetSubtype="0" fill="hold" grpId="0" nodeType="afterEffect">
-                                  <p:stCondLst>
-                                    <p:cond delay="0"/>
-                                  </p:stCondLst>
-                                  <p:childTnLst>
-                                    <p:set>
-                                      <p:cBhvr>
-                                        <p:cTn id="19" dur="1" fill="hold">
-                                          <p:stCondLst>
-                                            <p:cond delay="0"/>
-                                          </p:stCondLst>
-                                        </p:cTn>
-                                        <p:tgtEl>
-                                          <p:spTgt spid="7"/>
-                                        </p:tgtEl>
-                                        <p:attrNameLst>
-                                          <p:attrName>style.visibility</p:attrName>
-                                        </p:attrNameLst>
-                                      </p:cBhvr>
-                                      <p:to>
-                                        <p:strVal val="visible"/>
-                                      </p:to>
-                                    </p:set>
-                                    <p:animEffect transition="in" filter="fade">
-                                      <p:cBhvr>
-                                        <p:cTn id="20" dur="500"/>
-                                        <p:tgtEl>
-                                          <p:spTgt spid="7"/>
-                                        </p:tgtEl>
-                                      </p:cBhvr>
-                                    </p:animEffect>
-                                  </p:childTnLst>
-                                </p:cTn>
-                              </p:par>
-                            </p:childTnLst>
-                          </p:cTn>
-                        </p:par>
-                        <p:par>
-                          <p:cTn id="21" fill="hold">
-                            <p:stCondLst>
-                              <p:cond delay="1000"/>
-                            </p:stCondLst>
-                            <p:childTnLst>
-                              <p:par>
-                                <p:cTn id="22" presetID="10" presetClass="entr" presetSubtype="0" fill="hold" nodeType="afterEffect">
-                                  <p:stCondLst>
-                                    <p:cond delay="0"/>
-                                  </p:stCondLst>
-                                  <p:childTnLst>
-                                    <p:set>
-                                      <p:cBhvr>
-                                        <p:cTn id="23" dur="1" fill="hold">
-                                          <p:stCondLst>
-                                            <p:cond delay="0"/>
-                                          </p:stCondLst>
-                                        </p:cTn>
-                                        <p:tgtEl>
-                                          <p:spTgt spid="17"/>
-                                        </p:tgtEl>
-                                        <p:attrNameLst>
-                                          <p:attrName>style.visibility</p:attrName>
-                                        </p:attrNameLst>
-                                      </p:cBhvr>
-                                      <p:to>
-                                        <p:strVal val="visible"/>
-                                      </p:to>
-                                    </p:set>
-                                    <p:animEffect transition="in" filter="fade">
-                                      <p:cBhvr>
-                                        <p:cTn id="24" dur="500"/>
-                                        <p:tgtEl>
-                                          <p:spTgt spid="17"/>
-                                        </p:tgtEl>
-                                      </p:cBhvr>
-                                    </p:animEffect>
-                                  </p:childTnLst>
-                                </p:cTn>
-                              </p:par>
-                              <p:par>
-                                <p:cTn id="25" presetID="10" presetClass="entr" presetSubtype="0" fill="hold" nodeType="withEffect">
-                                  <p:stCondLst>
-                                    <p:cond delay="0"/>
-                                  </p:stCondLst>
-                                  <p:childTnLst>
-                                    <p:set>
-                                      <p:cBhvr>
-                                        <p:cTn id="26" dur="1" fill="hold">
-                                          <p:stCondLst>
-                                            <p:cond delay="0"/>
-                                          </p:stCondLst>
-                                        </p:cTn>
-                                        <p:tgtEl>
-                                          <p:spTgt spid="21"/>
-                                        </p:tgtEl>
-                                        <p:attrNameLst>
-                                          <p:attrName>style.visibility</p:attrName>
-                                        </p:attrNameLst>
-                                      </p:cBhvr>
-                                      <p:to>
-                                        <p:strVal val="visible"/>
-                                      </p:to>
-                                    </p:set>
-                                    <p:animEffect transition="in" filter="fade">
-                                      <p:cBhvr>
-                                        <p:cTn id="27" dur="500"/>
-                                        <p:tgtEl>
-                                          <p:spTgt spid="21"/>
-                                        </p:tgtEl>
-                                      </p:cBhvr>
-                                    </p:animEffect>
-                                  </p:childTnLst>
-                                </p:cTn>
-                              </p:par>
-                              <p:par>
-                                <p:cTn id="28" presetID="10" presetClass="entr" presetSubtype="0" fill="hold" nodeType="withEffect">
-                                  <p:stCondLst>
-                                    <p:cond delay="0"/>
-                                  </p:stCondLst>
-                                  <p:childTnLst>
-                                    <p:set>
-                                      <p:cBhvr>
-                                        <p:cTn id="29" dur="1" fill="hold">
-                                          <p:stCondLst>
-                                            <p:cond delay="0"/>
-                                          </p:stCondLst>
-                                        </p:cTn>
-                                        <p:tgtEl>
-                                          <p:spTgt spid="22"/>
-                                        </p:tgtEl>
-                                        <p:attrNameLst>
-                                          <p:attrName>style.visibility</p:attrName>
-                                        </p:attrNameLst>
-                                      </p:cBhvr>
-                                      <p:to>
-                                        <p:strVal val="visible"/>
-                                      </p:to>
-                                    </p:set>
-                                    <p:animEffect transition="in" filter="fade">
-                                      <p:cBhvr>
-                                        <p:cTn id="30" dur="500"/>
-                                        <p:tgtEl>
-                                          <p:spTgt spid="22"/>
-                                        </p:tgtEl>
-                                      </p:cBhvr>
-                                    </p:animEffect>
-                                  </p:childTnLst>
-                                </p:cTn>
-                              </p:par>
-                              <p:par>
-                                <p:cTn id="31" presetID="10" presetClass="entr" presetSubtype="0" fill="hold" nodeType="withEffect">
-                                  <p:stCondLst>
-                                    <p:cond delay="0"/>
-                                  </p:stCondLst>
-                                  <p:childTnLst>
-                                    <p:set>
-                                      <p:cBhvr>
-                                        <p:cTn id="32" dur="1" fill="hold">
-                                          <p:stCondLst>
-                                            <p:cond delay="0"/>
-                                          </p:stCondLst>
-                                        </p:cTn>
-                                        <p:tgtEl>
-                                          <p:spTgt spid="23"/>
-                                        </p:tgtEl>
-                                        <p:attrNameLst>
-                                          <p:attrName>style.visibility</p:attrName>
-                                        </p:attrNameLst>
-                                      </p:cBhvr>
-                                      <p:to>
-                                        <p:strVal val="visible"/>
-                                      </p:to>
-                                    </p:set>
-                                    <p:animEffect transition="in" filter="fade">
-                                      <p:cBhvr>
-                                        <p:cTn id="33" dur="500"/>
-                                        <p:tgtEl>
-                                          <p:spTgt spid="23"/>
-                                        </p:tgtEl>
-                                      </p:cBhvr>
-                                    </p:animEffect>
-                                  </p:childTnLst>
-                                </p:cTn>
-                              </p:par>
-                              <p:par>
-                                <p:cTn id="34" presetID="10" presetClass="entr" presetSubtype="0" fill="hold" nodeType="withEffect">
-                                  <p:stCondLst>
-                                    <p:cond delay="0"/>
-                                  </p:stCondLst>
-                                  <p:childTnLst>
-                                    <p:set>
-                                      <p:cBhvr>
-                                        <p:cTn id="35" dur="1" fill="hold">
-                                          <p:stCondLst>
-                                            <p:cond delay="0"/>
-                                          </p:stCondLst>
-                                        </p:cTn>
-                                        <p:tgtEl>
-                                          <p:spTgt spid="24"/>
-                                        </p:tgtEl>
-                                        <p:attrNameLst>
-                                          <p:attrName>style.visibility</p:attrName>
-                                        </p:attrNameLst>
-                                      </p:cBhvr>
-                                      <p:to>
-                                        <p:strVal val="visible"/>
-                                      </p:to>
-                                    </p:set>
-                                    <p:animEffect transition="in" filter="fade">
-                                      <p:cBhvr>
-                                        <p:cTn id="36" dur="500"/>
-                                        <p:tgtEl>
-                                          <p:spTgt spid="24"/>
-                                        </p:tgtEl>
-                                      </p:cBhvr>
-                                    </p:animEffect>
-                                  </p:childTnLst>
-                                </p:cTn>
-                              </p:par>
-                              <p:par>
-                                <p:cTn id="37" presetID="10" presetClass="entr" presetSubtype="0" fill="hold" nodeType="withEffect">
-                                  <p:stCondLst>
-                                    <p:cond delay="0"/>
-                                  </p:stCondLst>
-                                  <p:childTnLst>
-                                    <p:set>
-                                      <p:cBhvr>
-                                        <p:cTn id="38" dur="1" fill="hold">
-                                          <p:stCondLst>
-                                            <p:cond delay="0"/>
-                                          </p:stCondLst>
-                                        </p:cTn>
-                                        <p:tgtEl>
-                                          <p:spTgt spid="25"/>
-                                        </p:tgtEl>
-                                        <p:attrNameLst>
-                                          <p:attrName>style.visibility</p:attrName>
-                                        </p:attrNameLst>
-                                      </p:cBhvr>
-                                      <p:to>
-                                        <p:strVal val="visible"/>
-                                      </p:to>
-                                    </p:set>
-                                    <p:animEffect transition="in" filter="fade">
-                                      <p:cBhvr>
-                                        <p:cTn id="39" dur="500"/>
-                                        <p:tgtEl>
-                                          <p:spTgt spid="25"/>
-                                        </p:tgtEl>
-                                      </p:cBhvr>
-                                    </p:animEffect>
-                                  </p:childTnLst>
-                                </p:cTn>
-                              </p:par>
-                            </p:childTnLst>
-                          </p:cTn>
-                        </p:par>
-                      </p:childTnLst>
-                    </p:cTn>
-                  </p:par>
-                </p:childTnLst>
-              </p:cTn>
-              <p:prevCondLst>
-                <p:cond evt="onPrev" delay="0">
-                  <p:tgtEl>
-                    <p:sldTgt/>
-                  </p:tgtEl>
-                </p:cond>
-              </p:prevCondLst>
-              <p:nextCondLst>
-                <p:cond evt="onNext" delay="0">
-                  <p:tgtEl>
-                    <p:sldTgt/>
-                  </p:tgtEl>
-                </p:cond>
-              </p:nextCondLst>
-            </p:seq>
-          </p:childTnLst>
-        </p:cTn>
-      </p:par>
-    </p:tnLst>
-    <p:bldLst>
-      <p:bldP spid="7" grpId="0" animBg="1"/>
-    </p:bldLst>
-  </p:timing>
-</p:sld>
-</file>
-
-<file path=ppt/slides/slide16.xml><?xml version="1.0" encoding="utf-8"?>
+<file path=ppt/slides/slide17.xml><?xml version="1.0" encoding="utf-8"?>
 <p:sld xmlns:a="http://schemas.openxmlformats.org/drawingml/2006/main" xmlns:r="http://schemas.openxmlformats.org/officeDocument/2006/relationships" xmlns:p="http://schemas.openxmlformats.org/presentationml/2006/main">
   <p:cSld>
     <p:spTree>
@@ -13046,7 +14889,7 @@
 </p:sld>
 </file>
 
-<file path=ppt/slides/slide17.xml><?xml version="1.0" encoding="utf-8"?>
+<file path=ppt/slides/slide18.xml><?xml version="1.0" encoding="utf-8"?>
 <p:sld xmlns:a="http://schemas.openxmlformats.org/drawingml/2006/main" xmlns:r="http://schemas.openxmlformats.org/officeDocument/2006/relationships" xmlns:p="http://schemas.openxmlformats.org/presentationml/2006/main">
   <p:cSld>
     <p:spTree>
@@ -13636,7 +15479,7 @@
           <p:cNvPr id="6" name="Content Placeholder 2">
             <a:extLst>
               <a:ext uri="{FF2B5EF4-FFF2-40B4-BE49-F238E27FC236}">
-                <a16:creationId xmlns:a16="http://schemas.microsoft.com/office/drawing/2014/main" xmlns="" id="{E5CD377C-CD93-4542-9DDF-C21988518413}"/>
+                <a16:creationId xmlns="" xmlns:a16="http://schemas.microsoft.com/office/drawing/2014/main" id="{E5CD377C-CD93-4542-9DDF-C21988518413}"/>
               </a:ext>
             </a:extLst>
           </p:cNvPr>
@@ -14555,7 +16398,7 @@
 </p:sld>
 </file>
 
-<file path=ppt/slides/slide18.xml><?xml version="1.0" encoding="utf-8"?>
+<file path=ppt/slides/slide19.xml><?xml version="1.0" encoding="utf-8"?>
 <p:sld xmlns:a="http://schemas.openxmlformats.org/drawingml/2006/main" xmlns:r="http://schemas.openxmlformats.org/officeDocument/2006/relationships" xmlns:p="http://schemas.openxmlformats.org/presentationml/2006/main">
   <p:cSld>
     <p:spTree>
@@ -14949,7 +16792,7 @@
           <p:cNvPr id="4" name="Picture 3">
             <a:extLst>
               <a:ext uri="{FF2B5EF4-FFF2-40B4-BE49-F238E27FC236}">
-                <a16:creationId xmlns:a16="http://schemas.microsoft.com/office/drawing/2014/main" xmlns="" id="{AC5A68B4-D497-4860-9C0F-7BBB3857E922}"/>
+                <a16:creationId xmlns="" xmlns:a16="http://schemas.microsoft.com/office/drawing/2014/main" id="{AC5A68B4-D497-4860-9C0F-7BBB3857E922}"/>
               </a:ext>
             </a:extLst>
           </p:cNvPr>
@@ -15317,8 +17160,1401 @@
 </p:sld>
 </file>
 
-<file path=ppt/slides/slide19.xml><?xml version="1.0" encoding="utf-8"?>
+<file path=ppt/slides/slide2.xml><?xml version="1.0" encoding="utf-8"?>
 <p:sld xmlns:a="http://schemas.openxmlformats.org/drawingml/2006/main" xmlns:r="http://schemas.openxmlformats.org/officeDocument/2006/relationships" xmlns:p="http://schemas.openxmlformats.org/presentationml/2006/main">
+  <p:cSld>
+    <p:spTree>
+      <p:nvGrpSpPr>
+        <p:cNvPr id="1" name=""/>
+        <p:cNvGrpSpPr/>
+        <p:nvPr/>
+      </p:nvGrpSpPr>
+      <p:grpSpPr>
+        <a:xfrm>
+          <a:off x="0" y="0"/>
+          <a:ext cx="0" cy="0"/>
+          <a:chOff x="0" y="0"/>
+          <a:chExt cx="0" cy="0"/>
+        </a:xfrm>
+      </p:grpSpPr>
+      <p:pic>
+        <p:nvPicPr>
+          <p:cNvPr id="8" name="Picture 7"/>
+          <p:cNvPicPr>
+            <a:picLocks noChangeAspect="1"/>
+          </p:cNvPicPr>
+          <p:nvPr/>
+        </p:nvPicPr>
+        <p:blipFill>
+          <a:blip r:embed="rId2">
+            <a:extLst>
+              <a:ext uri="{28A0092B-C50C-407E-A947-70E740481C1C}">
+                <a14:useLocalDpi xmlns:a14="http://schemas.microsoft.com/office/drawing/2010/main" val="0"/>
+              </a:ext>
+            </a:extLst>
+          </a:blip>
+          <a:stretch>
+            <a:fillRect/>
+          </a:stretch>
+        </p:blipFill>
+        <p:spPr>
+          <a:xfrm>
+            <a:off x="1702201" y="3031905"/>
+            <a:ext cx="2895600" cy="1367366"/>
+          </a:xfrm>
+          <a:prstGeom prst="rect">
+            <a:avLst/>
+          </a:prstGeom>
+        </p:spPr>
+      </p:pic>
+      <p:sp>
+        <p:nvSpPr>
+          <p:cNvPr id="2" name="Title 1"/>
+          <p:cNvSpPr>
+            <a:spLocks noGrp="1"/>
+          </p:cNvSpPr>
+          <p:nvPr>
+            <p:ph type="title"/>
+          </p:nvPr>
+        </p:nvSpPr>
+        <p:spPr/>
+        <p:txBody>
+          <a:bodyPr/>
+          <a:lstStyle/>
+          <a:p>
+            <a:r>
+              <a:rPr lang="it-IT" dirty="0"/>
+              <a:t>Finalità</a:t>
+            </a:r>
+          </a:p>
+        </p:txBody>
+      </p:sp>
+      <p:pic>
+        <p:nvPicPr>
+          <p:cNvPr id="6" name="Picture 5"/>
+          <p:cNvPicPr>
+            <a:picLocks noChangeAspect="1"/>
+          </p:cNvPicPr>
+          <p:nvPr/>
+        </p:nvPicPr>
+        <p:blipFill>
+          <a:blip r:embed="rId3">
+            <a:extLst>
+              <a:ext uri="{28A0092B-C50C-407E-A947-70E740481C1C}">
+                <a14:useLocalDpi xmlns:a14="http://schemas.microsoft.com/office/drawing/2010/main" val="0"/>
+              </a:ext>
+            </a:extLst>
+          </a:blip>
+          <a:stretch>
+            <a:fillRect/>
+          </a:stretch>
+        </p:blipFill>
+        <p:spPr>
+          <a:xfrm>
+            <a:off x="416457" y="1850458"/>
+            <a:ext cx="1285744" cy="1402630"/>
+          </a:xfrm>
+          <a:prstGeom prst="rect">
+            <a:avLst/>
+          </a:prstGeom>
+        </p:spPr>
+      </p:pic>
+      <p:sp>
+        <p:nvSpPr>
+          <p:cNvPr id="7" name="Cross 6"/>
+          <p:cNvSpPr/>
+          <p:nvPr/>
+        </p:nvSpPr>
+        <p:spPr>
+          <a:xfrm>
+            <a:off x="1592128" y="2803713"/>
+            <a:ext cx="687003" cy="687003"/>
+          </a:xfrm>
+          <a:prstGeom prst="plus">
+            <a:avLst>
+              <a:gd name="adj" fmla="val 38889"/>
+            </a:avLst>
+          </a:prstGeom>
+          <a:solidFill>
+            <a:schemeClr val="tx1"/>
+          </a:solidFill>
+          <a:ln>
+            <a:noFill/>
+          </a:ln>
+        </p:spPr>
+        <p:style>
+          <a:lnRef idx="2">
+            <a:schemeClr val="accent1">
+              <a:shade val="50000"/>
+            </a:schemeClr>
+          </a:lnRef>
+          <a:fillRef idx="1">
+            <a:schemeClr val="accent1"/>
+          </a:fillRef>
+          <a:effectRef idx="0">
+            <a:schemeClr val="accent1"/>
+          </a:effectRef>
+          <a:fontRef idx="minor">
+            <a:schemeClr val="lt1"/>
+          </a:fontRef>
+        </p:style>
+        <p:txBody>
+          <a:bodyPr rtlCol="0" anchor="ctr"/>
+          <a:lstStyle/>
+          <a:p>
+            <a:pPr algn="ctr"/>
+            <a:endParaRPr lang="it-IT"/>
+          </a:p>
+        </p:txBody>
+      </p:sp>
+      <p:sp>
+        <p:nvSpPr>
+          <p:cNvPr id="9" name="Content Placeholder 2"/>
+          <p:cNvSpPr txBox="1">
+            <a:spLocks/>
+          </p:cNvSpPr>
+          <p:nvPr/>
+        </p:nvSpPr>
+        <p:spPr>
+          <a:xfrm>
+            <a:off x="4216400" y="2125134"/>
+            <a:ext cx="4150360" cy="1951566"/>
+          </a:xfrm>
+          <a:prstGeom prst="rect">
+            <a:avLst/>
+          </a:prstGeom>
+        </p:spPr>
+        <p:txBody>
+          <a:bodyPr/>
+          <a:lstStyle>
+            <a:lvl1pPr marL="91440" indent="-91440" algn="l" defTabSz="914400" rtl="0" eaLnBrk="1" latinLnBrk="0" hangingPunct="1">
+              <a:lnSpc>
+                <a:spcPct val="90000"/>
+              </a:lnSpc>
+              <a:spcBef>
+                <a:spcPts val="1200"/>
+              </a:spcBef>
+              <a:spcAft>
+                <a:spcPts val="200"/>
+              </a:spcAft>
+              <a:buClr>
+                <a:schemeClr val="accent1"/>
+              </a:buClr>
+              <a:buSzPct val="100000"/>
+              <a:buFont typeface="Calibri" panose="020F0502020204030204" pitchFamily="34" charset="0"/>
+              <a:buChar char=" "/>
+              <a:defRPr sz="2000" kern="1200">
+                <a:solidFill>
+                  <a:schemeClr val="tx1">
+                    <a:lumMod val="75000"/>
+                    <a:lumOff val="25000"/>
+                  </a:schemeClr>
+                </a:solidFill>
+                <a:latin typeface="+mn-lt"/>
+                <a:ea typeface="+mn-ea"/>
+                <a:cs typeface="+mn-cs"/>
+              </a:defRPr>
+            </a:lvl1pPr>
+            <a:lvl2pPr marL="384048" indent="-182880" algn="l" defTabSz="914400" rtl="0" eaLnBrk="1" latinLnBrk="0" hangingPunct="1">
+              <a:lnSpc>
+                <a:spcPct val="90000"/>
+              </a:lnSpc>
+              <a:spcBef>
+                <a:spcPts val="200"/>
+              </a:spcBef>
+              <a:spcAft>
+                <a:spcPts val="400"/>
+              </a:spcAft>
+              <a:buClr>
+                <a:schemeClr val="accent1"/>
+              </a:buClr>
+              <a:buFont typeface="Calibri" pitchFamily="34" charset="0"/>
+              <a:buChar char="◦"/>
+              <a:defRPr sz="1800" kern="1200">
+                <a:solidFill>
+                  <a:schemeClr val="tx1">
+                    <a:lumMod val="75000"/>
+                    <a:lumOff val="25000"/>
+                  </a:schemeClr>
+                </a:solidFill>
+                <a:latin typeface="+mn-lt"/>
+                <a:ea typeface="+mn-ea"/>
+                <a:cs typeface="+mn-cs"/>
+              </a:defRPr>
+            </a:lvl2pPr>
+            <a:lvl3pPr marL="566928" indent="-182880" algn="l" defTabSz="914400" rtl="0" eaLnBrk="1" latinLnBrk="0" hangingPunct="1">
+              <a:lnSpc>
+                <a:spcPct val="90000"/>
+              </a:lnSpc>
+              <a:spcBef>
+                <a:spcPts val="200"/>
+              </a:spcBef>
+              <a:spcAft>
+                <a:spcPts val="400"/>
+              </a:spcAft>
+              <a:buClr>
+                <a:schemeClr val="accent1"/>
+              </a:buClr>
+              <a:buFont typeface="Calibri" pitchFamily="34" charset="0"/>
+              <a:buChar char="◦"/>
+              <a:defRPr sz="1400" kern="1200">
+                <a:solidFill>
+                  <a:schemeClr val="tx1">
+                    <a:lumMod val="75000"/>
+                    <a:lumOff val="25000"/>
+                  </a:schemeClr>
+                </a:solidFill>
+                <a:latin typeface="+mn-lt"/>
+                <a:ea typeface="+mn-ea"/>
+                <a:cs typeface="+mn-cs"/>
+              </a:defRPr>
+            </a:lvl3pPr>
+            <a:lvl4pPr marL="749808" indent="-182880" algn="l" defTabSz="914400" rtl="0" eaLnBrk="1" latinLnBrk="0" hangingPunct="1">
+              <a:lnSpc>
+                <a:spcPct val="90000"/>
+              </a:lnSpc>
+              <a:spcBef>
+                <a:spcPts val="200"/>
+              </a:spcBef>
+              <a:spcAft>
+                <a:spcPts val="400"/>
+              </a:spcAft>
+              <a:buClr>
+                <a:schemeClr val="accent1"/>
+              </a:buClr>
+              <a:buFont typeface="Calibri" pitchFamily="34" charset="0"/>
+              <a:buChar char="◦"/>
+              <a:defRPr sz="1400" kern="1200">
+                <a:solidFill>
+                  <a:schemeClr val="tx1">
+                    <a:lumMod val="75000"/>
+                    <a:lumOff val="25000"/>
+                  </a:schemeClr>
+                </a:solidFill>
+                <a:latin typeface="+mn-lt"/>
+                <a:ea typeface="+mn-ea"/>
+                <a:cs typeface="+mn-cs"/>
+              </a:defRPr>
+            </a:lvl4pPr>
+            <a:lvl5pPr marL="932688" indent="-182880" algn="l" defTabSz="914400" rtl="0" eaLnBrk="1" latinLnBrk="0" hangingPunct="1">
+              <a:lnSpc>
+                <a:spcPct val="90000"/>
+              </a:lnSpc>
+              <a:spcBef>
+                <a:spcPts val="200"/>
+              </a:spcBef>
+              <a:spcAft>
+                <a:spcPts val="400"/>
+              </a:spcAft>
+              <a:buClr>
+                <a:schemeClr val="accent1"/>
+              </a:buClr>
+              <a:buFont typeface="Calibri" pitchFamily="34" charset="0"/>
+              <a:buChar char="◦"/>
+              <a:defRPr sz="1400" kern="1200">
+                <a:solidFill>
+                  <a:schemeClr val="tx1">
+                    <a:lumMod val="75000"/>
+                    <a:lumOff val="25000"/>
+                  </a:schemeClr>
+                </a:solidFill>
+                <a:latin typeface="+mn-lt"/>
+                <a:ea typeface="+mn-ea"/>
+                <a:cs typeface="+mn-cs"/>
+              </a:defRPr>
+            </a:lvl5pPr>
+            <a:lvl6pPr marL="1100000" indent="-228600" algn="l" defTabSz="914400" rtl="0" eaLnBrk="1" latinLnBrk="0" hangingPunct="1">
+              <a:lnSpc>
+                <a:spcPct val="90000"/>
+              </a:lnSpc>
+              <a:spcBef>
+                <a:spcPts val="200"/>
+              </a:spcBef>
+              <a:spcAft>
+                <a:spcPts val="400"/>
+              </a:spcAft>
+              <a:buClr>
+                <a:schemeClr val="accent1"/>
+              </a:buClr>
+              <a:buFont typeface="Calibri" pitchFamily="34" charset="0"/>
+              <a:buChar char="◦"/>
+              <a:defRPr sz="1400" kern="1200">
+                <a:solidFill>
+                  <a:schemeClr val="tx1">
+                    <a:lumMod val="75000"/>
+                    <a:lumOff val="25000"/>
+                  </a:schemeClr>
+                </a:solidFill>
+                <a:latin typeface="+mn-lt"/>
+                <a:ea typeface="+mn-ea"/>
+                <a:cs typeface="+mn-cs"/>
+              </a:defRPr>
+            </a:lvl6pPr>
+            <a:lvl7pPr marL="1300000" indent="-228600" algn="l" defTabSz="914400" rtl="0" eaLnBrk="1" latinLnBrk="0" hangingPunct="1">
+              <a:lnSpc>
+                <a:spcPct val="90000"/>
+              </a:lnSpc>
+              <a:spcBef>
+                <a:spcPts val="200"/>
+              </a:spcBef>
+              <a:spcAft>
+                <a:spcPts val="400"/>
+              </a:spcAft>
+              <a:buClr>
+                <a:schemeClr val="accent1"/>
+              </a:buClr>
+              <a:buFont typeface="Calibri" pitchFamily="34" charset="0"/>
+              <a:buChar char="◦"/>
+              <a:defRPr sz="1400" kern="1200">
+                <a:solidFill>
+                  <a:schemeClr val="tx1">
+                    <a:lumMod val="75000"/>
+                    <a:lumOff val="25000"/>
+                  </a:schemeClr>
+                </a:solidFill>
+                <a:latin typeface="+mn-lt"/>
+                <a:ea typeface="+mn-ea"/>
+                <a:cs typeface="+mn-cs"/>
+              </a:defRPr>
+            </a:lvl7pPr>
+            <a:lvl8pPr marL="1500000" indent="-228600" algn="l" defTabSz="914400" rtl="0" eaLnBrk="1" latinLnBrk="0" hangingPunct="1">
+              <a:lnSpc>
+                <a:spcPct val="90000"/>
+              </a:lnSpc>
+              <a:spcBef>
+                <a:spcPts val="200"/>
+              </a:spcBef>
+              <a:spcAft>
+                <a:spcPts val="400"/>
+              </a:spcAft>
+              <a:buClr>
+                <a:schemeClr val="accent1"/>
+              </a:buClr>
+              <a:buFont typeface="Calibri" pitchFamily="34" charset="0"/>
+              <a:buChar char="◦"/>
+              <a:defRPr sz="1400" kern="1200">
+                <a:solidFill>
+                  <a:schemeClr val="tx1">
+                    <a:lumMod val="75000"/>
+                    <a:lumOff val="25000"/>
+                  </a:schemeClr>
+                </a:solidFill>
+                <a:latin typeface="+mn-lt"/>
+                <a:ea typeface="+mn-ea"/>
+                <a:cs typeface="+mn-cs"/>
+              </a:defRPr>
+            </a:lvl8pPr>
+            <a:lvl9pPr marL="1700000" indent="-228600" algn="l" defTabSz="914400" rtl="0" eaLnBrk="1" latinLnBrk="0" hangingPunct="1">
+              <a:lnSpc>
+                <a:spcPct val="90000"/>
+              </a:lnSpc>
+              <a:spcBef>
+                <a:spcPts val="200"/>
+              </a:spcBef>
+              <a:spcAft>
+                <a:spcPts val="400"/>
+              </a:spcAft>
+              <a:buClr>
+                <a:schemeClr val="accent1"/>
+              </a:buClr>
+              <a:buFont typeface="Calibri" pitchFamily="34" charset="0"/>
+              <a:buChar char="◦"/>
+              <a:defRPr sz="1400" kern="1200">
+                <a:solidFill>
+                  <a:schemeClr val="tx1">
+                    <a:lumMod val="75000"/>
+                    <a:lumOff val="25000"/>
+                  </a:schemeClr>
+                </a:solidFill>
+                <a:latin typeface="+mn-lt"/>
+                <a:ea typeface="+mn-ea"/>
+                <a:cs typeface="+mn-cs"/>
+              </a:defRPr>
+            </a:lvl9pPr>
+          </a:lstStyle>
+          <a:p>
+            <a:pPr lvl="1">
+              <a:buFont typeface="Arial" charset="0"/>
+              <a:buChar char="•"/>
+            </a:pPr>
+            <a:r>
+              <a:rPr lang="it-IT" sz="2000" b="1" i="1" dirty="0"/>
+              <a:t>Scratch</a:t>
+            </a:r>
+            <a:r>
+              <a:rPr lang="it-IT" sz="2000" dirty="0"/>
+              <a:t> è un ambiente di sviluppo a fini didattici che fa uso di un </a:t>
+            </a:r>
+            <a:r>
+              <a:rPr lang="it-IT" sz="2000" b="1" dirty="0"/>
+              <a:t>linguaggio di programmazione grafico</a:t>
+            </a:r>
+            <a:r>
+              <a:rPr lang="it-IT" sz="2000" dirty="0"/>
+              <a:t> a blocchi.</a:t>
+            </a:r>
+          </a:p>
+          <a:p>
+            <a:pPr lvl="1">
+              <a:buFont typeface="Arial" charset="0"/>
+              <a:buChar char="•"/>
+            </a:pPr>
+            <a:endParaRPr lang="it-IT" sz="700" dirty="0"/>
+          </a:p>
+          <a:p>
+            <a:pPr lvl="1">
+              <a:buFont typeface="Arial" charset="0"/>
+              <a:buChar char="•"/>
+            </a:pPr>
+            <a:endParaRPr lang="it-IT" sz="2000" dirty="0"/>
+          </a:p>
+        </p:txBody>
+      </p:sp>
+      <p:sp>
+        <p:nvSpPr>
+          <p:cNvPr id="11" name="Content Placeholder 2"/>
+          <p:cNvSpPr txBox="1">
+            <a:spLocks/>
+          </p:cNvSpPr>
+          <p:nvPr/>
+        </p:nvSpPr>
+        <p:spPr>
+          <a:xfrm>
+            <a:off x="822960" y="4785260"/>
+            <a:ext cx="7543800" cy="1502558"/>
+          </a:xfrm>
+          <a:prstGeom prst="rect">
+            <a:avLst/>
+          </a:prstGeom>
+        </p:spPr>
+        <p:txBody>
+          <a:bodyPr/>
+          <a:lstStyle>
+            <a:lvl1pPr marL="91440" indent="-91440" algn="l" defTabSz="914400" rtl="0" eaLnBrk="1" latinLnBrk="0" hangingPunct="1">
+              <a:lnSpc>
+                <a:spcPct val="90000"/>
+              </a:lnSpc>
+              <a:spcBef>
+                <a:spcPts val="1200"/>
+              </a:spcBef>
+              <a:spcAft>
+                <a:spcPts val="200"/>
+              </a:spcAft>
+              <a:buClr>
+                <a:schemeClr val="accent1"/>
+              </a:buClr>
+              <a:buSzPct val="100000"/>
+              <a:buFont typeface="Calibri" panose="020F0502020204030204" pitchFamily="34" charset="0"/>
+              <a:buChar char=" "/>
+              <a:defRPr sz="2000" kern="1200">
+                <a:solidFill>
+                  <a:schemeClr val="tx1">
+                    <a:lumMod val="75000"/>
+                    <a:lumOff val="25000"/>
+                  </a:schemeClr>
+                </a:solidFill>
+                <a:latin typeface="+mn-lt"/>
+                <a:ea typeface="+mn-ea"/>
+                <a:cs typeface="+mn-cs"/>
+              </a:defRPr>
+            </a:lvl1pPr>
+            <a:lvl2pPr marL="384048" indent="-182880" algn="l" defTabSz="914400" rtl="0" eaLnBrk="1" latinLnBrk="0" hangingPunct="1">
+              <a:lnSpc>
+                <a:spcPct val="90000"/>
+              </a:lnSpc>
+              <a:spcBef>
+                <a:spcPts val="200"/>
+              </a:spcBef>
+              <a:spcAft>
+                <a:spcPts val="400"/>
+              </a:spcAft>
+              <a:buClr>
+                <a:schemeClr val="accent1"/>
+              </a:buClr>
+              <a:buFont typeface="Calibri" pitchFamily="34" charset="0"/>
+              <a:buChar char="◦"/>
+              <a:defRPr sz="1800" kern="1200">
+                <a:solidFill>
+                  <a:schemeClr val="tx1">
+                    <a:lumMod val="75000"/>
+                    <a:lumOff val="25000"/>
+                  </a:schemeClr>
+                </a:solidFill>
+                <a:latin typeface="+mn-lt"/>
+                <a:ea typeface="+mn-ea"/>
+                <a:cs typeface="+mn-cs"/>
+              </a:defRPr>
+            </a:lvl2pPr>
+            <a:lvl3pPr marL="566928" indent="-182880" algn="l" defTabSz="914400" rtl="0" eaLnBrk="1" latinLnBrk="0" hangingPunct="1">
+              <a:lnSpc>
+                <a:spcPct val="90000"/>
+              </a:lnSpc>
+              <a:spcBef>
+                <a:spcPts val="200"/>
+              </a:spcBef>
+              <a:spcAft>
+                <a:spcPts val="400"/>
+              </a:spcAft>
+              <a:buClr>
+                <a:schemeClr val="accent1"/>
+              </a:buClr>
+              <a:buFont typeface="Calibri" pitchFamily="34" charset="0"/>
+              <a:buChar char="◦"/>
+              <a:defRPr sz="1400" kern="1200">
+                <a:solidFill>
+                  <a:schemeClr val="tx1">
+                    <a:lumMod val="75000"/>
+                    <a:lumOff val="25000"/>
+                  </a:schemeClr>
+                </a:solidFill>
+                <a:latin typeface="+mn-lt"/>
+                <a:ea typeface="+mn-ea"/>
+                <a:cs typeface="+mn-cs"/>
+              </a:defRPr>
+            </a:lvl3pPr>
+            <a:lvl4pPr marL="749808" indent="-182880" algn="l" defTabSz="914400" rtl="0" eaLnBrk="1" latinLnBrk="0" hangingPunct="1">
+              <a:lnSpc>
+                <a:spcPct val="90000"/>
+              </a:lnSpc>
+              <a:spcBef>
+                <a:spcPts val="200"/>
+              </a:spcBef>
+              <a:spcAft>
+                <a:spcPts val="400"/>
+              </a:spcAft>
+              <a:buClr>
+                <a:schemeClr val="accent1"/>
+              </a:buClr>
+              <a:buFont typeface="Calibri" pitchFamily="34" charset="0"/>
+              <a:buChar char="◦"/>
+              <a:defRPr sz="1400" kern="1200">
+                <a:solidFill>
+                  <a:schemeClr val="tx1">
+                    <a:lumMod val="75000"/>
+                    <a:lumOff val="25000"/>
+                  </a:schemeClr>
+                </a:solidFill>
+                <a:latin typeface="+mn-lt"/>
+                <a:ea typeface="+mn-ea"/>
+                <a:cs typeface="+mn-cs"/>
+              </a:defRPr>
+            </a:lvl4pPr>
+            <a:lvl5pPr marL="932688" indent="-182880" algn="l" defTabSz="914400" rtl="0" eaLnBrk="1" latinLnBrk="0" hangingPunct="1">
+              <a:lnSpc>
+                <a:spcPct val="90000"/>
+              </a:lnSpc>
+              <a:spcBef>
+                <a:spcPts val="200"/>
+              </a:spcBef>
+              <a:spcAft>
+                <a:spcPts val="400"/>
+              </a:spcAft>
+              <a:buClr>
+                <a:schemeClr val="accent1"/>
+              </a:buClr>
+              <a:buFont typeface="Calibri" pitchFamily="34" charset="0"/>
+              <a:buChar char="◦"/>
+              <a:defRPr sz="1400" kern="1200">
+                <a:solidFill>
+                  <a:schemeClr val="tx1">
+                    <a:lumMod val="75000"/>
+                    <a:lumOff val="25000"/>
+                  </a:schemeClr>
+                </a:solidFill>
+                <a:latin typeface="+mn-lt"/>
+                <a:ea typeface="+mn-ea"/>
+                <a:cs typeface="+mn-cs"/>
+              </a:defRPr>
+            </a:lvl5pPr>
+            <a:lvl6pPr marL="1100000" indent="-228600" algn="l" defTabSz="914400" rtl="0" eaLnBrk="1" latinLnBrk="0" hangingPunct="1">
+              <a:lnSpc>
+                <a:spcPct val="90000"/>
+              </a:lnSpc>
+              <a:spcBef>
+                <a:spcPts val="200"/>
+              </a:spcBef>
+              <a:spcAft>
+                <a:spcPts val="400"/>
+              </a:spcAft>
+              <a:buClr>
+                <a:schemeClr val="accent1"/>
+              </a:buClr>
+              <a:buFont typeface="Calibri" pitchFamily="34" charset="0"/>
+              <a:buChar char="◦"/>
+              <a:defRPr sz="1400" kern="1200">
+                <a:solidFill>
+                  <a:schemeClr val="tx1">
+                    <a:lumMod val="75000"/>
+                    <a:lumOff val="25000"/>
+                  </a:schemeClr>
+                </a:solidFill>
+                <a:latin typeface="+mn-lt"/>
+                <a:ea typeface="+mn-ea"/>
+                <a:cs typeface="+mn-cs"/>
+              </a:defRPr>
+            </a:lvl6pPr>
+            <a:lvl7pPr marL="1300000" indent="-228600" algn="l" defTabSz="914400" rtl="0" eaLnBrk="1" latinLnBrk="0" hangingPunct="1">
+              <a:lnSpc>
+                <a:spcPct val="90000"/>
+              </a:lnSpc>
+              <a:spcBef>
+                <a:spcPts val="200"/>
+              </a:spcBef>
+              <a:spcAft>
+                <a:spcPts val="400"/>
+              </a:spcAft>
+              <a:buClr>
+                <a:schemeClr val="accent1"/>
+              </a:buClr>
+              <a:buFont typeface="Calibri" pitchFamily="34" charset="0"/>
+              <a:buChar char="◦"/>
+              <a:defRPr sz="1400" kern="1200">
+                <a:solidFill>
+                  <a:schemeClr val="tx1">
+                    <a:lumMod val="75000"/>
+                    <a:lumOff val="25000"/>
+                  </a:schemeClr>
+                </a:solidFill>
+                <a:latin typeface="+mn-lt"/>
+                <a:ea typeface="+mn-ea"/>
+                <a:cs typeface="+mn-cs"/>
+              </a:defRPr>
+            </a:lvl7pPr>
+            <a:lvl8pPr marL="1500000" indent="-228600" algn="l" defTabSz="914400" rtl="0" eaLnBrk="1" latinLnBrk="0" hangingPunct="1">
+              <a:lnSpc>
+                <a:spcPct val="90000"/>
+              </a:lnSpc>
+              <a:spcBef>
+                <a:spcPts val="200"/>
+              </a:spcBef>
+              <a:spcAft>
+                <a:spcPts val="400"/>
+              </a:spcAft>
+              <a:buClr>
+                <a:schemeClr val="accent1"/>
+              </a:buClr>
+              <a:buFont typeface="Calibri" pitchFamily="34" charset="0"/>
+              <a:buChar char="◦"/>
+              <a:defRPr sz="1400" kern="1200">
+                <a:solidFill>
+                  <a:schemeClr val="tx1">
+                    <a:lumMod val="75000"/>
+                    <a:lumOff val="25000"/>
+                  </a:schemeClr>
+                </a:solidFill>
+                <a:latin typeface="+mn-lt"/>
+                <a:ea typeface="+mn-ea"/>
+                <a:cs typeface="+mn-cs"/>
+              </a:defRPr>
+            </a:lvl8pPr>
+            <a:lvl9pPr marL="1700000" indent="-228600" algn="l" defTabSz="914400" rtl="0" eaLnBrk="1" latinLnBrk="0" hangingPunct="1">
+              <a:lnSpc>
+                <a:spcPct val="90000"/>
+              </a:lnSpc>
+              <a:spcBef>
+                <a:spcPts val="200"/>
+              </a:spcBef>
+              <a:spcAft>
+                <a:spcPts val="400"/>
+              </a:spcAft>
+              <a:buClr>
+                <a:schemeClr val="accent1"/>
+              </a:buClr>
+              <a:buFont typeface="Calibri" pitchFamily="34" charset="0"/>
+              <a:buChar char="◦"/>
+              <a:defRPr sz="1400" kern="1200">
+                <a:solidFill>
+                  <a:schemeClr val="tx1">
+                    <a:lumMod val="75000"/>
+                    <a:lumOff val="25000"/>
+                  </a:schemeClr>
+                </a:solidFill>
+                <a:latin typeface="+mn-lt"/>
+                <a:ea typeface="+mn-ea"/>
+                <a:cs typeface="+mn-cs"/>
+              </a:defRPr>
+            </a:lvl9pPr>
+          </a:lstStyle>
+          <a:p>
+            <a:pPr lvl="1">
+              <a:buFont typeface="Arial" charset="0"/>
+              <a:buChar char="•"/>
+            </a:pPr>
+            <a:r>
+              <a:rPr lang="it-IT" sz="2000" dirty="0"/>
+              <a:t>La applicazione della seconda al primo </a:t>
+            </a:r>
+            <a:r>
+              <a:rPr lang="it-IT" sz="2000" b="1" dirty="0"/>
+              <a:t>facilita l’interazione</a:t>
+            </a:r>
+            <a:r>
+              <a:rPr lang="it-IT" sz="2000" dirty="0"/>
+              <a:t> dell’utente (specie se non abituato alle interfacce classiche).</a:t>
+            </a:r>
+          </a:p>
+        </p:txBody>
+      </p:sp>
+      <p:sp>
+        <p:nvSpPr>
+          <p:cNvPr id="10" name="Content Placeholder 2">
+            <a:extLst>
+              <a:ext uri="{FF2B5EF4-FFF2-40B4-BE49-F238E27FC236}">
+                <a16:creationId xmlns="" xmlns:a16="http://schemas.microsoft.com/office/drawing/2014/main" id="{5E423904-5B0D-4BD9-B271-FAAC5E33A244}"/>
+              </a:ext>
+            </a:extLst>
+          </p:cNvPr>
+          <p:cNvSpPr txBox="1">
+            <a:spLocks/>
+          </p:cNvSpPr>
+          <p:nvPr/>
+        </p:nvSpPr>
+        <p:spPr>
+          <a:xfrm>
+            <a:off x="4216400" y="3472856"/>
+            <a:ext cx="4150360" cy="1951566"/>
+          </a:xfrm>
+          <a:prstGeom prst="rect">
+            <a:avLst/>
+          </a:prstGeom>
+        </p:spPr>
+        <p:txBody>
+          <a:bodyPr/>
+          <a:lstStyle>
+            <a:lvl1pPr marL="91440" indent="-91440" algn="l" defTabSz="914400" rtl="0" eaLnBrk="1" latinLnBrk="0" hangingPunct="1">
+              <a:lnSpc>
+                <a:spcPct val="90000"/>
+              </a:lnSpc>
+              <a:spcBef>
+                <a:spcPts val="1200"/>
+              </a:spcBef>
+              <a:spcAft>
+                <a:spcPts val="200"/>
+              </a:spcAft>
+              <a:buClr>
+                <a:schemeClr val="accent1"/>
+              </a:buClr>
+              <a:buSzPct val="100000"/>
+              <a:buFont typeface="Calibri" panose="020F0502020204030204" pitchFamily="34" charset="0"/>
+              <a:buChar char=" "/>
+              <a:defRPr sz="2000" kern="1200">
+                <a:solidFill>
+                  <a:schemeClr val="tx1">
+                    <a:lumMod val="75000"/>
+                    <a:lumOff val="25000"/>
+                  </a:schemeClr>
+                </a:solidFill>
+                <a:latin typeface="+mn-lt"/>
+                <a:ea typeface="+mn-ea"/>
+                <a:cs typeface="+mn-cs"/>
+              </a:defRPr>
+            </a:lvl1pPr>
+            <a:lvl2pPr marL="384048" indent="-182880" algn="l" defTabSz="914400" rtl="0" eaLnBrk="1" latinLnBrk="0" hangingPunct="1">
+              <a:lnSpc>
+                <a:spcPct val="90000"/>
+              </a:lnSpc>
+              <a:spcBef>
+                <a:spcPts val="200"/>
+              </a:spcBef>
+              <a:spcAft>
+                <a:spcPts val="400"/>
+              </a:spcAft>
+              <a:buClr>
+                <a:schemeClr val="accent1"/>
+              </a:buClr>
+              <a:buFont typeface="Calibri" pitchFamily="34" charset="0"/>
+              <a:buChar char="◦"/>
+              <a:defRPr sz="1800" kern="1200">
+                <a:solidFill>
+                  <a:schemeClr val="tx1">
+                    <a:lumMod val="75000"/>
+                    <a:lumOff val="25000"/>
+                  </a:schemeClr>
+                </a:solidFill>
+                <a:latin typeface="+mn-lt"/>
+                <a:ea typeface="+mn-ea"/>
+                <a:cs typeface="+mn-cs"/>
+              </a:defRPr>
+            </a:lvl2pPr>
+            <a:lvl3pPr marL="566928" indent="-182880" algn="l" defTabSz="914400" rtl="0" eaLnBrk="1" latinLnBrk="0" hangingPunct="1">
+              <a:lnSpc>
+                <a:spcPct val="90000"/>
+              </a:lnSpc>
+              <a:spcBef>
+                <a:spcPts val="200"/>
+              </a:spcBef>
+              <a:spcAft>
+                <a:spcPts val="400"/>
+              </a:spcAft>
+              <a:buClr>
+                <a:schemeClr val="accent1"/>
+              </a:buClr>
+              <a:buFont typeface="Calibri" pitchFamily="34" charset="0"/>
+              <a:buChar char="◦"/>
+              <a:defRPr sz="1400" kern="1200">
+                <a:solidFill>
+                  <a:schemeClr val="tx1">
+                    <a:lumMod val="75000"/>
+                    <a:lumOff val="25000"/>
+                  </a:schemeClr>
+                </a:solidFill>
+                <a:latin typeface="+mn-lt"/>
+                <a:ea typeface="+mn-ea"/>
+                <a:cs typeface="+mn-cs"/>
+              </a:defRPr>
+            </a:lvl3pPr>
+            <a:lvl4pPr marL="749808" indent="-182880" algn="l" defTabSz="914400" rtl="0" eaLnBrk="1" latinLnBrk="0" hangingPunct="1">
+              <a:lnSpc>
+                <a:spcPct val="90000"/>
+              </a:lnSpc>
+              <a:spcBef>
+                <a:spcPts val="200"/>
+              </a:spcBef>
+              <a:spcAft>
+                <a:spcPts val="400"/>
+              </a:spcAft>
+              <a:buClr>
+                <a:schemeClr val="accent1"/>
+              </a:buClr>
+              <a:buFont typeface="Calibri" pitchFamily="34" charset="0"/>
+              <a:buChar char="◦"/>
+              <a:defRPr sz="1400" kern="1200">
+                <a:solidFill>
+                  <a:schemeClr val="tx1">
+                    <a:lumMod val="75000"/>
+                    <a:lumOff val="25000"/>
+                  </a:schemeClr>
+                </a:solidFill>
+                <a:latin typeface="+mn-lt"/>
+                <a:ea typeface="+mn-ea"/>
+                <a:cs typeface="+mn-cs"/>
+              </a:defRPr>
+            </a:lvl4pPr>
+            <a:lvl5pPr marL="932688" indent="-182880" algn="l" defTabSz="914400" rtl="0" eaLnBrk="1" latinLnBrk="0" hangingPunct="1">
+              <a:lnSpc>
+                <a:spcPct val="90000"/>
+              </a:lnSpc>
+              <a:spcBef>
+                <a:spcPts val="200"/>
+              </a:spcBef>
+              <a:spcAft>
+                <a:spcPts val="400"/>
+              </a:spcAft>
+              <a:buClr>
+                <a:schemeClr val="accent1"/>
+              </a:buClr>
+              <a:buFont typeface="Calibri" pitchFamily="34" charset="0"/>
+              <a:buChar char="◦"/>
+              <a:defRPr sz="1400" kern="1200">
+                <a:solidFill>
+                  <a:schemeClr val="tx1">
+                    <a:lumMod val="75000"/>
+                    <a:lumOff val="25000"/>
+                  </a:schemeClr>
+                </a:solidFill>
+                <a:latin typeface="+mn-lt"/>
+                <a:ea typeface="+mn-ea"/>
+                <a:cs typeface="+mn-cs"/>
+              </a:defRPr>
+            </a:lvl5pPr>
+            <a:lvl6pPr marL="1100000" indent="-228600" algn="l" defTabSz="914400" rtl="0" eaLnBrk="1" latinLnBrk="0" hangingPunct="1">
+              <a:lnSpc>
+                <a:spcPct val="90000"/>
+              </a:lnSpc>
+              <a:spcBef>
+                <a:spcPts val="200"/>
+              </a:spcBef>
+              <a:spcAft>
+                <a:spcPts val="400"/>
+              </a:spcAft>
+              <a:buClr>
+                <a:schemeClr val="accent1"/>
+              </a:buClr>
+              <a:buFont typeface="Calibri" pitchFamily="34" charset="0"/>
+              <a:buChar char="◦"/>
+              <a:defRPr sz="1400" kern="1200">
+                <a:solidFill>
+                  <a:schemeClr val="tx1">
+                    <a:lumMod val="75000"/>
+                    <a:lumOff val="25000"/>
+                  </a:schemeClr>
+                </a:solidFill>
+                <a:latin typeface="+mn-lt"/>
+                <a:ea typeface="+mn-ea"/>
+                <a:cs typeface="+mn-cs"/>
+              </a:defRPr>
+            </a:lvl6pPr>
+            <a:lvl7pPr marL="1300000" indent="-228600" algn="l" defTabSz="914400" rtl="0" eaLnBrk="1" latinLnBrk="0" hangingPunct="1">
+              <a:lnSpc>
+                <a:spcPct val="90000"/>
+              </a:lnSpc>
+              <a:spcBef>
+                <a:spcPts val="200"/>
+              </a:spcBef>
+              <a:spcAft>
+                <a:spcPts val="400"/>
+              </a:spcAft>
+              <a:buClr>
+                <a:schemeClr val="accent1"/>
+              </a:buClr>
+              <a:buFont typeface="Calibri" pitchFamily="34" charset="0"/>
+              <a:buChar char="◦"/>
+              <a:defRPr sz="1400" kern="1200">
+                <a:solidFill>
+                  <a:schemeClr val="tx1">
+                    <a:lumMod val="75000"/>
+                    <a:lumOff val="25000"/>
+                  </a:schemeClr>
+                </a:solidFill>
+                <a:latin typeface="+mn-lt"/>
+                <a:ea typeface="+mn-ea"/>
+                <a:cs typeface="+mn-cs"/>
+              </a:defRPr>
+            </a:lvl7pPr>
+            <a:lvl8pPr marL="1500000" indent="-228600" algn="l" defTabSz="914400" rtl="0" eaLnBrk="1" latinLnBrk="0" hangingPunct="1">
+              <a:lnSpc>
+                <a:spcPct val="90000"/>
+              </a:lnSpc>
+              <a:spcBef>
+                <a:spcPts val="200"/>
+              </a:spcBef>
+              <a:spcAft>
+                <a:spcPts val="400"/>
+              </a:spcAft>
+              <a:buClr>
+                <a:schemeClr val="accent1"/>
+              </a:buClr>
+              <a:buFont typeface="Calibri" pitchFamily="34" charset="0"/>
+              <a:buChar char="◦"/>
+              <a:defRPr sz="1400" kern="1200">
+                <a:solidFill>
+                  <a:schemeClr val="tx1">
+                    <a:lumMod val="75000"/>
+                    <a:lumOff val="25000"/>
+                  </a:schemeClr>
+                </a:solidFill>
+                <a:latin typeface="+mn-lt"/>
+                <a:ea typeface="+mn-ea"/>
+                <a:cs typeface="+mn-cs"/>
+              </a:defRPr>
+            </a:lvl8pPr>
+            <a:lvl9pPr marL="1700000" indent="-228600" algn="l" defTabSz="914400" rtl="0" eaLnBrk="1" latinLnBrk="0" hangingPunct="1">
+              <a:lnSpc>
+                <a:spcPct val="90000"/>
+              </a:lnSpc>
+              <a:spcBef>
+                <a:spcPts val="200"/>
+              </a:spcBef>
+              <a:spcAft>
+                <a:spcPts val="400"/>
+              </a:spcAft>
+              <a:buClr>
+                <a:schemeClr val="accent1"/>
+              </a:buClr>
+              <a:buFont typeface="Calibri" pitchFamily="34" charset="0"/>
+              <a:buChar char="◦"/>
+              <a:defRPr sz="1400" kern="1200">
+                <a:solidFill>
+                  <a:schemeClr val="tx1">
+                    <a:lumMod val="75000"/>
+                    <a:lumOff val="25000"/>
+                  </a:schemeClr>
+                </a:solidFill>
+                <a:latin typeface="+mn-lt"/>
+                <a:ea typeface="+mn-ea"/>
+                <a:cs typeface="+mn-cs"/>
+              </a:defRPr>
+            </a:lvl9pPr>
+          </a:lstStyle>
+          <a:p>
+            <a:pPr lvl="1">
+              <a:buFont typeface="Arial" charset="0"/>
+              <a:buChar char="•"/>
+            </a:pPr>
+            <a:r>
+              <a:rPr lang="it-IT" sz="2000" dirty="0"/>
+              <a:t>La tecnologia di </a:t>
+            </a:r>
+            <a:r>
+              <a:rPr lang="it-IT" sz="2000" b="1" dirty="0"/>
+              <a:t>realtà virtuale</a:t>
+            </a:r>
+            <a:r>
+              <a:rPr lang="it-IT" sz="2000" dirty="0"/>
+              <a:t> consente un’</a:t>
+            </a:r>
+            <a:r>
+              <a:rPr lang="it-IT" sz="2000" b="1" dirty="0"/>
+              <a:t>interazione più intuitiva e naturale</a:t>
+            </a:r>
+            <a:r>
+              <a:rPr lang="it-IT" sz="2000" dirty="0"/>
+              <a:t> con il calcolatore</a:t>
+            </a:r>
+          </a:p>
+          <a:p>
+            <a:pPr lvl="1">
+              <a:buFont typeface="Arial" charset="0"/>
+              <a:buChar char="•"/>
+            </a:pPr>
+            <a:endParaRPr lang="it-IT" sz="2000" dirty="0"/>
+          </a:p>
+        </p:txBody>
+      </p:sp>
+    </p:spTree>
+    <p:extLst>
+      <p:ext uri="{BB962C8B-B14F-4D97-AF65-F5344CB8AC3E}">
+        <p14:creationId xmlns:p14="http://schemas.microsoft.com/office/powerpoint/2010/main" val="1743161489"/>
+      </p:ext>
+    </p:extLst>
+  </p:cSld>
+  <p:clrMapOvr>
+    <a:masterClrMapping/>
+  </p:clrMapOvr>
+  <mc:AlternateContent xmlns:mc="http://schemas.openxmlformats.org/markup-compatibility/2006" xmlns:p159="http://schemas.microsoft.com/office/powerpoint/2015/09/main">
+    <mc:Choice Requires="p159">
+      <p:transition xmlns:p14="http://schemas.microsoft.com/office/powerpoint/2010/main" spd="slow" p14:dur="2000">
+        <p159:morph option="byObject"/>
+      </p:transition>
+    </mc:Choice>
+    <mc:Fallback xmlns="">
+      <p:transition spd="slow">
+        <p:fade/>
+      </p:transition>
+    </mc:Fallback>
+  </mc:AlternateContent>
+  <p:timing>
+    <p:tnLst>
+      <p:par>
+        <p:cTn id="1" dur="indefinite" restart="never" nodeType="tmRoot">
+          <p:childTnLst>
+            <p:seq concurrent="1" nextAc="seek">
+              <p:cTn id="2" dur="indefinite" nodeType="mainSeq">
+                <p:childTnLst>
+                  <p:par>
+                    <p:cTn id="3" fill="hold">
+                      <p:stCondLst>
+                        <p:cond delay="indefinite"/>
+                      </p:stCondLst>
+                      <p:childTnLst>
+                        <p:par>
+                          <p:cTn id="4" fill="hold">
+                            <p:stCondLst>
+                              <p:cond delay="0"/>
+                            </p:stCondLst>
+                            <p:childTnLst>
+                              <p:par>
+                                <p:cTn id="5" presetID="10" presetClass="entr" presetSubtype="0" fill="hold" grpId="0" nodeType="clickEffect">
+                                  <p:stCondLst>
+                                    <p:cond delay="0"/>
+                                  </p:stCondLst>
+                                  <p:childTnLst>
+                                    <p:set>
+                                      <p:cBhvr>
+                                        <p:cTn id="6" dur="1" fill="hold">
+                                          <p:stCondLst>
+                                            <p:cond delay="0"/>
+                                          </p:stCondLst>
+                                        </p:cTn>
+                                        <p:tgtEl>
+                                          <p:spTgt spid="9"/>
+                                        </p:tgtEl>
+                                        <p:attrNameLst>
+                                          <p:attrName>style.visibility</p:attrName>
+                                        </p:attrNameLst>
+                                      </p:cBhvr>
+                                      <p:to>
+                                        <p:strVal val="visible"/>
+                                      </p:to>
+                                    </p:set>
+                                    <p:animEffect transition="in" filter="fade">
+                                      <p:cBhvr>
+                                        <p:cTn id="7" dur="500"/>
+                                        <p:tgtEl>
+                                          <p:spTgt spid="9"/>
+                                        </p:tgtEl>
+                                      </p:cBhvr>
+                                    </p:animEffect>
+                                  </p:childTnLst>
+                                </p:cTn>
+                              </p:par>
+                            </p:childTnLst>
+                          </p:cTn>
+                        </p:par>
+                        <p:par>
+                          <p:cTn id="8" fill="hold">
+                            <p:stCondLst>
+                              <p:cond delay="500"/>
+                            </p:stCondLst>
+                            <p:childTnLst>
+                              <p:par>
+                                <p:cTn id="9" presetID="10" presetClass="entr" presetSubtype="0" fill="hold" nodeType="afterEffect">
+                                  <p:stCondLst>
+                                    <p:cond delay="0"/>
+                                  </p:stCondLst>
+                                  <p:childTnLst>
+                                    <p:set>
+                                      <p:cBhvr>
+                                        <p:cTn id="10" dur="1" fill="hold">
+                                          <p:stCondLst>
+                                            <p:cond delay="0"/>
+                                          </p:stCondLst>
+                                        </p:cTn>
+                                        <p:tgtEl>
+                                          <p:spTgt spid="6"/>
+                                        </p:tgtEl>
+                                        <p:attrNameLst>
+                                          <p:attrName>style.visibility</p:attrName>
+                                        </p:attrNameLst>
+                                      </p:cBhvr>
+                                      <p:to>
+                                        <p:strVal val="visible"/>
+                                      </p:to>
+                                    </p:set>
+                                    <p:animEffect transition="in" filter="fade">
+                                      <p:cBhvr>
+                                        <p:cTn id="11" dur="500"/>
+                                        <p:tgtEl>
+                                          <p:spTgt spid="6"/>
+                                        </p:tgtEl>
+                                      </p:cBhvr>
+                                    </p:animEffect>
+                                  </p:childTnLst>
+                                </p:cTn>
+                              </p:par>
+                            </p:childTnLst>
+                          </p:cTn>
+                        </p:par>
+                      </p:childTnLst>
+                    </p:cTn>
+                  </p:par>
+                  <p:par>
+                    <p:cTn id="12" fill="hold">
+                      <p:stCondLst>
+                        <p:cond delay="indefinite"/>
+                      </p:stCondLst>
+                      <p:childTnLst>
+                        <p:par>
+                          <p:cTn id="13" fill="hold">
+                            <p:stCondLst>
+                              <p:cond delay="0"/>
+                            </p:stCondLst>
+                            <p:childTnLst>
+                              <p:par>
+                                <p:cTn id="14" presetID="10" presetClass="entr" presetSubtype="0" fill="hold" grpId="0" nodeType="clickEffect">
+                                  <p:stCondLst>
+                                    <p:cond delay="0"/>
+                                  </p:stCondLst>
+                                  <p:childTnLst>
+                                    <p:set>
+                                      <p:cBhvr>
+                                        <p:cTn id="15" dur="1" fill="hold">
+                                          <p:stCondLst>
+                                            <p:cond delay="0"/>
+                                          </p:stCondLst>
+                                        </p:cTn>
+                                        <p:tgtEl>
+                                          <p:spTgt spid="10"/>
+                                        </p:tgtEl>
+                                        <p:attrNameLst>
+                                          <p:attrName>style.visibility</p:attrName>
+                                        </p:attrNameLst>
+                                      </p:cBhvr>
+                                      <p:to>
+                                        <p:strVal val="visible"/>
+                                      </p:to>
+                                    </p:set>
+                                    <p:animEffect transition="in" filter="fade">
+                                      <p:cBhvr>
+                                        <p:cTn id="16" dur="500"/>
+                                        <p:tgtEl>
+                                          <p:spTgt spid="10"/>
+                                        </p:tgtEl>
+                                      </p:cBhvr>
+                                    </p:animEffect>
+                                  </p:childTnLst>
+                                </p:cTn>
+                              </p:par>
+                            </p:childTnLst>
+                          </p:cTn>
+                        </p:par>
+                        <p:par>
+                          <p:cTn id="17" fill="hold">
+                            <p:stCondLst>
+                              <p:cond delay="500"/>
+                            </p:stCondLst>
+                            <p:childTnLst>
+                              <p:par>
+                                <p:cTn id="18" presetID="10" presetClass="entr" presetSubtype="0" fill="hold" nodeType="afterEffect">
+                                  <p:stCondLst>
+                                    <p:cond delay="0"/>
+                                  </p:stCondLst>
+                                  <p:childTnLst>
+                                    <p:set>
+                                      <p:cBhvr>
+                                        <p:cTn id="19" dur="1" fill="hold">
+                                          <p:stCondLst>
+                                            <p:cond delay="0"/>
+                                          </p:stCondLst>
+                                        </p:cTn>
+                                        <p:tgtEl>
+                                          <p:spTgt spid="8"/>
+                                        </p:tgtEl>
+                                        <p:attrNameLst>
+                                          <p:attrName>style.visibility</p:attrName>
+                                        </p:attrNameLst>
+                                      </p:cBhvr>
+                                      <p:to>
+                                        <p:strVal val="visible"/>
+                                      </p:to>
+                                    </p:set>
+                                    <p:animEffect transition="in" filter="fade">
+                                      <p:cBhvr>
+                                        <p:cTn id="20" dur="500"/>
+                                        <p:tgtEl>
+                                          <p:spTgt spid="8"/>
+                                        </p:tgtEl>
+                                      </p:cBhvr>
+                                    </p:animEffect>
+                                  </p:childTnLst>
+                                </p:cTn>
+                              </p:par>
+                            </p:childTnLst>
+                          </p:cTn>
+                        </p:par>
+                      </p:childTnLst>
+                    </p:cTn>
+                  </p:par>
+                  <p:par>
+                    <p:cTn id="21" fill="hold">
+                      <p:stCondLst>
+                        <p:cond delay="indefinite"/>
+                      </p:stCondLst>
+                      <p:childTnLst>
+                        <p:par>
+                          <p:cTn id="22" fill="hold">
+                            <p:stCondLst>
+                              <p:cond delay="0"/>
+                            </p:stCondLst>
+                            <p:childTnLst>
+                              <p:par>
+                                <p:cTn id="23" presetID="10" presetClass="entr" presetSubtype="0" fill="hold" grpId="0" nodeType="clickEffect">
+                                  <p:stCondLst>
+                                    <p:cond delay="0"/>
+                                  </p:stCondLst>
+                                  <p:childTnLst>
+                                    <p:set>
+                                      <p:cBhvr>
+                                        <p:cTn id="24" dur="1" fill="hold">
+                                          <p:stCondLst>
+                                            <p:cond delay="0"/>
+                                          </p:stCondLst>
+                                        </p:cTn>
+                                        <p:tgtEl>
+                                          <p:spTgt spid="11"/>
+                                        </p:tgtEl>
+                                        <p:attrNameLst>
+                                          <p:attrName>style.visibility</p:attrName>
+                                        </p:attrNameLst>
+                                      </p:cBhvr>
+                                      <p:to>
+                                        <p:strVal val="visible"/>
+                                      </p:to>
+                                    </p:set>
+                                    <p:animEffect transition="in" filter="fade">
+                                      <p:cBhvr>
+                                        <p:cTn id="25" dur="500"/>
+                                        <p:tgtEl>
+                                          <p:spTgt spid="11"/>
+                                        </p:tgtEl>
+                                      </p:cBhvr>
+                                    </p:animEffect>
+                                  </p:childTnLst>
+                                </p:cTn>
+                              </p:par>
+                            </p:childTnLst>
+                          </p:cTn>
+                        </p:par>
+                        <p:par>
+                          <p:cTn id="26" fill="hold">
+                            <p:stCondLst>
+                              <p:cond delay="500"/>
+                            </p:stCondLst>
+                            <p:childTnLst>
+                              <p:par>
+                                <p:cTn id="27" presetID="10" presetClass="entr" presetSubtype="0" fill="hold" grpId="0" nodeType="afterEffect">
+                                  <p:stCondLst>
+                                    <p:cond delay="0"/>
+                                  </p:stCondLst>
+                                  <p:childTnLst>
+                                    <p:set>
+                                      <p:cBhvr>
+                                        <p:cTn id="28" dur="1" fill="hold">
+                                          <p:stCondLst>
+                                            <p:cond delay="0"/>
+                                          </p:stCondLst>
+                                        </p:cTn>
+                                        <p:tgtEl>
+                                          <p:spTgt spid="7"/>
+                                        </p:tgtEl>
+                                        <p:attrNameLst>
+                                          <p:attrName>style.visibility</p:attrName>
+                                        </p:attrNameLst>
+                                      </p:cBhvr>
+                                      <p:to>
+                                        <p:strVal val="visible"/>
+                                      </p:to>
+                                    </p:set>
+                                    <p:animEffect transition="in" filter="fade">
+                                      <p:cBhvr>
+                                        <p:cTn id="29" dur="500"/>
+                                        <p:tgtEl>
+                                          <p:spTgt spid="7"/>
+                                        </p:tgtEl>
+                                      </p:cBhvr>
+                                    </p:animEffect>
+                                  </p:childTnLst>
+                                </p:cTn>
+                              </p:par>
+                            </p:childTnLst>
+                          </p:cTn>
+                        </p:par>
+                      </p:childTnLst>
+                    </p:cTn>
+                  </p:par>
+                </p:childTnLst>
+              </p:cTn>
+              <p:prevCondLst>
+                <p:cond evt="onPrev" delay="0">
+                  <p:tgtEl>
+                    <p:sldTgt/>
+                  </p:tgtEl>
+                </p:cond>
+              </p:prevCondLst>
+              <p:nextCondLst>
+                <p:cond evt="onNext" delay="0">
+                  <p:tgtEl>
+                    <p:sldTgt/>
+                  </p:tgtEl>
+                </p:cond>
+              </p:nextCondLst>
+            </p:seq>
+          </p:childTnLst>
+        </p:cTn>
+      </p:par>
+    </p:tnLst>
+    <p:bldLst>
+      <p:bldP spid="7" grpId="0" animBg="1"/>
+      <p:bldP spid="9" grpId="0"/>
+      <p:bldP spid="11" grpId="0"/>
+      <p:bldP spid="10" grpId="0"/>
+    </p:bldLst>
+  </p:timing>
+</p:sld>
+</file>
+
+<file path=ppt/slides/slide20.xml><?xml version="1.0" encoding="utf-8"?>
+<p:sld xmlns:a="http://schemas.openxmlformats.org/drawingml/2006/main" xmlns:r="http://schemas.openxmlformats.org/officeDocument/2006/relationships" xmlns:p="http://schemas.openxmlformats.org/presentationml/2006/main" show="0">
   <p:cSld>
     <p:spTree>
       <p:nvGrpSpPr>
@@ -15733,7 +18969,7 @@
           <p:cNvPr id="4" name="Picture 3">
             <a:extLst>
               <a:ext uri="{FF2B5EF4-FFF2-40B4-BE49-F238E27FC236}">
-                <a16:creationId xmlns:a16="http://schemas.microsoft.com/office/drawing/2014/main" xmlns="" id="{B392416C-A10A-40C5-801E-C837BFF228B2}"/>
+                <a16:creationId xmlns="" xmlns:a16="http://schemas.microsoft.com/office/drawing/2014/main" id="{B392416C-A10A-40C5-801E-C837BFF228B2}"/>
               </a:ext>
             </a:extLst>
           </p:cNvPr>
@@ -15768,13 +19004,13 @@
   <p:clrMapOvr>
     <a:masterClrMapping/>
   </p:clrMapOvr>
-  <mc:AlternateContent xmlns:mc="http://schemas.openxmlformats.org/markup-compatibility/2006" xmlns:p14="http://schemas.microsoft.com/office/powerpoint/2010/main">
-    <mc:Choice Requires="p14">
+  <mc:AlternateContent xmlns:mc="http://schemas.openxmlformats.org/markup-compatibility/2006">
+    <mc:Choice xmlns:p14="http://schemas.microsoft.com/office/powerpoint/2010/main" Requires="p14">
       <p:transition spd="med" p14:dur="700">
         <p:fade/>
       </p:transition>
     </mc:Choice>
-    <mc:Fallback xmlns="">
+    <mc:Fallback>
       <p:transition spd="med">
         <p:fade/>
       </p:transition>
@@ -16162,1401 +19398,8 @@
 </p:sld>
 </file>
 
-<file path=ppt/slides/slide2.xml><?xml version="1.0" encoding="utf-8"?>
-<p:sld xmlns:a="http://schemas.openxmlformats.org/drawingml/2006/main" xmlns:r="http://schemas.openxmlformats.org/officeDocument/2006/relationships" xmlns:p="http://schemas.openxmlformats.org/presentationml/2006/main">
-  <p:cSld>
-    <p:spTree>
-      <p:nvGrpSpPr>
-        <p:cNvPr id="1" name=""/>
-        <p:cNvGrpSpPr/>
-        <p:nvPr/>
-      </p:nvGrpSpPr>
-      <p:grpSpPr>
-        <a:xfrm>
-          <a:off x="0" y="0"/>
-          <a:ext cx="0" cy="0"/>
-          <a:chOff x="0" y="0"/>
-          <a:chExt cx="0" cy="0"/>
-        </a:xfrm>
-      </p:grpSpPr>
-      <p:pic>
-        <p:nvPicPr>
-          <p:cNvPr id="8" name="Picture 7"/>
-          <p:cNvPicPr>
-            <a:picLocks noChangeAspect="1"/>
-          </p:cNvPicPr>
-          <p:nvPr/>
-        </p:nvPicPr>
-        <p:blipFill>
-          <a:blip r:embed="rId2">
-            <a:extLst>
-              <a:ext uri="{28A0092B-C50C-407E-A947-70E740481C1C}">
-                <a14:useLocalDpi xmlns:a14="http://schemas.microsoft.com/office/drawing/2010/main" val="0"/>
-              </a:ext>
-            </a:extLst>
-          </a:blip>
-          <a:stretch>
-            <a:fillRect/>
-          </a:stretch>
-        </p:blipFill>
-        <p:spPr>
-          <a:xfrm>
-            <a:off x="1702201" y="3031905"/>
-            <a:ext cx="2895600" cy="1367366"/>
-          </a:xfrm>
-          <a:prstGeom prst="rect">
-            <a:avLst/>
-          </a:prstGeom>
-        </p:spPr>
-      </p:pic>
-      <p:sp>
-        <p:nvSpPr>
-          <p:cNvPr id="2" name="Title 1"/>
-          <p:cNvSpPr>
-            <a:spLocks noGrp="1"/>
-          </p:cNvSpPr>
-          <p:nvPr>
-            <p:ph type="title"/>
-          </p:nvPr>
-        </p:nvSpPr>
-        <p:spPr/>
-        <p:txBody>
-          <a:bodyPr/>
-          <a:lstStyle/>
-          <a:p>
-            <a:r>
-              <a:rPr lang="it-IT" dirty="0"/>
-              <a:t>Finalità</a:t>
-            </a:r>
-          </a:p>
-        </p:txBody>
-      </p:sp>
-      <p:pic>
-        <p:nvPicPr>
-          <p:cNvPr id="6" name="Picture 5"/>
-          <p:cNvPicPr>
-            <a:picLocks noChangeAspect="1"/>
-          </p:cNvPicPr>
-          <p:nvPr/>
-        </p:nvPicPr>
-        <p:blipFill>
-          <a:blip r:embed="rId3">
-            <a:extLst>
-              <a:ext uri="{28A0092B-C50C-407E-A947-70E740481C1C}">
-                <a14:useLocalDpi xmlns:a14="http://schemas.microsoft.com/office/drawing/2010/main" val="0"/>
-              </a:ext>
-            </a:extLst>
-          </a:blip>
-          <a:stretch>
-            <a:fillRect/>
-          </a:stretch>
-        </p:blipFill>
-        <p:spPr>
-          <a:xfrm>
-            <a:off x="416457" y="1850458"/>
-            <a:ext cx="1285744" cy="1402630"/>
-          </a:xfrm>
-          <a:prstGeom prst="rect">
-            <a:avLst/>
-          </a:prstGeom>
-        </p:spPr>
-      </p:pic>
-      <p:sp>
-        <p:nvSpPr>
-          <p:cNvPr id="7" name="Cross 6"/>
-          <p:cNvSpPr/>
-          <p:nvPr/>
-        </p:nvSpPr>
-        <p:spPr>
-          <a:xfrm>
-            <a:off x="1592128" y="2803713"/>
-            <a:ext cx="687003" cy="687003"/>
-          </a:xfrm>
-          <a:prstGeom prst="plus">
-            <a:avLst>
-              <a:gd name="adj" fmla="val 38889"/>
-            </a:avLst>
-          </a:prstGeom>
-          <a:solidFill>
-            <a:schemeClr val="tx1"/>
-          </a:solidFill>
-          <a:ln>
-            <a:noFill/>
-          </a:ln>
-        </p:spPr>
-        <p:style>
-          <a:lnRef idx="2">
-            <a:schemeClr val="accent1">
-              <a:shade val="50000"/>
-            </a:schemeClr>
-          </a:lnRef>
-          <a:fillRef idx="1">
-            <a:schemeClr val="accent1"/>
-          </a:fillRef>
-          <a:effectRef idx="0">
-            <a:schemeClr val="accent1"/>
-          </a:effectRef>
-          <a:fontRef idx="minor">
-            <a:schemeClr val="lt1"/>
-          </a:fontRef>
-        </p:style>
-        <p:txBody>
-          <a:bodyPr rtlCol="0" anchor="ctr"/>
-          <a:lstStyle/>
-          <a:p>
-            <a:pPr algn="ctr"/>
-            <a:endParaRPr lang="it-IT"/>
-          </a:p>
-        </p:txBody>
-      </p:sp>
-      <p:sp>
-        <p:nvSpPr>
-          <p:cNvPr id="9" name="Content Placeholder 2"/>
-          <p:cNvSpPr txBox="1">
-            <a:spLocks/>
-          </p:cNvSpPr>
-          <p:nvPr/>
-        </p:nvSpPr>
-        <p:spPr>
-          <a:xfrm>
-            <a:off x="4216400" y="2125134"/>
-            <a:ext cx="4150360" cy="1951566"/>
-          </a:xfrm>
-          <a:prstGeom prst="rect">
-            <a:avLst/>
-          </a:prstGeom>
-        </p:spPr>
-        <p:txBody>
-          <a:bodyPr/>
-          <a:lstStyle>
-            <a:lvl1pPr marL="91440" indent="-91440" algn="l" defTabSz="914400" rtl="0" eaLnBrk="1" latinLnBrk="0" hangingPunct="1">
-              <a:lnSpc>
-                <a:spcPct val="90000"/>
-              </a:lnSpc>
-              <a:spcBef>
-                <a:spcPts val="1200"/>
-              </a:spcBef>
-              <a:spcAft>
-                <a:spcPts val="200"/>
-              </a:spcAft>
-              <a:buClr>
-                <a:schemeClr val="accent1"/>
-              </a:buClr>
-              <a:buSzPct val="100000"/>
-              <a:buFont typeface="Calibri" panose="020F0502020204030204" pitchFamily="34" charset="0"/>
-              <a:buChar char=" "/>
-              <a:defRPr sz="2000" kern="1200">
-                <a:solidFill>
-                  <a:schemeClr val="tx1">
-                    <a:lumMod val="75000"/>
-                    <a:lumOff val="25000"/>
-                  </a:schemeClr>
-                </a:solidFill>
-                <a:latin typeface="+mn-lt"/>
-                <a:ea typeface="+mn-ea"/>
-                <a:cs typeface="+mn-cs"/>
-              </a:defRPr>
-            </a:lvl1pPr>
-            <a:lvl2pPr marL="384048" indent="-182880" algn="l" defTabSz="914400" rtl="0" eaLnBrk="1" latinLnBrk="0" hangingPunct="1">
-              <a:lnSpc>
-                <a:spcPct val="90000"/>
-              </a:lnSpc>
-              <a:spcBef>
-                <a:spcPts val="200"/>
-              </a:spcBef>
-              <a:spcAft>
-                <a:spcPts val="400"/>
-              </a:spcAft>
-              <a:buClr>
-                <a:schemeClr val="accent1"/>
-              </a:buClr>
-              <a:buFont typeface="Calibri" pitchFamily="34" charset="0"/>
-              <a:buChar char="◦"/>
-              <a:defRPr sz="1800" kern="1200">
-                <a:solidFill>
-                  <a:schemeClr val="tx1">
-                    <a:lumMod val="75000"/>
-                    <a:lumOff val="25000"/>
-                  </a:schemeClr>
-                </a:solidFill>
-                <a:latin typeface="+mn-lt"/>
-                <a:ea typeface="+mn-ea"/>
-                <a:cs typeface="+mn-cs"/>
-              </a:defRPr>
-            </a:lvl2pPr>
-            <a:lvl3pPr marL="566928" indent="-182880" algn="l" defTabSz="914400" rtl="0" eaLnBrk="1" latinLnBrk="0" hangingPunct="1">
-              <a:lnSpc>
-                <a:spcPct val="90000"/>
-              </a:lnSpc>
-              <a:spcBef>
-                <a:spcPts val="200"/>
-              </a:spcBef>
-              <a:spcAft>
-                <a:spcPts val="400"/>
-              </a:spcAft>
-              <a:buClr>
-                <a:schemeClr val="accent1"/>
-              </a:buClr>
-              <a:buFont typeface="Calibri" pitchFamily="34" charset="0"/>
-              <a:buChar char="◦"/>
-              <a:defRPr sz="1400" kern="1200">
-                <a:solidFill>
-                  <a:schemeClr val="tx1">
-                    <a:lumMod val="75000"/>
-                    <a:lumOff val="25000"/>
-                  </a:schemeClr>
-                </a:solidFill>
-                <a:latin typeface="+mn-lt"/>
-                <a:ea typeface="+mn-ea"/>
-                <a:cs typeface="+mn-cs"/>
-              </a:defRPr>
-            </a:lvl3pPr>
-            <a:lvl4pPr marL="749808" indent="-182880" algn="l" defTabSz="914400" rtl="0" eaLnBrk="1" latinLnBrk="0" hangingPunct="1">
-              <a:lnSpc>
-                <a:spcPct val="90000"/>
-              </a:lnSpc>
-              <a:spcBef>
-                <a:spcPts val="200"/>
-              </a:spcBef>
-              <a:spcAft>
-                <a:spcPts val="400"/>
-              </a:spcAft>
-              <a:buClr>
-                <a:schemeClr val="accent1"/>
-              </a:buClr>
-              <a:buFont typeface="Calibri" pitchFamily="34" charset="0"/>
-              <a:buChar char="◦"/>
-              <a:defRPr sz="1400" kern="1200">
-                <a:solidFill>
-                  <a:schemeClr val="tx1">
-                    <a:lumMod val="75000"/>
-                    <a:lumOff val="25000"/>
-                  </a:schemeClr>
-                </a:solidFill>
-                <a:latin typeface="+mn-lt"/>
-                <a:ea typeface="+mn-ea"/>
-                <a:cs typeface="+mn-cs"/>
-              </a:defRPr>
-            </a:lvl4pPr>
-            <a:lvl5pPr marL="932688" indent="-182880" algn="l" defTabSz="914400" rtl="0" eaLnBrk="1" latinLnBrk="0" hangingPunct="1">
-              <a:lnSpc>
-                <a:spcPct val="90000"/>
-              </a:lnSpc>
-              <a:spcBef>
-                <a:spcPts val="200"/>
-              </a:spcBef>
-              <a:spcAft>
-                <a:spcPts val="400"/>
-              </a:spcAft>
-              <a:buClr>
-                <a:schemeClr val="accent1"/>
-              </a:buClr>
-              <a:buFont typeface="Calibri" pitchFamily="34" charset="0"/>
-              <a:buChar char="◦"/>
-              <a:defRPr sz="1400" kern="1200">
-                <a:solidFill>
-                  <a:schemeClr val="tx1">
-                    <a:lumMod val="75000"/>
-                    <a:lumOff val="25000"/>
-                  </a:schemeClr>
-                </a:solidFill>
-                <a:latin typeface="+mn-lt"/>
-                <a:ea typeface="+mn-ea"/>
-                <a:cs typeface="+mn-cs"/>
-              </a:defRPr>
-            </a:lvl5pPr>
-            <a:lvl6pPr marL="1100000" indent="-228600" algn="l" defTabSz="914400" rtl="0" eaLnBrk="1" latinLnBrk="0" hangingPunct="1">
-              <a:lnSpc>
-                <a:spcPct val="90000"/>
-              </a:lnSpc>
-              <a:spcBef>
-                <a:spcPts val="200"/>
-              </a:spcBef>
-              <a:spcAft>
-                <a:spcPts val="400"/>
-              </a:spcAft>
-              <a:buClr>
-                <a:schemeClr val="accent1"/>
-              </a:buClr>
-              <a:buFont typeface="Calibri" pitchFamily="34" charset="0"/>
-              <a:buChar char="◦"/>
-              <a:defRPr sz="1400" kern="1200">
-                <a:solidFill>
-                  <a:schemeClr val="tx1">
-                    <a:lumMod val="75000"/>
-                    <a:lumOff val="25000"/>
-                  </a:schemeClr>
-                </a:solidFill>
-                <a:latin typeface="+mn-lt"/>
-                <a:ea typeface="+mn-ea"/>
-                <a:cs typeface="+mn-cs"/>
-              </a:defRPr>
-            </a:lvl6pPr>
-            <a:lvl7pPr marL="1300000" indent="-228600" algn="l" defTabSz="914400" rtl="0" eaLnBrk="1" latinLnBrk="0" hangingPunct="1">
-              <a:lnSpc>
-                <a:spcPct val="90000"/>
-              </a:lnSpc>
-              <a:spcBef>
-                <a:spcPts val="200"/>
-              </a:spcBef>
-              <a:spcAft>
-                <a:spcPts val="400"/>
-              </a:spcAft>
-              <a:buClr>
-                <a:schemeClr val="accent1"/>
-              </a:buClr>
-              <a:buFont typeface="Calibri" pitchFamily="34" charset="0"/>
-              <a:buChar char="◦"/>
-              <a:defRPr sz="1400" kern="1200">
-                <a:solidFill>
-                  <a:schemeClr val="tx1">
-                    <a:lumMod val="75000"/>
-                    <a:lumOff val="25000"/>
-                  </a:schemeClr>
-                </a:solidFill>
-                <a:latin typeface="+mn-lt"/>
-                <a:ea typeface="+mn-ea"/>
-                <a:cs typeface="+mn-cs"/>
-              </a:defRPr>
-            </a:lvl7pPr>
-            <a:lvl8pPr marL="1500000" indent="-228600" algn="l" defTabSz="914400" rtl="0" eaLnBrk="1" latinLnBrk="0" hangingPunct="1">
-              <a:lnSpc>
-                <a:spcPct val="90000"/>
-              </a:lnSpc>
-              <a:spcBef>
-                <a:spcPts val="200"/>
-              </a:spcBef>
-              <a:spcAft>
-                <a:spcPts val="400"/>
-              </a:spcAft>
-              <a:buClr>
-                <a:schemeClr val="accent1"/>
-              </a:buClr>
-              <a:buFont typeface="Calibri" pitchFamily="34" charset="0"/>
-              <a:buChar char="◦"/>
-              <a:defRPr sz="1400" kern="1200">
-                <a:solidFill>
-                  <a:schemeClr val="tx1">
-                    <a:lumMod val="75000"/>
-                    <a:lumOff val="25000"/>
-                  </a:schemeClr>
-                </a:solidFill>
-                <a:latin typeface="+mn-lt"/>
-                <a:ea typeface="+mn-ea"/>
-                <a:cs typeface="+mn-cs"/>
-              </a:defRPr>
-            </a:lvl8pPr>
-            <a:lvl9pPr marL="1700000" indent="-228600" algn="l" defTabSz="914400" rtl="0" eaLnBrk="1" latinLnBrk="0" hangingPunct="1">
-              <a:lnSpc>
-                <a:spcPct val="90000"/>
-              </a:lnSpc>
-              <a:spcBef>
-                <a:spcPts val="200"/>
-              </a:spcBef>
-              <a:spcAft>
-                <a:spcPts val="400"/>
-              </a:spcAft>
-              <a:buClr>
-                <a:schemeClr val="accent1"/>
-              </a:buClr>
-              <a:buFont typeface="Calibri" pitchFamily="34" charset="0"/>
-              <a:buChar char="◦"/>
-              <a:defRPr sz="1400" kern="1200">
-                <a:solidFill>
-                  <a:schemeClr val="tx1">
-                    <a:lumMod val="75000"/>
-                    <a:lumOff val="25000"/>
-                  </a:schemeClr>
-                </a:solidFill>
-                <a:latin typeface="+mn-lt"/>
-                <a:ea typeface="+mn-ea"/>
-                <a:cs typeface="+mn-cs"/>
-              </a:defRPr>
-            </a:lvl9pPr>
-          </a:lstStyle>
-          <a:p>
-            <a:pPr lvl="1">
-              <a:buFont typeface="Arial" charset="0"/>
-              <a:buChar char="•"/>
-            </a:pPr>
-            <a:r>
-              <a:rPr lang="it-IT" sz="2000" b="1" i="1" dirty="0"/>
-              <a:t>Scratch</a:t>
-            </a:r>
-            <a:r>
-              <a:rPr lang="it-IT" sz="2000" dirty="0"/>
-              <a:t> è un ambiente di sviluppo a fini didattici che fa uso di un </a:t>
-            </a:r>
-            <a:r>
-              <a:rPr lang="it-IT" sz="2000" b="1" dirty="0"/>
-              <a:t>linguaggio di programmazione grafico</a:t>
-            </a:r>
-            <a:r>
-              <a:rPr lang="it-IT" sz="2000" dirty="0"/>
-              <a:t> a blocchi.</a:t>
-            </a:r>
-          </a:p>
-          <a:p>
-            <a:pPr lvl="1">
-              <a:buFont typeface="Arial" charset="0"/>
-              <a:buChar char="•"/>
-            </a:pPr>
-            <a:endParaRPr lang="it-IT" sz="700" dirty="0"/>
-          </a:p>
-          <a:p>
-            <a:pPr lvl="1">
-              <a:buFont typeface="Arial" charset="0"/>
-              <a:buChar char="•"/>
-            </a:pPr>
-            <a:endParaRPr lang="it-IT" sz="2000" dirty="0"/>
-          </a:p>
-        </p:txBody>
-      </p:sp>
-      <p:sp>
-        <p:nvSpPr>
-          <p:cNvPr id="11" name="Content Placeholder 2"/>
-          <p:cNvSpPr txBox="1">
-            <a:spLocks/>
-          </p:cNvSpPr>
-          <p:nvPr/>
-        </p:nvSpPr>
-        <p:spPr>
-          <a:xfrm>
-            <a:off x="822960" y="4785260"/>
-            <a:ext cx="7543800" cy="1502558"/>
-          </a:xfrm>
-          <a:prstGeom prst="rect">
-            <a:avLst/>
-          </a:prstGeom>
-        </p:spPr>
-        <p:txBody>
-          <a:bodyPr/>
-          <a:lstStyle>
-            <a:lvl1pPr marL="91440" indent="-91440" algn="l" defTabSz="914400" rtl="0" eaLnBrk="1" latinLnBrk="0" hangingPunct="1">
-              <a:lnSpc>
-                <a:spcPct val="90000"/>
-              </a:lnSpc>
-              <a:spcBef>
-                <a:spcPts val="1200"/>
-              </a:spcBef>
-              <a:spcAft>
-                <a:spcPts val="200"/>
-              </a:spcAft>
-              <a:buClr>
-                <a:schemeClr val="accent1"/>
-              </a:buClr>
-              <a:buSzPct val="100000"/>
-              <a:buFont typeface="Calibri" panose="020F0502020204030204" pitchFamily="34" charset="0"/>
-              <a:buChar char=" "/>
-              <a:defRPr sz="2000" kern="1200">
-                <a:solidFill>
-                  <a:schemeClr val="tx1">
-                    <a:lumMod val="75000"/>
-                    <a:lumOff val="25000"/>
-                  </a:schemeClr>
-                </a:solidFill>
-                <a:latin typeface="+mn-lt"/>
-                <a:ea typeface="+mn-ea"/>
-                <a:cs typeface="+mn-cs"/>
-              </a:defRPr>
-            </a:lvl1pPr>
-            <a:lvl2pPr marL="384048" indent="-182880" algn="l" defTabSz="914400" rtl="0" eaLnBrk="1" latinLnBrk="0" hangingPunct="1">
-              <a:lnSpc>
-                <a:spcPct val="90000"/>
-              </a:lnSpc>
-              <a:spcBef>
-                <a:spcPts val="200"/>
-              </a:spcBef>
-              <a:spcAft>
-                <a:spcPts val="400"/>
-              </a:spcAft>
-              <a:buClr>
-                <a:schemeClr val="accent1"/>
-              </a:buClr>
-              <a:buFont typeface="Calibri" pitchFamily="34" charset="0"/>
-              <a:buChar char="◦"/>
-              <a:defRPr sz="1800" kern="1200">
-                <a:solidFill>
-                  <a:schemeClr val="tx1">
-                    <a:lumMod val="75000"/>
-                    <a:lumOff val="25000"/>
-                  </a:schemeClr>
-                </a:solidFill>
-                <a:latin typeface="+mn-lt"/>
-                <a:ea typeface="+mn-ea"/>
-                <a:cs typeface="+mn-cs"/>
-              </a:defRPr>
-            </a:lvl2pPr>
-            <a:lvl3pPr marL="566928" indent="-182880" algn="l" defTabSz="914400" rtl="0" eaLnBrk="1" latinLnBrk="0" hangingPunct="1">
-              <a:lnSpc>
-                <a:spcPct val="90000"/>
-              </a:lnSpc>
-              <a:spcBef>
-                <a:spcPts val="200"/>
-              </a:spcBef>
-              <a:spcAft>
-                <a:spcPts val="400"/>
-              </a:spcAft>
-              <a:buClr>
-                <a:schemeClr val="accent1"/>
-              </a:buClr>
-              <a:buFont typeface="Calibri" pitchFamily="34" charset="0"/>
-              <a:buChar char="◦"/>
-              <a:defRPr sz="1400" kern="1200">
-                <a:solidFill>
-                  <a:schemeClr val="tx1">
-                    <a:lumMod val="75000"/>
-                    <a:lumOff val="25000"/>
-                  </a:schemeClr>
-                </a:solidFill>
-                <a:latin typeface="+mn-lt"/>
-                <a:ea typeface="+mn-ea"/>
-                <a:cs typeface="+mn-cs"/>
-              </a:defRPr>
-            </a:lvl3pPr>
-            <a:lvl4pPr marL="749808" indent="-182880" algn="l" defTabSz="914400" rtl="0" eaLnBrk="1" latinLnBrk="0" hangingPunct="1">
-              <a:lnSpc>
-                <a:spcPct val="90000"/>
-              </a:lnSpc>
-              <a:spcBef>
-                <a:spcPts val="200"/>
-              </a:spcBef>
-              <a:spcAft>
-                <a:spcPts val="400"/>
-              </a:spcAft>
-              <a:buClr>
-                <a:schemeClr val="accent1"/>
-              </a:buClr>
-              <a:buFont typeface="Calibri" pitchFamily="34" charset="0"/>
-              <a:buChar char="◦"/>
-              <a:defRPr sz="1400" kern="1200">
-                <a:solidFill>
-                  <a:schemeClr val="tx1">
-                    <a:lumMod val="75000"/>
-                    <a:lumOff val="25000"/>
-                  </a:schemeClr>
-                </a:solidFill>
-                <a:latin typeface="+mn-lt"/>
-                <a:ea typeface="+mn-ea"/>
-                <a:cs typeface="+mn-cs"/>
-              </a:defRPr>
-            </a:lvl4pPr>
-            <a:lvl5pPr marL="932688" indent="-182880" algn="l" defTabSz="914400" rtl="0" eaLnBrk="1" latinLnBrk="0" hangingPunct="1">
-              <a:lnSpc>
-                <a:spcPct val="90000"/>
-              </a:lnSpc>
-              <a:spcBef>
-                <a:spcPts val="200"/>
-              </a:spcBef>
-              <a:spcAft>
-                <a:spcPts val="400"/>
-              </a:spcAft>
-              <a:buClr>
-                <a:schemeClr val="accent1"/>
-              </a:buClr>
-              <a:buFont typeface="Calibri" pitchFamily="34" charset="0"/>
-              <a:buChar char="◦"/>
-              <a:defRPr sz="1400" kern="1200">
-                <a:solidFill>
-                  <a:schemeClr val="tx1">
-                    <a:lumMod val="75000"/>
-                    <a:lumOff val="25000"/>
-                  </a:schemeClr>
-                </a:solidFill>
-                <a:latin typeface="+mn-lt"/>
-                <a:ea typeface="+mn-ea"/>
-                <a:cs typeface="+mn-cs"/>
-              </a:defRPr>
-            </a:lvl5pPr>
-            <a:lvl6pPr marL="1100000" indent="-228600" algn="l" defTabSz="914400" rtl="0" eaLnBrk="1" latinLnBrk="0" hangingPunct="1">
-              <a:lnSpc>
-                <a:spcPct val="90000"/>
-              </a:lnSpc>
-              <a:spcBef>
-                <a:spcPts val="200"/>
-              </a:spcBef>
-              <a:spcAft>
-                <a:spcPts val="400"/>
-              </a:spcAft>
-              <a:buClr>
-                <a:schemeClr val="accent1"/>
-              </a:buClr>
-              <a:buFont typeface="Calibri" pitchFamily="34" charset="0"/>
-              <a:buChar char="◦"/>
-              <a:defRPr sz="1400" kern="1200">
-                <a:solidFill>
-                  <a:schemeClr val="tx1">
-                    <a:lumMod val="75000"/>
-                    <a:lumOff val="25000"/>
-                  </a:schemeClr>
-                </a:solidFill>
-                <a:latin typeface="+mn-lt"/>
-                <a:ea typeface="+mn-ea"/>
-                <a:cs typeface="+mn-cs"/>
-              </a:defRPr>
-            </a:lvl6pPr>
-            <a:lvl7pPr marL="1300000" indent="-228600" algn="l" defTabSz="914400" rtl="0" eaLnBrk="1" latinLnBrk="0" hangingPunct="1">
-              <a:lnSpc>
-                <a:spcPct val="90000"/>
-              </a:lnSpc>
-              <a:spcBef>
-                <a:spcPts val="200"/>
-              </a:spcBef>
-              <a:spcAft>
-                <a:spcPts val="400"/>
-              </a:spcAft>
-              <a:buClr>
-                <a:schemeClr val="accent1"/>
-              </a:buClr>
-              <a:buFont typeface="Calibri" pitchFamily="34" charset="0"/>
-              <a:buChar char="◦"/>
-              <a:defRPr sz="1400" kern="1200">
-                <a:solidFill>
-                  <a:schemeClr val="tx1">
-                    <a:lumMod val="75000"/>
-                    <a:lumOff val="25000"/>
-                  </a:schemeClr>
-                </a:solidFill>
-                <a:latin typeface="+mn-lt"/>
-                <a:ea typeface="+mn-ea"/>
-                <a:cs typeface="+mn-cs"/>
-              </a:defRPr>
-            </a:lvl7pPr>
-            <a:lvl8pPr marL="1500000" indent="-228600" algn="l" defTabSz="914400" rtl="0" eaLnBrk="1" latinLnBrk="0" hangingPunct="1">
-              <a:lnSpc>
-                <a:spcPct val="90000"/>
-              </a:lnSpc>
-              <a:spcBef>
-                <a:spcPts val="200"/>
-              </a:spcBef>
-              <a:spcAft>
-                <a:spcPts val="400"/>
-              </a:spcAft>
-              <a:buClr>
-                <a:schemeClr val="accent1"/>
-              </a:buClr>
-              <a:buFont typeface="Calibri" pitchFamily="34" charset="0"/>
-              <a:buChar char="◦"/>
-              <a:defRPr sz="1400" kern="1200">
-                <a:solidFill>
-                  <a:schemeClr val="tx1">
-                    <a:lumMod val="75000"/>
-                    <a:lumOff val="25000"/>
-                  </a:schemeClr>
-                </a:solidFill>
-                <a:latin typeface="+mn-lt"/>
-                <a:ea typeface="+mn-ea"/>
-                <a:cs typeface="+mn-cs"/>
-              </a:defRPr>
-            </a:lvl8pPr>
-            <a:lvl9pPr marL="1700000" indent="-228600" algn="l" defTabSz="914400" rtl="0" eaLnBrk="1" latinLnBrk="0" hangingPunct="1">
-              <a:lnSpc>
-                <a:spcPct val="90000"/>
-              </a:lnSpc>
-              <a:spcBef>
-                <a:spcPts val="200"/>
-              </a:spcBef>
-              <a:spcAft>
-                <a:spcPts val="400"/>
-              </a:spcAft>
-              <a:buClr>
-                <a:schemeClr val="accent1"/>
-              </a:buClr>
-              <a:buFont typeface="Calibri" pitchFamily="34" charset="0"/>
-              <a:buChar char="◦"/>
-              <a:defRPr sz="1400" kern="1200">
-                <a:solidFill>
-                  <a:schemeClr val="tx1">
-                    <a:lumMod val="75000"/>
-                    <a:lumOff val="25000"/>
-                  </a:schemeClr>
-                </a:solidFill>
-                <a:latin typeface="+mn-lt"/>
-                <a:ea typeface="+mn-ea"/>
-                <a:cs typeface="+mn-cs"/>
-              </a:defRPr>
-            </a:lvl9pPr>
-          </a:lstStyle>
-          <a:p>
-            <a:pPr lvl="1">
-              <a:buFont typeface="Arial" charset="0"/>
-              <a:buChar char="•"/>
-            </a:pPr>
-            <a:r>
-              <a:rPr lang="it-IT" sz="2000" dirty="0"/>
-              <a:t>La applicazione della seconda al primo </a:t>
-            </a:r>
-            <a:r>
-              <a:rPr lang="it-IT" sz="2000" b="1" dirty="0"/>
-              <a:t>facilita l’interazione</a:t>
-            </a:r>
-            <a:r>
-              <a:rPr lang="it-IT" sz="2000" dirty="0"/>
-              <a:t> dell’utente (specie se non abituato alle interfacce classiche).</a:t>
-            </a:r>
-          </a:p>
-        </p:txBody>
-      </p:sp>
-      <p:sp>
-        <p:nvSpPr>
-          <p:cNvPr id="10" name="Content Placeholder 2">
-            <a:extLst>
-              <a:ext uri="{FF2B5EF4-FFF2-40B4-BE49-F238E27FC236}">
-                <a16:creationId xmlns:a16="http://schemas.microsoft.com/office/drawing/2014/main" xmlns="" id="{5E423904-5B0D-4BD9-B271-FAAC5E33A244}"/>
-              </a:ext>
-            </a:extLst>
-          </p:cNvPr>
-          <p:cNvSpPr txBox="1">
-            <a:spLocks/>
-          </p:cNvSpPr>
-          <p:nvPr/>
-        </p:nvSpPr>
-        <p:spPr>
-          <a:xfrm>
-            <a:off x="4216400" y="3472856"/>
-            <a:ext cx="4150360" cy="1951566"/>
-          </a:xfrm>
-          <a:prstGeom prst="rect">
-            <a:avLst/>
-          </a:prstGeom>
-        </p:spPr>
-        <p:txBody>
-          <a:bodyPr/>
-          <a:lstStyle>
-            <a:lvl1pPr marL="91440" indent="-91440" algn="l" defTabSz="914400" rtl="0" eaLnBrk="1" latinLnBrk="0" hangingPunct="1">
-              <a:lnSpc>
-                <a:spcPct val="90000"/>
-              </a:lnSpc>
-              <a:spcBef>
-                <a:spcPts val="1200"/>
-              </a:spcBef>
-              <a:spcAft>
-                <a:spcPts val="200"/>
-              </a:spcAft>
-              <a:buClr>
-                <a:schemeClr val="accent1"/>
-              </a:buClr>
-              <a:buSzPct val="100000"/>
-              <a:buFont typeface="Calibri" panose="020F0502020204030204" pitchFamily="34" charset="0"/>
-              <a:buChar char=" "/>
-              <a:defRPr sz="2000" kern="1200">
-                <a:solidFill>
-                  <a:schemeClr val="tx1">
-                    <a:lumMod val="75000"/>
-                    <a:lumOff val="25000"/>
-                  </a:schemeClr>
-                </a:solidFill>
-                <a:latin typeface="+mn-lt"/>
-                <a:ea typeface="+mn-ea"/>
-                <a:cs typeface="+mn-cs"/>
-              </a:defRPr>
-            </a:lvl1pPr>
-            <a:lvl2pPr marL="384048" indent="-182880" algn="l" defTabSz="914400" rtl="0" eaLnBrk="1" latinLnBrk="0" hangingPunct="1">
-              <a:lnSpc>
-                <a:spcPct val="90000"/>
-              </a:lnSpc>
-              <a:spcBef>
-                <a:spcPts val="200"/>
-              </a:spcBef>
-              <a:spcAft>
-                <a:spcPts val="400"/>
-              </a:spcAft>
-              <a:buClr>
-                <a:schemeClr val="accent1"/>
-              </a:buClr>
-              <a:buFont typeface="Calibri" pitchFamily="34" charset="0"/>
-              <a:buChar char="◦"/>
-              <a:defRPr sz="1800" kern="1200">
-                <a:solidFill>
-                  <a:schemeClr val="tx1">
-                    <a:lumMod val="75000"/>
-                    <a:lumOff val="25000"/>
-                  </a:schemeClr>
-                </a:solidFill>
-                <a:latin typeface="+mn-lt"/>
-                <a:ea typeface="+mn-ea"/>
-                <a:cs typeface="+mn-cs"/>
-              </a:defRPr>
-            </a:lvl2pPr>
-            <a:lvl3pPr marL="566928" indent="-182880" algn="l" defTabSz="914400" rtl="0" eaLnBrk="1" latinLnBrk="0" hangingPunct="1">
-              <a:lnSpc>
-                <a:spcPct val="90000"/>
-              </a:lnSpc>
-              <a:spcBef>
-                <a:spcPts val="200"/>
-              </a:spcBef>
-              <a:spcAft>
-                <a:spcPts val="400"/>
-              </a:spcAft>
-              <a:buClr>
-                <a:schemeClr val="accent1"/>
-              </a:buClr>
-              <a:buFont typeface="Calibri" pitchFamily="34" charset="0"/>
-              <a:buChar char="◦"/>
-              <a:defRPr sz="1400" kern="1200">
-                <a:solidFill>
-                  <a:schemeClr val="tx1">
-                    <a:lumMod val="75000"/>
-                    <a:lumOff val="25000"/>
-                  </a:schemeClr>
-                </a:solidFill>
-                <a:latin typeface="+mn-lt"/>
-                <a:ea typeface="+mn-ea"/>
-                <a:cs typeface="+mn-cs"/>
-              </a:defRPr>
-            </a:lvl3pPr>
-            <a:lvl4pPr marL="749808" indent="-182880" algn="l" defTabSz="914400" rtl="0" eaLnBrk="1" latinLnBrk="0" hangingPunct="1">
-              <a:lnSpc>
-                <a:spcPct val="90000"/>
-              </a:lnSpc>
-              <a:spcBef>
-                <a:spcPts val="200"/>
-              </a:spcBef>
-              <a:spcAft>
-                <a:spcPts val="400"/>
-              </a:spcAft>
-              <a:buClr>
-                <a:schemeClr val="accent1"/>
-              </a:buClr>
-              <a:buFont typeface="Calibri" pitchFamily="34" charset="0"/>
-              <a:buChar char="◦"/>
-              <a:defRPr sz="1400" kern="1200">
-                <a:solidFill>
-                  <a:schemeClr val="tx1">
-                    <a:lumMod val="75000"/>
-                    <a:lumOff val="25000"/>
-                  </a:schemeClr>
-                </a:solidFill>
-                <a:latin typeface="+mn-lt"/>
-                <a:ea typeface="+mn-ea"/>
-                <a:cs typeface="+mn-cs"/>
-              </a:defRPr>
-            </a:lvl4pPr>
-            <a:lvl5pPr marL="932688" indent="-182880" algn="l" defTabSz="914400" rtl="0" eaLnBrk="1" latinLnBrk="0" hangingPunct="1">
-              <a:lnSpc>
-                <a:spcPct val="90000"/>
-              </a:lnSpc>
-              <a:spcBef>
-                <a:spcPts val="200"/>
-              </a:spcBef>
-              <a:spcAft>
-                <a:spcPts val="400"/>
-              </a:spcAft>
-              <a:buClr>
-                <a:schemeClr val="accent1"/>
-              </a:buClr>
-              <a:buFont typeface="Calibri" pitchFamily="34" charset="0"/>
-              <a:buChar char="◦"/>
-              <a:defRPr sz="1400" kern="1200">
-                <a:solidFill>
-                  <a:schemeClr val="tx1">
-                    <a:lumMod val="75000"/>
-                    <a:lumOff val="25000"/>
-                  </a:schemeClr>
-                </a:solidFill>
-                <a:latin typeface="+mn-lt"/>
-                <a:ea typeface="+mn-ea"/>
-                <a:cs typeface="+mn-cs"/>
-              </a:defRPr>
-            </a:lvl5pPr>
-            <a:lvl6pPr marL="1100000" indent="-228600" algn="l" defTabSz="914400" rtl="0" eaLnBrk="1" latinLnBrk="0" hangingPunct="1">
-              <a:lnSpc>
-                <a:spcPct val="90000"/>
-              </a:lnSpc>
-              <a:spcBef>
-                <a:spcPts val="200"/>
-              </a:spcBef>
-              <a:spcAft>
-                <a:spcPts val="400"/>
-              </a:spcAft>
-              <a:buClr>
-                <a:schemeClr val="accent1"/>
-              </a:buClr>
-              <a:buFont typeface="Calibri" pitchFamily="34" charset="0"/>
-              <a:buChar char="◦"/>
-              <a:defRPr sz="1400" kern="1200">
-                <a:solidFill>
-                  <a:schemeClr val="tx1">
-                    <a:lumMod val="75000"/>
-                    <a:lumOff val="25000"/>
-                  </a:schemeClr>
-                </a:solidFill>
-                <a:latin typeface="+mn-lt"/>
-                <a:ea typeface="+mn-ea"/>
-                <a:cs typeface="+mn-cs"/>
-              </a:defRPr>
-            </a:lvl6pPr>
-            <a:lvl7pPr marL="1300000" indent="-228600" algn="l" defTabSz="914400" rtl="0" eaLnBrk="1" latinLnBrk="0" hangingPunct="1">
-              <a:lnSpc>
-                <a:spcPct val="90000"/>
-              </a:lnSpc>
-              <a:spcBef>
-                <a:spcPts val="200"/>
-              </a:spcBef>
-              <a:spcAft>
-                <a:spcPts val="400"/>
-              </a:spcAft>
-              <a:buClr>
-                <a:schemeClr val="accent1"/>
-              </a:buClr>
-              <a:buFont typeface="Calibri" pitchFamily="34" charset="0"/>
-              <a:buChar char="◦"/>
-              <a:defRPr sz="1400" kern="1200">
-                <a:solidFill>
-                  <a:schemeClr val="tx1">
-                    <a:lumMod val="75000"/>
-                    <a:lumOff val="25000"/>
-                  </a:schemeClr>
-                </a:solidFill>
-                <a:latin typeface="+mn-lt"/>
-                <a:ea typeface="+mn-ea"/>
-                <a:cs typeface="+mn-cs"/>
-              </a:defRPr>
-            </a:lvl7pPr>
-            <a:lvl8pPr marL="1500000" indent="-228600" algn="l" defTabSz="914400" rtl="0" eaLnBrk="1" latinLnBrk="0" hangingPunct="1">
-              <a:lnSpc>
-                <a:spcPct val="90000"/>
-              </a:lnSpc>
-              <a:spcBef>
-                <a:spcPts val="200"/>
-              </a:spcBef>
-              <a:spcAft>
-                <a:spcPts val="400"/>
-              </a:spcAft>
-              <a:buClr>
-                <a:schemeClr val="accent1"/>
-              </a:buClr>
-              <a:buFont typeface="Calibri" pitchFamily="34" charset="0"/>
-              <a:buChar char="◦"/>
-              <a:defRPr sz="1400" kern="1200">
-                <a:solidFill>
-                  <a:schemeClr val="tx1">
-                    <a:lumMod val="75000"/>
-                    <a:lumOff val="25000"/>
-                  </a:schemeClr>
-                </a:solidFill>
-                <a:latin typeface="+mn-lt"/>
-                <a:ea typeface="+mn-ea"/>
-                <a:cs typeface="+mn-cs"/>
-              </a:defRPr>
-            </a:lvl8pPr>
-            <a:lvl9pPr marL="1700000" indent="-228600" algn="l" defTabSz="914400" rtl="0" eaLnBrk="1" latinLnBrk="0" hangingPunct="1">
-              <a:lnSpc>
-                <a:spcPct val="90000"/>
-              </a:lnSpc>
-              <a:spcBef>
-                <a:spcPts val="200"/>
-              </a:spcBef>
-              <a:spcAft>
-                <a:spcPts val="400"/>
-              </a:spcAft>
-              <a:buClr>
-                <a:schemeClr val="accent1"/>
-              </a:buClr>
-              <a:buFont typeface="Calibri" pitchFamily="34" charset="0"/>
-              <a:buChar char="◦"/>
-              <a:defRPr sz="1400" kern="1200">
-                <a:solidFill>
-                  <a:schemeClr val="tx1">
-                    <a:lumMod val="75000"/>
-                    <a:lumOff val="25000"/>
-                  </a:schemeClr>
-                </a:solidFill>
-                <a:latin typeface="+mn-lt"/>
-                <a:ea typeface="+mn-ea"/>
-                <a:cs typeface="+mn-cs"/>
-              </a:defRPr>
-            </a:lvl9pPr>
-          </a:lstStyle>
-          <a:p>
-            <a:pPr lvl="1">
-              <a:buFont typeface="Arial" charset="0"/>
-              <a:buChar char="•"/>
-            </a:pPr>
-            <a:r>
-              <a:rPr lang="it-IT" sz="2000" dirty="0"/>
-              <a:t>La tecnologia di </a:t>
-            </a:r>
-            <a:r>
-              <a:rPr lang="it-IT" sz="2000" b="1" dirty="0"/>
-              <a:t>realtà virtuale</a:t>
-            </a:r>
-            <a:r>
-              <a:rPr lang="it-IT" sz="2000" dirty="0"/>
-              <a:t> consente un’</a:t>
-            </a:r>
-            <a:r>
-              <a:rPr lang="it-IT" sz="2000" b="1" dirty="0"/>
-              <a:t>interazione più intuitiva e naturale</a:t>
-            </a:r>
-            <a:r>
-              <a:rPr lang="it-IT" sz="2000" dirty="0"/>
-              <a:t> con il calcolatore</a:t>
-            </a:r>
-          </a:p>
-          <a:p>
-            <a:pPr lvl="1">
-              <a:buFont typeface="Arial" charset="0"/>
-              <a:buChar char="•"/>
-            </a:pPr>
-            <a:endParaRPr lang="it-IT" sz="2000" dirty="0"/>
-          </a:p>
-        </p:txBody>
-      </p:sp>
-    </p:spTree>
-    <p:extLst>
-      <p:ext uri="{BB962C8B-B14F-4D97-AF65-F5344CB8AC3E}">
-        <p14:creationId xmlns:p14="http://schemas.microsoft.com/office/powerpoint/2010/main" val="1743161489"/>
-      </p:ext>
-    </p:extLst>
-  </p:cSld>
-  <p:clrMapOvr>
-    <a:masterClrMapping/>
-  </p:clrMapOvr>
-  <mc:AlternateContent xmlns:mc="http://schemas.openxmlformats.org/markup-compatibility/2006" xmlns:p159="http://schemas.microsoft.com/office/powerpoint/2015/09/main">
-    <mc:Choice Requires="p159">
-      <p:transition xmlns:p14="http://schemas.microsoft.com/office/powerpoint/2010/main" spd="slow" p14:dur="2000">
-        <p159:morph option="byObject"/>
-      </p:transition>
-    </mc:Choice>
-    <mc:Fallback xmlns="">
-      <p:transition spd="slow">
-        <p:fade/>
-      </p:transition>
-    </mc:Fallback>
-  </mc:AlternateContent>
-  <p:timing>
-    <p:tnLst>
-      <p:par>
-        <p:cTn id="1" dur="indefinite" restart="never" nodeType="tmRoot">
-          <p:childTnLst>
-            <p:seq concurrent="1" nextAc="seek">
-              <p:cTn id="2" dur="indefinite" nodeType="mainSeq">
-                <p:childTnLst>
-                  <p:par>
-                    <p:cTn id="3" fill="hold">
-                      <p:stCondLst>
-                        <p:cond delay="indefinite"/>
-                      </p:stCondLst>
-                      <p:childTnLst>
-                        <p:par>
-                          <p:cTn id="4" fill="hold">
-                            <p:stCondLst>
-                              <p:cond delay="0"/>
-                            </p:stCondLst>
-                            <p:childTnLst>
-                              <p:par>
-                                <p:cTn id="5" presetID="10" presetClass="entr" presetSubtype="0" fill="hold" grpId="0" nodeType="clickEffect">
-                                  <p:stCondLst>
-                                    <p:cond delay="0"/>
-                                  </p:stCondLst>
-                                  <p:childTnLst>
-                                    <p:set>
-                                      <p:cBhvr>
-                                        <p:cTn id="6" dur="1" fill="hold">
-                                          <p:stCondLst>
-                                            <p:cond delay="0"/>
-                                          </p:stCondLst>
-                                        </p:cTn>
-                                        <p:tgtEl>
-                                          <p:spTgt spid="9"/>
-                                        </p:tgtEl>
-                                        <p:attrNameLst>
-                                          <p:attrName>style.visibility</p:attrName>
-                                        </p:attrNameLst>
-                                      </p:cBhvr>
-                                      <p:to>
-                                        <p:strVal val="visible"/>
-                                      </p:to>
-                                    </p:set>
-                                    <p:animEffect transition="in" filter="fade">
-                                      <p:cBhvr>
-                                        <p:cTn id="7" dur="500"/>
-                                        <p:tgtEl>
-                                          <p:spTgt spid="9"/>
-                                        </p:tgtEl>
-                                      </p:cBhvr>
-                                    </p:animEffect>
-                                  </p:childTnLst>
-                                </p:cTn>
-                              </p:par>
-                            </p:childTnLst>
-                          </p:cTn>
-                        </p:par>
-                        <p:par>
-                          <p:cTn id="8" fill="hold">
-                            <p:stCondLst>
-                              <p:cond delay="500"/>
-                            </p:stCondLst>
-                            <p:childTnLst>
-                              <p:par>
-                                <p:cTn id="9" presetID="10" presetClass="entr" presetSubtype="0" fill="hold" nodeType="afterEffect">
-                                  <p:stCondLst>
-                                    <p:cond delay="0"/>
-                                  </p:stCondLst>
-                                  <p:childTnLst>
-                                    <p:set>
-                                      <p:cBhvr>
-                                        <p:cTn id="10" dur="1" fill="hold">
-                                          <p:stCondLst>
-                                            <p:cond delay="0"/>
-                                          </p:stCondLst>
-                                        </p:cTn>
-                                        <p:tgtEl>
-                                          <p:spTgt spid="6"/>
-                                        </p:tgtEl>
-                                        <p:attrNameLst>
-                                          <p:attrName>style.visibility</p:attrName>
-                                        </p:attrNameLst>
-                                      </p:cBhvr>
-                                      <p:to>
-                                        <p:strVal val="visible"/>
-                                      </p:to>
-                                    </p:set>
-                                    <p:animEffect transition="in" filter="fade">
-                                      <p:cBhvr>
-                                        <p:cTn id="11" dur="500"/>
-                                        <p:tgtEl>
-                                          <p:spTgt spid="6"/>
-                                        </p:tgtEl>
-                                      </p:cBhvr>
-                                    </p:animEffect>
-                                  </p:childTnLst>
-                                </p:cTn>
-                              </p:par>
-                            </p:childTnLst>
-                          </p:cTn>
-                        </p:par>
-                      </p:childTnLst>
-                    </p:cTn>
-                  </p:par>
-                  <p:par>
-                    <p:cTn id="12" fill="hold">
-                      <p:stCondLst>
-                        <p:cond delay="indefinite"/>
-                      </p:stCondLst>
-                      <p:childTnLst>
-                        <p:par>
-                          <p:cTn id="13" fill="hold">
-                            <p:stCondLst>
-                              <p:cond delay="0"/>
-                            </p:stCondLst>
-                            <p:childTnLst>
-                              <p:par>
-                                <p:cTn id="14" presetID="10" presetClass="entr" presetSubtype="0" fill="hold" grpId="0" nodeType="clickEffect">
-                                  <p:stCondLst>
-                                    <p:cond delay="0"/>
-                                  </p:stCondLst>
-                                  <p:childTnLst>
-                                    <p:set>
-                                      <p:cBhvr>
-                                        <p:cTn id="15" dur="1" fill="hold">
-                                          <p:stCondLst>
-                                            <p:cond delay="0"/>
-                                          </p:stCondLst>
-                                        </p:cTn>
-                                        <p:tgtEl>
-                                          <p:spTgt spid="10"/>
-                                        </p:tgtEl>
-                                        <p:attrNameLst>
-                                          <p:attrName>style.visibility</p:attrName>
-                                        </p:attrNameLst>
-                                      </p:cBhvr>
-                                      <p:to>
-                                        <p:strVal val="visible"/>
-                                      </p:to>
-                                    </p:set>
-                                    <p:animEffect transition="in" filter="fade">
-                                      <p:cBhvr>
-                                        <p:cTn id="16" dur="500"/>
-                                        <p:tgtEl>
-                                          <p:spTgt spid="10"/>
-                                        </p:tgtEl>
-                                      </p:cBhvr>
-                                    </p:animEffect>
-                                  </p:childTnLst>
-                                </p:cTn>
-                              </p:par>
-                            </p:childTnLst>
-                          </p:cTn>
-                        </p:par>
-                        <p:par>
-                          <p:cTn id="17" fill="hold">
-                            <p:stCondLst>
-                              <p:cond delay="500"/>
-                            </p:stCondLst>
-                            <p:childTnLst>
-                              <p:par>
-                                <p:cTn id="18" presetID="10" presetClass="entr" presetSubtype="0" fill="hold" nodeType="afterEffect">
-                                  <p:stCondLst>
-                                    <p:cond delay="0"/>
-                                  </p:stCondLst>
-                                  <p:childTnLst>
-                                    <p:set>
-                                      <p:cBhvr>
-                                        <p:cTn id="19" dur="1" fill="hold">
-                                          <p:stCondLst>
-                                            <p:cond delay="0"/>
-                                          </p:stCondLst>
-                                        </p:cTn>
-                                        <p:tgtEl>
-                                          <p:spTgt spid="8"/>
-                                        </p:tgtEl>
-                                        <p:attrNameLst>
-                                          <p:attrName>style.visibility</p:attrName>
-                                        </p:attrNameLst>
-                                      </p:cBhvr>
-                                      <p:to>
-                                        <p:strVal val="visible"/>
-                                      </p:to>
-                                    </p:set>
-                                    <p:animEffect transition="in" filter="fade">
-                                      <p:cBhvr>
-                                        <p:cTn id="20" dur="500"/>
-                                        <p:tgtEl>
-                                          <p:spTgt spid="8"/>
-                                        </p:tgtEl>
-                                      </p:cBhvr>
-                                    </p:animEffect>
-                                  </p:childTnLst>
-                                </p:cTn>
-                              </p:par>
-                            </p:childTnLst>
-                          </p:cTn>
-                        </p:par>
-                      </p:childTnLst>
-                    </p:cTn>
-                  </p:par>
-                  <p:par>
-                    <p:cTn id="21" fill="hold">
-                      <p:stCondLst>
-                        <p:cond delay="indefinite"/>
-                      </p:stCondLst>
-                      <p:childTnLst>
-                        <p:par>
-                          <p:cTn id="22" fill="hold">
-                            <p:stCondLst>
-                              <p:cond delay="0"/>
-                            </p:stCondLst>
-                            <p:childTnLst>
-                              <p:par>
-                                <p:cTn id="23" presetID="10" presetClass="entr" presetSubtype="0" fill="hold" grpId="0" nodeType="clickEffect">
-                                  <p:stCondLst>
-                                    <p:cond delay="0"/>
-                                  </p:stCondLst>
-                                  <p:childTnLst>
-                                    <p:set>
-                                      <p:cBhvr>
-                                        <p:cTn id="24" dur="1" fill="hold">
-                                          <p:stCondLst>
-                                            <p:cond delay="0"/>
-                                          </p:stCondLst>
-                                        </p:cTn>
-                                        <p:tgtEl>
-                                          <p:spTgt spid="11"/>
-                                        </p:tgtEl>
-                                        <p:attrNameLst>
-                                          <p:attrName>style.visibility</p:attrName>
-                                        </p:attrNameLst>
-                                      </p:cBhvr>
-                                      <p:to>
-                                        <p:strVal val="visible"/>
-                                      </p:to>
-                                    </p:set>
-                                    <p:animEffect transition="in" filter="fade">
-                                      <p:cBhvr>
-                                        <p:cTn id="25" dur="500"/>
-                                        <p:tgtEl>
-                                          <p:spTgt spid="11"/>
-                                        </p:tgtEl>
-                                      </p:cBhvr>
-                                    </p:animEffect>
-                                  </p:childTnLst>
-                                </p:cTn>
-                              </p:par>
-                            </p:childTnLst>
-                          </p:cTn>
-                        </p:par>
-                        <p:par>
-                          <p:cTn id="26" fill="hold">
-                            <p:stCondLst>
-                              <p:cond delay="500"/>
-                            </p:stCondLst>
-                            <p:childTnLst>
-                              <p:par>
-                                <p:cTn id="27" presetID="10" presetClass="entr" presetSubtype="0" fill="hold" grpId="0" nodeType="afterEffect">
-                                  <p:stCondLst>
-                                    <p:cond delay="0"/>
-                                  </p:stCondLst>
-                                  <p:childTnLst>
-                                    <p:set>
-                                      <p:cBhvr>
-                                        <p:cTn id="28" dur="1" fill="hold">
-                                          <p:stCondLst>
-                                            <p:cond delay="0"/>
-                                          </p:stCondLst>
-                                        </p:cTn>
-                                        <p:tgtEl>
-                                          <p:spTgt spid="7"/>
-                                        </p:tgtEl>
-                                        <p:attrNameLst>
-                                          <p:attrName>style.visibility</p:attrName>
-                                        </p:attrNameLst>
-                                      </p:cBhvr>
-                                      <p:to>
-                                        <p:strVal val="visible"/>
-                                      </p:to>
-                                    </p:set>
-                                    <p:animEffect transition="in" filter="fade">
-                                      <p:cBhvr>
-                                        <p:cTn id="29" dur="500"/>
-                                        <p:tgtEl>
-                                          <p:spTgt spid="7"/>
-                                        </p:tgtEl>
-                                      </p:cBhvr>
-                                    </p:animEffect>
-                                  </p:childTnLst>
-                                </p:cTn>
-                              </p:par>
-                            </p:childTnLst>
-                          </p:cTn>
-                        </p:par>
-                      </p:childTnLst>
-                    </p:cTn>
-                  </p:par>
-                </p:childTnLst>
-              </p:cTn>
-              <p:prevCondLst>
-                <p:cond evt="onPrev" delay="0">
-                  <p:tgtEl>
-                    <p:sldTgt/>
-                  </p:tgtEl>
-                </p:cond>
-              </p:prevCondLst>
-              <p:nextCondLst>
-                <p:cond evt="onNext" delay="0">
-                  <p:tgtEl>
-                    <p:sldTgt/>
-                  </p:tgtEl>
-                </p:cond>
-              </p:nextCondLst>
-            </p:seq>
-          </p:childTnLst>
-        </p:cTn>
-      </p:par>
-    </p:tnLst>
-    <p:bldLst>
-      <p:bldP spid="7" grpId="0" animBg="1"/>
-      <p:bldP spid="9" grpId="0"/>
-      <p:bldP spid="11" grpId="0"/>
-      <p:bldP spid="10" grpId="0"/>
-    </p:bldLst>
-  </p:timing>
-</p:sld>
-</file>
-
-<file path=ppt/slides/slide20.xml><?xml version="1.0" encoding="utf-8"?>
-<p:sld xmlns:a="http://schemas.openxmlformats.org/drawingml/2006/main" xmlns:r="http://schemas.openxmlformats.org/officeDocument/2006/relationships" xmlns:p="http://schemas.openxmlformats.org/presentationml/2006/main">
+<file path=ppt/slides/slide21.xml><?xml version="1.0" encoding="utf-8"?>
+<p:sld xmlns:a="http://schemas.openxmlformats.org/drawingml/2006/main" xmlns:r="http://schemas.openxmlformats.org/officeDocument/2006/relationships" xmlns:p="http://schemas.openxmlformats.org/presentationml/2006/main" show="0">
   <p:cSld>
     <p:spTree>
       <p:nvGrpSpPr>
@@ -17946,7 +19789,7 @@
           <p:cNvPr id="4" name="Picture 3">
             <a:extLst>
               <a:ext uri="{FF2B5EF4-FFF2-40B4-BE49-F238E27FC236}">
-                <a16:creationId xmlns:a16="http://schemas.microsoft.com/office/drawing/2014/main" xmlns="" id="{EBFA84E6-5435-45B5-914C-21E1CF06BA36}"/>
+                <a16:creationId xmlns="" xmlns:a16="http://schemas.microsoft.com/office/drawing/2014/main" id="{EBFA84E6-5435-45B5-914C-21E1CF06BA36}"/>
               </a:ext>
             </a:extLst>
           </p:cNvPr>
@@ -17981,13 +19824,13 @@
   <p:clrMapOvr>
     <a:masterClrMapping/>
   </p:clrMapOvr>
-  <mc:AlternateContent xmlns:mc="http://schemas.openxmlformats.org/markup-compatibility/2006" xmlns:p14="http://schemas.microsoft.com/office/powerpoint/2010/main">
-    <mc:Choice Requires="p14">
+  <mc:AlternateContent xmlns:mc="http://schemas.openxmlformats.org/markup-compatibility/2006">
+    <mc:Choice xmlns:p14="http://schemas.microsoft.com/office/powerpoint/2010/main" Requires="p14">
       <p:transition spd="med" p14:dur="700">
         <p:fade/>
       </p:transition>
     </mc:Choice>
-    <mc:Fallback xmlns="">
+    <mc:Fallback>
       <p:transition spd="med">
         <p:fade/>
       </p:transition>
@@ -18253,8 +20096,8 @@
 </p:sld>
 </file>
 
-<file path=ppt/slides/slide21.xml><?xml version="1.0" encoding="utf-8"?>
-<p:sld xmlns:a="http://schemas.openxmlformats.org/drawingml/2006/main" xmlns:r="http://schemas.openxmlformats.org/officeDocument/2006/relationships" xmlns:p="http://schemas.openxmlformats.org/presentationml/2006/main">
+<file path=ppt/slides/slide22.xml><?xml version="1.0" encoding="utf-8"?>
+<p:sld xmlns:a="http://schemas.openxmlformats.org/drawingml/2006/main" xmlns:r="http://schemas.openxmlformats.org/officeDocument/2006/relationships" xmlns:p="http://schemas.openxmlformats.org/presentationml/2006/main" show="0">
   <p:cSld>
     <p:spTree>
       <p:nvGrpSpPr>
@@ -18658,7 +20501,7 @@
           <p:cNvPr id="4" name="Picture 3">
             <a:extLst>
               <a:ext uri="{FF2B5EF4-FFF2-40B4-BE49-F238E27FC236}">
-                <a16:creationId xmlns:a16="http://schemas.microsoft.com/office/drawing/2014/main" xmlns="" id="{B392416C-A10A-40C5-801E-C837BFF228B2}"/>
+                <a16:creationId xmlns="" xmlns:a16="http://schemas.microsoft.com/office/drawing/2014/main" id="{B392416C-A10A-40C5-801E-C837BFF228B2}"/>
               </a:ext>
             </a:extLst>
           </p:cNvPr>
@@ -18693,13 +20536,13 @@
   <p:clrMapOvr>
     <a:masterClrMapping/>
   </p:clrMapOvr>
-  <mc:AlternateContent xmlns:mc="http://schemas.openxmlformats.org/markup-compatibility/2006" xmlns:p14="http://schemas.microsoft.com/office/powerpoint/2010/main">
-    <mc:Choice Requires="p14">
+  <mc:AlternateContent xmlns:mc="http://schemas.openxmlformats.org/markup-compatibility/2006">
+    <mc:Choice xmlns:p14="http://schemas.microsoft.com/office/powerpoint/2010/main" Requires="p14">
       <p:transition spd="med" p14:dur="700">
         <p:fade/>
       </p:transition>
     </mc:Choice>
-    <mc:Fallback xmlns="">
+    <mc:Fallback>
       <p:transition spd="med">
         <p:fade/>
       </p:transition>
@@ -19026,8 +20869,8 @@
 </p:sld>
 </file>
 
-<file path=ppt/slides/slide22.xml><?xml version="1.0" encoding="utf-8"?>
-<p:sld xmlns:a="http://schemas.openxmlformats.org/drawingml/2006/main" xmlns:r="http://schemas.openxmlformats.org/officeDocument/2006/relationships" xmlns:p="http://schemas.openxmlformats.org/presentationml/2006/main">
+<file path=ppt/slides/slide23.xml><?xml version="1.0" encoding="utf-8"?>
+<p:sld xmlns:a="http://schemas.openxmlformats.org/drawingml/2006/main" xmlns:r="http://schemas.openxmlformats.org/officeDocument/2006/relationships" xmlns:p="http://schemas.openxmlformats.org/presentationml/2006/main" show="0">
   <p:cSld>
     <p:spTree>
       <p:nvGrpSpPr>
@@ -19456,7 +21299,7 @@
           <p:cNvPr id="4" name="Picture 3">
             <a:extLst>
               <a:ext uri="{FF2B5EF4-FFF2-40B4-BE49-F238E27FC236}">
-                <a16:creationId xmlns:a16="http://schemas.microsoft.com/office/drawing/2014/main" xmlns="" id="{F60F4D35-53A0-4B61-876E-ABD9D3391019}"/>
+                <a16:creationId xmlns="" xmlns:a16="http://schemas.microsoft.com/office/drawing/2014/main" id="{F60F4D35-53A0-4B61-876E-ABD9D3391019}"/>
               </a:ext>
             </a:extLst>
           </p:cNvPr>
@@ -19491,13 +21334,13 @@
   <p:clrMapOvr>
     <a:masterClrMapping/>
   </p:clrMapOvr>
-  <mc:AlternateContent xmlns:mc="http://schemas.openxmlformats.org/markup-compatibility/2006" xmlns:p14="http://schemas.microsoft.com/office/powerpoint/2010/main">
-    <mc:Choice Requires="p14">
+  <mc:AlternateContent xmlns:mc="http://schemas.openxmlformats.org/markup-compatibility/2006">
+    <mc:Choice xmlns:p14="http://schemas.microsoft.com/office/powerpoint/2010/main" Requires="p14">
       <p:transition spd="med" p14:dur="700">
         <p:fade/>
       </p:transition>
     </mc:Choice>
-    <mc:Fallback xmlns="">
+    <mc:Fallback>
       <p:transition spd="med">
         <p:fade/>
       </p:transition>
@@ -19824,7 +21667,7 @@
 </p:sld>
 </file>
 
-<file path=ppt/slides/slide23.xml><?xml version="1.0" encoding="utf-8"?>
+<file path=ppt/slides/slide24.xml><?xml version="1.0" encoding="utf-8"?>
 <p:sld xmlns:a="http://schemas.openxmlformats.org/drawingml/2006/main" xmlns:r="http://schemas.openxmlformats.org/officeDocument/2006/relationships" xmlns:p="http://schemas.openxmlformats.org/presentationml/2006/main">
   <p:cSld>
     <p:spTree>
@@ -19868,7 +21711,7 @@
           <p:cNvPr id="3" name="Content Placeholder 2">
             <a:extLst>
               <a:ext uri="{FF2B5EF4-FFF2-40B4-BE49-F238E27FC236}">
-                <a16:creationId xmlns:a16="http://schemas.microsoft.com/office/drawing/2014/main" xmlns="" id="{28B6AE26-C4B7-4337-8801-4C5D483D6BF6}"/>
+                <a16:creationId xmlns="" xmlns:a16="http://schemas.microsoft.com/office/drawing/2014/main" id="{28B6AE26-C4B7-4337-8801-4C5D483D6BF6}"/>
               </a:ext>
             </a:extLst>
           </p:cNvPr>
@@ -20143,7 +21986,19 @@
             </a:pPr>
             <a:r>
               <a:rPr lang="it-IT" sz="2000" dirty="0"/>
-              <a:t>Esempio di creazione di un programma da zero (attore che si sposta, arriva al muro e dice «Hello World»).</a:t>
+              <a:t>Esempio di creazione di un programma da zero (attore che </a:t>
+            </a:r>
+            <a:r>
+              <a:rPr lang="it-IT" sz="2000"/>
+              <a:t>si </a:t>
+            </a:r>
+            <a:r>
+              <a:rPr lang="it-IT" sz="2000" smtClean="0"/>
+              <a:t>sposta e </a:t>
+            </a:r>
+            <a:r>
+              <a:rPr lang="it-IT" sz="2000" dirty="0"/>
+              <a:t>dice «Hello World»).</a:t>
             </a:r>
           </a:p>
           <a:p>
@@ -20419,7 +22274,7 @@
 </p:sld>
 </file>
 
-<file path=ppt/slides/slide24.xml><?xml version="1.0" encoding="utf-8"?>
+<file path=ppt/slides/slide25.xml><?xml version="1.0" encoding="utf-8"?>
 <p:sld xmlns:a="http://schemas.openxmlformats.org/drawingml/2006/main" xmlns:r="http://schemas.openxmlformats.org/officeDocument/2006/relationships" xmlns:p="http://schemas.openxmlformats.org/presentationml/2006/main">
   <p:cSld>
     <p:spTree>
@@ -20464,7 +22319,7 @@
           <p:cNvPr id="3" name="Content Placeholder 2">
             <a:extLst>
               <a:ext uri="{FF2B5EF4-FFF2-40B4-BE49-F238E27FC236}">
-                <a16:creationId xmlns:a16="http://schemas.microsoft.com/office/drawing/2014/main" xmlns="" id="{7D938EBC-D3BA-48D9-B4BD-EC5320E199E3}"/>
+                <a16:creationId xmlns="" xmlns:a16="http://schemas.microsoft.com/office/drawing/2014/main" id="{7D938EBC-D3BA-48D9-B4BD-EC5320E199E3}"/>
               </a:ext>
             </a:extLst>
           </p:cNvPr>
@@ -21499,7 +23354,7 @@
           <p:cNvPr id="4" name="Content Placeholder 2">
             <a:extLst>
               <a:ext uri="{FF2B5EF4-FFF2-40B4-BE49-F238E27FC236}">
-                <a16:creationId xmlns:a16="http://schemas.microsoft.com/office/drawing/2014/main" xmlns="" id="{EBF529E2-29E0-45A6-A2EE-5C0362007B52}"/>
+                <a16:creationId xmlns="" xmlns:a16="http://schemas.microsoft.com/office/drawing/2014/main" id="{EBF529E2-29E0-45A6-A2EE-5C0362007B52}"/>
               </a:ext>
             </a:extLst>
           </p:cNvPr>
@@ -21777,8 +23632,8 @@
               <a:t>Le istruzioni sono rappresentate da </a:t>
             </a:r>
             <a:r>
-              <a:rPr lang="it-IT" sz="1600" b="1" dirty="0"/>
-              <a:t>elementi componibili </a:t>
+              <a:rPr lang="it-IT" sz="1600" b="1" dirty="0" smtClean="0"/>
+              <a:t>blocchi componibili </a:t>
             </a:r>
             <a:r>
               <a:rPr lang="it-IT" sz="1600" dirty="0"/>
@@ -21887,7 +23742,7 @@
           <p:cNvPr id="5" name="Content Placeholder 2">
             <a:extLst>
               <a:ext uri="{FF2B5EF4-FFF2-40B4-BE49-F238E27FC236}">
-                <a16:creationId xmlns:a16="http://schemas.microsoft.com/office/drawing/2014/main" xmlns="" id="{CC034543-9491-44D3-97B3-A015EEF9CFC7}"/>
+                <a16:creationId xmlns="" xmlns:a16="http://schemas.microsoft.com/office/drawing/2014/main" id="{CC034543-9491-44D3-97B3-A015EEF9CFC7}"/>
               </a:ext>
             </a:extLst>
           </p:cNvPr>
@@ -23006,7 +24861,7 @@
           <p:cNvPr id="4" name="Picture 3">
             <a:extLst>
               <a:ext uri="{FF2B5EF4-FFF2-40B4-BE49-F238E27FC236}">
-                <a16:creationId xmlns:a16="http://schemas.microsoft.com/office/drawing/2014/main" xmlns="" id="{AC74FC69-6F3D-4C14-B9CF-119C0C734179}"/>
+                <a16:creationId xmlns="" xmlns:a16="http://schemas.microsoft.com/office/drawing/2014/main" id="{AC74FC69-6F3D-4C14-B9CF-119C0C734179}"/>
               </a:ext>
             </a:extLst>
           </p:cNvPr>
@@ -23036,7 +24891,7 @@
           <p:cNvPr id="5" name="Content Placeholder 2">
             <a:extLst>
               <a:ext uri="{FF2B5EF4-FFF2-40B4-BE49-F238E27FC236}">
-                <a16:creationId xmlns:a16="http://schemas.microsoft.com/office/drawing/2014/main" xmlns="" id="{C78165CF-4CF0-4A70-9E1C-8B856A512ACD}"/>
+                <a16:creationId xmlns="" xmlns:a16="http://schemas.microsoft.com/office/drawing/2014/main" id="{C78165CF-4CF0-4A70-9E1C-8B856A512ACD}"/>
               </a:ext>
             </a:extLst>
           </p:cNvPr>
@@ -24522,9 +26377,10 @@
           <a:lstStyle/>
           <a:p>
             <a:r>
-              <a:rPr lang="it-IT" dirty="0"/>
-              <a:t>Sintassi (I)</a:t>
-            </a:r>
+              <a:rPr lang="it-IT" dirty="0" smtClean="0"/>
+              <a:t>Elementi di Scripting (I)</a:t>
+            </a:r>
+            <a:endParaRPr lang="it-IT" dirty="0"/>
           </a:p>
         </p:txBody>
       </p:sp>
@@ -24820,7 +26676,7 @@
           <p:cNvPr id="4" name="Picture 3">
             <a:extLst>
               <a:ext uri="{FF2B5EF4-FFF2-40B4-BE49-F238E27FC236}">
-                <a16:creationId xmlns:a16="http://schemas.microsoft.com/office/drawing/2014/main" xmlns="" id="{D111CB8C-271D-42F3-B6A0-E4F5200B69E5}"/>
+                <a16:creationId xmlns="" xmlns:a16="http://schemas.microsoft.com/office/drawing/2014/main" id="{D111CB8C-271D-42F3-B6A0-E4F5200B69E5}"/>
               </a:ext>
             </a:extLst>
           </p:cNvPr>
@@ -24850,7 +26706,7 @@
           <p:cNvPr id="6" name="Picture 5">
             <a:extLst>
               <a:ext uri="{FF2B5EF4-FFF2-40B4-BE49-F238E27FC236}">
-                <a16:creationId xmlns:a16="http://schemas.microsoft.com/office/drawing/2014/main" xmlns="" id="{4AEAB2D9-0C4A-45AB-8C15-6CD1C21B7D19}"/>
+                <a16:creationId xmlns="" xmlns:a16="http://schemas.microsoft.com/office/drawing/2014/main" id="{4AEAB2D9-0C4A-45AB-8C15-6CD1C21B7D19}"/>
               </a:ext>
             </a:extLst>
           </p:cNvPr>
@@ -25599,7 +27455,11 @@
           <a:p>
             <a:r>
               <a:rPr lang="it-IT" dirty="0"/>
-              <a:t>Sintassi (II)</a:t>
+              <a:t>Elementi di Scripting </a:t>
+            </a:r>
+            <a:r>
+              <a:rPr lang="it-IT" dirty="0"/>
+              <a:t>(II)</a:t>
             </a:r>
           </a:p>
         </p:txBody>
@@ -25903,7 +27763,7 @@
           <p:cNvPr id="5" name="Picture 4">
             <a:extLst>
               <a:ext uri="{FF2B5EF4-FFF2-40B4-BE49-F238E27FC236}">
-                <a16:creationId xmlns:a16="http://schemas.microsoft.com/office/drawing/2014/main" xmlns="" id="{66061DD8-9274-4BCC-A359-3B073076BAC7}"/>
+                <a16:creationId xmlns="" xmlns:a16="http://schemas.microsoft.com/office/drawing/2014/main" id="{66061DD8-9274-4BCC-A359-3B073076BAC7}"/>
               </a:ext>
             </a:extLst>
           </p:cNvPr>
@@ -25933,7 +27793,7 @@
           <p:cNvPr id="7" name="Picture 6">
             <a:extLst>
               <a:ext uri="{FF2B5EF4-FFF2-40B4-BE49-F238E27FC236}">
-                <a16:creationId xmlns:a16="http://schemas.microsoft.com/office/drawing/2014/main" xmlns="" id="{D4D85FF8-4D70-4F55-98D0-C7E2EF955436}"/>
+                <a16:creationId xmlns="" xmlns:a16="http://schemas.microsoft.com/office/drawing/2014/main" id="{D4D85FF8-4D70-4F55-98D0-C7E2EF955436}"/>
               </a:ext>
             </a:extLst>
           </p:cNvPr>
@@ -26659,12 +28519,16 @@
           <a:lstStyle/>
           <a:p>
             <a:r>
-              <a:rPr lang="en-US" dirty="0" err="1"/>
-              <a:t>Sintassi</a:t>
+              <a:rPr lang="it-IT" dirty="0"/>
+              <a:t>Elementi di Scripting</a:t>
+            </a:r>
+            <a:r>
+              <a:rPr lang="en-US" dirty="0" smtClean="0"/>
+              <a:t> </a:t>
             </a:r>
             <a:r>
               <a:rPr lang="en-US" dirty="0"/>
-              <a:t> (III)</a:t>
+              <a:t>(III)</a:t>
             </a:r>
           </a:p>
         </p:txBody>
@@ -26984,7 +28848,7 @@
           <p:cNvPr id="4" name="Picture 3">
             <a:extLst>
               <a:ext uri="{FF2B5EF4-FFF2-40B4-BE49-F238E27FC236}">
-                <a16:creationId xmlns:a16="http://schemas.microsoft.com/office/drawing/2014/main" xmlns="" id="{38F858C8-CCFD-45A5-B7B4-E10FE11C7154}"/>
+                <a16:creationId xmlns="" xmlns:a16="http://schemas.microsoft.com/office/drawing/2014/main" id="{38F858C8-CCFD-45A5-B7B4-E10FE11C7154}"/>
               </a:ext>
             </a:extLst>
           </p:cNvPr>
@@ -27014,7 +28878,7 @@
           <p:cNvPr id="5" name="Picture 4">
             <a:extLst>
               <a:ext uri="{FF2B5EF4-FFF2-40B4-BE49-F238E27FC236}">
-                <a16:creationId xmlns:a16="http://schemas.microsoft.com/office/drawing/2014/main" xmlns="" id="{152E0B30-0345-4BA7-8733-F3C89055DAFC}"/>
+                <a16:creationId xmlns="" xmlns:a16="http://schemas.microsoft.com/office/drawing/2014/main" id="{152E0B30-0345-4BA7-8733-F3C89055DAFC}"/>
               </a:ext>
             </a:extLst>
           </p:cNvPr>
@@ -27044,7 +28908,7 @@
           <p:cNvPr id="6" name="Picture 5">
             <a:extLst>
               <a:ext uri="{FF2B5EF4-FFF2-40B4-BE49-F238E27FC236}">
-                <a16:creationId xmlns:a16="http://schemas.microsoft.com/office/drawing/2014/main" xmlns="" id="{40927989-E2DB-4B99-9EFB-950ED9DAD904}"/>
+                <a16:creationId xmlns="" xmlns:a16="http://schemas.microsoft.com/office/drawing/2014/main" id="{40927989-E2DB-4B99-9EFB-950ED9DAD904}"/>
               </a:ext>
             </a:extLst>
           </p:cNvPr>
@@ -27467,12 +29331,16 @@
           <a:lstStyle/>
           <a:p>
             <a:r>
-              <a:rPr lang="en-US" dirty="0" err="1"/>
-              <a:t>Sintassi</a:t>
+              <a:rPr lang="it-IT" dirty="0"/>
+              <a:t>Elementi di Scripting</a:t>
+            </a:r>
+            <a:r>
+              <a:rPr lang="en-US" dirty="0" smtClean="0"/>
+              <a:t> </a:t>
             </a:r>
             <a:r>
               <a:rPr lang="en-US" dirty="0"/>
-              <a:t> (IV)</a:t>
+              <a:t>(IV)</a:t>
             </a:r>
           </a:p>
         </p:txBody>
@@ -27751,16 +29619,31 @@
             </a:pPr>
             <a:r>
               <a:rPr lang="it-IT" sz="2000" dirty="0"/>
-              <a:t>Alcuni blocchi presentano </a:t>
+              <a:t>Le </a:t>
             </a:r>
             <a:r>
               <a:rPr lang="it-IT" sz="2000" b="1" dirty="0"/>
-              <a:t>opzioni</a:t>
+              <a:t>variabili</a:t>
             </a:r>
             <a:r>
               <a:rPr lang="it-IT" sz="2000" dirty="0"/>
-              <a:t>: caselle con menù a tendina per la selezione di un valore in un elenco prestabilito.</a:t>
-            </a:r>
+              <a:t> si definiscono con i controlli dell’ambiente di programmazione (separatamente rispetto agli script), ma sono disponibili istruzioni per </a:t>
+            </a:r>
+            <a:r>
+              <a:rPr lang="it-IT" sz="2000" b="1" dirty="0"/>
+              <a:t>assegnare loro valori diversi</a:t>
+            </a:r>
+            <a:r>
+              <a:rPr lang="it-IT" sz="2000" dirty="0"/>
+              <a:t>.</a:t>
+            </a:r>
+          </a:p>
+          <a:p>
+            <a:pPr lvl="1">
+              <a:buFont typeface="Arial" charset="0"/>
+              <a:buChar char="•"/>
+            </a:pPr>
+            <a:endParaRPr lang="it-IT" sz="2000" dirty="0" smtClean="0"/>
           </a:p>
           <a:p>
             <a:pPr lvl="1">
@@ -27774,7 +29657,43 @@
               <a:buFont typeface="Arial" charset="0"/>
               <a:buChar char="•"/>
             </a:pPr>
-            <a:endParaRPr lang="it-IT" sz="2000" dirty="0"/>
+            <a:endParaRPr lang="it-IT" sz="2000" dirty="0" smtClean="0"/>
+          </a:p>
+          <a:p>
+            <a:pPr lvl="1">
+              <a:buFont typeface="Arial" charset="0"/>
+              <a:buChar char="•"/>
+            </a:pPr>
+            <a:endParaRPr lang="it-IT" sz="2000" dirty="0" smtClean="0"/>
+          </a:p>
+          <a:p>
+            <a:pPr lvl="1">
+              <a:buFont typeface="Arial" charset="0"/>
+              <a:buChar char="•"/>
+            </a:pPr>
+            <a:endParaRPr lang="it-IT" sz="2000" dirty="0" smtClean="0"/>
+          </a:p>
+          <a:p>
+            <a:pPr lvl="1">
+              <a:buFont typeface="Arial" charset="0"/>
+              <a:buChar char="•"/>
+            </a:pPr>
+            <a:r>
+              <a:rPr lang="it-IT" sz="2000" dirty="0" smtClean="0"/>
+              <a:t>Alcuni </a:t>
+            </a:r>
+            <a:r>
+              <a:rPr lang="it-IT" sz="2000" dirty="0"/>
+              <a:t>blocchi presentano </a:t>
+            </a:r>
+            <a:r>
+              <a:rPr lang="it-IT" sz="2000" b="1" dirty="0"/>
+              <a:t>opzioni</a:t>
+            </a:r>
+            <a:r>
+              <a:rPr lang="it-IT" sz="2000" dirty="0"/>
+              <a:t>: caselle con menù a tendina per la selezione di un valore in un elenco prestabilito.</a:t>
+            </a:r>
           </a:p>
           <a:p>
             <a:pPr lvl="1">
@@ -27795,26 +29714,14 @@
               <a:buFont typeface="Arial" charset="0"/>
               <a:buChar char="•"/>
             </a:pPr>
-            <a:r>
-              <a:rPr lang="it-IT" sz="2000" dirty="0"/>
-              <a:t>Le </a:t>
-            </a:r>
-            <a:r>
-              <a:rPr lang="it-IT" sz="2000" b="1" dirty="0"/>
-              <a:t>variabili</a:t>
-            </a:r>
-            <a:r>
-              <a:rPr lang="it-IT" sz="2000" dirty="0"/>
-              <a:t> si definiscono con i controlli dell’ambiente di programmazione (separatamente rispetto agli script), ma sono disponibili istruzioni per </a:t>
-            </a:r>
-            <a:r>
-              <a:rPr lang="it-IT" sz="2000" b="1" dirty="0"/>
-              <a:t>assegnare loro valori diversi</a:t>
-            </a:r>
-            <a:r>
-              <a:rPr lang="it-IT" sz="2000" dirty="0"/>
-              <a:t>.</a:t>
-            </a:r>
+            <a:endParaRPr lang="it-IT" sz="2000" dirty="0"/>
+          </a:p>
+          <a:p>
+            <a:pPr lvl="1">
+              <a:buFont typeface="Arial" charset="0"/>
+              <a:buChar char="•"/>
+            </a:pPr>
+            <a:endParaRPr lang="it-IT" sz="2000" dirty="0"/>
           </a:p>
           <a:p>
             <a:pPr lvl="2">
@@ -27837,7 +29744,7 @@
           <p:cNvPr id="7" name="Picture 6">
             <a:extLst>
               <a:ext uri="{FF2B5EF4-FFF2-40B4-BE49-F238E27FC236}">
-                <a16:creationId xmlns:a16="http://schemas.microsoft.com/office/drawing/2014/main" xmlns="" id="{D735BB8A-B15B-4C12-B9AC-7649B0BD045B}"/>
+                <a16:creationId xmlns="" xmlns:a16="http://schemas.microsoft.com/office/drawing/2014/main" id="{D735BB8A-B15B-4C12-B9AC-7649B0BD045B}"/>
               </a:ext>
             </a:extLst>
           </p:cNvPr>
@@ -27854,7 +29761,7 @@
         </p:blipFill>
         <p:spPr>
           <a:xfrm>
-            <a:off x="3447329" y="2561786"/>
+            <a:off x="3447329" y="5330386"/>
             <a:ext cx="2295059" cy="1169702"/>
           </a:xfrm>
           <a:prstGeom prst="rect">
@@ -27867,7 +29774,7 @@
           <p:cNvPr id="9" name="Picture 8">
             <a:extLst>
               <a:ext uri="{FF2B5EF4-FFF2-40B4-BE49-F238E27FC236}">
-                <a16:creationId xmlns:a16="http://schemas.microsoft.com/office/drawing/2014/main" xmlns="" id="{D735BB8A-B15B-4C12-B9AC-7649B0BD045B}"/>
+                <a16:creationId xmlns="" xmlns:a16="http://schemas.microsoft.com/office/drawing/2014/main" id="{D735BB8A-B15B-4C12-B9AC-7649B0BD045B}"/>
               </a:ext>
             </a:extLst>
           </p:cNvPr>
@@ -27890,7 +29797,7 @@
         </p:blipFill>
         <p:spPr>
           <a:xfrm>
-            <a:off x="2746750" y="4872569"/>
+            <a:off x="2746750" y="2891369"/>
             <a:ext cx="3696216" cy="1376885"/>
           </a:xfrm>
           <a:prstGeom prst="rect">
@@ -28006,7 +29913,7 @@
                                           </p:stCondLst>
                                         </p:cTn>
                                         <p:tgtEl>
-                                          <p:spTgt spid="7"/>
+                                          <p:spTgt spid="9"/>
                                         </p:tgtEl>
                                         <p:attrNameLst>
                                           <p:attrName>style.visibility</p:attrName>
@@ -28020,7 +29927,7 @@
                                       <p:cBhvr>
                                         <p:cTn id="11" dur="500"/>
                                         <p:tgtEl>
-                                          <p:spTgt spid="7"/>
+                                          <p:spTgt spid="9"/>
                                         </p:tgtEl>
                                       </p:cBhvr>
                                     </p:animEffect>
@@ -28061,7 +29968,7 @@
                                         <p:tgtEl>
                                           <p:spTgt spid="3">
                                             <p:txEl>
-                                              <p:pRg st="5" end="5"/>
+                                              <p:pRg st="6" end="6"/>
                                             </p:txEl>
                                           </p:spTgt>
                                         </p:tgtEl>
@@ -28079,7 +29986,7 @@
                                         <p:tgtEl>
                                           <p:spTgt spid="3">
                                             <p:txEl>
-                                              <p:pRg st="5" end="5"/>
+                                              <p:pRg st="6" end="6"/>
                                             </p:txEl>
                                           </p:spTgt>
                                         </p:tgtEl>
@@ -28111,7 +30018,7 @@
                                           </p:stCondLst>
                                         </p:cTn>
                                         <p:tgtEl>
-                                          <p:spTgt spid="9"/>
+                                          <p:spTgt spid="7"/>
                                         </p:tgtEl>
                                         <p:attrNameLst>
                                           <p:attrName>style.visibility</p:attrName>
@@ -28125,7 +30032,7 @@
                                       <p:cBhvr>
                                         <p:cTn id="20" dur="500"/>
                                         <p:tgtEl>
-                                          <p:spTgt spid="9"/>
+                                          <p:spTgt spid="7"/>
                                         </p:tgtEl>
                                       </p:cBhvr>
                                     </p:animEffect>
@@ -28164,7 +30071,7 @@
 </file>
 
 <file path=ppt/slides/slide9.xml><?xml version="1.0" encoding="utf-8"?>
-<p:sld xmlns:a="http://schemas.openxmlformats.org/drawingml/2006/main" xmlns:r="http://schemas.openxmlformats.org/officeDocument/2006/relationships" xmlns:p="http://schemas.openxmlformats.org/presentationml/2006/main">
+<p:sld xmlns:a="http://schemas.openxmlformats.org/drawingml/2006/main" xmlns:r="http://schemas.openxmlformats.org/officeDocument/2006/relationships" xmlns:p="http://schemas.openxmlformats.org/presentationml/2006/main" show="0">
   <p:cSld>
     <p:spTree>
       <p:nvGrpSpPr>
@@ -28196,12 +30103,16 @@
           <a:lstStyle/>
           <a:p>
             <a:r>
-              <a:rPr lang="en-US" dirty="0" err="1"/>
-              <a:t>Semantica</a:t>
+              <a:rPr lang="it-IT" dirty="0"/>
+              <a:t>Elementi di Scripting</a:t>
+            </a:r>
+            <a:r>
+              <a:rPr lang="en-US" dirty="0" smtClean="0"/>
+              <a:t> </a:t>
             </a:r>
             <a:r>
               <a:rPr lang="en-US" dirty="0"/>
-              <a:t> (I)</a:t>
+              <a:t>(IV)</a:t>
             </a:r>
           </a:p>
         </p:txBody>
@@ -28480,23 +30391,15 @@
             </a:pPr>
             <a:r>
               <a:rPr lang="it-IT" sz="2000" dirty="0"/>
-              <a:t>Ciascun </a:t>
+              <a:t>Alcuni blocchi presentano </a:t>
             </a:r>
             <a:r>
               <a:rPr lang="it-IT" sz="2000" b="1" dirty="0"/>
-              <a:t>attore</a:t>
+              <a:t>opzioni</a:t>
             </a:r>
             <a:r>
               <a:rPr lang="it-IT" sz="2000" dirty="0"/>
-              <a:t> definisce </a:t>
-            </a:r>
-            <a:r>
-              <a:rPr lang="it-IT" sz="2000" b="1" dirty="0"/>
-              <a:t>variabili locali</a:t>
-            </a:r>
-            <a:r>
-              <a:rPr lang="it-IT" sz="2000" dirty="0"/>
-              <a:t> su cui ha visibilità esclusiva.</a:t>
+              <a:t>: caselle con menù a tendina per la selezione di un valore in un elenco prestabilito.</a:t>
             </a:r>
           </a:p>
           <a:p>
@@ -28532,7 +30435,33 @@
               <a:buFont typeface="Arial" charset="0"/>
               <a:buChar char="•"/>
             </a:pPr>
-            <a:endParaRPr lang="it-IT" sz="2000" dirty="0"/>
+            <a:r>
+              <a:rPr lang="it-IT" sz="2000" dirty="0"/>
+              <a:t>Le </a:t>
+            </a:r>
+            <a:r>
+              <a:rPr lang="it-IT" sz="2000" b="1" dirty="0"/>
+              <a:t>variabili</a:t>
+            </a:r>
+            <a:r>
+              <a:rPr lang="it-IT" sz="2000" dirty="0"/>
+              <a:t> si definiscono con i controlli dell’ambiente di programmazione (separatamente rispetto agli script), ma sono disponibili istruzioni per </a:t>
+            </a:r>
+            <a:r>
+              <a:rPr lang="it-IT" sz="2000" b="1" dirty="0"/>
+              <a:t>assegnare loro valori diversi</a:t>
+            </a:r>
+            <a:r>
+              <a:rPr lang="it-IT" sz="2000" dirty="0"/>
+              <a:t>.</a:t>
+            </a:r>
+          </a:p>
+          <a:p>
+            <a:pPr lvl="2">
+              <a:buFont typeface="Arial" charset="0"/>
+              <a:buChar char="•"/>
+            </a:pPr>
+            <a:endParaRPr lang="it-IT" sz="1600" dirty="0"/>
           </a:p>
           <a:p>
             <a:pPr lvl="1">
@@ -28541,50 +30470,32 @@
             </a:pPr>
             <a:endParaRPr lang="it-IT" sz="2000" dirty="0"/>
           </a:p>
-          <a:p>
-            <a:pPr lvl="1">
-              <a:buFont typeface="Arial" charset="0"/>
-              <a:buChar char="•"/>
-            </a:pPr>
-            <a:r>
-              <a:rPr lang="it-IT" sz="2000" dirty="0"/>
-              <a:t>Sono definibili </a:t>
-            </a:r>
-            <a:r>
-              <a:rPr lang="it-IT" sz="2000" b="1" dirty="0"/>
-              <a:t>variabili globali</a:t>
-            </a:r>
-            <a:r>
-              <a:rPr lang="it-IT" sz="2000" dirty="0"/>
-              <a:t> che risultano visibili per qualsiasi attore.</a:t>
-            </a:r>
-          </a:p>
         </p:txBody>
       </p:sp>
       <p:pic>
         <p:nvPicPr>
-          <p:cNvPr id="4" name="Picture 3"/>
+          <p:cNvPr id="7" name="Picture 6">
+            <a:extLst>
+              <a:ext uri="{FF2B5EF4-FFF2-40B4-BE49-F238E27FC236}">
+                <a16:creationId xmlns="" xmlns:a16="http://schemas.microsoft.com/office/drawing/2014/main" id="{D735BB8A-B15B-4C12-B9AC-7649B0BD045B}"/>
+              </a:ext>
+            </a:extLst>
+          </p:cNvPr>
           <p:cNvPicPr>
             <a:picLocks noChangeAspect="1"/>
           </p:cNvPicPr>
           <p:nvPr/>
         </p:nvPicPr>
         <p:blipFill>
-          <a:blip r:embed="rId2">
-            <a:extLst>
-              <a:ext uri="{28A0092B-C50C-407E-A947-70E740481C1C}">
-                <a14:useLocalDpi xmlns:a14="http://schemas.microsoft.com/office/drawing/2010/main" val="0"/>
-              </a:ext>
-            </a:extLst>
-          </a:blip>
+          <a:blip r:embed="rId2"/>
           <a:stretch>
             <a:fillRect/>
           </a:stretch>
         </p:blipFill>
         <p:spPr>
           <a:xfrm>
-            <a:off x="2724679" y="2222500"/>
-            <a:ext cx="875241" cy="875241"/>
+            <a:off x="3447329" y="2561786"/>
+            <a:ext cx="2295059" cy="1169702"/>
           </a:xfrm>
           <a:prstGeom prst="rect">
             <a:avLst/>
@@ -28593,7 +30504,13 @@
       </p:pic>
       <p:pic>
         <p:nvPicPr>
-          <p:cNvPr id="6" name="Picture 5"/>
+          <p:cNvPr id="9" name="Picture 8">
+            <a:extLst>
+              <a:ext uri="{FF2B5EF4-FFF2-40B4-BE49-F238E27FC236}">
+                <a16:creationId xmlns="" xmlns:a16="http://schemas.microsoft.com/office/drawing/2014/main" id="{D735BB8A-B15B-4C12-B9AC-7649B0BD045B}"/>
+              </a:ext>
+            </a:extLst>
+          </p:cNvPr>
           <p:cNvPicPr>
             <a:picLocks noChangeAspect="1"/>
           </p:cNvPicPr>
@@ -28613,587 +30530,32 @@
         </p:blipFill>
         <p:spPr>
           <a:xfrm>
-            <a:off x="2832097" y="4901473"/>
-            <a:ext cx="1021399" cy="1117600"/>
+            <a:off x="2746750" y="4872569"/>
+            <a:ext cx="3696216" cy="1376885"/>
           </a:xfrm>
           <a:prstGeom prst="rect">
             <a:avLst/>
           </a:prstGeom>
         </p:spPr>
       </p:pic>
-      <p:sp>
-        <p:nvSpPr>
-          <p:cNvPr id="7" name="Rounded Rectangle 6"/>
-          <p:cNvSpPr/>
-          <p:nvPr/>
-        </p:nvSpPr>
-        <p:spPr>
-          <a:xfrm>
-            <a:off x="2724676" y="2202920"/>
-            <a:ext cx="3892023" cy="914400"/>
-          </a:xfrm>
-          <a:prstGeom prst="roundRect">
-            <a:avLst/>
-          </a:prstGeom>
-          <a:noFill/>
-          <a:ln w="38100">
-            <a:solidFill>
-              <a:srgbClr val="C00000"/>
-            </a:solidFill>
-          </a:ln>
-        </p:spPr>
-        <p:style>
-          <a:lnRef idx="2">
-            <a:schemeClr val="accent1">
-              <a:shade val="50000"/>
-            </a:schemeClr>
-          </a:lnRef>
-          <a:fillRef idx="1">
-            <a:schemeClr val="accent1"/>
-          </a:fillRef>
-          <a:effectRef idx="0">
-            <a:schemeClr val="accent1"/>
-          </a:effectRef>
-          <a:fontRef idx="minor">
-            <a:schemeClr val="lt1"/>
-          </a:fontRef>
-        </p:style>
-        <p:txBody>
-          <a:bodyPr rtlCol="0" anchor="ctr"/>
-          <a:lstStyle/>
-          <a:p>
-            <a:pPr algn="ctr"/>
-            <a:endParaRPr lang="it-IT"/>
-          </a:p>
-        </p:txBody>
-      </p:sp>
-      <p:sp>
-        <p:nvSpPr>
-          <p:cNvPr id="8" name="TextBox 7"/>
-          <p:cNvSpPr txBox="1"/>
-          <p:nvPr/>
-        </p:nvSpPr>
-        <p:spPr>
-          <a:xfrm>
-            <a:off x="3794379" y="2336954"/>
-            <a:ext cx="2403221" cy="369332"/>
-          </a:xfrm>
-          <a:prstGeom prst="rect">
-            <a:avLst/>
-          </a:prstGeom>
-          <a:noFill/>
-        </p:spPr>
-        <p:txBody>
-          <a:bodyPr wrap="square" rtlCol="0">
-            <a:spAutoFit/>
-          </a:bodyPr>
-          <a:lstStyle/>
-          <a:p>
-            <a:r>
-              <a:rPr lang="it-IT" b="1" dirty="0">
-                <a:solidFill>
-                  <a:srgbClr val="C00000"/>
-                </a:solidFill>
-              </a:rPr>
-              <a:t>VAR1</a:t>
-            </a:r>
-          </a:p>
-        </p:txBody>
-      </p:sp>
-      <p:sp>
-        <p:nvSpPr>
-          <p:cNvPr id="9" name="TextBox 8"/>
-          <p:cNvSpPr txBox="1"/>
-          <p:nvPr/>
-        </p:nvSpPr>
-        <p:spPr>
-          <a:xfrm>
-            <a:off x="4594859" y="2655654"/>
-            <a:ext cx="2403221" cy="369332"/>
-          </a:xfrm>
-          <a:prstGeom prst="rect">
-            <a:avLst/>
-          </a:prstGeom>
-          <a:noFill/>
-        </p:spPr>
-        <p:txBody>
-          <a:bodyPr wrap="square" rtlCol="0">
-            <a:spAutoFit/>
-          </a:bodyPr>
-          <a:lstStyle/>
-          <a:p>
-            <a:r>
-              <a:rPr lang="it-IT" b="1" dirty="0">
-                <a:solidFill>
-                  <a:srgbClr val="C00000"/>
-                </a:solidFill>
-              </a:rPr>
-              <a:t>VAR2</a:t>
-            </a:r>
-          </a:p>
-        </p:txBody>
-      </p:sp>
-      <p:sp>
-        <p:nvSpPr>
-          <p:cNvPr id="10" name="TextBox 9"/>
-          <p:cNvSpPr txBox="1"/>
-          <p:nvPr/>
-        </p:nvSpPr>
-        <p:spPr>
-          <a:xfrm>
-            <a:off x="5418813" y="2332297"/>
-            <a:ext cx="2403221" cy="369332"/>
-          </a:xfrm>
-          <a:prstGeom prst="rect">
-            <a:avLst/>
-          </a:prstGeom>
-          <a:noFill/>
-        </p:spPr>
-        <p:txBody>
-          <a:bodyPr wrap="square" rtlCol="0">
-            <a:spAutoFit/>
-          </a:bodyPr>
-          <a:lstStyle/>
-          <a:p>
-            <a:r>
-              <a:rPr lang="it-IT" b="1" dirty="0">
-                <a:solidFill>
-                  <a:srgbClr val="C00000"/>
-                </a:solidFill>
-              </a:rPr>
-              <a:t>VAR3</a:t>
-            </a:r>
-          </a:p>
-        </p:txBody>
-      </p:sp>
-      <p:pic>
-        <p:nvPicPr>
-          <p:cNvPr id="11" name="Picture 10"/>
-          <p:cNvPicPr>
-            <a:picLocks noChangeAspect="1"/>
-          </p:cNvPicPr>
-          <p:nvPr/>
-        </p:nvPicPr>
-        <p:blipFill>
-          <a:blip r:embed="rId4">
-            <a:extLst>
-              <a:ext uri="{28A0092B-C50C-407E-A947-70E740481C1C}">
-                <a14:useLocalDpi xmlns:a14="http://schemas.microsoft.com/office/drawing/2010/main" val="0"/>
-              </a:ext>
-            </a:extLst>
-          </a:blip>
-          <a:stretch>
-            <a:fillRect/>
-          </a:stretch>
-        </p:blipFill>
-        <p:spPr>
-          <a:xfrm>
-            <a:off x="2724679" y="3225694"/>
-            <a:ext cx="875241" cy="875241"/>
-          </a:xfrm>
-          <a:prstGeom prst="rect">
-            <a:avLst/>
-          </a:prstGeom>
-        </p:spPr>
-      </p:pic>
-      <p:sp>
-        <p:nvSpPr>
-          <p:cNvPr id="12" name="Rounded Rectangle 11"/>
-          <p:cNvSpPr/>
-          <p:nvPr/>
-        </p:nvSpPr>
-        <p:spPr>
-          <a:xfrm>
-            <a:off x="2724676" y="3206114"/>
-            <a:ext cx="3892023" cy="914400"/>
-          </a:xfrm>
-          <a:prstGeom prst="roundRect">
-            <a:avLst/>
-          </a:prstGeom>
-          <a:noFill/>
-          <a:ln w="38100">
-            <a:solidFill>
-              <a:srgbClr val="00B050"/>
-            </a:solidFill>
-          </a:ln>
-        </p:spPr>
-        <p:style>
-          <a:lnRef idx="2">
-            <a:schemeClr val="accent1">
-              <a:shade val="50000"/>
-            </a:schemeClr>
-          </a:lnRef>
-          <a:fillRef idx="1">
-            <a:schemeClr val="accent1"/>
-          </a:fillRef>
-          <a:effectRef idx="0">
-            <a:schemeClr val="accent1"/>
-          </a:effectRef>
-          <a:fontRef idx="minor">
-            <a:schemeClr val="lt1"/>
-          </a:fontRef>
-        </p:style>
-        <p:txBody>
-          <a:bodyPr rtlCol="0" anchor="ctr"/>
-          <a:lstStyle/>
-          <a:p>
-            <a:pPr algn="ctr"/>
-            <a:endParaRPr lang="it-IT"/>
-          </a:p>
-        </p:txBody>
-      </p:sp>
-      <p:sp>
-        <p:nvSpPr>
-          <p:cNvPr id="13" name="TextBox 12"/>
-          <p:cNvSpPr txBox="1"/>
-          <p:nvPr/>
-        </p:nvSpPr>
-        <p:spPr>
-          <a:xfrm>
-            <a:off x="3794379" y="3340148"/>
-            <a:ext cx="2403221" cy="369332"/>
-          </a:xfrm>
-          <a:prstGeom prst="rect">
-            <a:avLst/>
-          </a:prstGeom>
-          <a:noFill/>
-        </p:spPr>
-        <p:txBody>
-          <a:bodyPr wrap="square" rtlCol="0">
-            <a:spAutoFit/>
-          </a:bodyPr>
-          <a:lstStyle/>
-          <a:p>
-            <a:r>
-              <a:rPr lang="it-IT" b="1" dirty="0">
-                <a:solidFill>
-                  <a:srgbClr val="00B050"/>
-                </a:solidFill>
-              </a:rPr>
-              <a:t>VAR1</a:t>
-            </a:r>
-          </a:p>
-        </p:txBody>
-      </p:sp>
-      <p:sp>
-        <p:nvSpPr>
-          <p:cNvPr id="14" name="TextBox 13"/>
-          <p:cNvSpPr txBox="1"/>
-          <p:nvPr/>
-        </p:nvSpPr>
-        <p:spPr>
-          <a:xfrm>
-            <a:off x="4594859" y="3658848"/>
-            <a:ext cx="2403221" cy="369332"/>
-          </a:xfrm>
-          <a:prstGeom prst="rect">
-            <a:avLst/>
-          </a:prstGeom>
-          <a:noFill/>
-        </p:spPr>
-        <p:txBody>
-          <a:bodyPr wrap="square" rtlCol="0">
-            <a:spAutoFit/>
-          </a:bodyPr>
-          <a:lstStyle/>
-          <a:p>
-            <a:r>
-              <a:rPr lang="it-IT" b="1" dirty="0">
-                <a:solidFill>
-                  <a:srgbClr val="00B050"/>
-                </a:solidFill>
-              </a:rPr>
-              <a:t>VAR2</a:t>
-            </a:r>
-          </a:p>
-        </p:txBody>
-      </p:sp>
-      <p:sp>
-        <p:nvSpPr>
-          <p:cNvPr id="15" name="TextBox 14"/>
-          <p:cNvSpPr txBox="1"/>
-          <p:nvPr/>
-        </p:nvSpPr>
-        <p:spPr>
-          <a:xfrm>
-            <a:off x="5418813" y="3335491"/>
-            <a:ext cx="2403221" cy="369332"/>
-          </a:xfrm>
-          <a:prstGeom prst="rect">
-            <a:avLst/>
-          </a:prstGeom>
-          <a:noFill/>
-        </p:spPr>
-        <p:txBody>
-          <a:bodyPr wrap="square" rtlCol="0">
-            <a:spAutoFit/>
-          </a:bodyPr>
-          <a:lstStyle/>
-          <a:p>
-            <a:r>
-              <a:rPr lang="it-IT" b="1" dirty="0">
-                <a:solidFill>
-                  <a:srgbClr val="00B050"/>
-                </a:solidFill>
-              </a:rPr>
-              <a:t>VAR4</a:t>
-            </a:r>
-          </a:p>
-        </p:txBody>
-      </p:sp>
-      <p:pic>
-        <p:nvPicPr>
-          <p:cNvPr id="18" name="Picture 17"/>
-          <p:cNvPicPr>
-            <a:picLocks noChangeAspect="1"/>
-          </p:cNvPicPr>
-          <p:nvPr/>
-        </p:nvPicPr>
-        <p:blipFill>
-          <a:blip r:embed="rId4">
-            <a:extLst>
-              <a:ext uri="{28A0092B-C50C-407E-A947-70E740481C1C}">
-                <a14:useLocalDpi xmlns:a14="http://schemas.microsoft.com/office/drawing/2010/main" val="0"/>
-              </a:ext>
-            </a:extLst>
-          </a:blip>
-          <a:stretch>
-            <a:fillRect/>
-          </a:stretch>
-        </p:blipFill>
-        <p:spPr>
-          <a:xfrm>
-            <a:off x="4969627" y="4721775"/>
-            <a:ext cx="723340" cy="723340"/>
-          </a:xfrm>
-          <a:prstGeom prst="rect">
-            <a:avLst/>
-          </a:prstGeom>
-        </p:spPr>
-      </p:pic>
-      <p:pic>
-        <p:nvPicPr>
-          <p:cNvPr id="19" name="Picture 18"/>
-          <p:cNvPicPr>
-            <a:picLocks noChangeAspect="1"/>
-          </p:cNvPicPr>
-          <p:nvPr/>
-        </p:nvPicPr>
-        <p:blipFill>
-          <a:blip r:embed="rId2">
-            <a:extLst>
-              <a:ext uri="{28A0092B-C50C-407E-A947-70E740481C1C}">
-                <a14:useLocalDpi xmlns:a14="http://schemas.microsoft.com/office/drawing/2010/main" val="0"/>
-              </a:ext>
-            </a:extLst>
-          </a:blip>
-          <a:stretch>
-            <a:fillRect/>
-          </a:stretch>
-        </p:blipFill>
-        <p:spPr>
-          <a:xfrm>
-            <a:off x="5355482" y="5282211"/>
-            <a:ext cx="723340" cy="723340"/>
-          </a:xfrm>
-          <a:prstGeom prst="rect">
-            <a:avLst/>
-          </a:prstGeom>
-        </p:spPr>
-      </p:pic>
-      <p:pic>
-        <p:nvPicPr>
-          <p:cNvPr id="20" name="Picture 19"/>
-          <p:cNvPicPr>
-            <a:picLocks noChangeAspect="1"/>
-          </p:cNvPicPr>
-          <p:nvPr/>
-        </p:nvPicPr>
-        <p:blipFill>
-          <a:blip r:embed="rId5">
-            <a:extLst>
-              <a:ext uri="{28A0092B-C50C-407E-A947-70E740481C1C}">
-                <a14:useLocalDpi xmlns:a14="http://schemas.microsoft.com/office/drawing/2010/main" val="0"/>
-              </a:ext>
-            </a:extLst>
-          </a:blip>
-          <a:stretch>
-            <a:fillRect/>
-          </a:stretch>
-        </p:blipFill>
-        <p:spPr>
-          <a:xfrm>
-            <a:off x="5736777" y="4721775"/>
-            <a:ext cx="723340" cy="723340"/>
-          </a:xfrm>
-          <a:prstGeom prst="rect">
-            <a:avLst/>
-          </a:prstGeom>
-        </p:spPr>
-      </p:pic>
-      <p:sp>
-        <p:nvSpPr>
-          <p:cNvPr id="22" name="Rounded Rectangle 21"/>
-          <p:cNvSpPr/>
-          <p:nvPr/>
-        </p:nvSpPr>
-        <p:spPr>
-          <a:xfrm>
-            <a:off x="2724676" y="4695327"/>
-            <a:ext cx="3892023" cy="1484272"/>
-          </a:xfrm>
-          <a:prstGeom prst="roundRect">
-            <a:avLst/>
-          </a:prstGeom>
-          <a:noFill/>
-          <a:ln w="38100">
-            <a:solidFill>
-              <a:srgbClr val="002060"/>
-            </a:solidFill>
-          </a:ln>
-        </p:spPr>
-        <p:style>
-          <a:lnRef idx="2">
-            <a:schemeClr val="accent1">
-              <a:shade val="50000"/>
-            </a:schemeClr>
-          </a:lnRef>
-          <a:fillRef idx="1">
-            <a:schemeClr val="accent1"/>
-          </a:fillRef>
-          <a:effectRef idx="0">
-            <a:schemeClr val="accent1"/>
-          </a:effectRef>
-          <a:fontRef idx="minor">
-            <a:schemeClr val="lt1"/>
-          </a:fontRef>
-        </p:style>
-        <p:txBody>
-          <a:bodyPr rtlCol="0" anchor="ctr"/>
-          <a:lstStyle/>
-          <a:p>
-            <a:pPr algn="ctr"/>
-            <a:endParaRPr lang="it-IT"/>
-          </a:p>
-        </p:txBody>
-      </p:sp>
-      <p:sp>
-        <p:nvSpPr>
-          <p:cNvPr id="23" name="TextBox 22"/>
-          <p:cNvSpPr txBox="1"/>
-          <p:nvPr/>
-        </p:nvSpPr>
-        <p:spPr>
-          <a:xfrm>
-            <a:off x="3794379" y="4825643"/>
-            <a:ext cx="2403221" cy="369332"/>
-          </a:xfrm>
-          <a:prstGeom prst="rect">
-            <a:avLst/>
-          </a:prstGeom>
-          <a:noFill/>
-        </p:spPr>
-        <p:txBody>
-          <a:bodyPr wrap="square" rtlCol="0">
-            <a:spAutoFit/>
-          </a:bodyPr>
-          <a:lstStyle/>
-          <a:p>
-            <a:r>
-              <a:rPr lang="it-IT" b="1" dirty="0">
-                <a:solidFill>
-                  <a:srgbClr val="002060"/>
-                </a:solidFill>
-              </a:rPr>
-              <a:t>VARG1</a:t>
-            </a:r>
-          </a:p>
-        </p:txBody>
-      </p:sp>
-      <p:sp>
-        <p:nvSpPr>
-          <p:cNvPr id="24" name="TextBox 23"/>
-          <p:cNvSpPr txBox="1"/>
-          <p:nvPr/>
-        </p:nvSpPr>
-        <p:spPr>
-          <a:xfrm>
-            <a:off x="3968776" y="5188184"/>
-            <a:ext cx="2403221" cy="369332"/>
-          </a:xfrm>
-          <a:prstGeom prst="rect">
-            <a:avLst/>
-          </a:prstGeom>
-          <a:noFill/>
-        </p:spPr>
-        <p:txBody>
-          <a:bodyPr wrap="square" rtlCol="0">
-            <a:spAutoFit/>
-          </a:bodyPr>
-          <a:lstStyle/>
-          <a:p>
-            <a:r>
-              <a:rPr lang="it-IT" b="1" dirty="0">
-                <a:solidFill>
-                  <a:srgbClr val="002060"/>
-                </a:solidFill>
-              </a:rPr>
-              <a:t>VARG2</a:t>
-            </a:r>
-          </a:p>
-        </p:txBody>
-      </p:sp>
-      <p:sp>
-        <p:nvSpPr>
-          <p:cNvPr id="25" name="TextBox 24"/>
-          <p:cNvSpPr txBox="1"/>
-          <p:nvPr/>
-        </p:nvSpPr>
-        <p:spPr>
-          <a:xfrm>
-            <a:off x="4148618" y="5565705"/>
-            <a:ext cx="2403221" cy="369332"/>
-          </a:xfrm>
-          <a:prstGeom prst="rect">
-            <a:avLst/>
-          </a:prstGeom>
-          <a:noFill/>
-        </p:spPr>
-        <p:txBody>
-          <a:bodyPr wrap="square" rtlCol="0">
-            <a:spAutoFit/>
-          </a:bodyPr>
-          <a:lstStyle/>
-          <a:p>
-            <a:r>
-              <a:rPr lang="it-IT" b="1" dirty="0">
-                <a:solidFill>
-                  <a:srgbClr val="002060"/>
-                </a:solidFill>
-              </a:rPr>
-              <a:t>VARG3</a:t>
-            </a:r>
-          </a:p>
-        </p:txBody>
-      </p:sp>
     </p:spTree>
     <p:extLst>
       <p:ext uri="{BB962C8B-B14F-4D97-AF65-F5344CB8AC3E}">
-        <p14:creationId xmlns:p14="http://schemas.microsoft.com/office/powerpoint/2010/main" val="1083294608"/>
+        <p14:creationId xmlns:p14="http://schemas.microsoft.com/office/powerpoint/2010/main" val="1836155270"/>
       </p:ext>
     </p:extLst>
   </p:cSld>
   <p:clrMapOvr>
     <a:masterClrMapping/>
   </p:clrMapOvr>
-  <mc:AlternateContent xmlns:mc="http://schemas.openxmlformats.org/markup-compatibility/2006" xmlns:p159="http://schemas.microsoft.com/office/powerpoint/2015/09/main">
-    <mc:Choice Requires="p159">
-      <p:transition xmlns:p14="http://schemas.microsoft.com/office/powerpoint/2010/main" spd="slow" p14:dur="2000">
-        <p159:morph option="byObject"/>
+  <mc:AlternateContent xmlns:mc="http://schemas.openxmlformats.org/markup-compatibility/2006">
+    <mc:Choice xmlns:p14="http://schemas.microsoft.com/office/powerpoint/2010/main" Requires="p14">
+      <p:transition spd="med" p14:dur="700">
+        <p:fade/>
       </p:transition>
     </mc:Choice>
-    <mc:Fallback xmlns="">
-      <p:transition spd="slow">
+    <mc:Fallback>
+      <p:transition spd="med">
         <p:fade/>
       </p:transition>
     </mc:Fallback>
@@ -29219,7 +30581,7 @@
                             </p:stCondLst>
                             <p:childTnLst>
                               <p:par>
-                                <p:cTn id="5" presetID="1" presetClass="entr" presetSubtype="0" fill="hold" nodeType="clickEffect">
+                                <p:cTn id="5" presetID="10" presetClass="entr" presetSubtype="0" fill="hold" nodeType="clickEffect">
                                   <p:stCondLst>
                                     <p:cond delay="0"/>
                                   </p:stCondLst>
@@ -29246,187 +30608,15 @@
                                         <p:strVal val="visible"/>
                                       </p:to>
                                     </p:set>
-                                  </p:childTnLst>
-                                </p:cTn>
-                              </p:par>
-                            </p:childTnLst>
-                          </p:cTn>
-                        </p:par>
-                        <p:par>
-                          <p:cTn id="7" fill="hold">
-                            <p:stCondLst>
-                              <p:cond delay="0"/>
-                            </p:stCondLst>
-                            <p:childTnLst>
-                              <p:par>
-                                <p:cTn id="8" presetID="10" presetClass="entr" presetSubtype="0" fill="hold" nodeType="afterEffect">
-                                  <p:stCondLst>
-                                    <p:cond delay="0"/>
-                                  </p:stCondLst>
-                                  <p:childTnLst>
-                                    <p:set>
-                                      <p:cBhvr>
-                                        <p:cTn id="9" dur="1" fill="hold">
-                                          <p:stCondLst>
-                                            <p:cond delay="0"/>
-                                          </p:stCondLst>
-                                        </p:cTn>
-                                        <p:tgtEl>
-                                          <p:spTgt spid="4"/>
-                                        </p:tgtEl>
-                                        <p:attrNameLst>
-                                          <p:attrName>style.visibility</p:attrName>
-                                        </p:attrNameLst>
-                                      </p:cBhvr>
-                                      <p:to>
-                                        <p:strVal val="visible"/>
-                                      </p:to>
-                                    </p:set>
                                     <p:animEffect transition="in" filter="fade">
                                       <p:cBhvr>
-                                        <p:cTn id="10" dur="500"/>
-                                        <p:tgtEl>
-                                          <p:spTgt spid="4"/>
-                                        </p:tgtEl>
-                                      </p:cBhvr>
-                                    </p:animEffect>
-                                  </p:childTnLst>
-                                </p:cTn>
-                              </p:par>
-                              <p:par>
-                                <p:cTn id="11" presetID="10" presetClass="entr" presetSubtype="0" fill="hold" grpId="0" nodeType="withEffect">
-                                  <p:stCondLst>
-                                    <p:cond delay="0"/>
-                                  </p:stCondLst>
-                                  <p:childTnLst>
-                                    <p:set>
-                                      <p:cBhvr>
-                                        <p:cTn id="12" dur="1" fill="hold">
-                                          <p:stCondLst>
-                                            <p:cond delay="0"/>
-                                          </p:stCondLst>
-                                        </p:cTn>
-                                        <p:tgtEl>
-                                          <p:spTgt spid="7"/>
-                                        </p:tgtEl>
-                                        <p:attrNameLst>
-                                          <p:attrName>style.visibility</p:attrName>
-                                        </p:attrNameLst>
-                                      </p:cBhvr>
-                                      <p:to>
-                                        <p:strVal val="visible"/>
-                                      </p:to>
-                                    </p:set>
-                                    <p:animEffect transition="in" filter="fade">
-                                      <p:cBhvr>
-                                        <p:cTn id="13" dur="500"/>
-                                        <p:tgtEl>
-                                          <p:spTgt spid="7"/>
-                                        </p:tgtEl>
-                                      </p:cBhvr>
-                                    </p:animEffect>
-                                  </p:childTnLst>
-                                </p:cTn>
-                              </p:par>
-                              <p:par>
-                                <p:cTn id="14" presetID="10" presetClass="entr" presetSubtype="0" fill="hold" grpId="0" nodeType="withEffect">
-                                  <p:stCondLst>
-                                    <p:cond delay="0"/>
-                                  </p:stCondLst>
-                                  <p:childTnLst>
-                                    <p:set>
-                                      <p:cBhvr>
-                                        <p:cTn id="15" dur="1" fill="hold">
-                                          <p:stCondLst>
-                                            <p:cond delay="0"/>
-                                          </p:stCondLst>
-                                        </p:cTn>
-                                        <p:tgtEl>
-                                          <p:spTgt spid="8"/>
-                                        </p:tgtEl>
-                                        <p:attrNameLst>
-                                          <p:attrName>style.visibility</p:attrName>
-                                        </p:attrNameLst>
-                                      </p:cBhvr>
-                                      <p:to>
-                                        <p:strVal val="visible"/>
-                                      </p:to>
-                                    </p:set>
-                                    <p:animEffect transition="in" filter="fade">
-                                      <p:cBhvr>
-                                        <p:cTn id="16" dur="500"/>
-                                        <p:tgtEl>
-                                          <p:spTgt spid="8"/>
-                                        </p:tgtEl>
-                                      </p:cBhvr>
-                                    </p:animEffect>
-                                  </p:childTnLst>
-                                </p:cTn>
-                              </p:par>
-                              <p:par>
-                                <p:cTn id="17" presetID="10" presetClass="entr" presetSubtype="0" fill="hold" grpId="0" nodeType="withEffect">
-                                  <p:stCondLst>
-                                    <p:cond delay="0"/>
-                                  </p:stCondLst>
-                                  <p:childTnLst>
-                                    <p:set>
-                                      <p:cBhvr>
-                                        <p:cTn id="18" dur="1" fill="hold">
-                                          <p:stCondLst>
-                                            <p:cond delay="0"/>
-                                          </p:stCondLst>
-                                        </p:cTn>
-                                        <p:tgtEl>
-                                          <p:spTgt spid="9"/>
-                                        </p:tgtEl>
-                                        <p:attrNameLst>
-                                          <p:attrName>style.visibility</p:attrName>
-                                        </p:attrNameLst>
-                                      </p:cBhvr>
-                                      <p:to>
-                                        <p:strVal val="visible"/>
-                                      </p:to>
-                                    </p:set>
-                                    <p:animEffect transition="in" filter="fade">
-                                      <p:cBhvr>
-                                        <p:cTn id="19" dur="500"/>
-                                        <p:tgtEl>
-                                          <p:spTgt spid="9"/>
-                                        </p:tgtEl>
-                                      </p:cBhvr>
-                                    </p:animEffect>
-                                  </p:childTnLst>
-                                </p:cTn>
-                              </p:par>
-                              <p:par>
-                                <p:cTn id="20" presetID="10" presetClass="entr" presetSubtype="0" fill="hold" grpId="0" nodeType="withEffect">
-                                  <p:stCondLst>
-                                    <p:cond delay="0"/>
-                                  </p:stCondLst>
-                                  <p:childTnLst>
-                                    <p:set>
-                                      <p:cBhvr>
-                                        <p:cTn id="21" dur="1" fill="hold">
-                                          <p:stCondLst>
-                                            <p:cond delay="0"/>
-                                          </p:stCondLst>
-                                        </p:cTn>
-                                        <p:tgtEl>
-                                          <p:spTgt spid="10"/>
-                                        </p:tgtEl>
-                                        <p:attrNameLst>
-                                          <p:attrName>style.visibility</p:attrName>
-                                        </p:attrNameLst>
-                                      </p:cBhvr>
-                                      <p:to>
-                                        <p:strVal val="visible"/>
-                                      </p:to>
-                                    </p:set>
-                                    <p:animEffect transition="in" filter="fade">
-                                      <p:cBhvr>
-                                        <p:cTn id="22" dur="500"/>
-                                        <p:tgtEl>
-                                          <p:spTgt spid="10"/>
+                                        <p:cTn id="7" dur="500"/>
+                                        <p:tgtEl>
+                                          <p:spTgt spid="3">
+                                            <p:txEl>
+                                              <p:pRg st="0" end="0"/>
+                                            </p:txEl>
+                                          </p:spTgt>
                                         </p:tgtEl>
                                       </p:cBhvr>
                                     </p:animEffect>
@@ -29437,26 +30627,26 @@
                           </p:cTn>
                         </p:par>
                         <p:par>
-                          <p:cTn id="23" fill="hold">
+                          <p:cTn id="8" fill="hold">
                             <p:stCondLst>
                               <p:cond delay="500"/>
                             </p:stCondLst>
                             <p:childTnLst>
                               <p:par>
-                                <p:cTn id="24" presetID="10" presetClass="entr" presetSubtype="0" fill="hold" nodeType="afterEffect">
+                                <p:cTn id="9" presetID="10" presetClass="entr" presetSubtype="0" fill="hold" nodeType="afterEffect">
                                   <p:stCondLst>
                                     <p:cond delay="0"/>
                                   </p:stCondLst>
                                   <p:childTnLst>
                                     <p:set>
                                       <p:cBhvr>
-                                        <p:cTn id="25" dur="1" fill="hold">
+                                        <p:cTn id="10" dur="1" fill="hold">
                                           <p:stCondLst>
                                             <p:cond delay="0"/>
                                           </p:stCondLst>
                                         </p:cTn>
                                         <p:tgtEl>
-                                          <p:spTgt spid="11"/>
+                                          <p:spTgt spid="7"/>
                                         </p:tgtEl>
                                         <p:attrNameLst>
                                           <p:attrName>style.visibility</p:attrName>
@@ -29468,149 +30658,9 @@
                                     </p:set>
                                     <p:animEffect transition="in" filter="fade">
                                       <p:cBhvr>
-                                        <p:cTn id="26" dur="500"/>
-                                        <p:tgtEl>
-                                          <p:spTgt spid="11"/>
-                                        </p:tgtEl>
-                                      </p:cBhvr>
-                                    </p:animEffect>
-                                  </p:childTnLst>
-                                </p:cTn>
-                              </p:par>
-                              <p:par>
-                                <p:cTn id="27" presetID="10" presetClass="entr" presetSubtype="0" fill="hold" grpId="0" nodeType="withEffect">
-                                  <p:stCondLst>
-                                    <p:cond delay="0"/>
-                                  </p:stCondLst>
-                                  <p:childTnLst>
-                                    <p:set>
-                                      <p:cBhvr>
-                                        <p:cTn id="28" dur="1" fill="hold">
-                                          <p:stCondLst>
-                                            <p:cond delay="0"/>
-                                          </p:stCondLst>
-                                        </p:cTn>
-                                        <p:tgtEl>
-                                          <p:spTgt spid="12"/>
-                                        </p:tgtEl>
-                                        <p:attrNameLst>
-                                          <p:attrName>style.visibility</p:attrName>
-                                        </p:attrNameLst>
-                                      </p:cBhvr>
-                                      <p:to>
-                                        <p:strVal val="visible"/>
-                                      </p:to>
-                                    </p:set>
-                                    <p:animEffect transition="in" filter="fade">
-                                      <p:cBhvr>
-                                        <p:cTn id="29" dur="500"/>
-                                        <p:tgtEl>
-                                          <p:spTgt spid="12"/>
-                                        </p:tgtEl>
-                                      </p:cBhvr>
-                                    </p:animEffect>
-                                  </p:childTnLst>
-                                </p:cTn>
-                              </p:par>
-                              <p:par>
-                                <p:cTn id="30" presetID="10" presetClass="entr" presetSubtype="0" fill="hold" grpId="0" nodeType="withEffect">
-                                  <p:stCondLst>
-                                    <p:cond delay="0"/>
-                                  </p:stCondLst>
-                                  <p:childTnLst>
-                                    <p:set>
-                                      <p:cBhvr>
-                                        <p:cTn id="31" dur="1" fill="hold">
-                                          <p:stCondLst>
-                                            <p:cond delay="0"/>
-                                          </p:stCondLst>
-                                        </p:cTn>
-                                        <p:tgtEl>
-                                          <p:spTgt spid="13"/>
-                                        </p:tgtEl>
-                                        <p:attrNameLst>
-                                          <p:attrName>style.visibility</p:attrName>
-                                        </p:attrNameLst>
-                                      </p:cBhvr>
-                                      <p:to>
-                                        <p:strVal val="visible"/>
-                                      </p:to>
-                                    </p:set>
-                                    <p:animEffect transition="in" filter="fade">
-                                      <p:cBhvr>
-                                        <p:cTn id="32" dur="500"/>
-                                        <p:tgtEl>
-                                          <p:spTgt spid="13"/>
-                                        </p:tgtEl>
-                                      </p:cBhvr>
-                                    </p:animEffect>
-                                  </p:childTnLst>
-                                </p:cTn>
-                              </p:par>
-                              <p:par>
-                                <p:cTn id="33" presetID="10" presetClass="entr" presetSubtype="0" fill="hold" grpId="0" nodeType="withEffect">
-                                  <p:stCondLst>
-                                    <p:cond delay="0"/>
-                                  </p:stCondLst>
-                                  <p:childTnLst>
-                                    <p:set>
-                                      <p:cBhvr>
-                                        <p:cTn id="34" dur="1" fill="hold">
-                                          <p:stCondLst>
-                                            <p:cond delay="0"/>
-                                          </p:stCondLst>
-                                        </p:cTn>
-                                        <p:tgtEl>
-                                          <p:spTgt spid="14"/>
-                                        </p:tgtEl>
-                                        <p:attrNameLst>
-                                          <p:attrName>style.visibility</p:attrName>
-                                        </p:attrNameLst>
-                                      </p:cBhvr>
-                                      <p:to>
-                                        <p:strVal val="visible"/>
-                                      </p:to>
-                                    </p:set>
-                                    <p:animEffect transition="in" filter="fade">
-                                      <p:cBhvr>
-                                        <p:cTn id="35" dur="500"/>
-                                        <p:tgtEl>
-                                          <p:spTgt spid="14"/>
-                                        </p:tgtEl>
-                                      </p:cBhvr>
-                                    </p:animEffect>
-                                  </p:childTnLst>
-                                </p:cTn>
-                              </p:par>
-                              <p:par>
-                                <p:cTn id="36" presetID="10" presetClass="entr" presetSubtype="0" fill="hold" grpId="0" nodeType="withEffect">
-                                  <p:stCondLst>
-                                    <p:cond delay="0"/>
-                                  </p:stCondLst>
-                                  <p:childTnLst>
-                                    <p:set>
-                                      <p:cBhvr>
-                                        <p:cTn id="37" dur="1" fill="hold">
-                                          <p:stCondLst>
-                                            <p:cond delay="0"/>
-                                          </p:stCondLst>
-                                        </p:cTn>
-                                        <p:tgtEl>
-                                          <p:spTgt spid="15"/>
-                                        </p:tgtEl>
-                                        <p:attrNameLst>
-                                          <p:attrName>style.visibility</p:attrName>
-                                        </p:attrNameLst>
-                                      </p:cBhvr>
-                                      <p:to>
-                                        <p:strVal val="visible"/>
-                                      </p:to>
-                                    </p:set>
-                                    <p:animEffect transition="in" filter="fade">
-                                      <p:cBhvr>
-                                        <p:cTn id="38" dur="500"/>
-                                        <p:tgtEl>
-                                          <p:spTgt spid="15"/>
+                                        <p:cTn id="11" dur="500"/>
+                                        <p:tgtEl>
+                                          <p:spTgt spid="7"/>
                                         </p:tgtEl>
                                       </p:cBhvr>
                                     </p:animEffect>
@@ -29624,26 +30674,26 @@
                     </p:cTn>
                   </p:par>
                   <p:par>
-                    <p:cTn id="39" fill="hold">
+                    <p:cTn id="12" fill="hold">
                       <p:stCondLst>
                         <p:cond delay="indefinite"/>
                       </p:stCondLst>
                       <p:childTnLst>
                         <p:par>
-                          <p:cTn id="40" fill="hold">
+                          <p:cTn id="13" fill="hold">
                             <p:stCondLst>
                               <p:cond delay="0"/>
                             </p:stCondLst>
                             <p:childTnLst>
                               <p:par>
-                                <p:cTn id="41" presetID="1" presetClass="entr" presetSubtype="0" fill="hold" nodeType="clickEffect">
+                                <p:cTn id="14" presetID="10" presetClass="entr" presetSubtype="0" fill="hold" nodeType="clickEffect">
                                   <p:stCondLst>
                                     <p:cond delay="0"/>
                                   </p:stCondLst>
                                   <p:childTnLst>
                                     <p:set>
                                       <p:cBhvr>
-                                        <p:cTn id="42" dur="1" fill="hold">
+                                        <p:cTn id="15" dur="1" fill="hold">
                                           <p:stCondLst>
                                             <p:cond delay="0"/>
                                           </p:stCondLst>
@@ -29651,7 +30701,7 @@
                                         <p:tgtEl>
                                           <p:spTgt spid="3">
                                             <p:txEl>
-                                              <p:pRg st="7" end="7"/>
+                                              <p:pRg st="5" end="5"/>
                                             </p:txEl>
                                           </p:spTgt>
                                         </p:tgtEl>
@@ -29663,6 +30713,18 @@
                                         <p:strVal val="visible"/>
                                       </p:to>
                                     </p:set>
+                                    <p:animEffect transition="in" filter="fade">
+                                      <p:cBhvr>
+                                        <p:cTn id="16" dur="500"/>
+                                        <p:tgtEl>
+                                          <p:spTgt spid="3">
+                                            <p:txEl>
+                                              <p:pRg st="5" end="5"/>
+                                            </p:txEl>
+                                          </p:spTgt>
+                                        </p:tgtEl>
+                                      </p:cBhvr>
+                                    </p:animEffect>
                                   </p:childTnLst>
                                 </p:cTn>
                               </p:par>
@@ -29670,26 +30732,26 @@
                           </p:cTn>
                         </p:par>
                         <p:par>
-                          <p:cTn id="43" fill="hold">
+                          <p:cTn id="17" fill="hold">
                             <p:stCondLst>
-                              <p:cond delay="0"/>
+                              <p:cond delay="500"/>
                             </p:stCondLst>
                             <p:childTnLst>
                               <p:par>
-                                <p:cTn id="44" presetID="10" presetClass="entr" presetSubtype="0" fill="hold" nodeType="afterEffect">
+                                <p:cTn id="18" presetID="10" presetClass="entr" presetSubtype="0" fill="hold" nodeType="afterEffect">
                                   <p:stCondLst>
                                     <p:cond delay="0"/>
                                   </p:stCondLst>
                                   <p:childTnLst>
                                     <p:set>
                                       <p:cBhvr>
-                                        <p:cTn id="45" dur="1" fill="hold">
+                                        <p:cTn id="19" dur="1" fill="hold">
                                           <p:stCondLst>
                                             <p:cond delay="0"/>
                                           </p:stCondLst>
                                         </p:cTn>
                                         <p:tgtEl>
-                                          <p:spTgt spid="18"/>
+                                          <p:spTgt spid="9"/>
                                         </p:tgtEl>
                                         <p:attrNameLst>
                                           <p:attrName>style.visibility</p:attrName>
@@ -29701,254 +30763,9 @@
                                     </p:set>
                                     <p:animEffect transition="in" filter="fade">
                                       <p:cBhvr>
-                                        <p:cTn id="46" dur="500"/>
-                                        <p:tgtEl>
-                                          <p:spTgt spid="18"/>
-                                        </p:tgtEl>
-                                      </p:cBhvr>
-                                    </p:animEffect>
-                                  </p:childTnLst>
-                                </p:cTn>
-                              </p:par>
-                              <p:par>
-                                <p:cTn id="47" presetID="10" presetClass="entr" presetSubtype="0" fill="hold" nodeType="withEffect">
-                                  <p:stCondLst>
-                                    <p:cond delay="0"/>
-                                  </p:stCondLst>
-                                  <p:childTnLst>
-                                    <p:set>
-                                      <p:cBhvr>
-                                        <p:cTn id="48" dur="1" fill="hold">
-                                          <p:stCondLst>
-                                            <p:cond delay="0"/>
-                                          </p:stCondLst>
-                                        </p:cTn>
-                                        <p:tgtEl>
-                                          <p:spTgt spid="6"/>
-                                        </p:tgtEl>
-                                        <p:attrNameLst>
-                                          <p:attrName>style.visibility</p:attrName>
-                                        </p:attrNameLst>
-                                      </p:cBhvr>
-                                      <p:to>
-                                        <p:strVal val="visible"/>
-                                      </p:to>
-                                    </p:set>
-                                    <p:animEffect transition="in" filter="fade">
-                                      <p:cBhvr>
-                                        <p:cTn id="49" dur="500"/>
-                                        <p:tgtEl>
-                                          <p:spTgt spid="6"/>
-                                        </p:tgtEl>
-                                      </p:cBhvr>
-                                    </p:animEffect>
-                                  </p:childTnLst>
-                                </p:cTn>
-                              </p:par>
-                              <p:par>
-                                <p:cTn id="50" presetID="10" presetClass="entr" presetSubtype="0" fill="hold" nodeType="withEffect">
-                                  <p:stCondLst>
-                                    <p:cond delay="0"/>
-                                  </p:stCondLst>
-                                  <p:childTnLst>
-                                    <p:set>
-                                      <p:cBhvr>
-                                        <p:cTn id="51" dur="1" fill="hold">
-                                          <p:stCondLst>
-                                            <p:cond delay="0"/>
-                                          </p:stCondLst>
-                                        </p:cTn>
-                                        <p:tgtEl>
-                                          <p:spTgt spid="19"/>
-                                        </p:tgtEl>
-                                        <p:attrNameLst>
-                                          <p:attrName>style.visibility</p:attrName>
-                                        </p:attrNameLst>
-                                      </p:cBhvr>
-                                      <p:to>
-                                        <p:strVal val="visible"/>
-                                      </p:to>
-                                    </p:set>
-                                    <p:animEffect transition="in" filter="fade">
-                                      <p:cBhvr>
-                                        <p:cTn id="52" dur="500"/>
-                                        <p:tgtEl>
-                                          <p:spTgt spid="19"/>
-                                        </p:tgtEl>
-                                      </p:cBhvr>
-                                    </p:animEffect>
-                                  </p:childTnLst>
-                                </p:cTn>
-                              </p:par>
-                              <p:par>
-                                <p:cTn id="53" presetID="10" presetClass="entr" presetSubtype="0" fill="hold" nodeType="withEffect">
-                                  <p:stCondLst>
-                                    <p:cond delay="0"/>
-                                  </p:stCondLst>
-                                  <p:childTnLst>
-                                    <p:set>
-                                      <p:cBhvr>
-                                        <p:cTn id="54" dur="1" fill="hold">
-                                          <p:stCondLst>
-                                            <p:cond delay="0"/>
-                                          </p:stCondLst>
-                                        </p:cTn>
-                                        <p:tgtEl>
-                                          <p:spTgt spid="20"/>
-                                        </p:tgtEl>
-                                        <p:attrNameLst>
-                                          <p:attrName>style.visibility</p:attrName>
-                                        </p:attrNameLst>
-                                      </p:cBhvr>
-                                      <p:to>
-                                        <p:strVal val="visible"/>
-                                      </p:to>
-                                    </p:set>
-                                    <p:animEffect transition="in" filter="fade">
-                                      <p:cBhvr>
-                                        <p:cTn id="55" dur="500"/>
-                                        <p:tgtEl>
-                                          <p:spTgt spid="20"/>
-                                        </p:tgtEl>
-                                      </p:cBhvr>
-                                    </p:animEffect>
-                                  </p:childTnLst>
-                                </p:cTn>
-                              </p:par>
-                              <p:par>
-                                <p:cTn id="56" presetID="10" presetClass="entr" presetSubtype="0" fill="hold" grpId="0" nodeType="withEffect">
-                                  <p:stCondLst>
-                                    <p:cond delay="0"/>
-                                  </p:stCondLst>
-                                  <p:childTnLst>
-                                    <p:set>
-                                      <p:cBhvr>
-                                        <p:cTn id="57" dur="1" fill="hold">
-                                          <p:stCondLst>
-                                            <p:cond delay="0"/>
-                                          </p:stCondLst>
-                                        </p:cTn>
-                                        <p:tgtEl>
-                                          <p:spTgt spid="22"/>
-                                        </p:tgtEl>
-                                        <p:attrNameLst>
-                                          <p:attrName>style.visibility</p:attrName>
-                                        </p:attrNameLst>
-                                      </p:cBhvr>
-                                      <p:to>
-                                        <p:strVal val="visible"/>
-                                      </p:to>
-                                    </p:set>
-                                    <p:animEffect transition="in" filter="fade">
-                                      <p:cBhvr>
-                                        <p:cTn id="58" dur="500"/>
-                                        <p:tgtEl>
-                                          <p:spTgt spid="22"/>
-                                        </p:tgtEl>
-                                      </p:cBhvr>
-                                    </p:animEffect>
-                                  </p:childTnLst>
-                                </p:cTn>
-                              </p:par>
-                              <p:par>
-                                <p:cTn id="59" presetID="10" presetClass="entr" presetSubtype="0" fill="hold" grpId="0" nodeType="withEffect">
-                                  <p:stCondLst>
-                                    <p:cond delay="0"/>
-                                  </p:stCondLst>
-                                  <p:childTnLst>
-                                    <p:set>
-                                      <p:cBhvr>
-                                        <p:cTn id="60" dur="1" fill="hold">
-                                          <p:stCondLst>
-                                            <p:cond delay="0"/>
-                                          </p:stCondLst>
-                                        </p:cTn>
-                                        <p:tgtEl>
-                                          <p:spTgt spid="23"/>
-                                        </p:tgtEl>
-                                        <p:attrNameLst>
-                                          <p:attrName>style.visibility</p:attrName>
-                                        </p:attrNameLst>
-                                      </p:cBhvr>
-                                      <p:to>
-                                        <p:strVal val="visible"/>
-                                      </p:to>
-                                    </p:set>
-                                    <p:animEffect transition="in" filter="fade">
-                                      <p:cBhvr>
-                                        <p:cTn id="61" dur="500"/>
-                                        <p:tgtEl>
-                                          <p:spTgt spid="23"/>
-                                        </p:tgtEl>
-                                      </p:cBhvr>
-                                    </p:animEffect>
-                                  </p:childTnLst>
-                                </p:cTn>
-                              </p:par>
-                              <p:par>
-                                <p:cTn id="62" presetID="10" presetClass="entr" presetSubtype="0" fill="hold" grpId="0" nodeType="withEffect">
-                                  <p:stCondLst>
-                                    <p:cond delay="0"/>
-                                  </p:stCondLst>
-                                  <p:childTnLst>
-                                    <p:set>
-                                      <p:cBhvr>
-                                        <p:cTn id="63" dur="1" fill="hold">
-                                          <p:stCondLst>
-                                            <p:cond delay="0"/>
-                                          </p:stCondLst>
-                                        </p:cTn>
-                                        <p:tgtEl>
-                                          <p:spTgt spid="24"/>
-                                        </p:tgtEl>
-                                        <p:attrNameLst>
-                                          <p:attrName>style.visibility</p:attrName>
-                                        </p:attrNameLst>
-                                      </p:cBhvr>
-                                      <p:to>
-                                        <p:strVal val="visible"/>
-                                      </p:to>
-                                    </p:set>
-                                    <p:animEffect transition="in" filter="fade">
-                                      <p:cBhvr>
-                                        <p:cTn id="64" dur="500"/>
-                                        <p:tgtEl>
-                                          <p:spTgt spid="24"/>
-                                        </p:tgtEl>
-                                      </p:cBhvr>
-                                    </p:animEffect>
-                                  </p:childTnLst>
-                                </p:cTn>
-                              </p:par>
-                              <p:par>
-                                <p:cTn id="65" presetID="10" presetClass="entr" presetSubtype="0" fill="hold" grpId="0" nodeType="withEffect">
-                                  <p:stCondLst>
-                                    <p:cond delay="0"/>
-                                  </p:stCondLst>
-                                  <p:childTnLst>
-                                    <p:set>
-                                      <p:cBhvr>
-                                        <p:cTn id="66" dur="1" fill="hold">
-                                          <p:stCondLst>
-                                            <p:cond delay="0"/>
-                                          </p:stCondLst>
-                                        </p:cTn>
-                                        <p:tgtEl>
-                                          <p:spTgt spid="25"/>
-                                        </p:tgtEl>
-                                        <p:attrNameLst>
-                                          <p:attrName>style.visibility</p:attrName>
-                                        </p:attrNameLst>
-                                      </p:cBhvr>
-                                      <p:to>
-                                        <p:strVal val="visible"/>
-                                      </p:to>
-                                    </p:set>
-                                    <p:animEffect transition="in" filter="fade">
-                                      <p:cBhvr>
-                                        <p:cTn id="67" dur="500"/>
-                                        <p:tgtEl>
-                                          <p:spTgt spid="25"/>
+                                        <p:cTn id="20" dur="500"/>
+                                        <p:tgtEl>
+                                          <p:spTgt spid="9"/>
                                         </p:tgtEl>
                                       </p:cBhvr>
                                     </p:animEffect>
@@ -29982,20 +30799,6 @@
         </p:cTn>
       </p:par>
     </p:tnLst>
-    <p:bldLst>
-      <p:bldP spid="7" grpId="0" animBg="1"/>
-      <p:bldP spid="8" grpId="0"/>
-      <p:bldP spid="9" grpId="0"/>
-      <p:bldP spid="10" grpId="0"/>
-      <p:bldP spid="12" grpId="0" animBg="1"/>
-      <p:bldP spid="13" grpId="0"/>
-      <p:bldP spid="14" grpId="0"/>
-      <p:bldP spid="15" grpId="0"/>
-      <p:bldP spid="22" grpId="0" animBg="1"/>
-      <p:bldP spid="23" grpId="0"/>
-      <p:bldP spid="24" grpId="0"/>
-      <p:bldP spid="25" grpId="0"/>
-    </p:bldLst>
   </p:timing>
 </p:sld>
 </file>

--- a/Presentazione.pptx
+++ b/Presentazione.pptx
@@ -5,7 +5,7 @@
     <p:sldMasterId id="2147483672" r:id="rId1"/>
   </p:sldMasterIdLst>
   <p:notesMasterIdLst>
-    <p:notesMasterId r:id="rId27"/>
+    <p:notesMasterId r:id="rId26"/>
   </p:notesMasterIdLst>
   <p:sldIdLst>
     <p:sldId id="257" r:id="rId2"/>
@@ -16,23 +16,22 @@
     <p:sldId id="273" r:id="rId7"/>
     <p:sldId id="271" r:id="rId8"/>
     <p:sldId id="274" r:id="rId9"/>
-    <p:sldId id="285" r:id="rId10"/>
-    <p:sldId id="272" r:id="rId11"/>
-    <p:sldId id="275" r:id="rId12"/>
-    <p:sldId id="263" r:id="rId13"/>
-    <p:sldId id="276" r:id="rId14"/>
-    <p:sldId id="277" r:id="rId15"/>
-    <p:sldId id="278" r:id="rId16"/>
-    <p:sldId id="264" r:id="rId17"/>
-    <p:sldId id="265" r:id="rId18"/>
-    <p:sldId id="266" r:id="rId19"/>
-    <p:sldId id="280" r:id="rId20"/>
-    <p:sldId id="281" r:id="rId21"/>
-    <p:sldId id="282" r:id="rId22"/>
-    <p:sldId id="284" r:id="rId23"/>
-    <p:sldId id="283" r:id="rId24"/>
-    <p:sldId id="267" r:id="rId25"/>
-    <p:sldId id="268" r:id="rId26"/>
+    <p:sldId id="272" r:id="rId10"/>
+    <p:sldId id="275" r:id="rId11"/>
+    <p:sldId id="263" r:id="rId12"/>
+    <p:sldId id="276" r:id="rId13"/>
+    <p:sldId id="277" r:id="rId14"/>
+    <p:sldId id="278" r:id="rId15"/>
+    <p:sldId id="264" r:id="rId16"/>
+    <p:sldId id="265" r:id="rId17"/>
+    <p:sldId id="266" r:id="rId18"/>
+    <p:sldId id="280" r:id="rId19"/>
+    <p:sldId id="281" r:id="rId20"/>
+    <p:sldId id="282" r:id="rId21"/>
+    <p:sldId id="284" r:id="rId22"/>
+    <p:sldId id="283" r:id="rId23"/>
+    <p:sldId id="267" r:id="rId24"/>
+    <p:sldId id="268" r:id="rId25"/>
   </p:sldIdLst>
   <p:sldSz cx="9144000" cy="6858000" type="screen4x3"/>
   <p:notesSz cx="6858000" cy="9144000"/>
@@ -4304,8 +4303,8 @@
           <a:lstStyle/>
           <a:p>
             <a:r>
-              <a:rPr lang="en-US" dirty="0" smtClean="0"/>
-              <a:t>Scoping</a:t>
+              <a:rPr lang="en-US" dirty="0" err="1" smtClean="0"/>
+              <a:t>Messaggi</a:t>
             </a:r>
             <a:endParaRPr lang="en-US" dirty="0"/>
           </a:p>
@@ -4585,1840 +4584,6 @@
             </a:pPr>
             <a:r>
               <a:rPr lang="it-IT" sz="2000" dirty="0"/>
-              <a:t>Ciascun </a:t>
-            </a:r>
-            <a:r>
-              <a:rPr lang="it-IT" sz="2000" b="1" dirty="0"/>
-              <a:t>attore</a:t>
-            </a:r>
-            <a:r>
-              <a:rPr lang="it-IT" sz="2000" dirty="0"/>
-              <a:t> definisce </a:t>
-            </a:r>
-            <a:r>
-              <a:rPr lang="it-IT" sz="2000" b="1" dirty="0"/>
-              <a:t>variabili locali</a:t>
-            </a:r>
-            <a:r>
-              <a:rPr lang="it-IT" sz="2000" dirty="0"/>
-              <a:t> su cui ha visibilità esclusiva.</a:t>
-            </a:r>
-          </a:p>
-          <a:p>
-            <a:pPr lvl="1">
-              <a:buFont typeface="Arial" charset="0"/>
-              <a:buChar char="•"/>
-            </a:pPr>
-            <a:endParaRPr lang="it-IT" sz="2000" dirty="0"/>
-          </a:p>
-          <a:p>
-            <a:pPr lvl="1">
-              <a:buFont typeface="Arial" charset="0"/>
-              <a:buChar char="•"/>
-            </a:pPr>
-            <a:endParaRPr lang="it-IT" sz="2000" dirty="0"/>
-          </a:p>
-          <a:p>
-            <a:pPr lvl="1">
-              <a:buFont typeface="Arial" charset="0"/>
-              <a:buChar char="•"/>
-            </a:pPr>
-            <a:endParaRPr lang="it-IT" sz="2000" dirty="0"/>
-          </a:p>
-          <a:p>
-            <a:pPr lvl="1">
-              <a:buFont typeface="Arial" charset="0"/>
-              <a:buChar char="•"/>
-            </a:pPr>
-            <a:endParaRPr lang="it-IT" sz="2000" dirty="0"/>
-          </a:p>
-          <a:p>
-            <a:pPr lvl="1">
-              <a:buFont typeface="Arial" charset="0"/>
-              <a:buChar char="•"/>
-            </a:pPr>
-            <a:endParaRPr lang="it-IT" sz="2000" dirty="0"/>
-          </a:p>
-          <a:p>
-            <a:pPr lvl="1">
-              <a:buFont typeface="Arial" charset="0"/>
-              <a:buChar char="•"/>
-            </a:pPr>
-            <a:endParaRPr lang="it-IT" sz="2000" dirty="0"/>
-          </a:p>
-          <a:p>
-            <a:pPr lvl="1">
-              <a:buFont typeface="Arial" charset="0"/>
-              <a:buChar char="•"/>
-            </a:pPr>
-            <a:r>
-              <a:rPr lang="it-IT" sz="2000" dirty="0"/>
-              <a:t>Sono definibili </a:t>
-            </a:r>
-            <a:r>
-              <a:rPr lang="it-IT" sz="2000" b="1" dirty="0"/>
-              <a:t>variabili globali</a:t>
-            </a:r>
-            <a:r>
-              <a:rPr lang="it-IT" sz="2000" dirty="0"/>
-              <a:t> che risultano visibili per qualsiasi attore.</a:t>
-            </a:r>
-          </a:p>
-        </p:txBody>
-      </p:sp>
-      <p:pic>
-        <p:nvPicPr>
-          <p:cNvPr id="4" name="Picture 3"/>
-          <p:cNvPicPr>
-            <a:picLocks noChangeAspect="1"/>
-          </p:cNvPicPr>
-          <p:nvPr/>
-        </p:nvPicPr>
-        <p:blipFill>
-          <a:blip r:embed="rId2">
-            <a:extLst>
-              <a:ext uri="{28A0092B-C50C-407E-A947-70E740481C1C}">
-                <a14:useLocalDpi xmlns:a14="http://schemas.microsoft.com/office/drawing/2010/main" val="0"/>
-              </a:ext>
-            </a:extLst>
-          </a:blip>
-          <a:stretch>
-            <a:fillRect/>
-          </a:stretch>
-        </p:blipFill>
-        <p:spPr>
-          <a:xfrm>
-            <a:off x="2724679" y="2222500"/>
-            <a:ext cx="875241" cy="875241"/>
-          </a:xfrm>
-          <a:prstGeom prst="rect">
-            <a:avLst/>
-          </a:prstGeom>
-        </p:spPr>
-      </p:pic>
-      <p:pic>
-        <p:nvPicPr>
-          <p:cNvPr id="6" name="Picture 5"/>
-          <p:cNvPicPr>
-            <a:picLocks noChangeAspect="1"/>
-          </p:cNvPicPr>
-          <p:nvPr/>
-        </p:nvPicPr>
-        <p:blipFill>
-          <a:blip r:embed="rId3">
-            <a:extLst>
-              <a:ext uri="{28A0092B-C50C-407E-A947-70E740481C1C}">
-                <a14:useLocalDpi xmlns:a14="http://schemas.microsoft.com/office/drawing/2010/main" val="0"/>
-              </a:ext>
-            </a:extLst>
-          </a:blip>
-          <a:stretch>
-            <a:fillRect/>
-          </a:stretch>
-        </p:blipFill>
-        <p:spPr>
-          <a:xfrm>
-            <a:off x="2832097" y="4901473"/>
-            <a:ext cx="1021399" cy="1117600"/>
-          </a:xfrm>
-          <a:prstGeom prst="rect">
-            <a:avLst/>
-          </a:prstGeom>
-        </p:spPr>
-      </p:pic>
-      <p:sp>
-        <p:nvSpPr>
-          <p:cNvPr id="7" name="Rounded Rectangle 6"/>
-          <p:cNvSpPr/>
-          <p:nvPr/>
-        </p:nvSpPr>
-        <p:spPr>
-          <a:xfrm>
-            <a:off x="2724676" y="2202920"/>
-            <a:ext cx="3892023" cy="914400"/>
-          </a:xfrm>
-          <a:prstGeom prst="roundRect">
-            <a:avLst/>
-          </a:prstGeom>
-          <a:noFill/>
-          <a:ln w="38100">
-            <a:solidFill>
-              <a:srgbClr val="C00000"/>
-            </a:solidFill>
-          </a:ln>
-        </p:spPr>
-        <p:style>
-          <a:lnRef idx="2">
-            <a:schemeClr val="accent1">
-              <a:shade val="50000"/>
-            </a:schemeClr>
-          </a:lnRef>
-          <a:fillRef idx="1">
-            <a:schemeClr val="accent1"/>
-          </a:fillRef>
-          <a:effectRef idx="0">
-            <a:schemeClr val="accent1"/>
-          </a:effectRef>
-          <a:fontRef idx="minor">
-            <a:schemeClr val="lt1"/>
-          </a:fontRef>
-        </p:style>
-        <p:txBody>
-          <a:bodyPr rtlCol="0" anchor="ctr"/>
-          <a:lstStyle/>
-          <a:p>
-            <a:pPr algn="ctr"/>
-            <a:endParaRPr lang="it-IT"/>
-          </a:p>
-        </p:txBody>
-      </p:sp>
-      <p:sp>
-        <p:nvSpPr>
-          <p:cNvPr id="8" name="TextBox 7"/>
-          <p:cNvSpPr txBox="1"/>
-          <p:nvPr/>
-        </p:nvSpPr>
-        <p:spPr>
-          <a:xfrm>
-            <a:off x="3794379" y="2336954"/>
-            <a:ext cx="2403221" cy="369332"/>
-          </a:xfrm>
-          <a:prstGeom prst="rect">
-            <a:avLst/>
-          </a:prstGeom>
-          <a:noFill/>
-        </p:spPr>
-        <p:txBody>
-          <a:bodyPr wrap="square" rtlCol="0">
-            <a:spAutoFit/>
-          </a:bodyPr>
-          <a:lstStyle/>
-          <a:p>
-            <a:r>
-              <a:rPr lang="it-IT" b="1" dirty="0">
-                <a:solidFill>
-                  <a:srgbClr val="C00000"/>
-                </a:solidFill>
-              </a:rPr>
-              <a:t>VAR1</a:t>
-            </a:r>
-          </a:p>
-        </p:txBody>
-      </p:sp>
-      <p:sp>
-        <p:nvSpPr>
-          <p:cNvPr id="9" name="TextBox 8"/>
-          <p:cNvSpPr txBox="1"/>
-          <p:nvPr/>
-        </p:nvSpPr>
-        <p:spPr>
-          <a:xfrm>
-            <a:off x="4594859" y="2655654"/>
-            <a:ext cx="2403221" cy="369332"/>
-          </a:xfrm>
-          <a:prstGeom prst="rect">
-            <a:avLst/>
-          </a:prstGeom>
-          <a:noFill/>
-        </p:spPr>
-        <p:txBody>
-          <a:bodyPr wrap="square" rtlCol="0">
-            <a:spAutoFit/>
-          </a:bodyPr>
-          <a:lstStyle/>
-          <a:p>
-            <a:r>
-              <a:rPr lang="it-IT" b="1" dirty="0">
-                <a:solidFill>
-                  <a:srgbClr val="C00000"/>
-                </a:solidFill>
-              </a:rPr>
-              <a:t>VAR2</a:t>
-            </a:r>
-          </a:p>
-        </p:txBody>
-      </p:sp>
-      <p:sp>
-        <p:nvSpPr>
-          <p:cNvPr id="10" name="TextBox 9"/>
-          <p:cNvSpPr txBox="1"/>
-          <p:nvPr/>
-        </p:nvSpPr>
-        <p:spPr>
-          <a:xfrm>
-            <a:off x="5418813" y="2332297"/>
-            <a:ext cx="2403221" cy="369332"/>
-          </a:xfrm>
-          <a:prstGeom prst="rect">
-            <a:avLst/>
-          </a:prstGeom>
-          <a:noFill/>
-        </p:spPr>
-        <p:txBody>
-          <a:bodyPr wrap="square" rtlCol="0">
-            <a:spAutoFit/>
-          </a:bodyPr>
-          <a:lstStyle/>
-          <a:p>
-            <a:r>
-              <a:rPr lang="it-IT" b="1" dirty="0">
-                <a:solidFill>
-                  <a:srgbClr val="C00000"/>
-                </a:solidFill>
-              </a:rPr>
-              <a:t>VAR3</a:t>
-            </a:r>
-          </a:p>
-        </p:txBody>
-      </p:sp>
-      <p:pic>
-        <p:nvPicPr>
-          <p:cNvPr id="11" name="Picture 10"/>
-          <p:cNvPicPr>
-            <a:picLocks noChangeAspect="1"/>
-          </p:cNvPicPr>
-          <p:nvPr/>
-        </p:nvPicPr>
-        <p:blipFill>
-          <a:blip r:embed="rId4">
-            <a:extLst>
-              <a:ext uri="{28A0092B-C50C-407E-A947-70E740481C1C}">
-                <a14:useLocalDpi xmlns:a14="http://schemas.microsoft.com/office/drawing/2010/main" val="0"/>
-              </a:ext>
-            </a:extLst>
-          </a:blip>
-          <a:stretch>
-            <a:fillRect/>
-          </a:stretch>
-        </p:blipFill>
-        <p:spPr>
-          <a:xfrm>
-            <a:off x="2724679" y="3225694"/>
-            <a:ext cx="875241" cy="875241"/>
-          </a:xfrm>
-          <a:prstGeom prst="rect">
-            <a:avLst/>
-          </a:prstGeom>
-        </p:spPr>
-      </p:pic>
-      <p:sp>
-        <p:nvSpPr>
-          <p:cNvPr id="12" name="Rounded Rectangle 11"/>
-          <p:cNvSpPr/>
-          <p:nvPr/>
-        </p:nvSpPr>
-        <p:spPr>
-          <a:xfrm>
-            <a:off x="2724676" y="3206114"/>
-            <a:ext cx="3892023" cy="914400"/>
-          </a:xfrm>
-          <a:prstGeom prst="roundRect">
-            <a:avLst/>
-          </a:prstGeom>
-          <a:noFill/>
-          <a:ln w="38100">
-            <a:solidFill>
-              <a:srgbClr val="00B050"/>
-            </a:solidFill>
-          </a:ln>
-        </p:spPr>
-        <p:style>
-          <a:lnRef idx="2">
-            <a:schemeClr val="accent1">
-              <a:shade val="50000"/>
-            </a:schemeClr>
-          </a:lnRef>
-          <a:fillRef idx="1">
-            <a:schemeClr val="accent1"/>
-          </a:fillRef>
-          <a:effectRef idx="0">
-            <a:schemeClr val="accent1"/>
-          </a:effectRef>
-          <a:fontRef idx="minor">
-            <a:schemeClr val="lt1"/>
-          </a:fontRef>
-        </p:style>
-        <p:txBody>
-          <a:bodyPr rtlCol="0" anchor="ctr"/>
-          <a:lstStyle/>
-          <a:p>
-            <a:pPr algn="ctr"/>
-            <a:endParaRPr lang="it-IT"/>
-          </a:p>
-        </p:txBody>
-      </p:sp>
-      <p:sp>
-        <p:nvSpPr>
-          <p:cNvPr id="13" name="TextBox 12"/>
-          <p:cNvSpPr txBox="1"/>
-          <p:nvPr/>
-        </p:nvSpPr>
-        <p:spPr>
-          <a:xfrm>
-            <a:off x="3794379" y="3340148"/>
-            <a:ext cx="2403221" cy="369332"/>
-          </a:xfrm>
-          <a:prstGeom prst="rect">
-            <a:avLst/>
-          </a:prstGeom>
-          <a:noFill/>
-        </p:spPr>
-        <p:txBody>
-          <a:bodyPr wrap="square" rtlCol="0">
-            <a:spAutoFit/>
-          </a:bodyPr>
-          <a:lstStyle/>
-          <a:p>
-            <a:r>
-              <a:rPr lang="it-IT" b="1" dirty="0">
-                <a:solidFill>
-                  <a:srgbClr val="00B050"/>
-                </a:solidFill>
-              </a:rPr>
-              <a:t>VAR1</a:t>
-            </a:r>
-          </a:p>
-        </p:txBody>
-      </p:sp>
-      <p:sp>
-        <p:nvSpPr>
-          <p:cNvPr id="14" name="TextBox 13"/>
-          <p:cNvSpPr txBox="1"/>
-          <p:nvPr/>
-        </p:nvSpPr>
-        <p:spPr>
-          <a:xfrm>
-            <a:off x="4594859" y="3658848"/>
-            <a:ext cx="2403221" cy="369332"/>
-          </a:xfrm>
-          <a:prstGeom prst="rect">
-            <a:avLst/>
-          </a:prstGeom>
-          <a:noFill/>
-        </p:spPr>
-        <p:txBody>
-          <a:bodyPr wrap="square" rtlCol="0">
-            <a:spAutoFit/>
-          </a:bodyPr>
-          <a:lstStyle/>
-          <a:p>
-            <a:r>
-              <a:rPr lang="it-IT" b="1" dirty="0">
-                <a:solidFill>
-                  <a:srgbClr val="00B050"/>
-                </a:solidFill>
-              </a:rPr>
-              <a:t>VAR2</a:t>
-            </a:r>
-          </a:p>
-        </p:txBody>
-      </p:sp>
-      <p:sp>
-        <p:nvSpPr>
-          <p:cNvPr id="15" name="TextBox 14"/>
-          <p:cNvSpPr txBox="1"/>
-          <p:nvPr/>
-        </p:nvSpPr>
-        <p:spPr>
-          <a:xfrm>
-            <a:off x="5418813" y="3335491"/>
-            <a:ext cx="2403221" cy="369332"/>
-          </a:xfrm>
-          <a:prstGeom prst="rect">
-            <a:avLst/>
-          </a:prstGeom>
-          <a:noFill/>
-        </p:spPr>
-        <p:txBody>
-          <a:bodyPr wrap="square" rtlCol="0">
-            <a:spAutoFit/>
-          </a:bodyPr>
-          <a:lstStyle/>
-          <a:p>
-            <a:r>
-              <a:rPr lang="it-IT" b="1" dirty="0">
-                <a:solidFill>
-                  <a:srgbClr val="00B050"/>
-                </a:solidFill>
-              </a:rPr>
-              <a:t>VAR4</a:t>
-            </a:r>
-          </a:p>
-        </p:txBody>
-      </p:sp>
-      <p:pic>
-        <p:nvPicPr>
-          <p:cNvPr id="18" name="Picture 17"/>
-          <p:cNvPicPr>
-            <a:picLocks noChangeAspect="1"/>
-          </p:cNvPicPr>
-          <p:nvPr/>
-        </p:nvPicPr>
-        <p:blipFill>
-          <a:blip r:embed="rId4">
-            <a:extLst>
-              <a:ext uri="{28A0092B-C50C-407E-A947-70E740481C1C}">
-                <a14:useLocalDpi xmlns:a14="http://schemas.microsoft.com/office/drawing/2010/main" val="0"/>
-              </a:ext>
-            </a:extLst>
-          </a:blip>
-          <a:stretch>
-            <a:fillRect/>
-          </a:stretch>
-        </p:blipFill>
-        <p:spPr>
-          <a:xfrm>
-            <a:off x="4969627" y="4721775"/>
-            <a:ext cx="723340" cy="723340"/>
-          </a:xfrm>
-          <a:prstGeom prst="rect">
-            <a:avLst/>
-          </a:prstGeom>
-        </p:spPr>
-      </p:pic>
-      <p:pic>
-        <p:nvPicPr>
-          <p:cNvPr id="19" name="Picture 18"/>
-          <p:cNvPicPr>
-            <a:picLocks noChangeAspect="1"/>
-          </p:cNvPicPr>
-          <p:nvPr/>
-        </p:nvPicPr>
-        <p:blipFill>
-          <a:blip r:embed="rId2">
-            <a:extLst>
-              <a:ext uri="{28A0092B-C50C-407E-A947-70E740481C1C}">
-                <a14:useLocalDpi xmlns:a14="http://schemas.microsoft.com/office/drawing/2010/main" val="0"/>
-              </a:ext>
-            </a:extLst>
-          </a:blip>
-          <a:stretch>
-            <a:fillRect/>
-          </a:stretch>
-        </p:blipFill>
-        <p:spPr>
-          <a:xfrm>
-            <a:off x="5355482" y="5282211"/>
-            <a:ext cx="723340" cy="723340"/>
-          </a:xfrm>
-          <a:prstGeom prst="rect">
-            <a:avLst/>
-          </a:prstGeom>
-        </p:spPr>
-      </p:pic>
-      <p:pic>
-        <p:nvPicPr>
-          <p:cNvPr id="20" name="Picture 19"/>
-          <p:cNvPicPr>
-            <a:picLocks noChangeAspect="1"/>
-          </p:cNvPicPr>
-          <p:nvPr/>
-        </p:nvPicPr>
-        <p:blipFill>
-          <a:blip r:embed="rId5">
-            <a:extLst>
-              <a:ext uri="{28A0092B-C50C-407E-A947-70E740481C1C}">
-                <a14:useLocalDpi xmlns:a14="http://schemas.microsoft.com/office/drawing/2010/main" val="0"/>
-              </a:ext>
-            </a:extLst>
-          </a:blip>
-          <a:stretch>
-            <a:fillRect/>
-          </a:stretch>
-        </p:blipFill>
-        <p:spPr>
-          <a:xfrm>
-            <a:off x="5736777" y="4721775"/>
-            <a:ext cx="723340" cy="723340"/>
-          </a:xfrm>
-          <a:prstGeom prst="rect">
-            <a:avLst/>
-          </a:prstGeom>
-        </p:spPr>
-      </p:pic>
-      <p:sp>
-        <p:nvSpPr>
-          <p:cNvPr id="22" name="Rounded Rectangle 21"/>
-          <p:cNvSpPr/>
-          <p:nvPr/>
-        </p:nvSpPr>
-        <p:spPr>
-          <a:xfrm>
-            <a:off x="2724676" y="4695327"/>
-            <a:ext cx="3892023" cy="1484272"/>
-          </a:xfrm>
-          <a:prstGeom prst="roundRect">
-            <a:avLst/>
-          </a:prstGeom>
-          <a:noFill/>
-          <a:ln w="38100">
-            <a:solidFill>
-              <a:srgbClr val="002060"/>
-            </a:solidFill>
-          </a:ln>
-        </p:spPr>
-        <p:style>
-          <a:lnRef idx="2">
-            <a:schemeClr val="accent1">
-              <a:shade val="50000"/>
-            </a:schemeClr>
-          </a:lnRef>
-          <a:fillRef idx="1">
-            <a:schemeClr val="accent1"/>
-          </a:fillRef>
-          <a:effectRef idx="0">
-            <a:schemeClr val="accent1"/>
-          </a:effectRef>
-          <a:fontRef idx="minor">
-            <a:schemeClr val="lt1"/>
-          </a:fontRef>
-        </p:style>
-        <p:txBody>
-          <a:bodyPr rtlCol="0" anchor="ctr"/>
-          <a:lstStyle/>
-          <a:p>
-            <a:pPr algn="ctr"/>
-            <a:endParaRPr lang="it-IT"/>
-          </a:p>
-        </p:txBody>
-      </p:sp>
-      <p:sp>
-        <p:nvSpPr>
-          <p:cNvPr id="23" name="TextBox 22"/>
-          <p:cNvSpPr txBox="1"/>
-          <p:nvPr/>
-        </p:nvSpPr>
-        <p:spPr>
-          <a:xfrm>
-            <a:off x="3794379" y="4825643"/>
-            <a:ext cx="2403221" cy="369332"/>
-          </a:xfrm>
-          <a:prstGeom prst="rect">
-            <a:avLst/>
-          </a:prstGeom>
-          <a:noFill/>
-        </p:spPr>
-        <p:txBody>
-          <a:bodyPr wrap="square" rtlCol="0">
-            <a:spAutoFit/>
-          </a:bodyPr>
-          <a:lstStyle/>
-          <a:p>
-            <a:r>
-              <a:rPr lang="it-IT" b="1" dirty="0">
-                <a:solidFill>
-                  <a:srgbClr val="002060"/>
-                </a:solidFill>
-              </a:rPr>
-              <a:t>VARG1</a:t>
-            </a:r>
-          </a:p>
-        </p:txBody>
-      </p:sp>
-      <p:sp>
-        <p:nvSpPr>
-          <p:cNvPr id="24" name="TextBox 23"/>
-          <p:cNvSpPr txBox="1"/>
-          <p:nvPr/>
-        </p:nvSpPr>
-        <p:spPr>
-          <a:xfrm>
-            <a:off x="3968776" y="5188184"/>
-            <a:ext cx="2403221" cy="369332"/>
-          </a:xfrm>
-          <a:prstGeom prst="rect">
-            <a:avLst/>
-          </a:prstGeom>
-          <a:noFill/>
-        </p:spPr>
-        <p:txBody>
-          <a:bodyPr wrap="square" rtlCol="0">
-            <a:spAutoFit/>
-          </a:bodyPr>
-          <a:lstStyle/>
-          <a:p>
-            <a:r>
-              <a:rPr lang="it-IT" b="1" dirty="0">
-                <a:solidFill>
-                  <a:srgbClr val="002060"/>
-                </a:solidFill>
-              </a:rPr>
-              <a:t>VARG2</a:t>
-            </a:r>
-          </a:p>
-        </p:txBody>
-      </p:sp>
-      <p:sp>
-        <p:nvSpPr>
-          <p:cNvPr id="25" name="TextBox 24"/>
-          <p:cNvSpPr txBox="1"/>
-          <p:nvPr/>
-        </p:nvSpPr>
-        <p:spPr>
-          <a:xfrm>
-            <a:off x="4148618" y="5565705"/>
-            <a:ext cx="2403221" cy="369332"/>
-          </a:xfrm>
-          <a:prstGeom prst="rect">
-            <a:avLst/>
-          </a:prstGeom>
-          <a:noFill/>
-        </p:spPr>
-        <p:txBody>
-          <a:bodyPr wrap="square" rtlCol="0">
-            <a:spAutoFit/>
-          </a:bodyPr>
-          <a:lstStyle/>
-          <a:p>
-            <a:r>
-              <a:rPr lang="it-IT" b="1" dirty="0">
-                <a:solidFill>
-                  <a:srgbClr val="002060"/>
-                </a:solidFill>
-              </a:rPr>
-              <a:t>VARG3</a:t>
-            </a:r>
-          </a:p>
-        </p:txBody>
-      </p:sp>
-    </p:spTree>
-    <p:extLst>
-      <p:ext uri="{BB962C8B-B14F-4D97-AF65-F5344CB8AC3E}">
-        <p14:creationId xmlns:p14="http://schemas.microsoft.com/office/powerpoint/2010/main" val="1083294608"/>
-      </p:ext>
-    </p:extLst>
-  </p:cSld>
-  <p:clrMapOvr>
-    <a:masterClrMapping/>
-  </p:clrMapOvr>
-  <mc:AlternateContent xmlns:mc="http://schemas.openxmlformats.org/markup-compatibility/2006" xmlns:p159="http://schemas.microsoft.com/office/powerpoint/2015/09/main">
-    <mc:Choice Requires="p159">
-      <p:transition xmlns:p14="http://schemas.microsoft.com/office/powerpoint/2010/main" spd="slow" p14:dur="2000">
-        <p159:morph option="byObject"/>
-      </p:transition>
-    </mc:Choice>
-    <mc:Fallback xmlns="">
-      <p:transition spd="slow">
-        <p:fade/>
-      </p:transition>
-    </mc:Fallback>
-  </mc:AlternateContent>
-  <p:timing>
-    <p:tnLst>
-      <p:par>
-        <p:cTn id="1" dur="indefinite" restart="never" nodeType="tmRoot">
-          <p:childTnLst>
-            <p:seq concurrent="1" nextAc="seek">
-              <p:cTn id="2" dur="indefinite" nodeType="mainSeq">
-                <p:childTnLst>
-                  <p:par>
-                    <p:cTn id="3" fill="hold">
-                      <p:stCondLst>
-                        <p:cond delay="indefinite"/>
-                      </p:stCondLst>
-                      <p:childTnLst>
-                        <p:par>
-                          <p:cTn id="4" fill="hold">
-                            <p:stCondLst>
-                              <p:cond delay="0"/>
-                            </p:stCondLst>
-                            <p:childTnLst>
-                              <p:par>
-                                <p:cTn id="5" presetID="1" presetClass="entr" presetSubtype="0" fill="hold" nodeType="clickEffect">
-                                  <p:stCondLst>
-                                    <p:cond delay="0"/>
-                                  </p:stCondLst>
-                                  <p:childTnLst>
-                                    <p:set>
-                                      <p:cBhvr>
-                                        <p:cTn id="6" dur="1" fill="hold">
-                                          <p:stCondLst>
-                                            <p:cond delay="0"/>
-                                          </p:stCondLst>
-                                        </p:cTn>
-                                        <p:tgtEl>
-                                          <p:spTgt spid="3">
-                                            <p:txEl>
-                                              <p:pRg st="0" end="0"/>
-                                            </p:txEl>
-                                          </p:spTgt>
-                                        </p:tgtEl>
-                                        <p:attrNameLst>
-                                          <p:attrName>style.visibility</p:attrName>
-                                        </p:attrNameLst>
-                                      </p:cBhvr>
-                                      <p:to>
-                                        <p:strVal val="visible"/>
-                                      </p:to>
-                                    </p:set>
-                                  </p:childTnLst>
-                                </p:cTn>
-                              </p:par>
-                            </p:childTnLst>
-                          </p:cTn>
-                        </p:par>
-                        <p:par>
-                          <p:cTn id="7" fill="hold">
-                            <p:stCondLst>
-                              <p:cond delay="0"/>
-                            </p:stCondLst>
-                            <p:childTnLst>
-                              <p:par>
-                                <p:cTn id="8" presetID="10" presetClass="entr" presetSubtype="0" fill="hold" nodeType="afterEffect">
-                                  <p:stCondLst>
-                                    <p:cond delay="0"/>
-                                  </p:stCondLst>
-                                  <p:childTnLst>
-                                    <p:set>
-                                      <p:cBhvr>
-                                        <p:cTn id="9" dur="1" fill="hold">
-                                          <p:stCondLst>
-                                            <p:cond delay="0"/>
-                                          </p:stCondLst>
-                                        </p:cTn>
-                                        <p:tgtEl>
-                                          <p:spTgt spid="4"/>
-                                        </p:tgtEl>
-                                        <p:attrNameLst>
-                                          <p:attrName>style.visibility</p:attrName>
-                                        </p:attrNameLst>
-                                      </p:cBhvr>
-                                      <p:to>
-                                        <p:strVal val="visible"/>
-                                      </p:to>
-                                    </p:set>
-                                    <p:animEffect transition="in" filter="fade">
-                                      <p:cBhvr>
-                                        <p:cTn id="10" dur="500"/>
-                                        <p:tgtEl>
-                                          <p:spTgt spid="4"/>
-                                        </p:tgtEl>
-                                      </p:cBhvr>
-                                    </p:animEffect>
-                                  </p:childTnLst>
-                                </p:cTn>
-                              </p:par>
-                              <p:par>
-                                <p:cTn id="11" presetID="10" presetClass="entr" presetSubtype="0" fill="hold" grpId="0" nodeType="withEffect">
-                                  <p:stCondLst>
-                                    <p:cond delay="0"/>
-                                  </p:stCondLst>
-                                  <p:childTnLst>
-                                    <p:set>
-                                      <p:cBhvr>
-                                        <p:cTn id="12" dur="1" fill="hold">
-                                          <p:stCondLst>
-                                            <p:cond delay="0"/>
-                                          </p:stCondLst>
-                                        </p:cTn>
-                                        <p:tgtEl>
-                                          <p:spTgt spid="7"/>
-                                        </p:tgtEl>
-                                        <p:attrNameLst>
-                                          <p:attrName>style.visibility</p:attrName>
-                                        </p:attrNameLst>
-                                      </p:cBhvr>
-                                      <p:to>
-                                        <p:strVal val="visible"/>
-                                      </p:to>
-                                    </p:set>
-                                    <p:animEffect transition="in" filter="fade">
-                                      <p:cBhvr>
-                                        <p:cTn id="13" dur="500"/>
-                                        <p:tgtEl>
-                                          <p:spTgt spid="7"/>
-                                        </p:tgtEl>
-                                      </p:cBhvr>
-                                    </p:animEffect>
-                                  </p:childTnLst>
-                                </p:cTn>
-                              </p:par>
-                              <p:par>
-                                <p:cTn id="14" presetID="10" presetClass="entr" presetSubtype="0" fill="hold" grpId="0" nodeType="withEffect">
-                                  <p:stCondLst>
-                                    <p:cond delay="0"/>
-                                  </p:stCondLst>
-                                  <p:childTnLst>
-                                    <p:set>
-                                      <p:cBhvr>
-                                        <p:cTn id="15" dur="1" fill="hold">
-                                          <p:stCondLst>
-                                            <p:cond delay="0"/>
-                                          </p:stCondLst>
-                                        </p:cTn>
-                                        <p:tgtEl>
-                                          <p:spTgt spid="8"/>
-                                        </p:tgtEl>
-                                        <p:attrNameLst>
-                                          <p:attrName>style.visibility</p:attrName>
-                                        </p:attrNameLst>
-                                      </p:cBhvr>
-                                      <p:to>
-                                        <p:strVal val="visible"/>
-                                      </p:to>
-                                    </p:set>
-                                    <p:animEffect transition="in" filter="fade">
-                                      <p:cBhvr>
-                                        <p:cTn id="16" dur="500"/>
-                                        <p:tgtEl>
-                                          <p:spTgt spid="8"/>
-                                        </p:tgtEl>
-                                      </p:cBhvr>
-                                    </p:animEffect>
-                                  </p:childTnLst>
-                                </p:cTn>
-                              </p:par>
-                              <p:par>
-                                <p:cTn id="17" presetID="10" presetClass="entr" presetSubtype="0" fill="hold" grpId="0" nodeType="withEffect">
-                                  <p:stCondLst>
-                                    <p:cond delay="0"/>
-                                  </p:stCondLst>
-                                  <p:childTnLst>
-                                    <p:set>
-                                      <p:cBhvr>
-                                        <p:cTn id="18" dur="1" fill="hold">
-                                          <p:stCondLst>
-                                            <p:cond delay="0"/>
-                                          </p:stCondLst>
-                                        </p:cTn>
-                                        <p:tgtEl>
-                                          <p:spTgt spid="9"/>
-                                        </p:tgtEl>
-                                        <p:attrNameLst>
-                                          <p:attrName>style.visibility</p:attrName>
-                                        </p:attrNameLst>
-                                      </p:cBhvr>
-                                      <p:to>
-                                        <p:strVal val="visible"/>
-                                      </p:to>
-                                    </p:set>
-                                    <p:animEffect transition="in" filter="fade">
-                                      <p:cBhvr>
-                                        <p:cTn id="19" dur="500"/>
-                                        <p:tgtEl>
-                                          <p:spTgt spid="9"/>
-                                        </p:tgtEl>
-                                      </p:cBhvr>
-                                    </p:animEffect>
-                                  </p:childTnLst>
-                                </p:cTn>
-                              </p:par>
-                              <p:par>
-                                <p:cTn id="20" presetID="10" presetClass="entr" presetSubtype="0" fill="hold" grpId="0" nodeType="withEffect">
-                                  <p:stCondLst>
-                                    <p:cond delay="0"/>
-                                  </p:stCondLst>
-                                  <p:childTnLst>
-                                    <p:set>
-                                      <p:cBhvr>
-                                        <p:cTn id="21" dur="1" fill="hold">
-                                          <p:stCondLst>
-                                            <p:cond delay="0"/>
-                                          </p:stCondLst>
-                                        </p:cTn>
-                                        <p:tgtEl>
-                                          <p:spTgt spid="10"/>
-                                        </p:tgtEl>
-                                        <p:attrNameLst>
-                                          <p:attrName>style.visibility</p:attrName>
-                                        </p:attrNameLst>
-                                      </p:cBhvr>
-                                      <p:to>
-                                        <p:strVal val="visible"/>
-                                      </p:to>
-                                    </p:set>
-                                    <p:animEffect transition="in" filter="fade">
-                                      <p:cBhvr>
-                                        <p:cTn id="22" dur="500"/>
-                                        <p:tgtEl>
-                                          <p:spTgt spid="10"/>
-                                        </p:tgtEl>
-                                      </p:cBhvr>
-                                    </p:animEffect>
-                                  </p:childTnLst>
-                                </p:cTn>
-                              </p:par>
-                            </p:childTnLst>
-                          </p:cTn>
-                        </p:par>
-                        <p:par>
-                          <p:cTn id="23" fill="hold">
-                            <p:stCondLst>
-                              <p:cond delay="500"/>
-                            </p:stCondLst>
-                            <p:childTnLst>
-                              <p:par>
-                                <p:cTn id="24" presetID="10" presetClass="entr" presetSubtype="0" fill="hold" nodeType="afterEffect">
-                                  <p:stCondLst>
-                                    <p:cond delay="0"/>
-                                  </p:stCondLst>
-                                  <p:childTnLst>
-                                    <p:set>
-                                      <p:cBhvr>
-                                        <p:cTn id="25" dur="1" fill="hold">
-                                          <p:stCondLst>
-                                            <p:cond delay="0"/>
-                                          </p:stCondLst>
-                                        </p:cTn>
-                                        <p:tgtEl>
-                                          <p:spTgt spid="11"/>
-                                        </p:tgtEl>
-                                        <p:attrNameLst>
-                                          <p:attrName>style.visibility</p:attrName>
-                                        </p:attrNameLst>
-                                      </p:cBhvr>
-                                      <p:to>
-                                        <p:strVal val="visible"/>
-                                      </p:to>
-                                    </p:set>
-                                    <p:animEffect transition="in" filter="fade">
-                                      <p:cBhvr>
-                                        <p:cTn id="26" dur="500"/>
-                                        <p:tgtEl>
-                                          <p:spTgt spid="11"/>
-                                        </p:tgtEl>
-                                      </p:cBhvr>
-                                    </p:animEffect>
-                                  </p:childTnLst>
-                                </p:cTn>
-                              </p:par>
-                              <p:par>
-                                <p:cTn id="27" presetID="10" presetClass="entr" presetSubtype="0" fill="hold" grpId="0" nodeType="withEffect">
-                                  <p:stCondLst>
-                                    <p:cond delay="0"/>
-                                  </p:stCondLst>
-                                  <p:childTnLst>
-                                    <p:set>
-                                      <p:cBhvr>
-                                        <p:cTn id="28" dur="1" fill="hold">
-                                          <p:stCondLst>
-                                            <p:cond delay="0"/>
-                                          </p:stCondLst>
-                                        </p:cTn>
-                                        <p:tgtEl>
-                                          <p:spTgt spid="12"/>
-                                        </p:tgtEl>
-                                        <p:attrNameLst>
-                                          <p:attrName>style.visibility</p:attrName>
-                                        </p:attrNameLst>
-                                      </p:cBhvr>
-                                      <p:to>
-                                        <p:strVal val="visible"/>
-                                      </p:to>
-                                    </p:set>
-                                    <p:animEffect transition="in" filter="fade">
-                                      <p:cBhvr>
-                                        <p:cTn id="29" dur="500"/>
-                                        <p:tgtEl>
-                                          <p:spTgt spid="12"/>
-                                        </p:tgtEl>
-                                      </p:cBhvr>
-                                    </p:animEffect>
-                                  </p:childTnLst>
-                                </p:cTn>
-                              </p:par>
-                              <p:par>
-                                <p:cTn id="30" presetID="10" presetClass="entr" presetSubtype="0" fill="hold" grpId="0" nodeType="withEffect">
-                                  <p:stCondLst>
-                                    <p:cond delay="0"/>
-                                  </p:stCondLst>
-                                  <p:childTnLst>
-                                    <p:set>
-                                      <p:cBhvr>
-                                        <p:cTn id="31" dur="1" fill="hold">
-                                          <p:stCondLst>
-                                            <p:cond delay="0"/>
-                                          </p:stCondLst>
-                                        </p:cTn>
-                                        <p:tgtEl>
-                                          <p:spTgt spid="13"/>
-                                        </p:tgtEl>
-                                        <p:attrNameLst>
-                                          <p:attrName>style.visibility</p:attrName>
-                                        </p:attrNameLst>
-                                      </p:cBhvr>
-                                      <p:to>
-                                        <p:strVal val="visible"/>
-                                      </p:to>
-                                    </p:set>
-                                    <p:animEffect transition="in" filter="fade">
-                                      <p:cBhvr>
-                                        <p:cTn id="32" dur="500"/>
-                                        <p:tgtEl>
-                                          <p:spTgt spid="13"/>
-                                        </p:tgtEl>
-                                      </p:cBhvr>
-                                    </p:animEffect>
-                                  </p:childTnLst>
-                                </p:cTn>
-                              </p:par>
-                              <p:par>
-                                <p:cTn id="33" presetID="10" presetClass="entr" presetSubtype="0" fill="hold" grpId="0" nodeType="withEffect">
-                                  <p:stCondLst>
-                                    <p:cond delay="0"/>
-                                  </p:stCondLst>
-                                  <p:childTnLst>
-                                    <p:set>
-                                      <p:cBhvr>
-                                        <p:cTn id="34" dur="1" fill="hold">
-                                          <p:stCondLst>
-                                            <p:cond delay="0"/>
-                                          </p:stCondLst>
-                                        </p:cTn>
-                                        <p:tgtEl>
-                                          <p:spTgt spid="14"/>
-                                        </p:tgtEl>
-                                        <p:attrNameLst>
-                                          <p:attrName>style.visibility</p:attrName>
-                                        </p:attrNameLst>
-                                      </p:cBhvr>
-                                      <p:to>
-                                        <p:strVal val="visible"/>
-                                      </p:to>
-                                    </p:set>
-                                    <p:animEffect transition="in" filter="fade">
-                                      <p:cBhvr>
-                                        <p:cTn id="35" dur="500"/>
-                                        <p:tgtEl>
-                                          <p:spTgt spid="14"/>
-                                        </p:tgtEl>
-                                      </p:cBhvr>
-                                    </p:animEffect>
-                                  </p:childTnLst>
-                                </p:cTn>
-                              </p:par>
-                              <p:par>
-                                <p:cTn id="36" presetID="10" presetClass="entr" presetSubtype="0" fill="hold" grpId="0" nodeType="withEffect">
-                                  <p:stCondLst>
-                                    <p:cond delay="0"/>
-                                  </p:stCondLst>
-                                  <p:childTnLst>
-                                    <p:set>
-                                      <p:cBhvr>
-                                        <p:cTn id="37" dur="1" fill="hold">
-                                          <p:stCondLst>
-                                            <p:cond delay="0"/>
-                                          </p:stCondLst>
-                                        </p:cTn>
-                                        <p:tgtEl>
-                                          <p:spTgt spid="15"/>
-                                        </p:tgtEl>
-                                        <p:attrNameLst>
-                                          <p:attrName>style.visibility</p:attrName>
-                                        </p:attrNameLst>
-                                      </p:cBhvr>
-                                      <p:to>
-                                        <p:strVal val="visible"/>
-                                      </p:to>
-                                    </p:set>
-                                    <p:animEffect transition="in" filter="fade">
-                                      <p:cBhvr>
-                                        <p:cTn id="38" dur="500"/>
-                                        <p:tgtEl>
-                                          <p:spTgt spid="15"/>
-                                        </p:tgtEl>
-                                      </p:cBhvr>
-                                    </p:animEffect>
-                                  </p:childTnLst>
-                                </p:cTn>
-                              </p:par>
-                            </p:childTnLst>
-                          </p:cTn>
-                        </p:par>
-                      </p:childTnLst>
-                    </p:cTn>
-                  </p:par>
-                  <p:par>
-                    <p:cTn id="39" fill="hold">
-                      <p:stCondLst>
-                        <p:cond delay="indefinite"/>
-                      </p:stCondLst>
-                      <p:childTnLst>
-                        <p:par>
-                          <p:cTn id="40" fill="hold">
-                            <p:stCondLst>
-                              <p:cond delay="0"/>
-                            </p:stCondLst>
-                            <p:childTnLst>
-                              <p:par>
-                                <p:cTn id="41" presetID="1" presetClass="entr" presetSubtype="0" fill="hold" nodeType="clickEffect">
-                                  <p:stCondLst>
-                                    <p:cond delay="0"/>
-                                  </p:stCondLst>
-                                  <p:childTnLst>
-                                    <p:set>
-                                      <p:cBhvr>
-                                        <p:cTn id="42" dur="1" fill="hold">
-                                          <p:stCondLst>
-                                            <p:cond delay="0"/>
-                                          </p:stCondLst>
-                                        </p:cTn>
-                                        <p:tgtEl>
-                                          <p:spTgt spid="3">
-                                            <p:txEl>
-                                              <p:pRg st="7" end="7"/>
-                                            </p:txEl>
-                                          </p:spTgt>
-                                        </p:tgtEl>
-                                        <p:attrNameLst>
-                                          <p:attrName>style.visibility</p:attrName>
-                                        </p:attrNameLst>
-                                      </p:cBhvr>
-                                      <p:to>
-                                        <p:strVal val="visible"/>
-                                      </p:to>
-                                    </p:set>
-                                  </p:childTnLst>
-                                </p:cTn>
-                              </p:par>
-                            </p:childTnLst>
-                          </p:cTn>
-                        </p:par>
-                        <p:par>
-                          <p:cTn id="43" fill="hold">
-                            <p:stCondLst>
-                              <p:cond delay="0"/>
-                            </p:stCondLst>
-                            <p:childTnLst>
-                              <p:par>
-                                <p:cTn id="44" presetID="10" presetClass="entr" presetSubtype="0" fill="hold" nodeType="afterEffect">
-                                  <p:stCondLst>
-                                    <p:cond delay="0"/>
-                                  </p:stCondLst>
-                                  <p:childTnLst>
-                                    <p:set>
-                                      <p:cBhvr>
-                                        <p:cTn id="45" dur="1" fill="hold">
-                                          <p:stCondLst>
-                                            <p:cond delay="0"/>
-                                          </p:stCondLst>
-                                        </p:cTn>
-                                        <p:tgtEl>
-                                          <p:spTgt spid="18"/>
-                                        </p:tgtEl>
-                                        <p:attrNameLst>
-                                          <p:attrName>style.visibility</p:attrName>
-                                        </p:attrNameLst>
-                                      </p:cBhvr>
-                                      <p:to>
-                                        <p:strVal val="visible"/>
-                                      </p:to>
-                                    </p:set>
-                                    <p:animEffect transition="in" filter="fade">
-                                      <p:cBhvr>
-                                        <p:cTn id="46" dur="500"/>
-                                        <p:tgtEl>
-                                          <p:spTgt spid="18"/>
-                                        </p:tgtEl>
-                                      </p:cBhvr>
-                                    </p:animEffect>
-                                  </p:childTnLst>
-                                </p:cTn>
-                              </p:par>
-                              <p:par>
-                                <p:cTn id="47" presetID="10" presetClass="entr" presetSubtype="0" fill="hold" nodeType="withEffect">
-                                  <p:stCondLst>
-                                    <p:cond delay="0"/>
-                                  </p:stCondLst>
-                                  <p:childTnLst>
-                                    <p:set>
-                                      <p:cBhvr>
-                                        <p:cTn id="48" dur="1" fill="hold">
-                                          <p:stCondLst>
-                                            <p:cond delay="0"/>
-                                          </p:stCondLst>
-                                        </p:cTn>
-                                        <p:tgtEl>
-                                          <p:spTgt spid="6"/>
-                                        </p:tgtEl>
-                                        <p:attrNameLst>
-                                          <p:attrName>style.visibility</p:attrName>
-                                        </p:attrNameLst>
-                                      </p:cBhvr>
-                                      <p:to>
-                                        <p:strVal val="visible"/>
-                                      </p:to>
-                                    </p:set>
-                                    <p:animEffect transition="in" filter="fade">
-                                      <p:cBhvr>
-                                        <p:cTn id="49" dur="500"/>
-                                        <p:tgtEl>
-                                          <p:spTgt spid="6"/>
-                                        </p:tgtEl>
-                                      </p:cBhvr>
-                                    </p:animEffect>
-                                  </p:childTnLst>
-                                </p:cTn>
-                              </p:par>
-                              <p:par>
-                                <p:cTn id="50" presetID="10" presetClass="entr" presetSubtype="0" fill="hold" nodeType="withEffect">
-                                  <p:stCondLst>
-                                    <p:cond delay="0"/>
-                                  </p:stCondLst>
-                                  <p:childTnLst>
-                                    <p:set>
-                                      <p:cBhvr>
-                                        <p:cTn id="51" dur="1" fill="hold">
-                                          <p:stCondLst>
-                                            <p:cond delay="0"/>
-                                          </p:stCondLst>
-                                        </p:cTn>
-                                        <p:tgtEl>
-                                          <p:spTgt spid="19"/>
-                                        </p:tgtEl>
-                                        <p:attrNameLst>
-                                          <p:attrName>style.visibility</p:attrName>
-                                        </p:attrNameLst>
-                                      </p:cBhvr>
-                                      <p:to>
-                                        <p:strVal val="visible"/>
-                                      </p:to>
-                                    </p:set>
-                                    <p:animEffect transition="in" filter="fade">
-                                      <p:cBhvr>
-                                        <p:cTn id="52" dur="500"/>
-                                        <p:tgtEl>
-                                          <p:spTgt spid="19"/>
-                                        </p:tgtEl>
-                                      </p:cBhvr>
-                                    </p:animEffect>
-                                  </p:childTnLst>
-                                </p:cTn>
-                              </p:par>
-                              <p:par>
-                                <p:cTn id="53" presetID="10" presetClass="entr" presetSubtype="0" fill="hold" nodeType="withEffect">
-                                  <p:stCondLst>
-                                    <p:cond delay="0"/>
-                                  </p:stCondLst>
-                                  <p:childTnLst>
-                                    <p:set>
-                                      <p:cBhvr>
-                                        <p:cTn id="54" dur="1" fill="hold">
-                                          <p:stCondLst>
-                                            <p:cond delay="0"/>
-                                          </p:stCondLst>
-                                        </p:cTn>
-                                        <p:tgtEl>
-                                          <p:spTgt spid="20"/>
-                                        </p:tgtEl>
-                                        <p:attrNameLst>
-                                          <p:attrName>style.visibility</p:attrName>
-                                        </p:attrNameLst>
-                                      </p:cBhvr>
-                                      <p:to>
-                                        <p:strVal val="visible"/>
-                                      </p:to>
-                                    </p:set>
-                                    <p:animEffect transition="in" filter="fade">
-                                      <p:cBhvr>
-                                        <p:cTn id="55" dur="500"/>
-                                        <p:tgtEl>
-                                          <p:spTgt spid="20"/>
-                                        </p:tgtEl>
-                                      </p:cBhvr>
-                                    </p:animEffect>
-                                  </p:childTnLst>
-                                </p:cTn>
-                              </p:par>
-                              <p:par>
-                                <p:cTn id="56" presetID="10" presetClass="entr" presetSubtype="0" fill="hold" grpId="0" nodeType="withEffect">
-                                  <p:stCondLst>
-                                    <p:cond delay="0"/>
-                                  </p:stCondLst>
-                                  <p:childTnLst>
-                                    <p:set>
-                                      <p:cBhvr>
-                                        <p:cTn id="57" dur="1" fill="hold">
-                                          <p:stCondLst>
-                                            <p:cond delay="0"/>
-                                          </p:stCondLst>
-                                        </p:cTn>
-                                        <p:tgtEl>
-                                          <p:spTgt spid="22"/>
-                                        </p:tgtEl>
-                                        <p:attrNameLst>
-                                          <p:attrName>style.visibility</p:attrName>
-                                        </p:attrNameLst>
-                                      </p:cBhvr>
-                                      <p:to>
-                                        <p:strVal val="visible"/>
-                                      </p:to>
-                                    </p:set>
-                                    <p:animEffect transition="in" filter="fade">
-                                      <p:cBhvr>
-                                        <p:cTn id="58" dur="500"/>
-                                        <p:tgtEl>
-                                          <p:spTgt spid="22"/>
-                                        </p:tgtEl>
-                                      </p:cBhvr>
-                                    </p:animEffect>
-                                  </p:childTnLst>
-                                </p:cTn>
-                              </p:par>
-                              <p:par>
-                                <p:cTn id="59" presetID="10" presetClass="entr" presetSubtype="0" fill="hold" grpId="0" nodeType="withEffect">
-                                  <p:stCondLst>
-                                    <p:cond delay="0"/>
-                                  </p:stCondLst>
-                                  <p:childTnLst>
-                                    <p:set>
-                                      <p:cBhvr>
-                                        <p:cTn id="60" dur="1" fill="hold">
-                                          <p:stCondLst>
-                                            <p:cond delay="0"/>
-                                          </p:stCondLst>
-                                        </p:cTn>
-                                        <p:tgtEl>
-                                          <p:spTgt spid="23"/>
-                                        </p:tgtEl>
-                                        <p:attrNameLst>
-                                          <p:attrName>style.visibility</p:attrName>
-                                        </p:attrNameLst>
-                                      </p:cBhvr>
-                                      <p:to>
-                                        <p:strVal val="visible"/>
-                                      </p:to>
-                                    </p:set>
-                                    <p:animEffect transition="in" filter="fade">
-                                      <p:cBhvr>
-                                        <p:cTn id="61" dur="500"/>
-                                        <p:tgtEl>
-                                          <p:spTgt spid="23"/>
-                                        </p:tgtEl>
-                                      </p:cBhvr>
-                                    </p:animEffect>
-                                  </p:childTnLst>
-                                </p:cTn>
-                              </p:par>
-                              <p:par>
-                                <p:cTn id="62" presetID="10" presetClass="entr" presetSubtype="0" fill="hold" grpId="0" nodeType="withEffect">
-                                  <p:stCondLst>
-                                    <p:cond delay="0"/>
-                                  </p:stCondLst>
-                                  <p:childTnLst>
-                                    <p:set>
-                                      <p:cBhvr>
-                                        <p:cTn id="63" dur="1" fill="hold">
-                                          <p:stCondLst>
-                                            <p:cond delay="0"/>
-                                          </p:stCondLst>
-                                        </p:cTn>
-                                        <p:tgtEl>
-                                          <p:spTgt spid="24"/>
-                                        </p:tgtEl>
-                                        <p:attrNameLst>
-                                          <p:attrName>style.visibility</p:attrName>
-                                        </p:attrNameLst>
-                                      </p:cBhvr>
-                                      <p:to>
-                                        <p:strVal val="visible"/>
-                                      </p:to>
-                                    </p:set>
-                                    <p:animEffect transition="in" filter="fade">
-                                      <p:cBhvr>
-                                        <p:cTn id="64" dur="500"/>
-                                        <p:tgtEl>
-                                          <p:spTgt spid="24"/>
-                                        </p:tgtEl>
-                                      </p:cBhvr>
-                                    </p:animEffect>
-                                  </p:childTnLst>
-                                </p:cTn>
-                              </p:par>
-                              <p:par>
-                                <p:cTn id="65" presetID="10" presetClass="entr" presetSubtype="0" fill="hold" grpId="0" nodeType="withEffect">
-                                  <p:stCondLst>
-                                    <p:cond delay="0"/>
-                                  </p:stCondLst>
-                                  <p:childTnLst>
-                                    <p:set>
-                                      <p:cBhvr>
-                                        <p:cTn id="66" dur="1" fill="hold">
-                                          <p:stCondLst>
-                                            <p:cond delay="0"/>
-                                          </p:stCondLst>
-                                        </p:cTn>
-                                        <p:tgtEl>
-                                          <p:spTgt spid="25"/>
-                                        </p:tgtEl>
-                                        <p:attrNameLst>
-                                          <p:attrName>style.visibility</p:attrName>
-                                        </p:attrNameLst>
-                                      </p:cBhvr>
-                                      <p:to>
-                                        <p:strVal val="visible"/>
-                                      </p:to>
-                                    </p:set>
-                                    <p:animEffect transition="in" filter="fade">
-                                      <p:cBhvr>
-                                        <p:cTn id="67" dur="500"/>
-                                        <p:tgtEl>
-                                          <p:spTgt spid="25"/>
-                                        </p:tgtEl>
-                                      </p:cBhvr>
-                                    </p:animEffect>
-                                  </p:childTnLst>
-                                </p:cTn>
-                              </p:par>
-                            </p:childTnLst>
-                          </p:cTn>
-                        </p:par>
-                      </p:childTnLst>
-                    </p:cTn>
-                  </p:par>
-                </p:childTnLst>
-              </p:cTn>
-              <p:prevCondLst>
-                <p:cond evt="onPrev" delay="0">
-                  <p:tgtEl>
-                    <p:sldTgt/>
-                  </p:tgtEl>
-                </p:cond>
-              </p:prevCondLst>
-              <p:nextCondLst>
-                <p:cond evt="onNext" delay="0">
-                  <p:tgtEl>
-                    <p:sldTgt/>
-                  </p:tgtEl>
-                </p:cond>
-              </p:nextCondLst>
-            </p:seq>
-          </p:childTnLst>
-        </p:cTn>
-      </p:par>
-    </p:tnLst>
-    <p:bldLst>
-      <p:bldP spid="7" grpId="0" animBg="1"/>
-      <p:bldP spid="8" grpId="0"/>
-      <p:bldP spid="9" grpId="0"/>
-      <p:bldP spid="10" grpId="0"/>
-      <p:bldP spid="12" grpId="0" animBg="1"/>
-      <p:bldP spid="13" grpId="0"/>
-      <p:bldP spid="14" grpId="0"/>
-      <p:bldP spid="15" grpId="0"/>
-      <p:bldP spid="22" grpId="0" animBg="1"/>
-      <p:bldP spid="23" grpId="0"/>
-      <p:bldP spid="24" grpId="0"/>
-      <p:bldP spid="25" grpId="0"/>
-    </p:bldLst>
-  </p:timing>
-</p:sld>
-</file>
-
-<file path=ppt/slides/slide11.xml><?xml version="1.0" encoding="utf-8"?>
-<p:sld xmlns:a="http://schemas.openxmlformats.org/drawingml/2006/main" xmlns:r="http://schemas.openxmlformats.org/officeDocument/2006/relationships" xmlns:p="http://schemas.openxmlformats.org/presentationml/2006/main">
-  <p:cSld>
-    <p:spTree>
-      <p:nvGrpSpPr>
-        <p:cNvPr id="1" name=""/>
-        <p:cNvGrpSpPr/>
-        <p:nvPr/>
-      </p:nvGrpSpPr>
-      <p:grpSpPr>
-        <a:xfrm>
-          <a:off x="0" y="0"/>
-          <a:ext cx="0" cy="0"/>
-          <a:chOff x="0" y="0"/>
-          <a:chExt cx="0" cy="0"/>
-        </a:xfrm>
-      </p:grpSpPr>
-      <p:sp>
-        <p:nvSpPr>
-          <p:cNvPr id="2" name="Title 1"/>
-          <p:cNvSpPr>
-            <a:spLocks noGrp="1"/>
-          </p:cNvSpPr>
-          <p:nvPr>
-            <p:ph type="title"/>
-          </p:nvPr>
-        </p:nvSpPr>
-        <p:spPr/>
-        <p:txBody>
-          <a:bodyPr/>
-          <a:lstStyle/>
-          <a:p>
-            <a:r>
-              <a:rPr lang="en-US" dirty="0" err="1" smtClean="0"/>
-              <a:t>Messaggi</a:t>
-            </a:r>
-            <a:endParaRPr lang="en-US" dirty="0"/>
-          </a:p>
-        </p:txBody>
-      </p:sp>
-      <p:sp>
-        <p:nvSpPr>
-          <p:cNvPr id="3" name="Content Placeholder 2"/>
-          <p:cNvSpPr txBox="1">
-            <a:spLocks/>
-          </p:cNvSpPr>
-          <p:nvPr/>
-        </p:nvSpPr>
-        <p:spPr>
-          <a:xfrm>
-            <a:off x="822959" y="1845734"/>
-            <a:ext cx="7543801" cy="4023360"/>
-          </a:xfrm>
-          <a:prstGeom prst="rect">
-            <a:avLst/>
-          </a:prstGeom>
-        </p:spPr>
-        <p:txBody>
-          <a:bodyPr>
-            <a:normAutofit/>
-          </a:bodyPr>
-          <a:lstStyle>
-            <a:lvl1pPr marL="91440" indent="-91440" algn="l" defTabSz="914400" rtl="0" eaLnBrk="1" latinLnBrk="0" hangingPunct="1">
-              <a:lnSpc>
-                <a:spcPct val="90000"/>
-              </a:lnSpc>
-              <a:spcBef>
-                <a:spcPts val="1200"/>
-              </a:spcBef>
-              <a:spcAft>
-                <a:spcPts val="200"/>
-              </a:spcAft>
-              <a:buClr>
-                <a:schemeClr val="accent1"/>
-              </a:buClr>
-              <a:buSzPct val="100000"/>
-              <a:buFont typeface="Calibri" panose="020F0502020204030204" pitchFamily="34" charset="0"/>
-              <a:buChar char=" "/>
-              <a:defRPr sz="2000" kern="1200">
-                <a:solidFill>
-                  <a:schemeClr val="tx1">
-                    <a:lumMod val="75000"/>
-                    <a:lumOff val="25000"/>
-                  </a:schemeClr>
-                </a:solidFill>
-                <a:latin typeface="+mn-lt"/>
-                <a:ea typeface="+mn-ea"/>
-                <a:cs typeface="+mn-cs"/>
-              </a:defRPr>
-            </a:lvl1pPr>
-            <a:lvl2pPr marL="384048" indent="-182880" algn="l" defTabSz="914400" rtl="0" eaLnBrk="1" latinLnBrk="0" hangingPunct="1">
-              <a:lnSpc>
-                <a:spcPct val="90000"/>
-              </a:lnSpc>
-              <a:spcBef>
-                <a:spcPts val="200"/>
-              </a:spcBef>
-              <a:spcAft>
-                <a:spcPts val="400"/>
-              </a:spcAft>
-              <a:buClr>
-                <a:schemeClr val="accent1"/>
-              </a:buClr>
-              <a:buFont typeface="Calibri" pitchFamily="34" charset="0"/>
-              <a:buChar char="◦"/>
-              <a:defRPr sz="1800" kern="1200">
-                <a:solidFill>
-                  <a:schemeClr val="tx1">
-                    <a:lumMod val="75000"/>
-                    <a:lumOff val="25000"/>
-                  </a:schemeClr>
-                </a:solidFill>
-                <a:latin typeface="+mn-lt"/>
-                <a:ea typeface="+mn-ea"/>
-                <a:cs typeface="+mn-cs"/>
-              </a:defRPr>
-            </a:lvl2pPr>
-            <a:lvl3pPr marL="566928" indent="-182880" algn="l" defTabSz="914400" rtl="0" eaLnBrk="1" latinLnBrk="0" hangingPunct="1">
-              <a:lnSpc>
-                <a:spcPct val="90000"/>
-              </a:lnSpc>
-              <a:spcBef>
-                <a:spcPts val="200"/>
-              </a:spcBef>
-              <a:spcAft>
-                <a:spcPts val="400"/>
-              </a:spcAft>
-              <a:buClr>
-                <a:schemeClr val="accent1"/>
-              </a:buClr>
-              <a:buFont typeface="Calibri" pitchFamily="34" charset="0"/>
-              <a:buChar char="◦"/>
-              <a:defRPr sz="1400" kern="1200">
-                <a:solidFill>
-                  <a:schemeClr val="tx1">
-                    <a:lumMod val="75000"/>
-                    <a:lumOff val="25000"/>
-                  </a:schemeClr>
-                </a:solidFill>
-                <a:latin typeface="+mn-lt"/>
-                <a:ea typeface="+mn-ea"/>
-                <a:cs typeface="+mn-cs"/>
-              </a:defRPr>
-            </a:lvl3pPr>
-            <a:lvl4pPr marL="749808" indent="-182880" algn="l" defTabSz="914400" rtl="0" eaLnBrk="1" latinLnBrk="0" hangingPunct="1">
-              <a:lnSpc>
-                <a:spcPct val="90000"/>
-              </a:lnSpc>
-              <a:spcBef>
-                <a:spcPts val="200"/>
-              </a:spcBef>
-              <a:spcAft>
-                <a:spcPts val="400"/>
-              </a:spcAft>
-              <a:buClr>
-                <a:schemeClr val="accent1"/>
-              </a:buClr>
-              <a:buFont typeface="Calibri" pitchFamily="34" charset="0"/>
-              <a:buChar char="◦"/>
-              <a:defRPr sz="1400" kern="1200">
-                <a:solidFill>
-                  <a:schemeClr val="tx1">
-                    <a:lumMod val="75000"/>
-                    <a:lumOff val="25000"/>
-                  </a:schemeClr>
-                </a:solidFill>
-                <a:latin typeface="+mn-lt"/>
-                <a:ea typeface="+mn-ea"/>
-                <a:cs typeface="+mn-cs"/>
-              </a:defRPr>
-            </a:lvl4pPr>
-            <a:lvl5pPr marL="932688" indent="-182880" algn="l" defTabSz="914400" rtl="0" eaLnBrk="1" latinLnBrk="0" hangingPunct="1">
-              <a:lnSpc>
-                <a:spcPct val="90000"/>
-              </a:lnSpc>
-              <a:spcBef>
-                <a:spcPts val="200"/>
-              </a:spcBef>
-              <a:spcAft>
-                <a:spcPts val="400"/>
-              </a:spcAft>
-              <a:buClr>
-                <a:schemeClr val="accent1"/>
-              </a:buClr>
-              <a:buFont typeface="Calibri" pitchFamily="34" charset="0"/>
-              <a:buChar char="◦"/>
-              <a:defRPr sz="1400" kern="1200">
-                <a:solidFill>
-                  <a:schemeClr val="tx1">
-                    <a:lumMod val="75000"/>
-                    <a:lumOff val="25000"/>
-                  </a:schemeClr>
-                </a:solidFill>
-                <a:latin typeface="+mn-lt"/>
-                <a:ea typeface="+mn-ea"/>
-                <a:cs typeface="+mn-cs"/>
-              </a:defRPr>
-            </a:lvl5pPr>
-            <a:lvl6pPr marL="1100000" indent="-228600" algn="l" defTabSz="914400" rtl="0" eaLnBrk="1" latinLnBrk="0" hangingPunct="1">
-              <a:lnSpc>
-                <a:spcPct val="90000"/>
-              </a:lnSpc>
-              <a:spcBef>
-                <a:spcPts val="200"/>
-              </a:spcBef>
-              <a:spcAft>
-                <a:spcPts val="400"/>
-              </a:spcAft>
-              <a:buClr>
-                <a:schemeClr val="accent1"/>
-              </a:buClr>
-              <a:buFont typeface="Calibri" pitchFamily="34" charset="0"/>
-              <a:buChar char="◦"/>
-              <a:defRPr sz="1400" kern="1200">
-                <a:solidFill>
-                  <a:schemeClr val="tx1">
-                    <a:lumMod val="75000"/>
-                    <a:lumOff val="25000"/>
-                  </a:schemeClr>
-                </a:solidFill>
-                <a:latin typeface="+mn-lt"/>
-                <a:ea typeface="+mn-ea"/>
-                <a:cs typeface="+mn-cs"/>
-              </a:defRPr>
-            </a:lvl6pPr>
-            <a:lvl7pPr marL="1300000" indent="-228600" algn="l" defTabSz="914400" rtl="0" eaLnBrk="1" latinLnBrk="0" hangingPunct="1">
-              <a:lnSpc>
-                <a:spcPct val="90000"/>
-              </a:lnSpc>
-              <a:spcBef>
-                <a:spcPts val="200"/>
-              </a:spcBef>
-              <a:spcAft>
-                <a:spcPts val="400"/>
-              </a:spcAft>
-              <a:buClr>
-                <a:schemeClr val="accent1"/>
-              </a:buClr>
-              <a:buFont typeface="Calibri" pitchFamily="34" charset="0"/>
-              <a:buChar char="◦"/>
-              <a:defRPr sz="1400" kern="1200">
-                <a:solidFill>
-                  <a:schemeClr val="tx1">
-                    <a:lumMod val="75000"/>
-                    <a:lumOff val="25000"/>
-                  </a:schemeClr>
-                </a:solidFill>
-                <a:latin typeface="+mn-lt"/>
-                <a:ea typeface="+mn-ea"/>
-                <a:cs typeface="+mn-cs"/>
-              </a:defRPr>
-            </a:lvl7pPr>
-            <a:lvl8pPr marL="1500000" indent="-228600" algn="l" defTabSz="914400" rtl="0" eaLnBrk="1" latinLnBrk="0" hangingPunct="1">
-              <a:lnSpc>
-                <a:spcPct val="90000"/>
-              </a:lnSpc>
-              <a:spcBef>
-                <a:spcPts val="200"/>
-              </a:spcBef>
-              <a:spcAft>
-                <a:spcPts val="400"/>
-              </a:spcAft>
-              <a:buClr>
-                <a:schemeClr val="accent1"/>
-              </a:buClr>
-              <a:buFont typeface="Calibri" pitchFamily="34" charset="0"/>
-              <a:buChar char="◦"/>
-              <a:defRPr sz="1400" kern="1200">
-                <a:solidFill>
-                  <a:schemeClr val="tx1">
-                    <a:lumMod val="75000"/>
-                    <a:lumOff val="25000"/>
-                  </a:schemeClr>
-                </a:solidFill>
-                <a:latin typeface="+mn-lt"/>
-                <a:ea typeface="+mn-ea"/>
-                <a:cs typeface="+mn-cs"/>
-              </a:defRPr>
-            </a:lvl8pPr>
-            <a:lvl9pPr marL="1700000" indent="-228600" algn="l" defTabSz="914400" rtl="0" eaLnBrk="1" latinLnBrk="0" hangingPunct="1">
-              <a:lnSpc>
-                <a:spcPct val="90000"/>
-              </a:lnSpc>
-              <a:spcBef>
-                <a:spcPts val="200"/>
-              </a:spcBef>
-              <a:spcAft>
-                <a:spcPts val="400"/>
-              </a:spcAft>
-              <a:buClr>
-                <a:schemeClr val="accent1"/>
-              </a:buClr>
-              <a:buFont typeface="Calibri" pitchFamily="34" charset="0"/>
-              <a:buChar char="◦"/>
-              <a:defRPr sz="1400" kern="1200">
-                <a:solidFill>
-                  <a:schemeClr val="tx1">
-                    <a:lumMod val="75000"/>
-                    <a:lumOff val="25000"/>
-                  </a:schemeClr>
-                </a:solidFill>
-                <a:latin typeface="+mn-lt"/>
-                <a:ea typeface="+mn-ea"/>
-                <a:cs typeface="+mn-cs"/>
-              </a:defRPr>
-            </a:lvl9pPr>
-          </a:lstStyle>
-          <a:p>
-            <a:pPr lvl="1">
-              <a:buFont typeface="Arial" charset="0"/>
-              <a:buChar char="•"/>
-            </a:pPr>
-            <a:r>
-              <a:rPr lang="it-IT" sz="2000" dirty="0"/>
               <a:t>Un attore può </a:t>
             </a:r>
             <a:r>
@@ -7424,7 +5589,7 @@
 </p:sld>
 </file>
 
-<file path=ppt/slides/slide12.xml><?xml version="1.0" encoding="utf-8"?>
+<file path=ppt/slides/slide11.xml><?xml version="1.0" encoding="utf-8"?>
 <p:sld xmlns:a="http://schemas.openxmlformats.org/drawingml/2006/main" xmlns:r="http://schemas.openxmlformats.org/officeDocument/2006/relationships" xmlns:p="http://schemas.openxmlformats.org/presentationml/2006/main" show="0">
   <p:cSld>
     <p:spTree>
@@ -8213,7 +6378,7 @@
 </p:sld>
 </file>
 
-<file path=ppt/slides/slide13.xml><?xml version="1.0" encoding="utf-8"?>
+<file path=ppt/slides/slide12.xml><?xml version="1.0" encoding="utf-8"?>
 <p:sld xmlns:a="http://schemas.openxmlformats.org/drawingml/2006/main" xmlns:r="http://schemas.openxmlformats.org/officeDocument/2006/relationships" xmlns:p="http://schemas.openxmlformats.org/presentationml/2006/main" show="0">
   <p:cSld>
     <p:spTree>
@@ -9470,7 +7635,7 @@
 </p:sld>
 </file>
 
-<file path=ppt/slides/slide14.xml><?xml version="1.0" encoding="utf-8"?>
+<file path=ppt/slides/slide13.xml><?xml version="1.0" encoding="utf-8"?>
 <p:sld xmlns:a="http://schemas.openxmlformats.org/drawingml/2006/main" xmlns:r="http://schemas.openxmlformats.org/officeDocument/2006/relationships" xmlns:p="http://schemas.openxmlformats.org/presentationml/2006/main" show="0">
   <p:cSld>
     <p:spTree>
@@ -11285,7 +9450,7 @@
 </p:sld>
 </file>
 
-<file path=ppt/slides/slide15.xml><?xml version="1.0" encoding="utf-8"?>
+<file path=ppt/slides/slide14.xml><?xml version="1.0" encoding="utf-8"?>
 <p:sld xmlns:a="http://schemas.openxmlformats.org/drawingml/2006/main" xmlns:r="http://schemas.openxmlformats.org/officeDocument/2006/relationships" xmlns:p="http://schemas.openxmlformats.org/presentationml/2006/main">
   <p:cSld>
     <p:spTree>
@@ -12422,7 +10587,7 @@
 </p:sld>
 </file>
 
-<file path=ppt/slides/slide16.xml><?xml version="1.0" encoding="utf-8"?>
+<file path=ppt/slides/slide15.xml><?xml version="1.0" encoding="utf-8"?>
 <p:sld xmlns:a="http://schemas.openxmlformats.org/drawingml/2006/main" xmlns:r="http://schemas.openxmlformats.org/officeDocument/2006/relationships" xmlns:p="http://schemas.openxmlformats.org/presentationml/2006/main">
   <p:cSld>
     <p:spTree>
@@ -14234,7 +12399,7 @@
 </p:sld>
 </file>
 
-<file path=ppt/slides/slide17.xml><?xml version="1.0" encoding="utf-8"?>
+<file path=ppt/slides/slide16.xml><?xml version="1.0" encoding="utf-8"?>
 <p:sld xmlns:a="http://schemas.openxmlformats.org/drawingml/2006/main" xmlns:r="http://schemas.openxmlformats.org/officeDocument/2006/relationships" xmlns:p="http://schemas.openxmlformats.org/presentationml/2006/main">
   <p:cSld>
     <p:spTree>
@@ -14889,7 +13054,7 @@
 </p:sld>
 </file>
 
-<file path=ppt/slides/slide18.xml><?xml version="1.0" encoding="utf-8"?>
+<file path=ppt/slides/slide17.xml><?xml version="1.0" encoding="utf-8"?>
 <p:sld xmlns:a="http://schemas.openxmlformats.org/drawingml/2006/main" xmlns:r="http://schemas.openxmlformats.org/officeDocument/2006/relationships" xmlns:p="http://schemas.openxmlformats.org/presentationml/2006/main">
   <p:cSld>
     <p:spTree>
@@ -16398,7 +14563,7 @@
 </p:sld>
 </file>
 
-<file path=ppt/slides/slide19.xml><?xml version="1.0" encoding="utf-8"?>
+<file path=ppt/slides/slide18.xml><?xml version="1.0" encoding="utf-8"?>
 <p:sld xmlns:a="http://schemas.openxmlformats.org/drawingml/2006/main" xmlns:r="http://schemas.openxmlformats.org/officeDocument/2006/relationships" xmlns:p="http://schemas.openxmlformats.org/presentationml/2006/main">
   <p:cSld>
     <p:spTree>
@@ -17121,6 +15286,851 @@
                                           <p:spTgt spid="3">
                                             <p:txEl>
                                               <p:pRg st="3" end="3"/>
+                                            </p:txEl>
+                                          </p:spTgt>
+                                        </p:tgtEl>
+                                      </p:cBhvr>
+                                    </p:animEffect>
+                                  </p:childTnLst>
+                                </p:cTn>
+                              </p:par>
+                            </p:childTnLst>
+                          </p:cTn>
+                        </p:par>
+                      </p:childTnLst>
+                    </p:cTn>
+                  </p:par>
+                </p:childTnLst>
+              </p:cTn>
+              <p:prevCondLst>
+                <p:cond evt="onPrev" delay="0">
+                  <p:tgtEl>
+                    <p:sldTgt/>
+                  </p:tgtEl>
+                </p:cond>
+              </p:prevCondLst>
+              <p:nextCondLst>
+                <p:cond evt="onNext" delay="0">
+                  <p:tgtEl>
+                    <p:sldTgt/>
+                  </p:tgtEl>
+                </p:cond>
+              </p:nextCondLst>
+            </p:seq>
+          </p:childTnLst>
+        </p:cTn>
+      </p:par>
+    </p:tnLst>
+  </p:timing>
+</p:sld>
+</file>
+
+<file path=ppt/slides/slide19.xml><?xml version="1.0" encoding="utf-8"?>
+<p:sld xmlns:a="http://schemas.openxmlformats.org/drawingml/2006/main" xmlns:r="http://schemas.openxmlformats.org/officeDocument/2006/relationships" xmlns:p="http://schemas.openxmlformats.org/presentationml/2006/main" show="0">
+  <p:cSld>
+    <p:spTree>
+      <p:nvGrpSpPr>
+        <p:cNvPr id="1" name=""/>
+        <p:cNvGrpSpPr/>
+        <p:nvPr/>
+      </p:nvGrpSpPr>
+      <p:grpSpPr>
+        <a:xfrm>
+          <a:off x="0" y="0"/>
+          <a:ext cx="0" cy="0"/>
+          <a:chOff x="0" y="0"/>
+          <a:chExt cx="0" cy="0"/>
+        </a:xfrm>
+      </p:grpSpPr>
+      <p:sp>
+        <p:nvSpPr>
+          <p:cNvPr id="2" name="Title 1"/>
+          <p:cNvSpPr>
+            <a:spLocks noGrp="1"/>
+          </p:cNvSpPr>
+          <p:nvPr>
+            <p:ph type="title"/>
+          </p:nvPr>
+        </p:nvSpPr>
+        <p:spPr/>
+        <p:txBody>
+          <a:bodyPr/>
+          <a:lstStyle/>
+          <a:p>
+            <a:r>
+              <a:rPr lang="en-US" dirty="0" err="1"/>
+              <a:t>Interfaccia</a:t>
+            </a:r>
+            <a:r>
+              <a:rPr lang="en-US" dirty="0"/>
+              <a:t> (III)</a:t>
+            </a:r>
+          </a:p>
+        </p:txBody>
+      </p:sp>
+      <p:sp>
+        <p:nvSpPr>
+          <p:cNvPr id="3" name="Content Placeholder 2"/>
+          <p:cNvSpPr txBox="1">
+            <a:spLocks/>
+          </p:cNvSpPr>
+          <p:nvPr/>
+        </p:nvSpPr>
+        <p:spPr>
+          <a:xfrm>
+            <a:off x="822959" y="1845734"/>
+            <a:ext cx="7543801" cy="3732106"/>
+          </a:xfrm>
+          <a:prstGeom prst="rect">
+            <a:avLst/>
+          </a:prstGeom>
+        </p:spPr>
+        <p:txBody>
+          <a:bodyPr>
+            <a:normAutofit/>
+          </a:bodyPr>
+          <a:lstStyle>
+            <a:lvl1pPr marL="91440" indent="-91440" algn="l" defTabSz="914400" rtl="0" eaLnBrk="1" latinLnBrk="0" hangingPunct="1">
+              <a:lnSpc>
+                <a:spcPct val="90000"/>
+              </a:lnSpc>
+              <a:spcBef>
+                <a:spcPts val="1200"/>
+              </a:spcBef>
+              <a:spcAft>
+                <a:spcPts val="200"/>
+              </a:spcAft>
+              <a:buClr>
+                <a:schemeClr val="accent1"/>
+              </a:buClr>
+              <a:buSzPct val="100000"/>
+              <a:buFont typeface="Calibri" panose="020F0502020204030204" pitchFamily="34" charset="0"/>
+              <a:buChar char=" "/>
+              <a:defRPr sz="2000" kern="1200">
+                <a:solidFill>
+                  <a:schemeClr val="tx1">
+                    <a:lumMod val="75000"/>
+                    <a:lumOff val="25000"/>
+                  </a:schemeClr>
+                </a:solidFill>
+                <a:latin typeface="+mn-lt"/>
+                <a:ea typeface="+mn-ea"/>
+                <a:cs typeface="+mn-cs"/>
+              </a:defRPr>
+            </a:lvl1pPr>
+            <a:lvl2pPr marL="384048" indent="-182880" algn="l" defTabSz="914400" rtl="0" eaLnBrk="1" latinLnBrk="0" hangingPunct="1">
+              <a:lnSpc>
+                <a:spcPct val="90000"/>
+              </a:lnSpc>
+              <a:spcBef>
+                <a:spcPts val="200"/>
+              </a:spcBef>
+              <a:spcAft>
+                <a:spcPts val="400"/>
+              </a:spcAft>
+              <a:buClr>
+                <a:schemeClr val="accent1"/>
+              </a:buClr>
+              <a:buFont typeface="Calibri" pitchFamily="34" charset="0"/>
+              <a:buChar char="◦"/>
+              <a:defRPr sz="1800" kern="1200">
+                <a:solidFill>
+                  <a:schemeClr val="tx1">
+                    <a:lumMod val="75000"/>
+                    <a:lumOff val="25000"/>
+                  </a:schemeClr>
+                </a:solidFill>
+                <a:latin typeface="+mn-lt"/>
+                <a:ea typeface="+mn-ea"/>
+                <a:cs typeface="+mn-cs"/>
+              </a:defRPr>
+            </a:lvl2pPr>
+            <a:lvl3pPr marL="566928" indent="-182880" algn="l" defTabSz="914400" rtl="0" eaLnBrk="1" latinLnBrk="0" hangingPunct="1">
+              <a:lnSpc>
+                <a:spcPct val="90000"/>
+              </a:lnSpc>
+              <a:spcBef>
+                <a:spcPts val="200"/>
+              </a:spcBef>
+              <a:spcAft>
+                <a:spcPts val="400"/>
+              </a:spcAft>
+              <a:buClr>
+                <a:schemeClr val="accent1"/>
+              </a:buClr>
+              <a:buFont typeface="Calibri" pitchFamily="34" charset="0"/>
+              <a:buChar char="◦"/>
+              <a:defRPr sz="1400" kern="1200">
+                <a:solidFill>
+                  <a:schemeClr val="tx1">
+                    <a:lumMod val="75000"/>
+                    <a:lumOff val="25000"/>
+                  </a:schemeClr>
+                </a:solidFill>
+                <a:latin typeface="+mn-lt"/>
+                <a:ea typeface="+mn-ea"/>
+                <a:cs typeface="+mn-cs"/>
+              </a:defRPr>
+            </a:lvl3pPr>
+            <a:lvl4pPr marL="749808" indent="-182880" algn="l" defTabSz="914400" rtl="0" eaLnBrk="1" latinLnBrk="0" hangingPunct="1">
+              <a:lnSpc>
+                <a:spcPct val="90000"/>
+              </a:lnSpc>
+              <a:spcBef>
+                <a:spcPts val="200"/>
+              </a:spcBef>
+              <a:spcAft>
+                <a:spcPts val="400"/>
+              </a:spcAft>
+              <a:buClr>
+                <a:schemeClr val="accent1"/>
+              </a:buClr>
+              <a:buFont typeface="Calibri" pitchFamily="34" charset="0"/>
+              <a:buChar char="◦"/>
+              <a:defRPr sz="1400" kern="1200">
+                <a:solidFill>
+                  <a:schemeClr val="tx1">
+                    <a:lumMod val="75000"/>
+                    <a:lumOff val="25000"/>
+                  </a:schemeClr>
+                </a:solidFill>
+                <a:latin typeface="+mn-lt"/>
+                <a:ea typeface="+mn-ea"/>
+                <a:cs typeface="+mn-cs"/>
+              </a:defRPr>
+            </a:lvl4pPr>
+            <a:lvl5pPr marL="932688" indent="-182880" algn="l" defTabSz="914400" rtl="0" eaLnBrk="1" latinLnBrk="0" hangingPunct="1">
+              <a:lnSpc>
+                <a:spcPct val="90000"/>
+              </a:lnSpc>
+              <a:spcBef>
+                <a:spcPts val="200"/>
+              </a:spcBef>
+              <a:spcAft>
+                <a:spcPts val="400"/>
+              </a:spcAft>
+              <a:buClr>
+                <a:schemeClr val="accent1"/>
+              </a:buClr>
+              <a:buFont typeface="Calibri" pitchFamily="34" charset="0"/>
+              <a:buChar char="◦"/>
+              <a:defRPr sz="1400" kern="1200">
+                <a:solidFill>
+                  <a:schemeClr val="tx1">
+                    <a:lumMod val="75000"/>
+                    <a:lumOff val="25000"/>
+                  </a:schemeClr>
+                </a:solidFill>
+                <a:latin typeface="+mn-lt"/>
+                <a:ea typeface="+mn-ea"/>
+                <a:cs typeface="+mn-cs"/>
+              </a:defRPr>
+            </a:lvl5pPr>
+            <a:lvl6pPr marL="1100000" indent="-228600" algn="l" defTabSz="914400" rtl="0" eaLnBrk="1" latinLnBrk="0" hangingPunct="1">
+              <a:lnSpc>
+                <a:spcPct val="90000"/>
+              </a:lnSpc>
+              <a:spcBef>
+                <a:spcPts val="200"/>
+              </a:spcBef>
+              <a:spcAft>
+                <a:spcPts val="400"/>
+              </a:spcAft>
+              <a:buClr>
+                <a:schemeClr val="accent1"/>
+              </a:buClr>
+              <a:buFont typeface="Calibri" pitchFamily="34" charset="0"/>
+              <a:buChar char="◦"/>
+              <a:defRPr sz="1400" kern="1200">
+                <a:solidFill>
+                  <a:schemeClr val="tx1">
+                    <a:lumMod val="75000"/>
+                    <a:lumOff val="25000"/>
+                  </a:schemeClr>
+                </a:solidFill>
+                <a:latin typeface="+mn-lt"/>
+                <a:ea typeface="+mn-ea"/>
+                <a:cs typeface="+mn-cs"/>
+              </a:defRPr>
+            </a:lvl6pPr>
+            <a:lvl7pPr marL="1300000" indent="-228600" algn="l" defTabSz="914400" rtl="0" eaLnBrk="1" latinLnBrk="0" hangingPunct="1">
+              <a:lnSpc>
+                <a:spcPct val="90000"/>
+              </a:lnSpc>
+              <a:spcBef>
+                <a:spcPts val="200"/>
+              </a:spcBef>
+              <a:spcAft>
+                <a:spcPts val="400"/>
+              </a:spcAft>
+              <a:buClr>
+                <a:schemeClr val="accent1"/>
+              </a:buClr>
+              <a:buFont typeface="Calibri" pitchFamily="34" charset="0"/>
+              <a:buChar char="◦"/>
+              <a:defRPr sz="1400" kern="1200">
+                <a:solidFill>
+                  <a:schemeClr val="tx1">
+                    <a:lumMod val="75000"/>
+                    <a:lumOff val="25000"/>
+                  </a:schemeClr>
+                </a:solidFill>
+                <a:latin typeface="+mn-lt"/>
+                <a:ea typeface="+mn-ea"/>
+                <a:cs typeface="+mn-cs"/>
+              </a:defRPr>
+            </a:lvl7pPr>
+            <a:lvl8pPr marL="1500000" indent="-228600" algn="l" defTabSz="914400" rtl="0" eaLnBrk="1" latinLnBrk="0" hangingPunct="1">
+              <a:lnSpc>
+                <a:spcPct val="90000"/>
+              </a:lnSpc>
+              <a:spcBef>
+                <a:spcPts val="200"/>
+              </a:spcBef>
+              <a:spcAft>
+                <a:spcPts val="400"/>
+              </a:spcAft>
+              <a:buClr>
+                <a:schemeClr val="accent1"/>
+              </a:buClr>
+              <a:buFont typeface="Calibri" pitchFamily="34" charset="0"/>
+              <a:buChar char="◦"/>
+              <a:defRPr sz="1400" kern="1200">
+                <a:solidFill>
+                  <a:schemeClr val="tx1">
+                    <a:lumMod val="75000"/>
+                    <a:lumOff val="25000"/>
+                  </a:schemeClr>
+                </a:solidFill>
+                <a:latin typeface="+mn-lt"/>
+                <a:ea typeface="+mn-ea"/>
+                <a:cs typeface="+mn-cs"/>
+              </a:defRPr>
+            </a:lvl8pPr>
+            <a:lvl9pPr marL="1700000" indent="-228600" algn="l" defTabSz="914400" rtl="0" eaLnBrk="1" latinLnBrk="0" hangingPunct="1">
+              <a:lnSpc>
+                <a:spcPct val="90000"/>
+              </a:lnSpc>
+              <a:spcBef>
+                <a:spcPts val="200"/>
+              </a:spcBef>
+              <a:spcAft>
+                <a:spcPts val="400"/>
+              </a:spcAft>
+              <a:buClr>
+                <a:schemeClr val="accent1"/>
+              </a:buClr>
+              <a:buFont typeface="Calibri" pitchFamily="34" charset="0"/>
+              <a:buChar char="◦"/>
+              <a:defRPr sz="1400" kern="1200">
+                <a:solidFill>
+                  <a:schemeClr val="tx1">
+                    <a:lumMod val="75000"/>
+                    <a:lumOff val="25000"/>
+                  </a:schemeClr>
+                </a:solidFill>
+                <a:latin typeface="+mn-lt"/>
+                <a:ea typeface="+mn-ea"/>
+                <a:cs typeface="+mn-cs"/>
+              </a:defRPr>
+            </a:lvl9pPr>
+          </a:lstStyle>
+          <a:p>
+            <a:pPr lvl="1">
+              <a:buFont typeface="Arial" charset="0"/>
+              <a:buChar char="•"/>
+            </a:pPr>
+            <a:r>
+              <a:rPr lang="it-IT" sz="2000" dirty="0"/>
+              <a:t>All’avvio, l’utente trova davanti a sé un </a:t>
+            </a:r>
+            <a:r>
+              <a:rPr lang="it-IT" sz="2000" b="1" dirty="0"/>
+              <a:t>tavolo</a:t>
+            </a:r>
+            <a:r>
+              <a:rPr lang="it-IT" sz="2000" dirty="0"/>
+              <a:t> vuoto, attorno al quale sono disponibili diversi bottoni.</a:t>
+            </a:r>
+          </a:p>
+          <a:p>
+            <a:pPr lvl="2">
+              <a:buFont typeface="Arial" charset="0"/>
+              <a:buChar char="•"/>
+            </a:pPr>
+            <a:r>
+              <a:rPr lang="it-IT" sz="1600" dirty="0"/>
+              <a:t>Cambio </a:t>
+            </a:r>
+            <a:r>
+              <a:rPr lang="it-IT" sz="1600" b="1" dirty="0"/>
+              <a:t>modalità </a:t>
+            </a:r>
+            <a:r>
+              <a:rPr lang="it-IT" sz="1600" dirty="0"/>
+              <a:t>(Play/</a:t>
+            </a:r>
+            <a:r>
+              <a:rPr lang="it-IT" sz="1600" dirty="0" err="1"/>
+              <a:t>Edit</a:t>
+            </a:r>
+            <a:r>
+              <a:rPr lang="it-IT" sz="1600" dirty="0"/>
+              <a:t> mode).</a:t>
+            </a:r>
+          </a:p>
+          <a:p>
+            <a:pPr lvl="2">
+              <a:buFont typeface="Arial" charset="0"/>
+              <a:buChar char="•"/>
+            </a:pPr>
+            <a:r>
+              <a:rPr lang="it-IT" sz="1600" dirty="0"/>
+              <a:t>Aggiunta di </a:t>
+            </a:r>
+            <a:r>
+              <a:rPr lang="it-IT" sz="1600" b="1" dirty="0"/>
+              <a:t>attori</a:t>
+            </a:r>
+            <a:r>
+              <a:rPr lang="it-IT" sz="1600" dirty="0"/>
+              <a:t>.</a:t>
+            </a:r>
+          </a:p>
+          <a:p>
+            <a:pPr lvl="2">
+              <a:buFont typeface="Arial" charset="0"/>
+              <a:buChar char="•"/>
+            </a:pPr>
+            <a:r>
+              <a:rPr lang="it-IT" sz="1600" dirty="0"/>
+              <a:t>Monitor del </a:t>
+            </a:r>
+            <a:r>
+              <a:rPr lang="it-IT" sz="1600" b="1" dirty="0"/>
+              <a:t>timer</a:t>
+            </a:r>
+            <a:r>
+              <a:rPr lang="it-IT" sz="1600" dirty="0"/>
+              <a:t>.</a:t>
+            </a:r>
+          </a:p>
+          <a:p>
+            <a:pPr lvl="2">
+              <a:buFont typeface="Arial" charset="0"/>
+              <a:buChar char="•"/>
+            </a:pPr>
+            <a:r>
+              <a:rPr lang="it-IT" sz="1600" dirty="0"/>
+              <a:t>Finestra di gestione delle </a:t>
+            </a:r>
+            <a:r>
+              <a:rPr lang="it-IT" sz="1600" b="1" dirty="0"/>
+              <a:t>variabili globali</a:t>
+            </a:r>
+            <a:r>
+              <a:rPr lang="it-IT" sz="1600" dirty="0"/>
+              <a:t>.</a:t>
+            </a:r>
+            <a:endParaRPr lang="it-IT" sz="1200" dirty="0"/>
+          </a:p>
+        </p:txBody>
+      </p:sp>
+      <p:pic>
+        <p:nvPicPr>
+          <p:cNvPr id="4" name="Picture 3">
+            <a:extLst>
+              <a:ext uri="{FF2B5EF4-FFF2-40B4-BE49-F238E27FC236}">
+                <a16:creationId xmlns="" xmlns:a16="http://schemas.microsoft.com/office/drawing/2014/main" id="{B392416C-A10A-40C5-801E-C837BFF228B2}"/>
+              </a:ext>
+            </a:extLst>
+          </p:cNvPr>
+          <p:cNvPicPr>
+            <a:picLocks noChangeAspect="1"/>
+          </p:cNvPicPr>
+          <p:nvPr/>
+        </p:nvPicPr>
+        <p:blipFill>
+          <a:blip r:embed="rId2"/>
+          <a:stretch>
+            <a:fillRect/>
+          </a:stretch>
+        </p:blipFill>
+        <p:spPr>
+          <a:xfrm>
+            <a:off x="3069758" y="3798277"/>
+            <a:ext cx="3050201" cy="3059723"/>
+          </a:xfrm>
+          <a:prstGeom prst="rect">
+            <a:avLst/>
+          </a:prstGeom>
+        </p:spPr>
+      </p:pic>
+    </p:spTree>
+    <p:extLst>
+      <p:ext uri="{BB962C8B-B14F-4D97-AF65-F5344CB8AC3E}">
+        <p14:creationId xmlns:p14="http://schemas.microsoft.com/office/powerpoint/2010/main" val="1901456787"/>
+      </p:ext>
+    </p:extLst>
+  </p:cSld>
+  <p:clrMapOvr>
+    <a:masterClrMapping/>
+  </p:clrMapOvr>
+  <mc:AlternateContent xmlns:mc="http://schemas.openxmlformats.org/markup-compatibility/2006">
+    <mc:Choice xmlns:p14="http://schemas.microsoft.com/office/powerpoint/2010/main" Requires="p14">
+      <p:transition spd="med" p14:dur="700">
+        <p:fade/>
+      </p:transition>
+    </mc:Choice>
+    <mc:Fallback>
+      <p:transition spd="med">
+        <p:fade/>
+      </p:transition>
+    </mc:Fallback>
+  </mc:AlternateContent>
+  <p:timing>
+    <p:tnLst>
+      <p:par>
+        <p:cTn id="1" dur="indefinite" restart="never" nodeType="tmRoot">
+          <p:childTnLst>
+            <p:seq concurrent="1" nextAc="seek">
+              <p:cTn id="2" dur="indefinite" nodeType="mainSeq">
+                <p:childTnLst>
+                  <p:par>
+                    <p:cTn id="3" fill="hold">
+                      <p:stCondLst>
+                        <p:cond delay="indefinite"/>
+                      </p:stCondLst>
+                      <p:childTnLst>
+                        <p:par>
+                          <p:cTn id="4" fill="hold">
+                            <p:stCondLst>
+                              <p:cond delay="0"/>
+                            </p:stCondLst>
+                            <p:childTnLst>
+                              <p:par>
+                                <p:cTn id="5" presetID="10" presetClass="entr" presetSubtype="0" fill="hold" nodeType="clickEffect">
+                                  <p:stCondLst>
+                                    <p:cond delay="0"/>
+                                  </p:stCondLst>
+                                  <p:childTnLst>
+                                    <p:set>
+                                      <p:cBhvr>
+                                        <p:cTn id="6" dur="1" fill="hold">
+                                          <p:stCondLst>
+                                            <p:cond delay="0"/>
+                                          </p:stCondLst>
+                                        </p:cTn>
+                                        <p:tgtEl>
+                                          <p:spTgt spid="3">
+                                            <p:txEl>
+                                              <p:pRg st="0" end="0"/>
+                                            </p:txEl>
+                                          </p:spTgt>
+                                        </p:tgtEl>
+                                        <p:attrNameLst>
+                                          <p:attrName>style.visibility</p:attrName>
+                                        </p:attrNameLst>
+                                      </p:cBhvr>
+                                      <p:to>
+                                        <p:strVal val="visible"/>
+                                      </p:to>
+                                    </p:set>
+                                    <p:animEffect transition="in" filter="fade">
+                                      <p:cBhvr>
+                                        <p:cTn id="7" dur="500"/>
+                                        <p:tgtEl>
+                                          <p:spTgt spid="3">
+                                            <p:txEl>
+                                              <p:pRg st="0" end="0"/>
+                                            </p:txEl>
+                                          </p:spTgt>
+                                        </p:tgtEl>
+                                      </p:cBhvr>
+                                    </p:animEffect>
+                                  </p:childTnLst>
+                                </p:cTn>
+                              </p:par>
+                            </p:childTnLst>
+                          </p:cTn>
+                        </p:par>
+                        <p:par>
+                          <p:cTn id="8" fill="hold">
+                            <p:stCondLst>
+                              <p:cond delay="500"/>
+                            </p:stCondLst>
+                            <p:childTnLst>
+                              <p:par>
+                                <p:cTn id="9" presetID="10" presetClass="entr" presetSubtype="0" fill="hold" nodeType="afterEffect">
+                                  <p:stCondLst>
+                                    <p:cond delay="0"/>
+                                  </p:stCondLst>
+                                  <p:childTnLst>
+                                    <p:set>
+                                      <p:cBhvr>
+                                        <p:cTn id="10" dur="1" fill="hold">
+                                          <p:stCondLst>
+                                            <p:cond delay="0"/>
+                                          </p:stCondLst>
+                                        </p:cTn>
+                                        <p:tgtEl>
+                                          <p:spTgt spid="4"/>
+                                        </p:tgtEl>
+                                        <p:attrNameLst>
+                                          <p:attrName>style.visibility</p:attrName>
+                                        </p:attrNameLst>
+                                      </p:cBhvr>
+                                      <p:to>
+                                        <p:strVal val="visible"/>
+                                      </p:to>
+                                    </p:set>
+                                    <p:animEffect transition="in" filter="fade">
+                                      <p:cBhvr>
+                                        <p:cTn id="11" dur="500"/>
+                                        <p:tgtEl>
+                                          <p:spTgt spid="4"/>
+                                        </p:tgtEl>
+                                      </p:cBhvr>
+                                    </p:animEffect>
+                                  </p:childTnLst>
+                                </p:cTn>
+                              </p:par>
+                            </p:childTnLst>
+                          </p:cTn>
+                        </p:par>
+                      </p:childTnLst>
+                    </p:cTn>
+                  </p:par>
+                  <p:par>
+                    <p:cTn id="12" fill="hold">
+                      <p:stCondLst>
+                        <p:cond delay="indefinite"/>
+                      </p:stCondLst>
+                      <p:childTnLst>
+                        <p:par>
+                          <p:cTn id="13" fill="hold">
+                            <p:stCondLst>
+                              <p:cond delay="0"/>
+                            </p:stCondLst>
+                            <p:childTnLst>
+                              <p:par>
+                                <p:cTn id="14" presetID="10" presetClass="entr" presetSubtype="0" fill="hold" nodeType="clickEffect">
+                                  <p:stCondLst>
+                                    <p:cond delay="0"/>
+                                  </p:stCondLst>
+                                  <p:childTnLst>
+                                    <p:set>
+                                      <p:cBhvr>
+                                        <p:cTn id="15" dur="1" fill="hold">
+                                          <p:stCondLst>
+                                            <p:cond delay="0"/>
+                                          </p:stCondLst>
+                                        </p:cTn>
+                                        <p:tgtEl>
+                                          <p:spTgt spid="3">
+                                            <p:txEl>
+                                              <p:pRg st="1" end="1"/>
+                                            </p:txEl>
+                                          </p:spTgt>
+                                        </p:tgtEl>
+                                        <p:attrNameLst>
+                                          <p:attrName>style.visibility</p:attrName>
+                                        </p:attrNameLst>
+                                      </p:cBhvr>
+                                      <p:to>
+                                        <p:strVal val="visible"/>
+                                      </p:to>
+                                    </p:set>
+                                    <p:animEffect transition="in" filter="fade">
+                                      <p:cBhvr>
+                                        <p:cTn id="16" dur="500"/>
+                                        <p:tgtEl>
+                                          <p:spTgt spid="3">
+                                            <p:txEl>
+                                              <p:pRg st="1" end="1"/>
+                                            </p:txEl>
+                                          </p:spTgt>
+                                        </p:tgtEl>
+                                      </p:cBhvr>
+                                    </p:animEffect>
+                                  </p:childTnLst>
+                                </p:cTn>
+                              </p:par>
+                            </p:childTnLst>
+                          </p:cTn>
+                        </p:par>
+                      </p:childTnLst>
+                    </p:cTn>
+                  </p:par>
+                  <p:par>
+                    <p:cTn id="17" fill="hold">
+                      <p:stCondLst>
+                        <p:cond delay="indefinite"/>
+                      </p:stCondLst>
+                      <p:childTnLst>
+                        <p:par>
+                          <p:cTn id="18" fill="hold">
+                            <p:stCondLst>
+                              <p:cond delay="0"/>
+                            </p:stCondLst>
+                            <p:childTnLst>
+                              <p:par>
+                                <p:cTn id="19" presetID="10" presetClass="entr" presetSubtype="0" fill="hold" nodeType="clickEffect">
+                                  <p:stCondLst>
+                                    <p:cond delay="0"/>
+                                  </p:stCondLst>
+                                  <p:childTnLst>
+                                    <p:set>
+                                      <p:cBhvr>
+                                        <p:cTn id="20" dur="1" fill="hold">
+                                          <p:stCondLst>
+                                            <p:cond delay="0"/>
+                                          </p:stCondLst>
+                                        </p:cTn>
+                                        <p:tgtEl>
+                                          <p:spTgt spid="3">
+                                            <p:txEl>
+                                              <p:pRg st="2" end="2"/>
+                                            </p:txEl>
+                                          </p:spTgt>
+                                        </p:tgtEl>
+                                        <p:attrNameLst>
+                                          <p:attrName>style.visibility</p:attrName>
+                                        </p:attrNameLst>
+                                      </p:cBhvr>
+                                      <p:to>
+                                        <p:strVal val="visible"/>
+                                      </p:to>
+                                    </p:set>
+                                    <p:animEffect transition="in" filter="fade">
+                                      <p:cBhvr>
+                                        <p:cTn id="21" dur="500"/>
+                                        <p:tgtEl>
+                                          <p:spTgt spid="3">
+                                            <p:txEl>
+                                              <p:pRg st="2" end="2"/>
+                                            </p:txEl>
+                                          </p:spTgt>
+                                        </p:tgtEl>
+                                      </p:cBhvr>
+                                    </p:animEffect>
+                                  </p:childTnLst>
+                                </p:cTn>
+                              </p:par>
+                            </p:childTnLst>
+                          </p:cTn>
+                        </p:par>
+                      </p:childTnLst>
+                    </p:cTn>
+                  </p:par>
+                  <p:par>
+                    <p:cTn id="22" fill="hold">
+                      <p:stCondLst>
+                        <p:cond delay="indefinite"/>
+                      </p:stCondLst>
+                      <p:childTnLst>
+                        <p:par>
+                          <p:cTn id="23" fill="hold">
+                            <p:stCondLst>
+                              <p:cond delay="0"/>
+                            </p:stCondLst>
+                            <p:childTnLst>
+                              <p:par>
+                                <p:cTn id="24" presetID="10" presetClass="entr" presetSubtype="0" fill="hold" nodeType="clickEffect">
+                                  <p:stCondLst>
+                                    <p:cond delay="0"/>
+                                  </p:stCondLst>
+                                  <p:childTnLst>
+                                    <p:set>
+                                      <p:cBhvr>
+                                        <p:cTn id="25" dur="1" fill="hold">
+                                          <p:stCondLst>
+                                            <p:cond delay="0"/>
+                                          </p:stCondLst>
+                                        </p:cTn>
+                                        <p:tgtEl>
+                                          <p:spTgt spid="3">
+                                            <p:txEl>
+                                              <p:pRg st="3" end="3"/>
+                                            </p:txEl>
+                                          </p:spTgt>
+                                        </p:tgtEl>
+                                        <p:attrNameLst>
+                                          <p:attrName>style.visibility</p:attrName>
+                                        </p:attrNameLst>
+                                      </p:cBhvr>
+                                      <p:to>
+                                        <p:strVal val="visible"/>
+                                      </p:to>
+                                    </p:set>
+                                    <p:animEffect transition="in" filter="fade">
+                                      <p:cBhvr>
+                                        <p:cTn id="26" dur="500"/>
+                                        <p:tgtEl>
+                                          <p:spTgt spid="3">
+                                            <p:txEl>
+                                              <p:pRg st="3" end="3"/>
+                                            </p:txEl>
+                                          </p:spTgt>
+                                        </p:tgtEl>
+                                      </p:cBhvr>
+                                    </p:animEffect>
+                                  </p:childTnLst>
+                                </p:cTn>
+                              </p:par>
+                            </p:childTnLst>
+                          </p:cTn>
+                        </p:par>
+                      </p:childTnLst>
+                    </p:cTn>
+                  </p:par>
+                  <p:par>
+                    <p:cTn id="27" fill="hold">
+                      <p:stCondLst>
+                        <p:cond delay="indefinite"/>
+                      </p:stCondLst>
+                      <p:childTnLst>
+                        <p:par>
+                          <p:cTn id="28" fill="hold">
+                            <p:stCondLst>
+                              <p:cond delay="0"/>
+                            </p:stCondLst>
+                            <p:childTnLst>
+                              <p:par>
+                                <p:cTn id="29" presetID="10" presetClass="entr" presetSubtype="0" fill="hold" nodeType="clickEffect">
+                                  <p:stCondLst>
+                                    <p:cond delay="0"/>
+                                  </p:stCondLst>
+                                  <p:childTnLst>
+                                    <p:set>
+                                      <p:cBhvr>
+                                        <p:cTn id="30" dur="1" fill="hold">
+                                          <p:stCondLst>
+                                            <p:cond delay="0"/>
+                                          </p:stCondLst>
+                                        </p:cTn>
+                                        <p:tgtEl>
+                                          <p:spTgt spid="3">
+                                            <p:txEl>
+                                              <p:pRg st="4" end="4"/>
+                                            </p:txEl>
+                                          </p:spTgt>
+                                        </p:tgtEl>
+                                        <p:attrNameLst>
+                                          <p:attrName>style.visibility</p:attrName>
+                                        </p:attrNameLst>
+                                      </p:cBhvr>
+                                      <p:to>
+                                        <p:strVal val="visible"/>
+                                      </p:to>
+                                    </p:set>
+                                    <p:animEffect transition="in" filter="fade">
+                                      <p:cBhvr>
+                                        <p:cTn id="31" dur="500"/>
+                                        <p:tgtEl>
+                                          <p:spTgt spid="3">
+                                            <p:txEl>
+                                              <p:pRg st="4" end="4"/>
                                             </p:txEl>
                                           </p:spTgt>
                                         </p:tgtEl>
@@ -18591,7 +17601,7 @@
             </a:r>
             <a:r>
               <a:rPr lang="en-US" dirty="0"/>
-              <a:t> (III)</a:t>
+              <a:t> (IV)</a:t>
             </a:r>
           </a:p>
         </p:txBody>
@@ -18870,15 +17880,23 @@
             </a:pPr>
             <a:r>
               <a:rPr lang="it-IT" sz="2000" dirty="0"/>
-              <a:t>All’avvio, l’utente trova davanti a sé un </a:t>
+              <a:t>Selezionare un attore lo </a:t>
             </a:r>
             <a:r>
               <a:rPr lang="it-IT" sz="2000" b="1" dirty="0"/>
-              <a:t>tavolo</a:t>
+              <a:t>mette in evidenza</a:t>
             </a:r>
             <a:r>
               <a:rPr lang="it-IT" sz="2000" dirty="0"/>
-              <a:t> vuoto, attorno al quale sono disponibili diversi bottoni.</a:t>
+              <a:t> e fa comparire la sua relativa </a:t>
+            </a:r>
+            <a:r>
+              <a:rPr lang="it-IT" sz="2000" b="1" dirty="0"/>
+              <a:t>finestra attore</a:t>
+            </a:r>
+            <a:r>
+              <a:rPr lang="it-IT" sz="2000" dirty="0"/>
+              <a:t>.</a:t>
             </a:r>
           </a:p>
           <a:p>
@@ -18888,23 +17906,15 @@
             </a:pPr>
             <a:r>
               <a:rPr lang="it-IT" sz="1600" dirty="0"/>
-              <a:t>Cambio </a:t>
+              <a:t>Da qui è possibile visualizzare e modificare manualmente tutti i </a:t>
             </a:r>
             <a:r>
               <a:rPr lang="it-IT" sz="1600" b="1" dirty="0"/>
-              <a:t>modalità </a:t>
+              <a:t>parametri</a:t>
             </a:r>
             <a:r>
               <a:rPr lang="it-IT" sz="1600" dirty="0"/>
-              <a:t>(Play/</a:t>
-            </a:r>
-            <a:r>
-              <a:rPr lang="it-IT" sz="1600" dirty="0" err="1"/>
-              <a:t>Edit</a:t>
-            </a:r>
-            <a:r>
-              <a:rPr lang="it-IT" sz="1600" dirty="0"/>
-              <a:t> mode).</a:t>
+              <a:t> relativi all’attore.</a:t>
             </a:r>
           </a:p>
           <a:p>
@@ -18914,53 +17924,28 @@
             </a:pPr>
             <a:r>
               <a:rPr lang="it-IT" sz="1600" dirty="0"/>
-              <a:t>Aggiunta di </a:t>
+              <a:t>Da qui si accede ai sotto-menù di </a:t>
             </a:r>
             <a:r>
               <a:rPr lang="it-IT" sz="1600" b="1" dirty="0"/>
-              <a:t>attori</a:t>
+              <a:t>gestione delle variabili locali</a:t>
+            </a:r>
+            <a:r>
+              <a:rPr lang="it-IT" sz="1600" dirty="0"/>
+              <a:t> e di </a:t>
+            </a:r>
+            <a:r>
+              <a:rPr lang="it-IT" sz="1600" b="1" dirty="0"/>
+              <a:t>inserimento di elementi di </a:t>
+            </a:r>
+            <a:r>
+              <a:rPr lang="it-IT" sz="1600" b="1" dirty="0" err="1"/>
+              <a:t>scripting</a:t>
             </a:r>
             <a:r>
               <a:rPr lang="it-IT" sz="1600" dirty="0"/>
               <a:t>.</a:t>
             </a:r>
-          </a:p>
-          <a:p>
-            <a:pPr lvl="2">
-              <a:buFont typeface="Arial" charset="0"/>
-              <a:buChar char="•"/>
-            </a:pPr>
-            <a:r>
-              <a:rPr lang="it-IT" sz="1600" dirty="0"/>
-              <a:t>Monitor del </a:t>
-            </a:r>
-            <a:r>
-              <a:rPr lang="it-IT" sz="1600" b="1" dirty="0"/>
-              <a:t>timer</a:t>
-            </a:r>
-            <a:r>
-              <a:rPr lang="it-IT" sz="1600" dirty="0"/>
-              <a:t>.</a:t>
-            </a:r>
-          </a:p>
-          <a:p>
-            <a:pPr lvl="2">
-              <a:buFont typeface="Arial" charset="0"/>
-              <a:buChar char="•"/>
-            </a:pPr>
-            <a:r>
-              <a:rPr lang="it-IT" sz="1600" dirty="0"/>
-              <a:t>Finestra di gestione delle </a:t>
-            </a:r>
-            <a:r>
-              <a:rPr lang="it-IT" sz="1600" b="1" dirty="0"/>
-              <a:t>variabili globali</a:t>
-            </a:r>
-            <a:r>
-              <a:rPr lang="it-IT" sz="1600" dirty="0"/>
-              <a:t>.</a:t>
-            </a:r>
-            <a:endParaRPr lang="it-IT" sz="1200" dirty="0"/>
           </a:p>
         </p:txBody>
       </p:sp>
@@ -18969,7 +17954,7 @@
           <p:cNvPr id="4" name="Picture 3">
             <a:extLst>
               <a:ext uri="{FF2B5EF4-FFF2-40B4-BE49-F238E27FC236}">
-                <a16:creationId xmlns="" xmlns:a16="http://schemas.microsoft.com/office/drawing/2014/main" id="{B392416C-A10A-40C5-801E-C837BFF228B2}"/>
+                <a16:creationId xmlns="" xmlns:a16="http://schemas.microsoft.com/office/drawing/2014/main" id="{EBFA84E6-5435-45B5-914C-21E1CF06BA36}"/>
               </a:ext>
             </a:extLst>
           </p:cNvPr>
@@ -18986,8 +17971,8 @@
         </p:blipFill>
         <p:spPr>
           <a:xfrm>
-            <a:off x="3069758" y="3798277"/>
-            <a:ext cx="3050201" cy="3059723"/>
+            <a:off x="2634467" y="3711787"/>
+            <a:ext cx="3933385" cy="2679921"/>
           </a:xfrm>
           <a:prstGeom prst="rect">
             <a:avLst/>
@@ -18997,7 +17982,7 @@
     </p:spTree>
     <p:extLst>
       <p:ext uri="{BB962C8B-B14F-4D97-AF65-F5344CB8AC3E}">
-        <p14:creationId xmlns:p14="http://schemas.microsoft.com/office/powerpoint/2010/main" val="1901456787"/>
+        <p14:creationId xmlns:p14="http://schemas.microsoft.com/office/powerpoint/2010/main" val="1080068102"/>
       </p:ext>
     </p:extLst>
   </p:cSld>
@@ -19237,128 +18222,6 @@
                                           <p:spTgt spid="3">
                                             <p:txEl>
                                               <p:pRg st="2" end="2"/>
-                                            </p:txEl>
-                                          </p:spTgt>
-                                        </p:tgtEl>
-                                      </p:cBhvr>
-                                    </p:animEffect>
-                                  </p:childTnLst>
-                                </p:cTn>
-                              </p:par>
-                            </p:childTnLst>
-                          </p:cTn>
-                        </p:par>
-                      </p:childTnLst>
-                    </p:cTn>
-                  </p:par>
-                  <p:par>
-                    <p:cTn id="22" fill="hold">
-                      <p:stCondLst>
-                        <p:cond delay="indefinite"/>
-                      </p:stCondLst>
-                      <p:childTnLst>
-                        <p:par>
-                          <p:cTn id="23" fill="hold">
-                            <p:stCondLst>
-                              <p:cond delay="0"/>
-                            </p:stCondLst>
-                            <p:childTnLst>
-                              <p:par>
-                                <p:cTn id="24" presetID="10" presetClass="entr" presetSubtype="0" fill="hold" nodeType="clickEffect">
-                                  <p:stCondLst>
-                                    <p:cond delay="0"/>
-                                  </p:stCondLst>
-                                  <p:childTnLst>
-                                    <p:set>
-                                      <p:cBhvr>
-                                        <p:cTn id="25" dur="1" fill="hold">
-                                          <p:stCondLst>
-                                            <p:cond delay="0"/>
-                                          </p:stCondLst>
-                                        </p:cTn>
-                                        <p:tgtEl>
-                                          <p:spTgt spid="3">
-                                            <p:txEl>
-                                              <p:pRg st="3" end="3"/>
-                                            </p:txEl>
-                                          </p:spTgt>
-                                        </p:tgtEl>
-                                        <p:attrNameLst>
-                                          <p:attrName>style.visibility</p:attrName>
-                                        </p:attrNameLst>
-                                      </p:cBhvr>
-                                      <p:to>
-                                        <p:strVal val="visible"/>
-                                      </p:to>
-                                    </p:set>
-                                    <p:animEffect transition="in" filter="fade">
-                                      <p:cBhvr>
-                                        <p:cTn id="26" dur="500"/>
-                                        <p:tgtEl>
-                                          <p:spTgt spid="3">
-                                            <p:txEl>
-                                              <p:pRg st="3" end="3"/>
-                                            </p:txEl>
-                                          </p:spTgt>
-                                        </p:tgtEl>
-                                      </p:cBhvr>
-                                    </p:animEffect>
-                                  </p:childTnLst>
-                                </p:cTn>
-                              </p:par>
-                            </p:childTnLst>
-                          </p:cTn>
-                        </p:par>
-                      </p:childTnLst>
-                    </p:cTn>
-                  </p:par>
-                  <p:par>
-                    <p:cTn id="27" fill="hold">
-                      <p:stCondLst>
-                        <p:cond delay="indefinite"/>
-                      </p:stCondLst>
-                      <p:childTnLst>
-                        <p:par>
-                          <p:cTn id="28" fill="hold">
-                            <p:stCondLst>
-                              <p:cond delay="0"/>
-                            </p:stCondLst>
-                            <p:childTnLst>
-                              <p:par>
-                                <p:cTn id="29" presetID="10" presetClass="entr" presetSubtype="0" fill="hold" nodeType="clickEffect">
-                                  <p:stCondLst>
-                                    <p:cond delay="0"/>
-                                  </p:stCondLst>
-                                  <p:childTnLst>
-                                    <p:set>
-                                      <p:cBhvr>
-                                        <p:cTn id="30" dur="1" fill="hold">
-                                          <p:stCondLst>
-                                            <p:cond delay="0"/>
-                                          </p:stCondLst>
-                                        </p:cTn>
-                                        <p:tgtEl>
-                                          <p:spTgt spid="3">
-                                            <p:txEl>
-                                              <p:pRg st="4" end="4"/>
-                                            </p:txEl>
-                                          </p:spTgt>
-                                        </p:tgtEl>
-                                        <p:attrNameLst>
-                                          <p:attrName>style.visibility</p:attrName>
-                                        </p:attrNameLst>
-                                      </p:cBhvr>
-                                      <p:to>
-                                        <p:strVal val="visible"/>
-                                      </p:to>
-                                    </p:set>
-                                    <p:animEffect transition="in" filter="fade">
-                                      <p:cBhvr>
-                                        <p:cTn id="31" dur="500"/>
-                                        <p:tgtEl>
-                                          <p:spTgt spid="3">
-                                            <p:txEl>
-                                              <p:pRg st="4" end="4"/>
                                             </p:txEl>
                                           </p:spTgt>
                                         </p:tgtEl>
@@ -19436,7 +18299,7 @@
             </a:r>
             <a:r>
               <a:rPr lang="en-US" dirty="0"/>
-              <a:t> (IV)</a:t>
+              <a:t> (V)</a:t>
             </a:r>
           </a:p>
         </p:txBody>
@@ -19715,704 +18578,6 @@
             </a:pPr>
             <a:r>
               <a:rPr lang="it-IT" sz="2000" dirty="0"/>
-              <a:t>Selezionare un attore lo </a:t>
-            </a:r>
-            <a:r>
-              <a:rPr lang="it-IT" sz="2000" b="1" dirty="0"/>
-              <a:t>mette in evidenza</a:t>
-            </a:r>
-            <a:r>
-              <a:rPr lang="it-IT" sz="2000" dirty="0"/>
-              <a:t> e fa comparire la sua relativa </a:t>
-            </a:r>
-            <a:r>
-              <a:rPr lang="it-IT" sz="2000" b="1" dirty="0"/>
-              <a:t>finestra attore</a:t>
-            </a:r>
-            <a:r>
-              <a:rPr lang="it-IT" sz="2000" dirty="0"/>
-              <a:t>.</a:t>
-            </a:r>
-          </a:p>
-          <a:p>
-            <a:pPr lvl="2">
-              <a:buFont typeface="Arial" charset="0"/>
-              <a:buChar char="•"/>
-            </a:pPr>
-            <a:r>
-              <a:rPr lang="it-IT" sz="1600" dirty="0"/>
-              <a:t>Da qui è possibile visualizzare e modificare manualmente tutti i </a:t>
-            </a:r>
-            <a:r>
-              <a:rPr lang="it-IT" sz="1600" b="1" dirty="0"/>
-              <a:t>parametri</a:t>
-            </a:r>
-            <a:r>
-              <a:rPr lang="it-IT" sz="1600" dirty="0"/>
-              <a:t> relativi all’attore.</a:t>
-            </a:r>
-          </a:p>
-          <a:p>
-            <a:pPr lvl="2">
-              <a:buFont typeface="Arial" charset="0"/>
-              <a:buChar char="•"/>
-            </a:pPr>
-            <a:r>
-              <a:rPr lang="it-IT" sz="1600" dirty="0"/>
-              <a:t>Da qui si accede ai sotto-menù di </a:t>
-            </a:r>
-            <a:r>
-              <a:rPr lang="it-IT" sz="1600" b="1" dirty="0"/>
-              <a:t>gestione delle variabili locali</a:t>
-            </a:r>
-            <a:r>
-              <a:rPr lang="it-IT" sz="1600" dirty="0"/>
-              <a:t> e di </a:t>
-            </a:r>
-            <a:r>
-              <a:rPr lang="it-IT" sz="1600" b="1" dirty="0"/>
-              <a:t>inserimento di elementi di </a:t>
-            </a:r>
-            <a:r>
-              <a:rPr lang="it-IT" sz="1600" b="1" dirty="0" err="1"/>
-              <a:t>scripting</a:t>
-            </a:r>
-            <a:r>
-              <a:rPr lang="it-IT" sz="1600" dirty="0"/>
-              <a:t>.</a:t>
-            </a:r>
-          </a:p>
-        </p:txBody>
-      </p:sp>
-      <p:pic>
-        <p:nvPicPr>
-          <p:cNvPr id="4" name="Picture 3">
-            <a:extLst>
-              <a:ext uri="{FF2B5EF4-FFF2-40B4-BE49-F238E27FC236}">
-                <a16:creationId xmlns="" xmlns:a16="http://schemas.microsoft.com/office/drawing/2014/main" id="{EBFA84E6-5435-45B5-914C-21E1CF06BA36}"/>
-              </a:ext>
-            </a:extLst>
-          </p:cNvPr>
-          <p:cNvPicPr>
-            <a:picLocks noChangeAspect="1"/>
-          </p:cNvPicPr>
-          <p:nvPr/>
-        </p:nvPicPr>
-        <p:blipFill>
-          <a:blip r:embed="rId2"/>
-          <a:stretch>
-            <a:fillRect/>
-          </a:stretch>
-        </p:blipFill>
-        <p:spPr>
-          <a:xfrm>
-            <a:off x="2634467" y="3711787"/>
-            <a:ext cx="3933385" cy="2679921"/>
-          </a:xfrm>
-          <a:prstGeom prst="rect">
-            <a:avLst/>
-          </a:prstGeom>
-        </p:spPr>
-      </p:pic>
-    </p:spTree>
-    <p:extLst>
-      <p:ext uri="{BB962C8B-B14F-4D97-AF65-F5344CB8AC3E}">
-        <p14:creationId xmlns:p14="http://schemas.microsoft.com/office/powerpoint/2010/main" val="1080068102"/>
-      </p:ext>
-    </p:extLst>
-  </p:cSld>
-  <p:clrMapOvr>
-    <a:masterClrMapping/>
-  </p:clrMapOvr>
-  <mc:AlternateContent xmlns:mc="http://schemas.openxmlformats.org/markup-compatibility/2006">
-    <mc:Choice xmlns:p14="http://schemas.microsoft.com/office/powerpoint/2010/main" Requires="p14">
-      <p:transition spd="med" p14:dur="700">
-        <p:fade/>
-      </p:transition>
-    </mc:Choice>
-    <mc:Fallback>
-      <p:transition spd="med">
-        <p:fade/>
-      </p:transition>
-    </mc:Fallback>
-  </mc:AlternateContent>
-  <p:timing>
-    <p:tnLst>
-      <p:par>
-        <p:cTn id="1" dur="indefinite" restart="never" nodeType="tmRoot">
-          <p:childTnLst>
-            <p:seq concurrent="1" nextAc="seek">
-              <p:cTn id="2" dur="indefinite" nodeType="mainSeq">
-                <p:childTnLst>
-                  <p:par>
-                    <p:cTn id="3" fill="hold">
-                      <p:stCondLst>
-                        <p:cond delay="indefinite"/>
-                      </p:stCondLst>
-                      <p:childTnLst>
-                        <p:par>
-                          <p:cTn id="4" fill="hold">
-                            <p:stCondLst>
-                              <p:cond delay="0"/>
-                            </p:stCondLst>
-                            <p:childTnLst>
-                              <p:par>
-                                <p:cTn id="5" presetID="10" presetClass="entr" presetSubtype="0" fill="hold" nodeType="clickEffect">
-                                  <p:stCondLst>
-                                    <p:cond delay="0"/>
-                                  </p:stCondLst>
-                                  <p:childTnLst>
-                                    <p:set>
-                                      <p:cBhvr>
-                                        <p:cTn id="6" dur="1" fill="hold">
-                                          <p:stCondLst>
-                                            <p:cond delay="0"/>
-                                          </p:stCondLst>
-                                        </p:cTn>
-                                        <p:tgtEl>
-                                          <p:spTgt spid="3">
-                                            <p:txEl>
-                                              <p:pRg st="0" end="0"/>
-                                            </p:txEl>
-                                          </p:spTgt>
-                                        </p:tgtEl>
-                                        <p:attrNameLst>
-                                          <p:attrName>style.visibility</p:attrName>
-                                        </p:attrNameLst>
-                                      </p:cBhvr>
-                                      <p:to>
-                                        <p:strVal val="visible"/>
-                                      </p:to>
-                                    </p:set>
-                                    <p:animEffect transition="in" filter="fade">
-                                      <p:cBhvr>
-                                        <p:cTn id="7" dur="500"/>
-                                        <p:tgtEl>
-                                          <p:spTgt spid="3">
-                                            <p:txEl>
-                                              <p:pRg st="0" end="0"/>
-                                            </p:txEl>
-                                          </p:spTgt>
-                                        </p:tgtEl>
-                                      </p:cBhvr>
-                                    </p:animEffect>
-                                  </p:childTnLst>
-                                </p:cTn>
-                              </p:par>
-                            </p:childTnLst>
-                          </p:cTn>
-                        </p:par>
-                        <p:par>
-                          <p:cTn id="8" fill="hold">
-                            <p:stCondLst>
-                              <p:cond delay="500"/>
-                            </p:stCondLst>
-                            <p:childTnLst>
-                              <p:par>
-                                <p:cTn id="9" presetID="10" presetClass="entr" presetSubtype="0" fill="hold" nodeType="afterEffect">
-                                  <p:stCondLst>
-                                    <p:cond delay="0"/>
-                                  </p:stCondLst>
-                                  <p:childTnLst>
-                                    <p:set>
-                                      <p:cBhvr>
-                                        <p:cTn id="10" dur="1" fill="hold">
-                                          <p:stCondLst>
-                                            <p:cond delay="0"/>
-                                          </p:stCondLst>
-                                        </p:cTn>
-                                        <p:tgtEl>
-                                          <p:spTgt spid="4"/>
-                                        </p:tgtEl>
-                                        <p:attrNameLst>
-                                          <p:attrName>style.visibility</p:attrName>
-                                        </p:attrNameLst>
-                                      </p:cBhvr>
-                                      <p:to>
-                                        <p:strVal val="visible"/>
-                                      </p:to>
-                                    </p:set>
-                                    <p:animEffect transition="in" filter="fade">
-                                      <p:cBhvr>
-                                        <p:cTn id="11" dur="500"/>
-                                        <p:tgtEl>
-                                          <p:spTgt spid="4"/>
-                                        </p:tgtEl>
-                                      </p:cBhvr>
-                                    </p:animEffect>
-                                  </p:childTnLst>
-                                </p:cTn>
-                              </p:par>
-                            </p:childTnLst>
-                          </p:cTn>
-                        </p:par>
-                      </p:childTnLst>
-                    </p:cTn>
-                  </p:par>
-                  <p:par>
-                    <p:cTn id="12" fill="hold">
-                      <p:stCondLst>
-                        <p:cond delay="indefinite"/>
-                      </p:stCondLst>
-                      <p:childTnLst>
-                        <p:par>
-                          <p:cTn id="13" fill="hold">
-                            <p:stCondLst>
-                              <p:cond delay="0"/>
-                            </p:stCondLst>
-                            <p:childTnLst>
-                              <p:par>
-                                <p:cTn id="14" presetID="10" presetClass="entr" presetSubtype="0" fill="hold" nodeType="clickEffect">
-                                  <p:stCondLst>
-                                    <p:cond delay="0"/>
-                                  </p:stCondLst>
-                                  <p:childTnLst>
-                                    <p:set>
-                                      <p:cBhvr>
-                                        <p:cTn id="15" dur="1" fill="hold">
-                                          <p:stCondLst>
-                                            <p:cond delay="0"/>
-                                          </p:stCondLst>
-                                        </p:cTn>
-                                        <p:tgtEl>
-                                          <p:spTgt spid="3">
-                                            <p:txEl>
-                                              <p:pRg st="1" end="1"/>
-                                            </p:txEl>
-                                          </p:spTgt>
-                                        </p:tgtEl>
-                                        <p:attrNameLst>
-                                          <p:attrName>style.visibility</p:attrName>
-                                        </p:attrNameLst>
-                                      </p:cBhvr>
-                                      <p:to>
-                                        <p:strVal val="visible"/>
-                                      </p:to>
-                                    </p:set>
-                                    <p:animEffect transition="in" filter="fade">
-                                      <p:cBhvr>
-                                        <p:cTn id="16" dur="500"/>
-                                        <p:tgtEl>
-                                          <p:spTgt spid="3">
-                                            <p:txEl>
-                                              <p:pRg st="1" end="1"/>
-                                            </p:txEl>
-                                          </p:spTgt>
-                                        </p:tgtEl>
-                                      </p:cBhvr>
-                                    </p:animEffect>
-                                  </p:childTnLst>
-                                </p:cTn>
-                              </p:par>
-                            </p:childTnLst>
-                          </p:cTn>
-                        </p:par>
-                      </p:childTnLst>
-                    </p:cTn>
-                  </p:par>
-                  <p:par>
-                    <p:cTn id="17" fill="hold">
-                      <p:stCondLst>
-                        <p:cond delay="indefinite"/>
-                      </p:stCondLst>
-                      <p:childTnLst>
-                        <p:par>
-                          <p:cTn id="18" fill="hold">
-                            <p:stCondLst>
-                              <p:cond delay="0"/>
-                            </p:stCondLst>
-                            <p:childTnLst>
-                              <p:par>
-                                <p:cTn id="19" presetID="10" presetClass="entr" presetSubtype="0" fill="hold" nodeType="clickEffect">
-                                  <p:stCondLst>
-                                    <p:cond delay="0"/>
-                                  </p:stCondLst>
-                                  <p:childTnLst>
-                                    <p:set>
-                                      <p:cBhvr>
-                                        <p:cTn id="20" dur="1" fill="hold">
-                                          <p:stCondLst>
-                                            <p:cond delay="0"/>
-                                          </p:stCondLst>
-                                        </p:cTn>
-                                        <p:tgtEl>
-                                          <p:spTgt spid="3">
-                                            <p:txEl>
-                                              <p:pRg st="2" end="2"/>
-                                            </p:txEl>
-                                          </p:spTgt>
-                                        </p:tgtEl>
-                                        <p:attrNameLst>
-                                          <p:attrName>style.visibility</p:attrName>
-                                        </p:attrNameLst>
-                                      </p:cBhvr>
-                                      <p:to>
-                                        <p:strVal val="visible"/>
-                                      </p:to>
-                                    </p:set>
-                                    <p:animEffect transition="in" filter="fade">
-                                      <p:cBhvr>
-                                        <p:cTn id="21" dur="500"/>
-                                        <p:tgtEl>
-                                          <p:spTgt spid="3">
-                                            <p:txEl>
-                                              <p:pRg st="2" end="2"/>
-                                            </p:txEl>
-                                          </p:spTgt>
-                                        </p:tgtEl>
-                                      </p:cBhvr>
-                                    </p:animEffect>
-                                  </p:childTnLst>
-                                </p:cTn>
-                              </p:par>
-                            </p:childTnLst>
-                          </p:cTn>
-                        </p:par>
-                      </p:childTnLst>
-                    </p:cTn>
-                  </p:par>
-                </p:childTnLst>
-              </p:cTn>
-              <p:prevCondLst>
-                <p:cond evt="onPrev" delay="0">
-                  <p:tgtEl>
-                    <p:sldTgt/>
-                  </p:tgtEl>
-                </p:cond>
-              </p:prevCondLst>
-              <p:nextCondLst>
-                <p:cond evt="onNext" delay="0">
-                  <p:tgtEl>
-                    <p:sldTgt/>
-                  </p:tgtEl>
-                </p:cond>
-              </p:nextCondLst>
-            </p:seq>
-          </p:childTnLst>
-        </p:cTn>
-      </p:par>
-    </p:tnLst>
-  </p:timing>
-</p:sld>
-</file>
-
-<file path=ppt/slides/slide22.xml><?xml version="1.0" encoding="utf-8"?>
-<p:sld xmlns:a="http://schemas.openxmlformats.org/drawingml/2006/main" xmlns:r="http://schemas.openxmlformats.org/officeDocument/2006/relationships" xmlns:p="http://schemas.openxmlformats.org/presentationml/2006/main" show="0">
-  <p:cSld>
-    <p:spTree>
-      <p:nvGrpSpPr>
-        <p:cNvPr id="1" name=""/>
-        <p:cNvGrpSpPr/>
-        <p:nvPr/>
-      </p:nvGrpSpPr>
-      <p:grpSpPr>
-        <a:xfrm>
-          <a:off x="0" y="0"/>
-          <a:ext cx="0" cy="0"/>
-          <a:chOff x="0" y="0"/>
-          <a:chExt cx="0" cy="0"/>
-        </a:xfrm>
-      </p:grpSpPr>
-      <p:sp>
-        <p:nvSpPr>
-          <p:cNvPr id="2" name="Title 1"/>
-          <p:cNvSpPr>
-            <a:spLocks noGrp="1"/>
-          </p:cNvSpPr>
-          <p:nvPr>
-            <p:ph type="title"/>
-          </p:nvPr>
-        </p:nvSpPr>
-        <p:spPr/>
-        <p:txBody>
-          <a:bodyPr/>
-          <a:lstStyle/>
-          <a:p>
-            <a:r>
-              <a:rPr lang="en-US" dirty="0" err="1"/>
-              <a:t>Interfaccia</a:t>
-            </a:r>
-            <a:r>
-              <a:rPr lang="en-US" dirty="0"/>
-              <a:t> (V)</a:t>
-            </a:r>
-          </a:p>
-        </p:txBody>
-      </p:sp>
-      <p:sp>
-        <p:nvSpPr>
-          <p:cNvPr id="3" name="Content Placeholder 2"/>
-          <p:cNvSpPr txBox="1">
-            <a:spLocks/>
-          </p:cNvSpPr>
-          <p:nvPr/>
-        </p:nvSpPr>
-        <p:spPr>
-          <a:xfrm>
-            <a:off x="822959" y="1845734"/>
-            <a:ext cx="7543801" cy="3732106"/>
-          </a:xfrm>
-          <a:prstGeom prst="rect">
-            <a:avLst/>
-          </a:prstGeom>
-        </p:spPr>
-        <p:txBody>
-          <a:bodyPr>
-            <a:normAutofit/>
-          </a:bodyPr>
-          <a:lstStyle>
-            <a:lvl1pPr marL="91440" indent="-91440" algn="l" defTabSz="914400" rtl="0" eaLnBrk="1" latinLnBrk="0" hangingPunct="1">
-              <a:lnSpc>
-                <a:spcPct val="90000"/>
-              </a:lnSpc>
-              <a:spcBef>
-                <a:spcPts val="1200"/>
-              </a:spcBef>
-              <a:spcAft>
-                <a:spcPts val="200"/>
-              </a:spcAft>
-              <a:buClr>
-                <a:schemeClr val="accent1"/>
-              </a:buClr>
-              <a:buSzPct val="100000"/>
-              <a:buFont typeface="Calibri" panose="020F0502020204030204" pitchFamily="34" charset="0"/>
-              <a:buChar char=" "/>
-              <a:defRPr sz="2000" kern="1200">
-                <a:solidFill>
-                  <a:schemeClr val="tx1">
-                    <a:lumMod val="75000"/>
-                    <a:lumOff val="25000"/>
-                  </a:schemeClr>
-                </a:solidFill>
-                <a:latin typeface="+mn-lt"/>
-                <a:ea typeface="+mn-ea"/>
-                <a:cs typeface="+mn-cs"/>
-              </a:defRPr>
-            </a:lvl1pPr>
-            <a:lvl2pPr marL="384048" indent="-182880" algn="l" defTabSz="914400" rtl="0" eaLnBrk="1" latinLnBrk="0" hangingPunct="1">
-              <a:lnSpc>
-                <a:spcPct val="90000"/>
-              </a:lnSpc>
-              <a:spcBef>
-                <a:spcPts val="200"/>
-              </a:spcBef>
-              <a:spcAft>
-                <a:spcPts val="400"/>
-              </a:spcAft>
-              <a:buClr>
-                <a:schemeClr val="accent1"/>
-              </a:buClr>
-              <a:buFont typeface="Calibri" pitchFamily="34" charset="0"/>
-              <a:buChar char="◦"/>
-              <a:defRPr sz="1800" kern="1200">
-                <a:solidFill>
-                  <a:schemeClr val="tx1">
-                    <a:lumMod val="75000"/>
-                    <a:lumOff val="25000"/>
-                  </a:schemeClr>
-                </a:solidFill>
-                <a:latin typeface="+mn-lt"/>
-                <a:ea typeface="+mn-ea"/>
-                <a:cs typeface="+mn-cs"/>
-              </a:defRPr>
-            </a:lvl2pPr>
-            <a:lvl3pPr marL="566928" indent="-182880" algn="l" defTabSz="914400" rtl="0" eaLnBrk="1" latinLnBrk="0" hangingPunct="1">
-              <a:lnSpc>
-                <a:spcPct val="90000"/>
-              </a:lnSpc>
-              <a:spcBef>
-                <a:spcPts val="200"/>
-              </a:spcBef>
-              <a:spcAft>
-                <a:spcPts val="400"/>
-              </a:spcAft>
-              <a:buClr>
-                <a:schemeClr val="accent1"/>
-              </a:buClr>
-              <a:buFont typeface="Calibri" pitchFamily="34" charset="0"/>
-              <a:buChar char="◦"/>
-              <a:defRPr sz="1400" kern="1200">
-                <a:solidFill>
-                  <a:schemeClr val="tx1">
-                    <a:lumMod val="75000"/>
-                    <a:lumOff val="25000"/>
-                  </a:schemeClr>
-                </a:solidFill>
-                <a:latin typeface="+mn-lt"/>
-                <a:ea typeface="+mn-ea"/>
-                <a:cs typeface="+mn-cs"/>
-              </a:defRPr>
-            </a:lvl3pPr>
-            <a:lvl4pPr marL="749808" indent="-182880" algn="l" defTabSz="914400" rtl="0" eaLnBrk="1" latinLnBrk="0" hangingPunct="1">
-              <a:lnSpc>
-                <a:spcPct val="90000"/>
-              </a:lnSpc>
-              <a:spcBef>
-                <a:spcPts val="200"/>
-              </a:spcBef>
-              <a:spcAft>
-                <a:spcPts val="400"/>
-              </a:spcAft>
-              <a:buClr>
-                <a:schemeClr val="accent1"/>
-              </a:buClr>
-              <a:buFont typeface="Calibri" pitchFamily="34" charset="0"/>
-              <a:buChar char="◦"/>
-              <a:defRPr sz="1400" kern="1200">
-                <a:solidFill>
-                  <a:schemeClr val="tx1">
-                    <a:lumMod val="75000"/>
-                    <a:lumOff val="25000"/>
-                  </a:schemeClr>
-                </a:solidFill>
-                <a:latin typeface="+mn-lt"/>
-                <a:ea typeface="+mn-ea"/>
-                <a:cs typeface="+mn-cs"/>
-              </a:defRPr>
-            </a:lvl4pPr>
-            <a:lvl5pPr marL="932688" indent="-182880" algn="l" defTabSz="914400" rtl="0" eaLnBrk="1" latinLnBrk="0" hangingPunct="1">
-              <a:lnSpc>
-                <a:spcPct val="90000"/>
-              </a:lnSpc>
-              <a:spcBef>
-                <a:spcPts val="200"/>
-              </a:spcBef>
-              <a:spcAft>
-                <a:spcPts val="400"/>
-              </a:spcAft>
-              <a:buClr>
-                <a:schemeClr val="accent1"/>
-              </a:buClr>
-              <a:buFont typeface="Calibri" pitchFamily="34" charset="0"/>
-              <a:buChar char="◦"/>
-              <a:defRPr sz="1400" kern="1200">
-                <a:solidFill>
-                  <a:schemeClr val="tx1">
-                    <a:lumMod val="75000"/>
-                    <a:lumOff val="25000"/>
-                  </a:schemeClr>
-                </a:solidFill>
-                <a:latin typeface="+mn-lt"/>
-                <a:ea typeface="+mn-ea"/>
-                <a:cs typeface="+mn-cs"/>
-              </a:defRPr>
-            </a:lvl5pPr>
-            <a:lvl6pPr marL="1100000" indent="-228600" algn="l" defTabSz="914400" rtl="0" eaLnBrk="1" latinLnBrk="0" hangingPunct="1">
-              <a:lnSpc>
-                <a:spcPct val="90000"/>
-              </a:lnSpc>
-              <a:spcBef>
-                <a:spcPts val="200"/>
-              </a:spcBef>
-              <a:spcAft>
-                <a:spcPts val="400"/>
-              </a:spcAft>
-              <a:buClr>
-                <a:schemeClr val="accent1"/>
-              </a:buClr>
-              <a:buFont typeface="Calibri" pitchFamily="34" charset="0"/>
-              <a:buChar char="◦"/>
-              <a:defRPr sz="1400" kern="1200">
-                <a:solidFill>
-                  <a:schemeClr val="tx1">
-                    <a:lumMod val="75000"/>
-                    <a:lumOff val="25000"/>
-                  </a:schemeClr>
-                </a:solidFill>
-                <a:latin typeface="+mn-lt"/>
-                <a:ea typeface="+mn-ea"/>
-                <a:cs typeface="+mn-cs"/>
-              </a:defRPr>
-            </a:lvl6pPr>
-            <a:lvl7pPr marL="1300000" indent="-228600" algn="l" defTabSz="914400" rtl="0" eaLnBrk="1" latinLnBrk="0" hangingPunct="1">
-              <a:lnSpc>
-                <a:spcPct val="90000"/>
-              </a:lnSpc>
-              <a:spcBef>
-                <a:spcPts val="200"/>
-              </a:spcBef>
-              <a:spcAft>
-                <a:spcPts val="400"/>
-              </a:spcAft>
-              <a:buClr>
-                <a:schemeClr val="accent1"/>
-              </a:buClr>
-              <a:buFont typeface="Calibri" pitchFamily="34" charset="0"/>
-              <a:buChar char="◦"/>
-              <a:defRPr sz="1400" kern="1200">
-                <a:solidFill>
-                  <a:schemeClr val="tx1">
-                    <a:lumMod val="75000"/>
-                    <a:lumOff val="25000"/>
-                  </a:schemeClr>
-                </a:solidFill>
-                <a:latin typeface="+mn-lt"/>
-                <a:ea typeface="+mn-ea"/>
-                <a:cs typeface="+mn-cs"/>
-              </a:defRPr>
-            </a:lvl7pPr>
-            <a:lvl8pPr marL="1500000" indent="-228600" algn="l" defTabSz="914400" rtl="0" eaLnBrk="1" latinLnBrk="0" hangingPunct="1">
-              <a:lnSpc>
-                <a:spcPct val="90000"/>
-              </a:lnSpc>
-              <a:spcBef>
-                <a:spcPts val="200"/>
-              </a:spcBef>
-              <a:spcAft>
-                <a:spcPts val="400"/>
-              </a:spcAft>
-              <a:buClr>
-                <a:schemeClr val="accent1"/>
-              </a:buClr>
-              <a:buFont typeface="Calibri" pitchFamily="34" charset="0"/>
-              <a:buChar char="◦"/>
-              <a:defRPr sz="1400" kern="1200">
-                <a:solidFill>
-                  <a:schemeClr val="tx1">
-                    <a:lumMod val="75000"/>
-                    <a:lumOff val="25000"/>
-                  </a:schemeClr>
-                </a:solidFill>
-                <a:latin typeface="+mn-lt"/>
-                <a:ea typeface="+mn-ea"/>
-                <a:cs typeface="+mn-cs"/>
-              </a:defRPr>
-            </a:lvl8pPr>
-            <a:lvl9pPr marL="1700000" indent="-228600" algn="l" defTabSz="914400" rtl="0" eaLnBrk="1" latinLnBrk="0" hangingPunct="1">
-              <a:lnSpc>
-                <a:spcPct val="90000"/>
-              </a:lnSpc>
-              <a:spcBef>
-                <a:spcPts val="200"/>
-              </a:spcBef>
-              <a:spcAft>
-                <a:spcPts val="400"/>
-              </a:spcAft>
-              <a:buClr>
-                <a:schemeClr val="accent1"/>
-              </a:buClr>
-              <a:buFont typeface="Calibri" pitchFamily="34" charset="0"/>
-              <a:buChar char="◦"/>
-              <a:defRPr sz="1400" kern="1200">
-                <a:solidFill>
-                  <a:schemeClr val="tx1">
-                    <a:lumMod val="75000"/>
-                    <a:lumOff val="25000"/>
-                  </a:schemeClr>
-                </a:solidFill>
-                <a:latin typeface="+mn-lt"/>
-                <a:ea typeface="+mn-ea"/>
-                <a:cs typeface="+mn-cs"/>
-              </a:defRPr>
-            </a:lvl9pPr>
-          </a:lstStyle>
-          <a:p>
-            <a:pPr lvl="1">
-              <a:buFont typeface="Arial" charset="0"/>
-              <a:buChar char="•"/>
-            </a:pPr>
-            <a:r>
-              <a:rPr lang="it-IT" sz="2000" dirty="0"/>
               <a:t>In una finestra di </a:t>
             </a:r>
             <a:r>
@@ -20869,7 +19034,7 @@
 </p:sld>
 </file>
 
-<file path=ppt/slides/slide23.xml><?xml version="1.0" encoding="utf-8"?>
+<file path=ppt/slides/slide22.xml><?xml version="1.0" encoding="utf-8"?>
 <p:sld xmlns:a="http://schemas.openxmlformats.org/drawingml/2006/main" xmlns:r="http://schemas.openxmlformats.org/officeDocument/2006/relationships" xmlns:p="http://schemas.openxmlformats.org/presentationml/2006/main" show="0">
   <p:cSld>
     <p:spTree>
@@ -21667,7 +19832,7 @@
 </p:sld>
 </file>
 
-<file path=ppt/slides/slide24.xml><?xml version="1.0" encoding="utf-8"?>
+<file path=ppt/slides/slide23.xml><?xml version="1.0" encoding="utf-8"?>
 <p:sld xmlns:a="http://schemas.openxmlformats.org/drawingml/2006/main" xmlns:r="http://schemas.openxmlformats.org/officeDocument/2006/relationships" xmlns:p="http://schemas.openxmlformats.org/presentationml/2006/main">
   <p:cSld>
     <p:spTree>
@@ -22274,7 +20439,7 @@
 </p:sld>
 </file>
 
-<file path=ppt/slides/slide25.xml><?xml version="1.0" encoding="utf-8"?>
+<file path=ppt/slides/slide24.xml><?xml version="1.0" encoding="utf-8"?>
 <p:sld xmlns:a="http://schemas.openxmlformats.org/drawingml/2006/main" xmlns:r="http://schemas.openxmlformats.org/officeDocument/2006/relationships" xmlns:p="http://schemas.openxmlformats.org/presentationml/2006/main">
   <p:cSld>
     <p:spTree>
@@ -22331,7 +20496,7 @@
         <p:spPr>
           <a:xfrm>
             <a:off x="822959" y="1845734"/>
-            <a:ext cx="7543801" cy="4023360"/>
+            <a:ext cx="7543801" cy="4542366"/>
           </a:xfrm>
           <a:prstGeom prst="rect">
             <a:avLst/>
@@ -22739,7 +20904,19 @@
             </a:pPr>
             <a:r>
               <a:rPr lang="it-IT" sz="1600" dirty="0"/>
-              <a:t>Considerare future piattaforme in via di definizione (Windows </a:t>
+              <a:t>Considerare future piattaforme in via di definizione </a:t>
+            </a:r>
+            <a:r>
+              <a:rPr lang="it-IT" sz="1600" dirty="0" smtClean="0"/>
+              <a:t>(Google </a:t>
+            </a:r>
+            <a:r>
+              <a:rPr lang="it-IT" sz="1600" dirty="0" err="1" smtClean="0"/>
+              <a:t>Daydream</a:t>
+            </a:r>
+            <a:r>
+              <a:rPr lang="it-IT" sz="1600" dirty="0" smtClean="0"/>
+              <a:t>, Windows </a:t>
             </a:r>
             <a:r>
               <a:rPr lang="it-IT" sz="1600" dirty="0" err="1"/>
@@ -25226,13 +23403,22 @@
               <a:buChar char="•"/>
             </a:pPr>
             <a:r>
+              <a:rPr lang="it-IT" sz="1600" dirty="0"/>
+              <a:t>Un</a:t>
+            </a:r>
+            <a:r>
               <a:rPr lang="it-IT" sz="1600" b="1" dirty="0"/>
-              <a:t>Script</a:t>
+              <a:t> modello</a:t>
             </a:r>
             <a:r>
               <a:rPr lang="it-IT" sz="1600" dirty="0"/>
-              <a:t>: programmi realizzabili con l’apposita interfaccia.</a:t>
-            </a:r>
+              <a:t> tridimensionale che lo rappresenta</a:t>
+            </a:r>
+            <a:r>
+              <a:rPr lang="it-IT" sz="1600" dirty="0" smtClean="0"/>
+              <a:t>.</a:t>
+            </a:r>
+            <a:endParaRPr lang="it-IT" sz="1600" b="1" dirty="0" smtClean="0"/>
           </a:p>
           <a:p>
             <a:pPr lvl="2">
@@ -25240,16 +23426,12 @@
               <a:buChar char="•"/>
             </a:pPr>
             <a:r>
+              <a:rPr lang="it-IT" sz="1600" b="1" dirty="0" smtClean="0"/>
+              <a:t>Script</a:t>
+            </a:r>
+            <a:r>
               <a:rPr lang="it-IT" sz="1600" dirty="0"/>
-              <a:t>Un</a:t>
-            </a:r>
-            <a:r>
-              <a:rPr lang="it-IT" sz="1600" b="1" dirty="0"/>
-              <a:t> modello</a:t>
-            </a:r>
-            <a:r>
-              <a:rPr lang="it-IT" sz="1600" dirty="0"/>
-              <a:t> tridimensionale che lo rappresenta.</a:t>
+              <a:t>: programmi realizzabili con l’apposita interfaccia.</a:t>
             </a:r>
           </a:p>
           <a:p>
@@ -25258,7 +23440,7 @@
               <a:buChar char="•"/>
             </a:pPr>
             <a:r>
-              <a:rPr lang="it-IT" sz="1600" dirty="0"/>
+              <a:rPr lang="it-IT" sz="1600" dirty="0" smtClean="0"/>
               <a:t>Un </a:t>
             </a:r>
             <a:r>
@@ -30071,7 +28253,7 @@
 </file>
 
 <file path=ppt/slides/slide9.xml><?xml version="1.0" encoding="utf-8"?>
-<p:sld xmlns:a="http://schemas.openxmlformats.org/drawingml/2006/main" xmlns:r="http://schemas.openxmlformats.org/officeDocument/2006/relationships" xmlns:p="http://schemas.openxmlformats.org/presentationml/2006/main" show="0">
+<p:sld xmlns:a="http://schemas.openxmlformats.org/drawingml/2006/main" xmlns:r="http://schemas.openxmlformats.org/officeDocument/2006/relationships" xmlns:p="http://schemas.openxmlformats.org/presentationml/2006/main">
   <p:cSld>
     <p:spTree>
       <p:nvGrpSpPr>
@@ -30103,17 +28285,10 @@
           <a:lstStyle/>
           <a:p>
             <a:r>
-              <a:rPr lang="it-IT" dirty="0"/>
-              <a:t>Elementi di Scripting</a:t>
-            </a:r>
-            <a:r>
               <a:rPr lang="en-US" dirty="0" smtClean="0"/>
-              <a:t> </a:t>
-            </a:r>
-            <a:r>
-              <a:rPr lang="en-US" dirty="0"/>
-              <a:t>(IV)</a:t>
-            </a:r>
+              <a:t>Scoping</a:t>
+            </a:r>
+            <a:endParaRPr lang="en-US" dirty="0"/>
           </a:p>
         </p:txBody>
       </p:sp>
@@ -30391,15 +28566,23 @@
             </a:pPr>
             <a:r>
               <a:rPr lang="it-IT" sz="2000" dirty="0"/>
-              <a:t>Alcuni blocchi presentano </a:t>
+              <a:t>Ciascun </a:t>
             </a:r>
             <a:r>
               <a:rPr lang="it-IT" sz="2000" b="1" dirty="0"/>
-              <a:t>opzioni</a:t>
+              <a:t>attore</a:t>
             </a:r>
             <a:r>
               <a:rPr lang="it-IT" sz="2000" dirty="0"/>
-              <a:t>: caselle con menù a tendina per la selezione di un valore in un elenco prestabilito.</a:t>
+              <a:t> definisce </a:t>
+            </a:r>
+            <a:r>
+              <a:rPr lang="it-IT" sz="2000" b="1" dirty="0"/>
+              <a:t>variabili locali</a:t>
+            </a:r>
+            <a:r>
+              <a:rPr lang="it-IT" sz="2000" dirty="0"/>
+              <a:t> su cui ha visibilità esclusiva.</a:t>
             </a:r>
           </a:p>
           <a:p>
@@ -30435,33 +28618,7 @@
               <a:buFont typeface="Arial" charset="0"/>
               <a:buChar char="•"/>
             </a:pPr>
-            <a:r>
-              <a:rPr lang="it-IT" sz="2000" dirty="0"/>
-              <a:t>Le </a:t>
-            </a:r>
-            <a:r>
-              <a:rPr lang="it-IT" sz="2000" b="1" dirty="0"/>
-              <a:t>variabili</a:t>
-            </a:r>
-            <a:r>
-              <a:rPr lang="it-IT" sz="2000" dirty="0"/>
-              <a:t> si definiscono con i controlli dell’ambiente di programmazione (separatamente rispetto agli script), ma sono disponibili istruzioni per </a:t>
-            </a:r>
-            <a:r>
-              <a:rPr lang="it-IT" sz="2000" b="1" dirty="0"/>
-              <a:t>assegnare loro valori diversi</a:t>
-            </a:r>
-            <a:r>
-              <a:rPr lang="it-IT" sz="2000" dirty="0"/>
-              <a:t>.</a:t>
-            </a:r>
-          </a:p>
-          <a:p>
-            <a:pPr lvl="2">
-              <a:buFont typeface="Arial" charset="0"/>
-              <a:buChar char="•"/>
-            </a:pPr>
-            <a:endParaRPr lang="it-IT" sz="1600" dirty="0"/>
+            <a:endParaRPr lang="it-IT" sz="2000" dirty="0"/>
           </a:p>
           <a:p>
             <a:pPr lvl="1">
@@ -30470,32 +28627,50 @@
             </a:pPr>
             <a:endParaRPr lang="it-IT" sz="2000" dirty="0"/>
           </a:p>
+          <a:p>
+            <a:pPr lvl="1">
+              <a:buFont typeface="Arial" charset="0"/>
+              <a:buChar char="•"/>
+            </a:pPr>
+            <a:r>
+              <a:rPr lang="it-IT" sz="2000" dirty="0"/>
+              <a:t>Sono definibili </a:t>
+            </a:r>
+            <a:r>
+              <a:rPr lang="it-IT" sz="2000" b="1" dirty="0"/>
+              <a:t>variabili globali</a:t>
+            </a:r>
+            <a:r>
+              <a:rPr lang="it-IT" sz="2000" dirty="0"/>
+              <a:t> che risultano visibili per qualsiasi attore.</a:t>
+            </a:r>
+          </a:p>
         </p:txBody>
       </p:sp>
       <p:pic>
         <p:nvPicPr>
-          <p:cNvPr id="7" name="Picture 6">
-            <a:extLst>
-              <a:ext uri="{FF2B5EF4-FFF2-40B4-BE49-F238E27FC236}">
-                <a16:creationId xmlns="" xmlns:a16="http://schemas.microsoft.com/office/drawing/2014/main" id="{D735BB8A-B15B-4C12-B9AC-7649B0BD045B}"/>
-              </a:ext>
-            </a:extLst>
-          </p:cNvPr>
+          <p:cNvPr id="4" name="Picture 3"/>
           <p:cNvPicPr>
             <a:picLocks noChangeAspect="1"/>
           </p:cNvPicPr>
           <p:nvPr/>
         </p:nvPicPr>
         <p:blipFill>
-          <a:blip r:embed="rId2"/>
+          <a:blip r:embed="rId2">
+            <a:extLst>
+              <a:ext uri="{28A0092B-C50C-407E-A947-70E740481C1C}">
+                <a14:useLocalDpi xmlns:a14="http://schemas.microsoft.com/office/drawing/2010/main" val="0"/>
+              </a:ext>
+            </a:extLst>
+          </a:blip>
           <a:stretch>
             <a:fillRect/>
           </a:stretch>
         </p:blipFill>
         <p:spPr>
           <a:xfrm>
-            <a:off x="3447329" y="2561786"/>
-            <a:ext cx="2295059" cy="1169702"/>
+            <a:off x="2724679" y="2222500"/>
+            <a:ext cx="875241" cy="875241"/>
           </a:xfrm>
           <a:prstGeom prst="rect">
             <a:avLst/>
@@ -30504,13 +28679,7 @@
       </p:pic>
       <p:pic>
         <p:nvPicPr>
-          <p:cNvPr id="9" name="Picture 8">
-            <a:extLst>
-              <a:ext uri="{FF2B5EF4-FFF2-40B4-BE49-F238E27FC236}">
-                <a16:creationId xmlns="" xmlns:a16="http://schemas.microsoft.com/office/drawing/2014/main" id="{D735BB8A-B15B-4C12-B9AC-7649B0BD045B}"/>
-              </a:ext>
-            </a:extLst>
-          </p:cNvPr>
+          <p:cNvPr id="6" name="Picture 5"/>
           <p:cNvPicPr>
             <a:picLocks noChangeAspect="1"/>
           </p:cNvPicPr>
@@ -30530,32 +28699,587 @@
         </p:blipFill>
         <p:spPr>
           <a:xfrm>
-            <a:off x="2746750" y="4872569"/>
-            <a:ext cx="3696216" cy="1376885"/>
+            <a:off x="2832097" y="4901473"/>
+            <a:ext cx="1021399" cy="1117600"/>
           </a:xfrm>
           <a:prstGeom prst="rect">
             <a:avLst/>
           </a:prstGeom>
         </p:spPr>
       </p:pic>
+      <p:sp>
+        <p:nvSpPr>
+          <p:cNvPr id="7" name="Rounded Rectangle 6"/>
+          <p:cNvSpPr/>
+          <p:nvPr/>
+        </p:nvSpPr>
+        <p:spPr>
+          <a:xfrm>
+            <a:off x="2724676" y="2202920"/>
+            <a:ext cx="3892023" cy="914400"/>
+          </a:xfrm>
+          <a:prstGeom prst="roundRect">
+            <a:avLst/>
+          </a:prstGeom>
+          <a:noFill/>
+          <a:ln w="38100">
+            <a:solidFill>
+              <a:srgbClr val="C00000"/>
+            </a:solidFill>
+          </a:ln>
+        </p:spPr>
+        <p:style>
+          <a:lnRef idx="2">
+            <a:schemeClr val="accent1">
+              <a:shade val="50000"/>
+            </a:schemeClr>
+          </a:lnRef>
+          <a:fillRef idx="1">
+            <a:schemeClr val="accent1"/>
+          </a:fillRef>
+          <a:effectRef idx="0">
+            <a:schemeClr val="accent1"/>
+          </a:effectRef>
+          <a:fontRef idx="minor">
+            <a:schemeClr val="lt1"/>
+          </a:fontRef>
+        </p:style>
+        <p:txBody>
+          <a:bodyPr rtlCol="0" anchor="ctr"/>
+          <a:lstStyle/>
+          <a:p>
+            <a:pPr algn="ctr"/>
+            <a:endParaRPr lang="it-IT"/>
+          </a:p>
+        </p:txBody>
+      </p:sp>
+      <p:sp>
+        <p:nvSpPr>
+          <p:cNvPr id="8" name="TextBox 7"/>
+          <p:cNvSpPr txBox="1"/>
+          <p:nvPr/>
+        </p:nvSpPr>
+        <p:spPr>
+          <a:xfrm>
+            <a:off x="3794379" y="2336954"/>
+            <a:ext cx="2403221" cy="369332"/>
+          </a:xfrm>
+          <a:prstGeom prst="rect">
+            <a:avLst/>
+          </a:prstGeom>
+          <a:noFill/>
+        </p:spPr>
+        <p:txBody>
+          <a:bodyPr wrap="square" rtlCol="0">
+            <a:spAutoFit/>
+          </a:bodyPr>
+          <a:lstStyle/>
+          <a:p>
+            <a:r>
+              <a:rPr lang="it-IT" b="1" dirty="0">
+                <a:solidFill>
+                  <a:srgbClr val="C00000"/>
+                </a:solidFill>
+              </a:rPr>
+              <a:t>VAR1</a:t>
+            </a:r>
+          </a:p>
+        </p:txBody>
+      </p:sp>
+      <p:sp>
+        <p:nvSpPr>
+          <p:cNvPr id="9" name="TextBox 8"/>
+          <p:cNvSpPr txBox="1"/>
+          <p:nvPr/>
+        </p:nvSpPr>
+        <p:spPr>
+          <a:xfrm>
+            <a:off x="4594859" y="2655654"/>
+            <a:ext cx="2403221" cy="369332"/>
+          </a:xfrm>
+          <a:prstGeom prst="rect">
+            <a:avLst/>
+          </a:prstGeom>
+          <a:noFill/>
+        </p:spPr>
+        <p:txBody>
+          <a:bodyPr wrap="square" rtlCol="0">
+            <a:spAutoFit/>
+          </a:bodyPr>
+          <a:lstStyle/>
+          <a:p>
+            <a:r>
+              <a:rPr lang="it-IT" b="1" dirty="0">
+                <a:solidFill>
+                  <a:srgbClr val="C00000"/>
+                </a:solidFill>
+              </a:rPr>
+              <a:t>VAR2</a:t>
+            </a:r>
+          </a:p>
+        </p:txBody>
+      </p:sp>
+      <p:sp>
+        <p:nvSpPr>
+          <p:cNvPr id="10" name="TextBox 9"/>
+          <p:cNvSpPr txBox="1"/>
+          <p:nvPr/>
+        </p:nvSpPr>
+        <p:spPr>
+          <a:xfrm>
+            <a:off x="5418813" y="2332297"/>
+            <a:ext cx="2403221" cy="369332"/>
+          </a:xfrm>
+          <a:prstGeom prst="rect">
+            <a:avLst/>
+          </a:prstGeom>
+          <a:noFill/>
+        </p:spPr>
+        <p:txBody>
+          <a:bodyPr wrap="square" rtlCol="0">
+            <a:spAutoFit/>
+          </a:bodyPr>
+          <a:lstStyle/>
+          <a:p>
+            <a:r>
+              <a:rPr lang="it-IT" b="1" dirty="0">
+                <a:solidFill>
+                  <a:srgbClr val="C00000"/>
+                </a:solidFill>
+              </a:rPr>
+              <a:t>VAR3</a:t>
+            </a:r>
+          </a:p>
+        </p:txBody>
+      </p:sp>
+      <p:pic>
+        <p:nvPicPr>
+          <p:cNvPr id="11" name="Picture 10"/>
+          <p:cNvPicPr>
+            <a:picLocks noChangeAspect="1"/>
+          </p:cNvPicPr>
+          <p:nvPr/>
+        </p:nvPicPr>
+        <p:blipFill>
+          <a:blip r:embed="rId4">
+            <a:extLst>
+              <a:ext uri="{28A0092B-C50C-407E-A947-70E740481C1C}">
+                <a14:useLocalDpi xmlns:a14="http://schemas.microsoft.com/office/drawing/2010/main" val="0"/>
+              </a:ext>
+            </a:extLst>
+          </a:blip>
+          <a:stretch>
+            <a:fillRect/>
+          </a:stretch>
+        </p:blipFill>
+        <p:spPr>
+          <a:xfrm>
+            <a:off x="2724679" y="3225694"/>
+            <a:ext cx="875241" cy="875241"/>
+          </a:xfrm>
+          <a:prstGeom prst="rect">
+            <a:avLst/>
+          </a:prstGeom>
+        </p:spPr>
+      </p:pic>
+      <p:sp>
+        <p:nvSpPr>
+          <p:cNvPr id="12" name="Rounded Rectangle 11"/>
+          <p:cNvSpPr/>
+          <p:nvPr/>
+        </p:nvSpPr>
+        <p:spPr>
+          <a:xfrm>
+            <a:off x="2724676" y="3206114"/>
+            <a:ext cx="3892023" cy="914400"/>
+          </a:xfrm>
+          <a:prstGeom prst="roundRect">
+            <a:avLst/>
+          </a:prstGeom>
+          <a:noFill/>
+          <a:ln w="38100">
+            <a:solidFill>
+              <a:srgbClr val="00B050"/>
+            </a:solidFill>
+          </a:ln>
+        </p:spPr>
+        <p:style>
+          <a:lnRef idx="2">
+            <a:schemeClr val="accent1">
+              <a:shade val="50000"/>
+            </a:schemeClr>
+          </a:lnRef>
+          <a:fillRef idx="1">
+            <a:schemeClr val="accent1"/>
+          </a:fillRef>
+          <a:effectRef idx="0">
+            <a:schemeClr val="accent1"/>
+          </a:effectRef>
+          <a:fontRef idx="minor">
+            <a:schemeClr val="lt1"/>
+          </a:fontRef>
+        </p:style>
+        <p:txBody>
+          <a:bodyPr rtlCol="0" anchor="ctr"/>
+          <a:lstStyle/>
+          <a:p>
+            <a:pPr algn="ctr"/>
+            <a:endParaRPr lang="it-IT"/>
+          </a:p>
+        </p:txBody>
+      </p:sp>
+      <p:sp>
+        <p:nvSpPr>
+          <p:cNvPr id="13" name="TextBox 12"/>
+          <p:cNvSpPr txBox="1"/>
+          <p:nvPr/>
+        </p:nvSpPr>
+        <p:spPr>
+          <a:xfrm>
+            <a:off x="3794379" y="3340148"/>
+            <a:ext cx="2403221" cy="369332"/>
+          </a:xfrm>
+          <a:prstGeom prst="rect">
+            <a:avLst/>
+          </a:prstGeom>
+          <a:noFill/>
+        </p:spPr>
+        <p:txBody>
+          <a:bodyPr wrap="square" rtlCol="0">
+            <a:spAutoFit/>
+          </a:bodyPr>
+          <a:lstStyle/>
+          <a:p>
+            <a:r>
+              <a:rPr lang="it-IT" b="1" dirty="0">
+                <a:solidFill>
+                  <a:srgbClr val="00B050"/>
+                </a:solidFill>
+              </a:rPr>
+              <a:t>VAR1</a:t>
+            </a:r>
+          </a:p>
+        </p:txBody>
+      </p:sp>
+      <p:sp>
+        <p:nvSpPr>
+          <p:cNvPr id="14" name="TextBox 13"/>
+          <p:cNvSpPr txBox="1"/>
+          <p:nvPr/>
+        </p:nvSpPr>
+        <p:spPr>
+          <a:xfrm>
+            <a:off x="4594859" y="3658848"/>
+            <a:ext cx="2403221" cy="369332"/>
+          </a:xfrm>
+          <a:prstGeom prst="rect">
+            <a:avLst/>
+          </a:prstGeom>
+          <a:noFill/>
+        </p:spPr>
+        <p:txBody>
+          <a:bodyPr wrap="square" rtlCol="0">
+            <a:spAutoFit/>
+          </a:bodyPr>
+          <a:lstStyle/>
+          <a:p>
+            <a:r>
+              <a:rPr lang="it-IT" b="1" dirty="0">
+                <a:solidFill>
+                  <a:srgbClr val="00B050"/>
+                </a:solidFill>
+              </a:rPr>
+              <a:t>VAR2</a:t>
+            </a:r>
+          </a:p>
+        </p:txBody>
+      </p:sp>
+      <p:sp>
+        <p:nvSpPr>
+          <p:cNvPr id="15" name="TextBox 14"/>
+          <p:cNvSpPr txBox="1"/>
+          <p:nvPr/>
+        </p:nvSpPr>
+        <p:spPr>
+          <a:xfrm>
+            <a:off x="5418813" y="3335491"/>
+            <a:ext cx="2403221" cy="369332"/>
+          </a:xfrm>
+          <a:prstGeom prst="rect">
+            <a:avLst/>
+          </a:prstGeom>
+          <a:noFill/>
+        </p:spPr>
+        <p:txBody>
+          <a:bodyPr wrap="square" rtlCol="0">
+            <a:spAutoFit/>
+          </a:bodyPr>
+          <a:lstStyle/>
+          <a:p>
+            <a:r>
+              <a:rPr lang="it-IT" b="1" dirty="0">
+                <a:solidFill>
+                  <a:srgbClr val="00B050"/>
+                </a:solidFill>
+              </a:rPr>
+              <a:t>VAR4</a:t>
+            </a:r>
+          </a:p>
+        </p:txBody>
+      </p:sp>
+      <p:pic>
+        <p:nvPicPr>
+          <p:cNvPr id="18" name="Picture 17"/>
+          <p:cNvPicPr>
+            <a:picLocks noChangeAspect="1"/>
+          </p:cNvPicPr>
+          <p:nvPr/>
+        </p:nvPicPr>
+        <p:blipFill>
+          <a:blip r:embed="rId4">
+            <a:extLst>
+              <a:ext uri="{28A0092B-C50C-407E-A947-70E740481C1C}">
+                <a14:useLocalDpi xmlns:a14="http://schemas.microsoft.com/office/drawing/2010/main" val="0"/>
+              </a:ext>
+            </a:extLst>
+          </a:blip>
+          <a:stretch>
+            <a:fillRect/>
+          </a:stretch>
+        </p:blipFill>
+        <p:spPr>
+          <a:xfrm>
+            <a:off x="4969627" y="4721775"/>
+            <a:ext cx="723340" cy="723340"/>
+          </a:xfrm>
+          <a:prstGeom prst="rect">
+            <a:avLst/>
+          </a:prstGeom>
+        </p:spPr>
+      </p:pic>
+      <p:pic>
+        <p:nvPicPr>
+          <p:cNvPr id="19" name="Picture 18"/>
+          <p:cNvPicPr>
+            <a:picLocks noChangeAspect="1"/>
+          </p:cNvPicPr>
+          <p:nvPr/>
+        </p:nvPicPr>
+        <p:blipFill>
+          <a:blip r:embed="rId2">
+            <a:extLst>
+              <a:ext uri="{28A0092B-C50C-407E-A947-70E740481C1C}">
+                <a14:useLocalDpi xmlns:a14="http://schemas.microsoft.com/office/drawing/2010/main" val="0"/>
+              </a:ext>
+            </a:extLst>
+          </a:blip>
+          <a:stretch>
+            <a:fillRect/>
+          </a:stretch>
+        </p:blipFill>
+        <p:spPr>
+          <a:xfrm>
+            <a:off x="5355482" y="5282211"/>
+            <a:ext cx="723340" cy="723340"/>
+          </a:xfrm>
+          <a:prstGeom prst="rect">
+            <a:avLst/>
+          </a:prstGeom>
+        </p:spPr>
+      </p:pic>
+      <p:pic>
+        <p:nvPicPr>
+          <p:cNvPr id="20" name="Picture 19"/>
+          <p:cNvPicPr>
+            <a:picLocks noChangeAspect="1"/>
+          </p:cNvPicPr>
+          <p:nvPr/>
+        </p:nvPicPr>
+        <p:blipFill>
+          <a:blip r:embed="rId5">
+            <a:extLst>
+              <a:ext uri="{28A0092B-C50C-407E-A947-70E740481C1C}">
+                <a14:useLocalDpi xmlns:a14="http://schemas.microsoft.com/office/drawing/2010/main" val="0"/>
+              </a:ext>
+            </a:extLst>
+          </a:blip>
+          <a:stretch>
+            <a:fillRect/>
+          </a:stretch>
+        </p:blipFill>
+        <p:spPr>
+          <a:xfrm>
+            <a:off x="5736777" y="4721775"/>
+            <a:ext cx="723340" cy="723340"/>
+          </a:xfrm>
+          <a:prstGeom prst="rect">
+            <a:avLst/>
+          </a:prstGeom>
+        </p:spPr>
+      </p:pic>
+      <p:sp>
+        <p:nvSpPr>
+          <p:cNvPr id="22" name="Rounded Rectangle 21"/>
+          <p:cNvSpPr/>
+          <p:nvPr/>
+        </p:nvSpPr>
+        <p:spPr>
+          <a:xfrm>
+            <a:off x="2724676" y="4695327"/>
+            <a:ext cx="3892023" cy="1484272"/>
+          </a:xfrm>
+          <a:prstGeom prst="roundRect">
+            <a:avLst/>
+          </a:prstGeom>
+          <a:noFill/>
+          <a:ln w="38100">
+            <a:solidFill>
+              <a:srgbClr val="002060"/>
+            </a:solidFill>
+          </a:ln>
+        </p:spPr>
+        <p:style>
+          <a:lnRef idx="2">
+            <a:schemeClr val="accent1">
+              <a:shade val="50000"/>
+            </a:schemeClr>
+          </a:lnRef>
+          <a:fillRef idx="1">
+            <a:schemeClr val="accent1"/>
+          </a:fillRef>
+          <a:effectRef idx="0">
+            <a:schemeClr val="accent1"/>
+          </a:effectRef>
+          <a:fontRef idx="minor">
+            <a:schemeClr val="lt1"/>
+          </a:fontRef>
+        </p:style>
+        <p:txBody>
+          <a:bodyPr rtlCol="0" anchor="ctr"/>
+          <a:lstStyle/>
+          <a:p>
+            <a:pPr algn="ctr"/>
+            <a:endParaRPr lang="it-IT"/>
+          </a:p>
+        </p:txBody>
+      </p:sp>
+      <p:sp>
+        <p:nvSpPr>
+          <p:cNvPr id="23" name="TextBox 22"/>
+          <p:cNvSpPr txBox="1"/>
+          <p:nvPr/>
+        </p:nvSpPr>
+        <p:spPr>
+          <a:xfrm>
+            <a:off x="3794379" y="4825643"/>
+            <a:ext cx="2403221" cy="369332"/>
+          </a:xfrm>
+          <a:prstGeom prst="rect">
+            <a:avLst/>
+          </a:prstGeom>
+          <a:noFill/>
+        </p:spPr>
+        <p:txBody>
+          <a:bodyPr wrap="square" rtlCol="0">
+            <a:spAutoFit/>
+          </a:bodyPr>
+          <a:lstStyle/>
+          <a:p>
+            <a:r>
+              <a:rPr lang="it-IT" b="1" dirty="0">
+                <a:solidFill>
+                  <a:srgbClr val="002060"/>
+                </a:solidFill>
+              </a:rPr>
+              <a:t>VARG1</a:t>
+            </a:r>
+          </a:p>
+        </p:txBody>
+      </p:sp>
+      <p:sp>
+        <p:nvSpPr>
+          <p:cNvPr id="24" name="TextBox 23"/>
+          <p:cNvSpPr txBox="1"/>
+          <p:nvPr/>
+        </p:nvSpPr>
+        <p:spPr>
+          <a:xfrm>
+            <a:off x="3968776" y="5188184"/>
+            <a:ext cx="2403221" cy="369332"/>
+          </a:xfrm>
+          <a:prstGeom prst="rect">
+            <a:avLst/>
+          </a:prstGeom>
+          <a:noFill/>
+        </p:spPr>
+        <p:txBody>
+          <a:bodyPr wrap="square" rtlCol="0">
+            <a:spAutoFit/>
+          </a:bodyPr>
+          <a:lstStyle/>
+          <a:p>
+            <a:r>
+              <a:rPr lang="it-IT" b="1" dirty="0">
+                <a:solidFill>
+                  <a:srgbClr val="002060"/>
+                </a:solidFill>
+              </a:rPr>
+              <a:t>VARG2</a:t>
+            </a:r>
+          </a:p>
+        </p:txBody>
+      </p:sp>
+      <p:sp>
+        <p:nvSpPr>
+          <p:cNvPr id="25" name="TextBox 24"/>
+          <p:cNvSpPr txBox="1"/>
+          <p:nvPr/>
+        </p:nvSpPr>
+        <p:spPr>
+          <a:xfrm>
+            <a:off x="4148618" y="5565705"/>
+            <a:ext cx="2403221" cy="369332"/>
+          </a:xfrm>
+          <a:prstGeom prst="rect">
+            <a:avLst/>
+          </a:prstGeom>
+          <a:noFill/>
+        </p:spPr>
+        <p:txBody>
+          <a:bodyPr wrap="square" rtlCol="0">
+            <a:spAutoFit/>
+          </a:bodyPr>
+          <a:lstStyle/>
+          <a:p>
+            <a:r>
+              <a:rPr lang="it-IT" b="1" dirty="0">
+                <a:solidFill>
+                  <a:srgbClr val="002060"/>
+                </a:solidFill>
+              </a:rPr>
+              <a:t>VARG3</a:t>
+            </a:r>
+          </a:p>
+        </p:txBody>
+      </p:sp>
     </p:spTree>
     <p:extLst>
       <p:ext uri="{BB962C8B-B14F-4D97-AF65-F5344CB8AC3E}">
-        <p14:creationId xmlns:p14="http://schemas.microsoft.com/office/powerpoint/2010/main" val="1836155270"/>
+        <p14:creationId xmlns:p14="http://schemas.microsoft.com/office/powerpoint/2010/main" val="1083294608"/>
       </p:ext>
     </p:extLst>
   </p:cSld>
   <p:clrMapOvr>
     <a:masterClrMapping/>
   </p:clrMapOvr>
-  <mc:AlternateContent xmlns:mc="http://schemas.openxmlformats.org/markup-compatibility/2006">
-    <mc:Choice xmlns:p14="http://schemas.microsoft.com/office/powerpoint/2010/main" Requires="p14">
-      <p:transition spd="med" p14:dur="700">
-        <p:fade/>
+  <mc:AlternateContent xmlns:mc="http://schemas.openxmlformats.org/markup-compatibility/2006" xmlns:p159="http://schemas.microsoft.com/office/powerpoint/2015/09/main">
+    <mc:Choice Requires="p159">
+      <p:transition xmlns:p14="http://schemas.microsoft.com/office/powerpoint/2010/main" spd="slow" p14:dur="2000">
+        <p159:morph option="byObject"/>
       </p:transition>
     </mc:Choice>
-    <mc:Fallback>
-      <p:transition spd="med">
+    <mc:Fallback xmlns="">
+      <p:transition spd="slow">
         <p:fade/>
       </p:transition>
     </mc:Fallback>
@@ -30581,7 +29305,7 @@
                             </p:stCondLst>
                             <p:childTnLst>
                               <p:par>
-                                <p:cTn id="5" presetID="10" presetClass="entr" presetSubtype="0" fill="hold" nodeType="clickEffect">
+                                <p:cTn id="5" presetID="1" presetClass="entr" presetSubtype="0" fill="hold" nodeType="clickEffect">
                                   <p:stCondLst>
                                     <p:cond delay="0"/>
                                   </p:stCondLst>
@@ -30608,15 +29332,187 @@
                                         <p:strVal val="visible"/>
                                       </p:to>
                                     </p:set>
+                                  </p:childTnLst>
+                                </p:cTn>
+                              </p:par>
+                            </p:childTnLst>
+                          </p:cTn>
+                        </p:par>
+                        <p:par>
+                          <p:cTn id="7" fill="hold">
+                            <p:stCondLst>
+                              <p:cond delay="0"/>
+                            </p:stCondLst>
+                            <p:childTnLst>
+                              <p:par>
+                                <p:cTn id="8" presetID="10" presetClass="entr" presetSubtype="0" fill="hold" nodeType="afterEffect">
+                                  <p:stCondLst>
+                                    <p:cond delay="0"/>
+                                  </p:stCondLst>
+                                  <p:childTnLst>
+                                    <p:set>
+                                      <p:cBhvr>
+                                        <p:cTn id="9" dur="1" fill="hold">
+                                          <p:stCondLst>
+                                            <p:cond delay="0"/>
+                                          </p:stCondLst>
+                                        </p:cTn>
+                                        <p:tgtEl>
+                                          <p:spTgt spid="4"/>
+                                        </p:tgtEl>
+                                        <p:attrNameLst>
+                                          <p:attrName>style.visibility</p:attrName>
+                                        </p:attrNameLst>
+                                      </p:cBhvr>
+                                      <p:to>
+                                        <p:strVal val="visible"/>
+                                      </p:to>
+                                    </p:set>
                                     <p:animEffect transition="in" filter="fade">
                                       <p:cBhvr>
-                                        <p:cTn id="7" dur="500"/>
-                                        <p:tgtEl>
-                                          <p:spTgt spid="3">
-                                            <p:txEl>
-                                              <p:pRg st="0" end="0"/>
-                                            </p:txEl>
-                                          </p:spTgt>
+                                        <p:cTn id="10" dur="500"/>
+                                        <p:tgtEl>
+                                          <p:spTgt spid="4"/>
+                                        </p:tgtEl>
+                                      </p:cBhvr>
+                                    </p:animEffect>
+                                  </p:childTnLst>
+                                </p:cTn>
+                              </p:par>
+                              <p:par>
+                                <p:cTn id="11" presetID="10" presetClass="entr" presetSubtype="0" fill="hold" grpId="0" nodeType="withEffect">
+                                  <p:stCondLst>
+                                    <p:cond delay="0"/>
+                                  </p:stCondLst>
+                                  <p:childTnLst>
+                                    <p:set>
+                                      <p:cBhvr>
+                                        <p:cTn id="12" dur="1" fill="hold">
+                                          <p:stCondLst>
+                                            <p:cond delay="0"/>
+                                          </p:stCondLst>
+                                        </p:cTn>
+                                        <p:tgtEl>
+                                          <p:spTgt spid="7"/>
+                                        </p:tgtEl>
+                                        <p:attrNameLst>
+                                          <p:attrName>style.visibility</p:attrName>
+                                        </p:attrNameLst>
+                                      </p:cBhvr>
+                                      <p:to>
+                                        <p:strVal val="visible"/>
+                                      </p:to>
+                                    </p:set>
+                                    <p:animEffect transition="in" filter="fade">
+                                      <p:cBhvr>
+                                        <p:cTn id="13" dur="500"/>
+                                        <p:tgtEl>
+                                          <p:spTgt spid="7"/>
+                                        </p:tgtEl>
+                                      </p:cBhvr>
+                                    </p:animEffect>
+                                  </p:childTnLst>
+                                </p:cTn>
+                              </p:par>
+                              <p:par>
+                                <p:cTn id="14" presetID="10" presetClass="entr" presetSubtype="0" fill="hold" grpId="0" nodeType="withEffect">
+                                  <p:stCondLst>
+                                    <p:cond delay="0"/>
+                                  </p:stCondLst>
+                                  <p:childTnLst>
+                                    <p:set>
+                                      <p:cBhvr>
+                                        <p:cTn id="15" dur="1" fill="hold">
+                                          <p:stCondLst>
+                                            <p:cond delay="0"/>
+                                          </p:stCondLst>
+                                        </p:cTn>
+                                        <p:tgtEl>
+                                          <p:spTgt spid="8"/>
+                                        </p:tgtEl>
+                                        <p:attrNameLst>
+                                          <p:attrName>style.visibility</p:attrName>
+                                        </p:attrNameLst>
+                                      </p:cBhvr>
+                                      <p:to>
+                                        <p:strVal val="visible"/>
+                                      </p:to>
+                                    </p:set>
+                                    <p:animEffect transition="in" filter="fade">
+                                      <p:cBhvr>
+                                        <p:cTn id="16" dur="500"/>
+                                        <p:tgtEl>
+                                          <p:spTgt spid="8"/>
+                                        </p:tgtEl>
+                                      </p:cBhvr>
+                                    </p:animEffect>
+                                  </p:childTnLst>
+                                </p:cTn>
+                              </p:par>
+                              <p:par>
+                                <p:cTn id="17" presetID="10" presetClass="entr" presetSubtype="0" fill="hold" grpId="0" nodeType="withEffect">
+                                  <p:stCondLst>
+                                    <p:cond delay="0"/>
+                                  </p:stCondLst>
+                                  <p:childTnLst>
+                                    <p:set>
+                                      <p:cBhvr>
+                                        <p:cTn id="18" dur="1" fill="hold">
+                                          <p:stCondLst>
+                                            <p:cond delay="0"/>
+                                          </p:stCondLst>
+                                        </p:cTn>
+                                        <p:tgtEl>
+                                          <p:spTgt spid="9"/>
+                                        </p:tgtEl>
+                                        <p:attrNameLst>
+                                          <p:attrName>style.visibility</p:attrName>
+                                        </p:attrNameLst>
+                                      </p:cBhvr>
+                                      <p:to>
+                                        <p:strVal val="visible"/>
+                                      </p:to>
+                                    </p:set>
+                                    <p:animEffect transition="in" filter="fade">
+                                      <p:cBhvr>
+                                        <p:cTn id="19" dur="500"/>
+                                        <p:tgtEl>
+                                          <p:spTgt spid="9"/>
+                                        </p:tgtEl>
+                                      </p:cBhvr>
+                                    </p:animEffect>
+                                  </p:childTnLst>
+                                </p:cTn>
+                              </p:par>
+                              <p:par>
+                                <p:cTn id="20" presetID="10" presetClass="entr" presetSubtype="0" fill="hold" grpId="0" nodeType="withEffect">
+                                  <p:stCondLst>
+                                    <p:cond delay="0"/>
+                                  </p:stCondLst>
+                                  <p:childTnLst>
+                                    <p:set>
+                                      <p:cBhvr>
+                                        <p:cTn id="21" dur="1" fill="hold">
+                                          <p:stCondLst>
+                                            <p:cond delay="0"/>
+                                          </p:stCondLst>
+                                        </p:cTn>
+                                        <p:tgtEl>
+                                          <p:spTgt spid="10"/>
+                                        </p:tgtEl>
+                                        <p:attrNameLst>
+                                          <p:attrName>style.visibility</p:attrName>
+                                        </p:attrNameLst>
+                                      </p:cBhvr>
+                                      <p:to>
+                                        <p:strVal val="visible"/>
+                                      </p:to>
+                                    </p:set>
+                                    <p:animEffect transition="in" filter="fade">
+                                      <p:cBhvr>
+                                        <p:cTn id="22" dur="500"/>
+                                        <p:tgtEl>
+                                          <p:spTgt spid="10"/>
                                         </p:tgtEl>
                                       </p:cBhvr>
                                     </p:animEffect>
@@ -30627,26 +29523,26 @@
                           </p:cTn>
                         </p:par>
                         <p:par>
-                          <p:cTn id="8" fill="hold">
+                          <p:cTn id="23" fill="hold">
                             <p:stCondLst>
                               <p:cond delay="500"/>
                             </p:stCondLst>
                             <p:childTnLst>
                               <p:par>
-                                <p:cTn id="9" presetID="10" presetClass="entr" presetSubtype="0" fill="hold" nodeType="afterEffect">
+                                <p:cTn id="24" presetID="10" presetClass="entr" presetSubtype="0" fill="hold" nodeType="afterEffect">
                                   <p:stCondLst>
                                     <p:cond delay="0"/>
                                   </p:stCondLst>
                                   <p:childTnLst>
                                     <p:set>
                                       <p:cBhvr>
-                                        <p:cTn id="10" dur="1" fill="hold">
+                                        <p:cTn id="25" dur="1" fill="hold">
                                           <p:stCondLst>
                                             <p:cond delay="0"/>
                                           </p:stCondLst>
                                         </p:cTn>
                                         <p:tgtEl>
-                                          <p:spTgt spid="7"/>
+                                          <p:spTgt spid="11"/>
                                         </p:tgtEl>
                                         <p:attrNameLst>
                                           <p:attrName>style.visibility</p:attrName>
@@ -30658,9 +29554,149 @@
                                     </p:set>
                                     <p:animEffect transition="in" filter="fade">
                                       <p:cBhvr>
-                                        <p:cTn id="11" dur="500"/>
-                                        <p:tgtEl>
-                                          <p:spTgt spid="7"/>
+                                        <p:cTn id="26" dur="500"/>
+                                        <p:tgtEl>
+                                          <p:spTgt spid="11"/>
+                                        </p:tgtEl>
+                                      </p:cBhvr>
+                                    </p:animEffect>
+                                  </p:childTnLst>
+                                </p:cTn>
+                              </p:par>
+                              <p:par>
+                                <p:cTn id="27" presetID="10" presetClass="entr" presetSubtype="0" fill="hold" grpId="0" nodeType="withEffect">
+                                  <p:stCondLst>
+                                    <p:cond delay="0"/>
+                                  </p:stCondLst>
+                                  <p:childTnLst>
+                                    <p:set>
+                                      <p:cBhvr>
+                                        <p:cTn id="28" dur="1" fill="hold">
+                                          <p:stCondLst>
+                                            <p:cond delay="0"/>
+                                          </p:stCondLst>
+                                        </p:cTn>
+                                        <p:tgtEl>
+                                          <p:spTgt spid="12"/>
+                                        </p:tgtEl>
+                                        <p:attrNameLst>
+                                          <p:attrName>style.visibility</p:attrName>
+                                        </p:attrNameLst>
+                                      </p:cBhvr>
+                                      <p:to>
+                                        <p:strVal val="visible"/>
+                                      </p:to>
+                                    </p:set>
+                                    <p:animEffect transition="in" filter="fade">
+                                      <p:cBhvr>
+                                        <p:cTn id="29" dur="500"/>
+                                        <p:tgtEl>
+                                          <p:spTgt spid="12"/>
+                                        </p:tgtEl>
+                                      </p:cBhvr>
+                                    </p:animEffect>
+                                  </p:childTnLst>
+                                </p:cTn>
+                              </p:par>
+                              <p:par>
+                                <p:cTn id="30" presetID="10" presetClass="entr" presetSubtype="0" fill="hold" grpId="0" nodeType="withEffect">
+                                  <p:stCondLst>
+                                    <p:cond delay="0"/>
+                                  </p:stCondLst>
+                                  <p:childTnLst>
+                                    <p:set>
+                                      <p:cBhvr>
+                                        <p:cTn id="31" dur="1" fill="hold">
+                                          <p:stCondLst>
+                                            <p:cond delay="0"/>
+                                          </p:stCondLst>
+                                        </p:cTn>
+                                        <p:tgtEl>
+                                          <p:spTgt spid="13"/>
+                                        </p:tgtEl>
+                                        <p:attrNameLst>
+                                          <p:attrName>style.visibility</p:attrName>
+                                        </p:attrNameLst>
+                                      </p:cBhvr>
+                                      <p:to>
+                                        <p:strVal val="visible"/>
+                                      </p:to>
+                                    </p:set>
+                                    <p:animEffect transition="in" filter="fade">
+                                      <p:cBhvr>
+                                        <p:cTn id="32" dur="500"/>
+                                        <p:tgtEl>
+                                          <p:spTgt spid="13"/>
+                                        </p:tgtEl>
+                                      </p:cBhvr>
+                                    </p:animEffect>
+                                  </p:childTnLst>
+                                </p:cTn>
+                              </p:par>
+                              <p:par>
+                                <p:cTn id="33" presetID="10" presetClass="entr" presetSubtype="0" fill="hold" grpId="0" nodeType="withEffect">
+                                  <p:stCondLst>
+                                    <p:cond delay="0"/>
+                                  </p:stCondLst>
+                                  <p:childTnLst>
+                                    <p:set>
+                                      <p:cBhvr>
+                                        <p:cTn id="34" dur="1" fill="hold">
+                                          <p:stCondLst>
+                                            <p:cond delay="0"/>
+                                          </p:stCondLst>
+                                        </p:cTn>
+                                        <p:tgtEl>
+                                          <p:spTgt spid="14"/>
+                                        </p:tgtEl>
+                                        <p:attrNameLst>
+                                          <p:attrName>style.visibility</p:attrName>
+                                        </p:attrNameLst>
+                                      </p:cBhvr>
+                                      <p:to>
+                                        <p:strVal val="visible"/>
+                                      </p:to>
+                                    </p:set>
+                                    <p:animEffect transition="in" filter="fade">
+                                      <p:cBhvr>
+                                        <p:cTn id="35" dur="500"/>
+                                        <p:tgtEl>
+                                          <p:spTgt spid="14"/>
+                                        </p:tgtEl>
+                                      </p:cBhvr>
+                                    </p:animEffect>
+                                  </p:childTnLst>
+                                </p:cTn>
+                              </p:par>
+                              <p:par>
+                                <p:cTn id="36" presetID="10" presetClass="entr" presetSubtype="0" fill="hold" grpId="0" nodeType="withEffect">
+                                  <p:stCondLst>
+                                    <p:cond delay="0"/>
+                                  </p:stCondLst>
+                                  <p:childTnLst>
+                                    <p:set>
+                                      <p:cBhvr>
+                                        <p:cTn id="37" dur="1" fill="hold">
+                                          <p:stCondLst>
+                                            <p:cond delay="0"/>
+                                          </p:stCondLst>
+                                        </p:cTn>
+                                        <p:tgtEl>
+                                          <p:spTgt spid="15"/>
+                                        </p:tgtEl>
+                                        <p:attrNameLst>
+                                          <p:attrName>style.visibility</p:attrName>
+                                        </p:attrNameLst>
+                                      </p:cBhvr>
+                                      <p:to>
+                                        <p:strVal val="visible"/>
+                                      </p:to>
+                                    </p:set>
+                                    <p:animEffect transition="in" filter="fade">
+                                      <p:cBhvr>
+                                        <p:cTn id="38" dur="500"/>
+                                        <p:tgtEl>
+                                          <p:spTgt spid="15"/>
                                         </p:tgtEl>
                                       </p:cBhvr>
                                     </p:animEffect>
@@ -30674,26 +29710,26 @@
                     </p:cTn>
                   </p:par>
                   <p:par>
-                    <p:cTn id="12" fill="hold">
+                    <p:cTn id="39" fill="hold">
                       <p:stCondLst>
                         <p:cond delay="indefinite"/>
                       </p:stCondLst>
                       <p:childTnLst>
                         <p:par>
-                          <p:cTn id="13" fill="hold">
+                          <p:cTn id="40" fill="hold">
                             <p:stCondLst>
                               <p:cond delay="0"/>
                             </p:stCondLst>
                             <p:childTnLst>
                               <p:par>
-                                <p:cTn id="14" presetID="10" presetClass="entr" presetSubtype="0" fill="hold" nodeType="clickEffect">
+                                <p:cTn id="41" presetID="1" presetClass="entr" presetSubtype="0" fill="hold" nodeType="clickEffect">
                                   <p:stCondLst>
                                     <p:cond delay="0"/>
                                   </p:stCondLst>
                                   <p:childTnLst>
                                     <p:set>
                                       <p:cBhvr>
-                                        <p:cTn id="15" dur="1" fill="hold">
+                                        <p:cTn id="42" dur="1" fill="hold">
                                           <p:stCondLst>
                                             <p:cond delay="0"/>
                                           </p:stCondLst>
@@ -30701,7 +29737,7 @@
                                         <p:tgtEl>
                                           <p:spTgt spid="3">
                                             <p:txEl>
-                                              <p:pRg st="5" end="5"/>
+                                              <p:pRg st="7" end="7"/>
                                             </p:txEl>
                                           </p:spTgt>
                                         </p:tgtEl>
@@ -30713,18 +29749,6 @@
                                         <p:strVal val="visible"/>
                                       </p:to>
                                     </p:set>
-                                    <p:animEffect transition="in" filter="fade">
-                                      <p:cBhvr>
-                                        <p:cTn id="16" dur="500"/>
-                                        <p:tgtEl>
-                                          <p:spTgt spid="3">
-                                            <p:txEl>
-                                              <p:pRg st="5" end="5"/>
-                                            </p:txEl>
-                                          </p:spTgt>
-                                        </p:tgtEl>
-                                      </p:cBhvr>
-                                    </p:animEffect>
                                   </p:childTnLst>
                                 </p:cTn>
                               </p:par>
@@ -30732,26 +29756,26 @@
                           </p:cTn>
                         </p:par>
                         <p:par>
-                          <p:cTn id="17" fill="hold">
+                          <p:cTn id="43" fill="hold">
                             <p:stCondLst>
-                              <p:cond delay="500"/>
+                              <p:cond delay="0"/>
                             </p:stCondLst>
                             <p:childTnLst>
                               <p:par>
-                                <p:cTn id="18" presetID="10" presetClass="entr" presetSubtype="0" fill="hold" nodeType="afterEffect">
+                                <p:cTn id="44" presetID="10" presetClass="entr" presetSubtype="0" fill="hold" nodeType="afterEffect">
                                   <p:stCondLst>
                                     <p:cond delay="0"/>
                                   </p:stCondLst>
                                   <p:childTnLst>
                                     <p:set>
                                       <p:cBhvr>
-                                        <p:cTn id="19" dur="1" fill="hold">
+                                        <p:cTn id="45" dur="1" fill="hold">
                                           <p:stCondLst>
                                             <p:cond delay="0"/>
                                           </p:stCondLst>
                                         </p:cTn>
                                         <p:tgtEl>
-                                          <p:spTgt spid="9"/>
+                                          <p:spTgt spid="18"/>
                                         </p:tgtEl>
                                         <p:attrNameLst>
                                           <p:attrName>style.visibility</p:attrName>
@@ -30763,9 +29787,254 @@
                                     </p:set>
                                     <p:animEffect transition="in" filter="fade">
                                       <p:cBhvr>
-                                        <p:cTn id="20" dur="500"/>
-                                        <p:tgtEl>
-                                          <p:spTgt spid="9"/>
+                                        <p:cTn id="46" dur="500"/>
+                                        <p:tgtEl>
+                                          <p:spTgt spid="18"/>
+                                        </p:tgtEl>
+                                      </p:cBhvr>
+                                    </p:animEffect>
+                                  </p:childTnLst>
+                                </p:cTn>
+                              </p:par>
+                              <p:par>
+                                <p:cTn id="47" presetID="10" presetClass="entr" presetSubtype="0" fill="hold" nodeType="withEffect">
+                                  <p:stCondLst>
+                                    <p:cond delay="0"/>
+                                  </p:stCondLst>
+                                  <p:childTnLst>
+                                    <p:set>
+                                      <p:cBhvr>
+                                        <p:cTn id="48" dur="1" fill="hold">
+                                          <p:stCondLst>
+                                            <p:cond delay="0"/>
+                                          </p:stCondLst>
+                                        </p:cTn>
+                                        <p:tgtEl>
+                                          <p:spTgt spid="6"/>
+                                        </p:tgtEl>
+                                        <p:attrNameLst>
+                                          <p:attrName>style.visibility</p:attrName>
+                                        </p:attrNameLst>
+                                      </p:cBhvr>
+                                      <p:to>
+                                        <p:strVal val="visible"/>
+                                      </p:to>
+                                    </p:set>
+                                    <p:animEffect transition="in" filter="fade">
+                                      <p:cBhvr>
+                                        <p:cTn id="49" dur="500"/>
+                                        <p:tgtEl>
+                                          <p:spTgt spid="6"/>
+                                        </p:tgtEl>
+                                      </p:cBhvr>
+                                    </p:animEffect>
+                                  </p:childTnLst>
+                                </p:cTn>
+                              </p:par>
+                              <p:par>
+                                <p:cTn id="50" presetID="10" presetClass="entr" presetSubtype="0" fill="hold" nodeType="withEffect">
+                                  <p:stCondLst>
+                                    <p:cond delay="0"/>
+                                  </p:stCondLst>
+                                  <p:childTnLst>
+                                    <p:set>
+                                      <p:cBhvr>
+                                        <p:cTn id="51" dur="1" fill="hold">
+                                          <p:stCondLst>
+                                            <p:cond delay="0"/>
+                                          </p:stCondLst>
+                                        </p:cTn>
+                                        <p:tgtEl>
+                                          <p:spTgt spid="19"/>
+                                        </p:tgtEl>
+                                        <p:attrNameLst>
+                                          <p:attrName>style.visibility</p:attrName>
+                                        </p:attrNameLst>
+                                      </p:cBhvr>
+                                      <p:to>
+                                        <p:strVal val="visible"/>
+                                      </p:to>
+                                    </p:set>
+                                    <p:animEffect transition="in" filter="fade">
+                                      <p:cBhvr>
+                                        <p:cTn id="52" dur="500"/>
+                                        <p:tgtEl>
+                                          <p:spTgt spid="19"/>
+                                        </p:tgtEl>
+                                      </p:cBhvr>
+                                    </p:animEffect>
+                                  </p:childTnLst>
+                                </p:cTn>
+                              </p:par>
+                              <p:par>
+                                <p:cTn id="53" presetID="10" presetClass="entr" presetSubtype="0" fill="hold" nodeType="withEffect">
+                                  <p:stCondLst>
+                                    <p:cond delay="0"/>
+                                  </p:stCondLst>
+                                  <p:childTnLst>
+                                    <p:set>
+                                      <p:cBhvr>
+                                        <p:cTn id="54" dur="1" fill="hold">
+                                          <p:stCondLst>
+                                            <p:cond delay="0"/>
+                                          </p:stCondLst>
+                                        </p:cTn>
+                                        <p:tgtEl>
+                                          <p:spTgt spid="20"/>
+                                        </p:tgtEl>
+                                        <p:attrNameLst>
+                                          <p:attrName>style.visibility</p:attrName>
+                                        </p:attrNameLst>
+                                      </p:cBhvr>
+                                      <p:to>
+                                        <p:strVal val="visible"/>
+                                      </p:to>
+                                    </p:set>
+                                    <p:animEffect transition="in" filter="fade">
+                                      <p:cBhvr>
+                                        <p:cTn id="55" dur="500"/>
+                                        <p:tgtEl>
+                                          <p:spTgt spid="20"/>
+                                        </p:tgtEl>
+                                      </p:cBhvr>
+                                    </p:animEffect>
+                                  </p:childTnLst>
+                                </p:cTn>
+                              </p:par>
+                              <p:par>
+                                <p:cTn id="56" presetID="10" presetClass="entr" presetSubtype="0" fill="hold" grpId="0" nodeType="withEffect">
+                                  <p:stCondLst>
+                                    <p:cond delay="0"/>
+                                  </p:stCondLst>
+                                  <p:childTnLst>
+                                    <p:set>
+                                      <p:cBhvr>
+                                        <p:cTn id="57" dur="1" fill="hold">
+                                          <p:stCondLst>
+                                            <p:cond delay="0"/>
+                                          </p:stCondLst>
+                                        </p:cTn>
+                                        <p:tgtEl>
+                                          <p:spTgt spid="22"/>
+                                        </p:tgtEl>
+                                        <p:attrNameLst>
+                                          <p:attrName>style.visibility</p:attrName>
+                                        </p:attrNameLst>
+                                      </p:cBhvr>
+                                      <p:to>
+                                        <p:strVal val="visible"/>
+                                      </p:to>
+                                    </p:set>
+                                    <p:animEffect transition="in" filter="fade">
+                                      <p:cBhvr>
+                                        <p:cTn id="58" dur="500"/>
+                                        <p:tgtEl>
+                                          <p:spTgt spid="22"/>
+                                        </p:tgtEl>
+                                      </p:cBhvr>
+                                    </p:animEffect>
+                                  </p:childTnLst>
+                                </p:cTn>
+                              </p:par>
+                              <p:par>
+                                <p:cTn id="59" presetID="10" presetClass="entr" presetSubtype="0" fill="hold" grpId="0" nodeType="withEffect">
+                                  <p:stCondLst>
+                                    <p:cond delay="0"/>
+                                  </p:stCondLst>
+                                  <p:childTnLst>
+                                    <p:set>
+                                      <p:cBhvr>
+                                        <p:cTn id="60" dur="1" fill="hold">
+                                          <p:stCondLst>
+                                            <p:cond delay="0"/>
+                                          </p:stCondLst>
+                                        </p:cTn>
+                                        <p:tgtEl>
+                                          <p:spTgt spid="23"/>
+                                        </p:tgtEl>
+                                        <p:attrNameLst>
+                                          <p:attrName>style.visibility</p:attrName>
+                                        </p:attrNameLst>
+                                      </p:cBhvr>
+                                      <p:to>
+                                        <p:strVal val="visible"/>
+                                      </p:to>
+                                    </p:set>
+                                    <p:animEffect transition="in" filter="fade">
+                                      <p:cBhvr>
+                                        <p:cTn id="61" dur="500"/>
+                                        <p:tgtEl>
+                                          <p:spTgt spid="23"/>
+                                        </p:tgtEl>
+                                      </p:cBhvr>
+                                    </p:animEffect>
+                                  </p:childTnLst>
+                                </p:cTn>
+                              </p:par>
+                              <p:par>
+                                <p:cTn id="62" presetID="10" presetClass="entr" presetSubtype="0" fill="hold" grpId="0" nodeType="withEffect">
+                                  <p:stCondLst>
+                                    <p:cond delay="0"/>
+                                  </p:stCondLst>
+                                  <p:childTnLst>
+                                    <p:set>
+                                      <p:cBhvr>
+                                        <p:cTn id="63" dur="1" fill="hold">
+                                          <p:stCondLst>
+                                            <p:cond delay="0"/>
+                                          </p:stCondLst>
+                                        </p:cTn>
+                                        <p:tgtEl>
+                                          <p:spTgt spid="24"/>
+                                        </p:tgtEl>
+                                        <p:attrNameLst>
+                                          <p:attrName>style.visibility</p:attrName>
+                                        </p:attrNameLst>
+                                      </p:cBhvr>
+                                      <p:to>
+                                        <p:strVal val="visible"/>
+                                      </p:to>
+                                    </p:set>
+                                    <p:animEffect transition="in" filter="fade">
+                                      <p:cBhvr>
+                                        <p:cTn id="64" dur="500"/>
+                                        <p:tgtEl>
+                                          <p:spTgt spid="24"/>
+                                        </p:tgtEl>
+                                      </p:cBhvr>
+                                    </p:animEffect>
+                                  </p:childTnLst>
+                                </p:cTn>
+                              </p:par>
+                              <p:par>
+                                <p:cTn id="65" presetID="10" presetClass="entr" presetSubtype="0" fill="hold" grpId="0" nodeType="withEffect">
+                                  <p:stCondLst>
+                                    <p:cond delay="0"/>
+                                  </p:stCondLst>
+                                  <p:childTnLst>
+                                    <p:set>
+                                      <p:cBhvr>
+                                        <p:cTn id="66" dur="1" fill="hold">
+                                          <p:stCondLst>
+                                            <p:cond delay="0"/>
+                                          </p:stCondLst>
+                                        </p:cTn>
+                                        <p:tgtEl>
+                                          <p:spTgt spid="25"/>
+                                        </p:tgtEl>
+                                        <p:attrNameLst>
+                                          <p:attrName>style.visibility</p:attrName>
+                                        </p:attrNameLst>
+                                      </p:cBhvr>
+                                      <p:to>
+                                        <p:strVal val="visible"/>
+                                      </p:to>
+                                    </p:set>
+                                    <p:animEffect transition="in" filter="fade">
+                                      <p:cBhvr>
+                                        <p:cTn id="67" dur="500"/>
+                                        <p:tgtEl>
+                                          <p:spTgt spid="25"/>
                                         </p:tgtEl>
                                       </p:cBhvr>
                                     </p:animEffect>
@@ -30799,6 +30068,20 @@
         </p:cTn>
       </p:par>
     </p:tnLst>
+    <p:bldLst>
+      <p:bldP spid="7" grpId="0" animBg="1"/>
+      <p:bldP spid="8" grpId="0"/>
+      <p:bldP spid="9" grpId="0"/>
+      <p:bldP spid="10" grpId="0"/>
+      <p:bldP spid="12" grpId="0" animBg="1"/>
+      <p:bldP spid="13" grpId="0"/>
+      <p:bldP spid="14" grpId="0"/>
+      <p:bldP spid="15" grpId="0"/>
+      <p:bldP spid="22" grpId="0" animBg="1"/>
+      <p:bldP spid="23" grpId="0"/>
+      <p:bldP spid="24" grpId="0"/>
+      <p:bldP spid="25" grpId="0"/>
+    </p:bldLst>
   </p:timing>
 </p:sld>
 </file>
